--- a/docs/images.pptx
+++ b/docs/images.pptx
@@ -5,21 +5,25 @@
     <p:sldMasterId id="2147483648" r:id="rId1"/>
   </p:sldMasterIdLst>
   <p:notesMasterIdLst>
-    <p:notesMasterId r:id="rId14"/>
+    <p:notesMasterId r:id="rId18"/>
   </p:notesMasterIdLst>
   <p:sldIdLst>
     <p:sldId id="283" r:id="rId2"/>
     <p:sldId id="290" r:id="rId3"/>
-    <p:sldId id="289" r:id="rId4"/>
-    <p:sldId id="300" r:id="rId5"/>
-    <p:sldId id="299" r:id="rId6"/>
-    <p:sldId id="309" r:id="rId7"/>
-    <p:sldId id="312" r:id="rId8"/>
-    <p:sldId id="294" r:id="rId9"/>
-    <p:sldId id="313" r:id="rId10"/>
-    <p:sldId id="286" r:id="rId11"/>
-    <p:sldId id="293" r:id="rId12"/>
-    <p:sldId id="269" r:id="rId13"/>
+    <p:sldId id="389" r:id="rId4"/>
+    <p:sldId id="386" r:id="rId5"/>
+    <p:sldId id="289" r:id="rId6"/>
+    <p:sldId id="387" r:id="rId7"/>
+    <p:sldId id="300" r:id="rId8"/>
+    <p:sldId id="299" r:id="rId9"/>
+    <p:sldId id="309" r:id="rId10"/>
+    <p:sldId id="312" r:id="rId11"/>
+    <p:sldId id="294" r:id="rId12"/>
+    <p:sldId id="313" r:id="rId13"/>
+    <p:sldId id="286" r:id="rId14"/>
+    <p:sldId id="388" r:id="rId15"/>
+    <p:sldId id="293" r:id="rId16"/>
+    <p:sldId id="269" r:id="rId17"/>
   </p:sldIdLst>
   <p:sldSz cx="12192000" cy="6858000"/>
   <p:notesSz cx="6858000" cy="9144000"/>
@@ -10404,7 +10408,7 @@
   <dgm:whole/>
   <dgm:extLst>
     <a:ext uri="http://schemas.microsoft.com/office/drawing/2008/diagram">
-      <dsp:dataModelExt xmlns:dsp="http://schemas.microsoft.com/office/drawing/2008/diagram" relId="rId7" minVer="http://schemas.openxmlformats.org/drawingml/2006/diagram"/>
+      <dsp:dataModelExt xmlns:dsp="http://schemas.microsoft.com/office/drawing/2008/diagram" relId="rId6" minVer="http://schemas.openxmlformats.org/drawingml/2006/diagram"/>
     </a:ext>
   </dgm:extLst>
 </dgm:dataModel>
@@ -10504,7 +10508,7 @@
   <dgm:whole/>
   <dgm:extLst>
     <a:ext uri="http://schemas.microsoft.com/office/drawing/2008/diagram">
-      <dsp:dataModelExt xmlns:dsp="http://schemas.microsoft.com/office/drawing/2008/diagram" relId="rId12" minVer="http://schemas.openxmlformats.org/drawingml/2006/diagram"/>
+      <dsp:dataModelExt xmlns:dsp="http://schemas.microsoft.com/office/drawing/2008/diagram" relId="rId11" minVer="http://schemas.openxmlformats.org/drawingml/2006/diagram"/>
     </a:ext>
   </dgm:extLst>
 </dgm:dataModel>
@@ -10714,7 +10718,7 @@
   <dgm:whole/>
   <dgm:extLst>
     <a:ext uri="http://schemas.microsoft.com/office/drawing/2008/diagram">
-      <dsp:dataModelExt xmlns:dsp="http://schemas.microsoft.com/office/drawing/2008/diagram" relId="rId8" minVer="http://schemas.openxmlformats.org/drawingml/2006/diagram"/>
+      <dsp:dataModelExt xmlns:dsp="http://schemas.microsoft.com/office/drawing/2008/diagram" relId="rId7" minVer="http://schemas.openxmlformats.org/drawingml/2006/diagram"/>
     </a:ext>
   </dgm:extLst>
 </dgm:dataModel>
@@ -10814,7 +10818,7 @@
   <dgm:whole/>
   <dgm:extLst>
     <a:ext uri="http://schemas.microsoft.com/office/drawing/2008/diagram">
-      <dsp:dataModelExt xmlns:dsp="http://schemas.microsoft.com/office/drawing/2008/diagram" relId="rId13" minVer="http://schemas.openxmlformats.org/drawingml/2006/diagram"/>
+      <dsp:dataModelExt xmlns:dsp="http://schemas.microsoft.com/office/drawing/2008/diagram" relId="rId12" minVer="http://schemas.openxmlformats.org/drawingml/2006/diagram"/>
     </a:ext>
   </dgm:extLst>
 </dgm:dataModel>
@@ -11098,7 +11102,7 @@
   <dgm:whole/>
   <dgm:extLst>
     <a:ext uri="http://schemas.microsoft.com/office/drawing/2008/diagram">
-      <dsp:dataModelExt xmlns:dsp="http://schemas.microsoft.com/office/drawing/2008/diagram" relId="rId8" minVer="http://schemas.openxmlformats.org/drawingml/2006/diagram"/>
+      <dsp:dataModelExt xmlns:dsp="http://schemas.microsoft.com/office/drawing/2008/diagram" relId="rId7" minVer="http://schemas.openxmlformats.org/drawingml/2006/diagram"/>
     </a:ext>
   </dgm:extLst>
 </dgm:dataModel>
@@ -30010,7 +30014,7 @@
           <a:p>
             <a:fld id="{51DC06D7-47F4-42EE-97DE-5D2CE932B02E}" type="datetimeFigureOut">
               <a:rPr lang="en-US" smtClean="0"/>
-              <a:t>4/3/2019</a:t>
+              <a:t>2/21/2020</a:t>
             </a:fld>
             <a:endParaRPr lang="en-US"/>
           </a:p>
@@ -30435,17 +30439,13 @@
           <a:lstStyle/>
           <a:p>
             <a:r>
-              <a:rPr lang="en-US" dirty="0"/>
-              <a:t>https://commons.wikimedia.org/wiki/File:Napoleonic_hat.svg</a:t>
+              <a:rPr lang="pl-PL" dirty="0" err="1"/>
+              <a:t>Pragmatist</a:t>
             </a:r>
-            <a:endParaRPr lang="pl-PL" dirty="0"/>
-          </a:p>
-          <a:p>
             <a:r>
-              <a:rPr lang="en-US" dirty="0"/>
-              <a:t>https://pixabay.com/en/tower-castle-medieval-door-tile-1417887/</a:t>
+              <a:rPr lang="pl-PL" dirty="0"/>
+              <a:t> 1</a:t>
             </a:r>
-            <a:endParaRPr lang="pl-PL" dirty="0"/>
           </a:p>
           <a:p>
             <a:endParaRPr lang="en-US" dirty="0"/>
@@ -30469,7 +30469,7 @@
           <a:p>
             <a:fld id="{1ECF6A35-0BFF-42C8-8651-D2B5FB2BDBD4}" type="slidenum">
               <a:rPr lang="en-US" smtClean="0"/>
-              <a:t>3</a:t>
+              <a:t>4</a:t>
             </a:fld>
             <a:endParaRPr lang="en-US"/>
           </a:p>
@@ -30478,7 +30478,7 @@
     </p:spTree>
     <p:extLst>
       <p:ext uri="{BB962C8B-B14F-4D97-AF65-F5344CB8AC3E}">
-        <p14:creationId xmlns:p14="http://schemas.microsoft.com/office/powerpoint/2010/main" val="2699282491"/>
+        <p14:creationId xmlns:p14="http://schemas.microsoft.com/office/powerpoint/2010/main" val="1357608944"/>
       </p:ext>
     </p:extLst>
   </p:cSld>
@@ -30536,6 +30536,17 @@
               <a:rPr lang="en-US" dirty="0"/>
               <a:t>https://commons.wikimedia.org/wiki/File:Napoleonic_hat.svg</a:t>
             </a:r>
+            <a:endParaRPr lang="pl-PL" dirty="0"/>
+          </a:p>
+          <a:p>
+            <a:r>
+              <a:rPr lang="en-US" dirty="0"/>
+              <a:t>https://pixabay.com/en/tower-castle-medieval-door-tile-1417887/</a:t>
+            </a:r>
+            <a:endParaRPr lang="pl-PL" dirty="0"/>
+          </a:p>
+          <a:p>
+            <a:endParaRPr lang="en-US" dirty="0"/>
           </a:p>
         </p:txBody>
       </p:sp>
@@ -30556,7 +30567,7 @@
           <a:p>
             <a:fld id="{1ECF6A35-0BFF-42C8-8651-D2B5FB2BDBD4}" type="slidenum">
               <a:rPr lang="en-US" smtClean="0"/>
-              <a:t>4</a:t>
+              <a:t>5</a:t>
             </a:fld>
             <a:endParaRPr lang="en-US"/>
           </a:p>
@@ -30565,7 +30576,7 @@
     </p:spTree>
     <p:extLst>
       <p:ext uri="{BB962C8B-B14F-4D97-AF65-F5344CB8AC3E}">
-        <p14:creationId xmlns:p14="http://schemas.microsoft.com/office/powerpoint/2010/main" val="1673684420"/>
+        <p14:creationId xmlns:p14="http://schemas.microsoft.com/office/powerpoint/2010/main" val="2699282491"/>
       </p:ext>
     </p:extLst>
   </p:cSld>
@@ -30643,7 +30654,94 @@
           <a:p>
             <a:fld id="{1ECF6A35-0BFF-42C8-8651-D2B5FB2BDBD4}" type="slidenum">
               <a:rPr lang="en-US" smtClean="0"/>
-              <a:t>5</a:t>
+              <a:t>7</a:t>
+            </a:fld>
+            <a:endParaRPr lang="en-US"/>
+          </a:p>
+        </p:txBody>
+      </p:sp>
+    </p:spTree>
+    <p:extLst>
+      <p:ext uri="{BB962C8B-B14F-4D97-AF65-F5344CB8AC3E}">
+        <p14:creationId xmlns:p14="http://schemas.microsoft.com/office/powerpoint/2010/main" val="1673684420"/>
+      </p:ext>
+    </p:extLst>
+  </p:cSld>
+  <p:clrMapOvr>
+    <a:masterClrMapping/>
+  </p:clrMapOvr>
+</p:notes>
+</file>
+
+<file path=ppt/notesSlides/notesSlide5.xml><?xml version="1.0" encoding="utf-8"?>
+<p:notes xmlns:a="http://schemas.openxmlformats.org/drawingml/2006/main" xmlns:r="http://schemas.openxmlformats.org/officeDocument/2006/relationships" xmlns:p="http://schemas.openxmlformats.org/presentationml/2006/main">
+  <p:cSld>
+    <p:spTree>
+      <p:nvGrpSpPr>
+        <p:cNvPr id="1" name=""/>
+        <p:cNvGrpSpPr/>
+        <p:nvPr/>
+      </p:nvGrpSpPr>
+      <p:grpSpPr>
+        <a:xfrm>
+          <a:off x="0" y="0"/>
+          <a:ext cx="0" cy="0"/>
+          <a:chOff x="0" y="0"/>
+          <a:chExt cx="0" cy="0"/>
+        </a:xfrm>
+      </p:grpSpPr>
+      <p:sp>
+        <p:nvSpPr>
+          <p:cNvPr id="2" name="Symbol zastępczy obrazu slajdu 1"/>
+          <p:cNvSpPr>
+            <a:spLocks noGrp="1" noRot="1" noChangeAspect="1"/>
+          </p:cNvSpPr>
+          <p:nvPr>
+            <p:ph type="sldImg"/>
+          </p:nvPr>
+        </p:nvSpPr>
+        <p:spPr/>
+      </p:sp>
+      <p:sp>
+        <p:nvSpPr>
+          <p:cNvPr id="3" name="Symbol zastępczy notatek 2"/>
+          <p:cNvSpPr>
+            <a:spLocks noGrp="1"/>
+          </p:cNvSpPr>
+          <p:nvPr>
+            <p:ph type="body" idx="1"/>
+          </p:nvPr>
+        </p:nvSpPr>
+        <p:spPr/>
+        <p:txBody>
+          <a:bodyPr/>
+          <a:lstStyle/>
+          <a:p>
+            <a:r>
+              <a:rPr lang="en-US" dirty="0"/>
+              <a:t>https://commons.wikimedia.org/wiki/File:Napoleonic_hat.svg</a:t>
+            </a:r>
+          </a:p>
+        </p:txBody>
+      </p:sp>
+      <p:sp>
+        <p:nvSpPr>
+          <p:cNvPr id="4" name="Symbol zastępczy numeru slajdu 3"/>
+          <p:cNvSpPr>
+            <a:spLocks noGrp="1"/>
+          </p:cNvSpPr>
+          <p:nvPr>
+            <p:ph type="sldNum" sz="quarter" idx="5"/>
+          </p:nvPr>
+        </p:nvSpPr>
+        <p:spPr/>
+        <p:txBody>
+          <a:bodyPr/>
+          <a:lstStyle/>
+          <a:p>
+            <a:fld id="{1ECF6A35-0BFF-42C8-8651-D2B5FB2BDBD4}" type="slidenum">
+              <a:rPr lang="en-US" smtClean="0"/>
+              <a:t>8</a:t>
             </a:fld>
             <a:endParaRPr lang="en-US"/>
           </a:p>
@@ -30662,7 +30760,7 @@
 </p:notes>
 </file>
 
-<file path=ppt/notesSlides/notesSlide5.xml><?xml version="1.0" encoding="utf-8"?>
+<file path=ppt/notesSlides/notesSlide6.xml><?xml version="1.0" encoding="utf-8"?>
 <p:notes xmlns:a="http://schemas.openxmlformats.org/drawingml/2006/main" xmlns:r="http://schemas.openxmlformats.org/officeDocument/2006/relationships" xmlns:p="http://schemas.openxmlformats.org/presentationml/2006/main">
   <p:cSld>
     <p:spTree>
@@ -30755,7 +30853,7 @@
           <a:p>
             <a:fld id="{1ECF6A35-0BFF-42C8-8651-D2B5FB2BDBD4}" type="slidenum">
               <a:rPr lang="en-US" smtClean="0"/>
-              <a:t>11</a:t>
+              <a:t>15</a:t>
             </a:fld>
             <a:endParaRPr lang="en-US"/>
           </a:p>
@@ -30905,7 +31003,7 @@
           <a:p>
             <a:fld id="{B97B1ACE-8FC5-43AE-903F-A46F816E6A3A}" type="datetimeFigureOut">
               <a:rPr lang="en-US" smtClean="0"/>
-              <a:t>4/3/2019</a:t>
+              <a:t>2/21/2020</a:t>
             </a:fld>
             <a:endParaRPr lang="en-US"/>
           </a:p>
@@ -31075,7 +31173,7 @@
           <a:p>
             <a:fld id="{B97B1ACE-8FC5-43AE-903F-A46F816E6A3A}" type="datetimeFigureOut">
               <a:rPr lang="en-US" smtClean="0"/>
-              <a:t>4/3/2019</a:t>
+              <a:t>2/21/2020</a:t>
             </a:fld>
             <a:endParaRPr lang="en-US"/>
           </a:p>
@@ -31255,7 +31353,7 @@
           <a:p>
             <a:fld id="{B97B1ACE-8FC5-43AE-903F-A46F816E6A3A}" type="datetimeFigureOut">
               <a:rPr lang="en-US" smtClean="0"/>
-              <a:t>4/3/2019</a:t>
+              <a:t>2/21/2020</a:t>
             </a:fld>
             <a:endParaRPr lang="en-US"/>
           </a:p>
@@ -31425,7 +31523,7 @@
           <a:p>
             <a:fld id="{B97B1ACE-8FC5-43AE-903F-A46F816E6A3A}" type="datetimeFigureOut">
               <a:rPr lang="en-US" smtClean="0"/>
-              <a:t>4/3/2019</a:t>
+              <a:t>2/21/2020</a:t>
             </a:fld>
             <a:endParaRPr lang="en-US"/>
           </a:p>
@@ -31671,7 +31769,7 @@
           <a:p>
             <a:fld id="{B97B1ACE-8FC5-43AE-903F-A46F816E6A3A}" type="datetimeFigureOut">
               <a:rPr lang="en-US" smtClean="0"/>
-              <a:t>4/3/2019</a:t>
+              <a:t>2/21/2020</a:t>
             </a:fld>
             <a:endParaRPr lang="en-US"/>
           </a:p>
@@ -31903,7 +32001,7 @@
           <a:p>
             <a:fld id="{B97B1ACE-8FC5-43AE-903F-A46F816E6A3A}" type="datetimeFigureOut">
               <a:rPr lang="en-US" smtClean="0"/>
-              <a:t>4/3/2019</a:t>
+              <a:t>2/21/2020</a:t>
             </a:fld>
             <a:endParaRPr lang="en-US"/>
           </a:p>
@@ -32270,7 +32368,7 @@
           <a:p>
             <a:fld id="{B97B1ACE-8FC5-43AE-903F-A46F816E6A3A}" type="datetimeFigureOut">
               <a:rPr lang="en-US" smtClean="0"/>
-              <a:t>4/3/2019</a:t>
+              <a:t>2/21/2020</a:t>
             </a:fld>
             <a:endParaRPr lang="en-US"/>
           </a:p>
@@ -32388,7 +32486,7 @@
           <a:p>
             <a:fld id="{B97B1ACE-8FC5-43AE-903F-A46F816E6A3A}" type="datetimeFigureOut">
               <a:rPr lang="en-US" smtClean="0"/>
-              <a:t>4/3/2019</a:t>
+              <a:t>2/21/2020</a:t>
             </a:fld>
             <a:endParaRPr lang="en-US"/>
           </a:p>
@@ -32483,7 +32581,7 @@
           <a:p>
             <a:fld id="{B97B1ACE-8FC5-43AE-903F-A46F816E6A3A}" type="datetimeFigureOut">
               <a:rPr lang="en-US" smtClean="0"/>
-              <a:t>4/3/2019</a:t>
+              <a:t>2/21/2020</a:t>
             </a:fld>
             <a:endParaRPr lang="en-US"/>
           </a:p>
@@ -32760,7 +32858,7 @@
           <a:p>
             <a:fld id="{B97B1ACE-8FC5-43AE-903F-A46F816E6A3A}" type="datetimeFigureOut">
               <a:rPr lang="en-US" smtClean="0"/>
-              <a:t>4/3/2019</a:t>
+              <a:t>2/21/2020</a:t>
             </a:fld>
             <a:endParaRPr lang="en-US"/>
           </a:p>
@@ -33013,7 +33111,7 @@
           <a:p>
             <a:fld id="{B97B1ACE-8FC5-43AE-903F-A46F816E6A3A}" type="datetimeFigureOut">
               <a:rPr lang="en-US" smtClean="0"/>
-              <a:t>4/3/2019</a:t>
+              <a:t>2/21/2020</a:t>
             </a:fld>
             <a:endParaRPr lang="en-US"/>
           </a:p>
@@ -33226,7 +33324,7 @@
           <a:p>
             <a:fld id="{B97B1ACE-8FC5-43AE-903F-A46F816E6A3A}" type="datetimeFigureOut">
               <a:rPr lang="en-US" smtClean="0"/>
-              <a:t>4/3/2019</a:t>
+              <a:t>2/21/2020</a:t>
             </a:fld>
             <a:endParaRPr lang="en-US"/>
           </a:p>
@@ -33750,6 +33848,458 @@
           <a:chExt cx="0" cy="0"/>
         </a:xfrm>
       </p:grpSpPr>
+      <p:pic>
+        <p:nvPicPr>
+          <p:cNvPr id="3" name="Obraz 2">
+            <a:extLst>
+              <a:ext uri="{FF2B5EF4-FFF2-40B4-BE49-F238E27FC236}">
+                <a16:creationId xmlns:a16="http://schemas.microsoft.com/office/drawing/2014/main" id="{635CE953-8361-47C3-A32B-495006153385}"/>
+              </a:ext>
+            </a:extLst>
+          </p:cNvPr>
+          <p:cNvPicPr>
+            <a:picLocks noChangeAspect="1"/>
+          </p:cNvPicPr>
+          <p:nvPr/>
+        </p:nvPicPr>
+        <p:blipFill>
+          <a:blip r:embed="rId2" cstate="print">
+            <a:extLst>
+              <a:ext uri="{28A0092B-C50C-407E-A947-70E740481C1C}">
+                <a14:useLocalDpi xmlns:a14="http://schemas.microsoft.com/office/drawing/2010/main" val="0"/>
+              </a:ext>
+            </a:extLst>
+          </a:blip>
+          <a:stretch>
+            <a:fillRect/>
+          </a:stretch>
+        </p:blipFill>
+        <p:spPr>
+          <a:xfrm>
+            <a:off x="316669" y="2541980"/>
+            <a:ext cx="3330758" cy="1774039"/>
+          </a:xfrm>
+          <a:prstGeom prst="rect">
+            <a:avLst/>
+          </a:prstGeom>
+        </p:spPr>
+      </p:pic>
+      <p:pic>
+        <p:nvPicPr>
+          <p:cNvPr id="4" name="Obraz 3">
+            <a:extLst>
+              <a:ext uri="{FF2B5EF4-FFF2-40B4-BE49-F238E27FC236}">
+                <a16:creationId xmlns:a16="http://schemas.microsoft.com/office/drawing/2014/main" id="{C5150845-C0FE-43BB-B8C0-CBA4B768A512}"/>
+              </a:ext>
+            </a:extLst>
+          </p:cNvPr>
+          <p:cNvPicPr>
+            <a:picLocks noChangeAspect="1"/>
+          </p:cNvPicPr>
+          <p:nvPr/>
+        </p:nvPicPr>
+        <p:blipFill>
+          <a:blip r:embed="rId2" cstate="print">
+            <a:extLst>
+              <a:ext uri="{28A0092B-C50C-407E-A947-70E740481C1C}">
+                <a14:useLocalDpi xmlns:a14="http://schemas.microsoft.com/office/drawing/2010/main" val="0"/>
+              </a:ext>
+            </a:extLst>
+          </a:blip>
+          <a:stretch>
+            <a:fillRect/>
+          </a:stretch>
+        </p:blipFill>
+        <p:spPr>
+          <a:xfrm>
+            <a:off x="3740907" y="2541980"/>
+            <a:ext cx="3330758" cy="1774039"/>
+          </a:xfrm>
+          <a:prstGeom prst="rect">
+            <a:avLst/>
+          </a:prstGeom>
+        </p:spPr>
+      </p:pic>
+      <p:pic>
+        <p:nvPicPr>
+          <p:cNvPr id="5" name="Obraz 4">
+            <a:extLst>
+              <a:ext uri="{FF2B5EF4-FFF2-40B4-BE49-F238E27FC236}">
+                <a16:creationId xmlns:a16="http://schemas.microsoft.com/office/drawing/2014/main" id="{82F36ED9-D14E-49C4-A320-DA6FEA85FDC5}"/>
+              </a:ext>
+            </a:extLst>
+          </p:cNvPr>
+          <p:cNvPicPr>
+            <a:picLocks noChangeAspect="1"/>
+          </p:cNvPicPr>
+          <p:nvPr/>
+        </p:nvPicPr>
+        <p:blipFill>
+          <a:blip r:embed="rId2" cstate="print">
+            <a:extLst>
+              <a:ext uri="{28A0092B-C50C-407E-A947-70E740481C1C}">
+                <a14:useLocalDpi xmlns:a14="http://schemas.microsoft.com/office/drawing/2010/main" val="0"/>
+              </a:ext>
+            </a:extLst>
+          </a:blip>
+          <a:stretch>
+            <a:fillRect/>
+          </a:stretch>
+        </p:blipFill>
+        <p:spPr>
+          <a:xfrm rot="19343771">
+            <a:off x="6579356" y="941779"/>
+            <a:ext cx="3330758" cy="1774039"/>
+          </a:xfrm>
+          <a:prstGeom prst="rect">
+            <a:avLst/>
+          </a:prstGeom>
+        </p:spPr>
+      </p:pic>
+      <p:pic>
+        <p:nvPicPr>
+          <p:cNvPr id="6" name="Obraz 5">
+            <a:extLst>
+              <a:ext uri="{FF2B5EF4-FFF2-40B4-BE49-F238E27FC236}">
+                <a16:creationId xmlns:a16="http://schemas.microsoft.com/office/drawing/2014/main" id="{20B61700-64C9-4A6A-9937-3DFC3B5ED055}"/>
+              </a:ext>
+            </a:extLst>
+          </p:cNvPr>
+          <p:cNvPicPr>
+            <a:picLocks noChangeAspect="1"/>
+          </p:cNvPicPr>
+          <p:nvPr/>
+        </p:nvPicPr>
+        <p:blipFill>
+          <a:blip r:embed="rId3" cstate="print">
+            <a:extLst>
+              <a:ext uri="{28A0092B-C50C-407E-A947-70E740481C1C}">
+                <a14:useLocalDpi xmlns:a14="http://schemas.microsoft.com/office/drawing/2010/main" val="0"/>
+              </a:ext>
+            </a:extLst>
+          </a:blip>
+          <a:stretch>
+            <a:fillRect/>
+          </a:stretch>
+        </p:blipFill>
+        <p:spPr>
+          <a:xfrm rot="3221884">
+            <a:off x="6369767" y="4456371"/>
+            <a:ext cx="1787446" cy="952035"/>
+          </a:xfrm>
+          <a:prstGeom prst="rect">
+            <a:avLst/>
+          </a:prstGeom>
+        </p:spPr>
+      </p:pic>
+      <p:pic>
+        <p:nvPicPr>
+          <p:cNvPr id="7" name="Obraz 6">
+            <a:extLst>
+              <a:ext uri="{FF2B5EF4-FFF2-40B4-BE49-F238E27FC236}">
+                <a16:creationId xmlns:a16="http://schemas.microsoft.com/office/drawing/2014/main" id="{83C7EE30-82BB-4FF8-9B64-22A5F2AA2F06}"/>
+              </a:ext>
+            </a:extLst>
+          </p:cNvPr>
+          <p:cNvPicPr>
+            <a:picLocks noChangeAspect="1"/>
+          </p:cNvPicPr>
+          <p:nvPr/>
+        </p:nvPicPr>
+        <p:blipFill>
+          <a:blip r:embed="rId4" cstate="print">
+            <a:extLst>
+              <a:ext uri="{28A0092B-C50C-407E-A947-70E740481C1C}">
+                <a14:useLocalDpi xmlns:a14="http://schemas.microsoft.com/office/drawing/2010/main" val="0"/>
+              </a:ext>
+            </a:extLst>
+          </a:blip>
+          <a:stretch>
+            <a:fillRect/>
+          </a:stretch>
+        </p:blipFill>
+        <p:spPr>
+          <a:xfrm rot="3221884">
+            <a:off x="2800241" y="4553717"/>
+            <a:ext cx="2401150" cy="1278908"/>
+          </a:xfrm>
+          <a:prstGeom prst="rect">
+            <a:avLst/>
+          </a:prstGeom>
+        </p:spPr>
+      </p:pic>
+      <p:pic>
+        <p:nvPicPr>
+          <p:cNvPr id="9" name="Obraz 8">
+            <a:extLst>
+              <a:ext uri="{FF2B5EF4-FFF2-40B4-BE49-F238E27FC236}">
+                <a16:creationId xmlns:a16="http://schemas.microsoft.com/office/drawing/2014/main" id="{AB26620C-405B-4ACF-A083-898C160D53B8}"/>
+              </a:ext>
+            </a:extLst>
+          </p:cNvPr>
+          <p:cNvPicPr>
+            <a:picLocks noChangeAspect="1"/>
+          </p:cNvPicPr>
+          <p:nvPr/>
+        </p:nvPicPr>
+        <p:blipFill>
+          <a:blip r:embed="rId3" cstate="print">
+            <a:extLst>
+              <a:ext uri="{28A0092B-C50C-407E-A947-70E740481C1C}">
+                <a14:useLocalDpi xmlns:a14="http://schemas.microsoft.com/office/drawing/2010/main" val="0"/>
+              </a:ext>
+            </a:extLst>
+          </a:blip>
+          <a:stretch>
+            <a:fillRect/>
+          </a:stretch>
+        </p:blipFill>
+        <p:spPr>
+          <a:xfrm>
+            <a:off x="8012829" y="4812312"/>
+            <a:ext cx="1787446" cy="952035"/>
+          </a:xfrm>
+          <a:prstGeom prst="rect">
+            <a:avLst/>
+          </a:prstGeom>
+        </p:spPr>
+      </p:pic>
+    </p:spTree>
+    <p:extLst>
+      <p:ext uri="{BB962C8B-B14F-4D97-AF65-F5344CB8AC3E}">
+        <p14:creationId xmlns:p14="http://schemas.microsoft.com/office/powerpoint/2010/main" val="3665762833"/>
+      </p:ext>
+    </p:extLst>
+  </p:cSld>
+  <p:clrMapOvr>
+    <a:masterClrMapping/>
+  </p:clrMapOvr>
+</p:sld>
+</file>
+
+<file path=ppt/slides/slide11.xml><?xml version="1.0" encoding="utf-8"?>
+<p:sld xmlns:a="http://schemas.openxmlformats.org/drawingml/2006/main" xmlns:r="http://schemas.openxmlformats.org/officeDocument/2006/relationships" xmlns:p="http://schemas.openxmlformats.org/presentationml/2006/main">
+  <p:cSld>
+    <p:spTree>
+      <p:nvGrpSpPr>
+        <p:cNvPr id="1" name=""/>
+        <p:cNvGrpSpPr/>
+        <p:nvPr/>
+      </p:nvGrpSpPr>
+      <p:grpSpPr>
+        <a:xfrm>
+          <a:off x="0" y="0"/>
+          <a:ext cx="0" cy="0"/>
+          <a:chOff x="0" y="0"/>
+          <a:chExt cx="0" cy="0"/>
+        </a:xfrm>
+      </p:grpSpPr>
+      <p:graphicFrame>
+        <p:nvGraphicFramePr>
+          <p:cNvPr id="5" name="Symbol zastępczy zawartości 3"/>
+          <p:cNvGraphicFramePr>
+            <a:graphicFrameLocks/>
+          </p:cNvGraphicFramePr>
+          <p:nvPr>
+            <p:extLst>
+              <p:ext uri="{D42A27DB-BD31-4B8C-83A1-F6EECF244321}">
+                <p14:modId xmlns:p14="http://schemas.microsoft.com/office/powerpoint/2010/main" val="1640118039"/>
+              </p:ext>
+            </p:extLst>
+          </p:nvPr>
+        </p:nvGraphicFramePr>
+        <p:xfrm>
+          <a:off x="1014663" y="627813"/>
+          <a:ext cx="6824579" cy="2676859"/>
+        </p:xfrm>
+        <a:graphic>
+          <a:graphicData uri="http://schemas.openxmlformats.org/drawingml/2006/diagram">
+            <dgm:relIds xmlns:dgm="http://schemas.openxmlformats.org/drawingml/2006/diagram" xmlns:r="http://schemas.openxmlformats.org/officeDocument/2006/relationships" r:dm="rId2" r:lo="rId3" r:qs="rId4" r:cs="rId5"/>
+          </a:graphicData>
+        </a:graphic>
+      </p:graphicFrame>
+      <p:graphicFrame>
+        <p:nvGraphicFramePr>
+          <p:cNvPr id="6" name="Symbol zastępczy zawartości 3"/>
+          <p:cNvGraphicFramePr>
+            <a:graphicFrameLocks/>
+          </p:cNvGraphicFramePr>
+          <p:nvPr>
+            <p:extLst>
+              <p:ext uri="{D42A27DB-BD31-4B8C-83A1-F6EECF244321}">
+                <p14:modId xmlns:p14="http://schemas.microsoft.com/office/powerpoint/2010/main" val="520197000"/>
+              </p:ext>
+            </p:extLst>
+          </p:nvPr>
+        </p:nvGraphicFramePr>
+        <p:xfrm>
+          <a:off x="4426952" y="3721266"/>
+          <a:ext cx="6824579" cy="2676859"/>
+        </p:xfrm>
+        <a:graphic>
+          <a:graphicData uri="http://schemas.openxmlformats.org/drawingml/2006/diagram">
+            <dgm:relIds xmlns:dgm="http://schemas.openxmlformats.org/drawingml/2006/diagram" xmlns:r="http://schemas.openxmlformats.org/officeDocument/2006/relationships" r:dm="rId7" r:lo="rId8" r:qs="rId9" r:cs="rId10"/>
+          </a:graphicData>
+        </a:graphic>
+      </p:graphicFrame>
+      <p:pic>
+        <p:nvPicPr>
+          <p:cNvPr id="7" name="Obraz 6"/>
+          <p:cNvPicPr>
+            <a:picLocks noChangeAspect="1"/>
+          </p:cNvPicPr>
+          <p:nvPr/>
+        </p:nvPicPr>
+        <p:blipFill>
+          <a:blip r:embed="rId12" cstate="print">
+            <a:extLst>
+              <a:ext uri="{28A0092B-C50C-407E-A947-70E740481C1C}">
+                <a14:useLocalDpi xmlns:a14="http://schemas.microsoft.com/office/drawing/2010/main" val="0"/>
+              </a:ext>
+            </a:extLst>
+          </a:blip>
+          <a:stretch>
+            <a:fillRect/>
+          </a:stretch>
+        </p:blipFill>
+        <p:spPr>
+          <a:xfrm>
+            <a:off x="3230320" y="295994"/>
+            <a:ext cx="1892459" cy="1487354"/>
+          </a:xfrm>
+          <a:prstGeom prst="rect">
+            <a:avLst/>
+          </a:prstGeom>
+        </p:spPr>
+      </p:pic>
+      <p:pic>
+        <p:nvPicPr>
+          <p:cNvPr id="3" name="Obraz 2">
+            <a:extLst>
+              <a:ext uri="{FF2B5EF4-FFF2-40B4-BE49-F238E27FC236}">
+                <a16:creationId xmlns:a16="http://schemas.microsoft.com/office/drawing/2014/main" id="{95FEC7E3-5227-4545-B67E-3DACDD76E4A4}"/>
+              </a:ext>
+            </a:extLst>
+          </p:cNvPr>
+          <p:cNvPicPr>
+            <a:picLocks noChangeAspect="1"/>
+          </p:cNvPicPr>
+          <p:nvPr/>
+        </p:nvPicPr>
+        <p:blipFill>
+          <a:blip r:embed="rId13" cstate="print">
+            <a:extLst>
+              <a:ext uri="{28A0092B-C50C-407E-A947-70E740481C1C}">
+                <a14:useLocalDpi xmlns:a14="http://schemas.microsoft.com/office/drawing/2010/main" val="0"/>
+              </a:ext>
+            </a:extLst>
+          </a:blip>
+          <a:stretch>
+            <a:fillRect/>
+          </a:stretch>
+        </p:blipFill>
+        <p:spPr>
+          <a:xfrm>
+            <a:off x="10325522" y="5059695"/>
+            <a:ext cx="1852017" cy="1927302"/>
+          </a:xfrm>
+          <a:prstGeom prst="rect">
+            <a:avLst/>
+          </a:prstGeom>
+        </p:spPr>
+      </p:pic>
+    </p:spTree>
+    <p:extLst>
+      <p:ext uri="{BB962C8B-B14F-4D97-AF65-F5344CB8AC3E}">
+        <p14:creationId xmlns:p14="http://schemas.microsoft.com/office/powerpoint/2010/main" val="894129137"/>
+      </p:ext>
+    </p:extLst>
+  </p:cSld>
+  <p:clrMapOvr>
+    <a:masterClrMapping/>
+  </p:clrMapOvr>
+</p:sld>
+</file>
+
+<file path=ppt/slides/slide12.xml><?xml version="1.0" encoding="utf-8"?>
+<p:sld xmlns:a="http://schemas.openxmlformats.org/drawingml/2006/main" xmlns:r="http://schemas.openxmlformats.org/officeDocument/2006/relationships" xmlns:p="http://schemas.openxmlformats.org/presentationml/2006/main">
+  <p:cSld>
+    <p:spTree>
+      <p:nvGrpSpPr>
+        <p:cNvPr id="1" name=""/>
+        <p:cNvGrpSpPr/>
+        <p:nvPr/>
+      </p:nvGrpSpPr>
+      <p:grpSpPr>
+        <a:xfrm>
+          <a:off x="0" y="0"/>
+          <a:ext cx="0" cy="0"/>
+          <a:chOff x="0" y="0"/>
+          <a:chExt cx="0" cy="0"/>
+        </a:xfrm>
+      </p:grpSpPr>
+      <p:graphicFrame>
+        <p:nvGraphicFramePr>
+          <p:cNvPr id="5" name="Symbol zastępczy zawartości 3"/>
+          <p:cNvGraphicFramePr>
+            <a:graphicFrameLocks/>
+          </p:cNvGraphicFramePr>
+          <p:nvPr>
+            <p:extLst>
+              <p:ext uri="{D42A27DB-BD31-4B8C-83A1-F6EECF244321}">
+                <p14:modId xmlns:p14="http://schemas.microsoft.com/office/powerpoint/2010/main" val="1466160014"/>
+              </p:ext>
+            </p:extLst>
+          </p:nvPr>
+        </p:nvGraphicFramePr>
+        <p:xfrm>
+          <a:off x="2683710" y="2090570"/>
+          <a:ext cx="6824579" cy="2676859"/>
+        </p:xfrm>
+        <a:graphic>
+          <a:graphicData uri="http://schemas.openxmlformats.org/drawingml/2006/diagram">
+            <dgm:relIds xmlns:dgm="http://schemas.openxmlformats.org/drawingml/2006/diagram" xmlns:r="http://schemas.openxmlformats.org/officeDocument/2006/relationships" r:dm="rId2" r:lo="rId3" r:qs="rId4" r:cs="rId5"/>
+          </a:graphicData>
+        </a:graphic>
+      </p:graphicFrame>
+    </p:spTree>
+    <p:extLst>
+      <p:ext uri="{BB962C8B-B14F-4D97-AF65-F5344CB8AC3E}">
+        <p14:creationId xmlns:p14="http://schemas.microsoft.com/office/powerpoint/2010/main" val="3446013551"/>
+      </p:ext>
+    </p:extLst>
+  </p:cSld>
+  <p:clrMapOvr>
+    <a:masterClrMapping/>
+  </p:clrMapOvr>
+</p:sld>
+</file>
+
+<file path=ppt/slides/slide13.xml><?xml version="1.0" encoding="utf-8"?>
+<p:sld xmlns:a="http://schemas.openxmlformats.org/drawingml/2006/main" xmlns:r="http://schemas.openxmlformats.org/officeDocument/2006/relationships" xmlns:p="http://schemas.openxmlformats.org/presentationml/2006/main">
+  <p:cSld>
+    <p:bg>
+      <p:bgPr>
+        <a:solidFill>
+          <a:srgbClr val="111111"/>
+        </a:solidFill>
+        <a:effectLst/>
+      </p:bgPr>
+    </p:bg>
+    <p:spTree>
+      <p:nvGrpSpPr>
+        <p:cNvPr id="1" name=""/>
+        <p:cNvGrpSpPr/>
+        <p:nvPr/>
+      </p:nvGrpSpPr>
+      <p:grpSpPr>
+        <a:xfrm>
+          <a:off x="0" y="0"/>
+          <a:ext cx="0" cy="0"/>
+          <a:chOff x="0" y="0"/>
+          <a:chExt cx="0" cy="0"/>
+        </a:xfrm>
+      </p:grpSpPr>
       <p:grpSp>
         <p:nvGrpSpPr>
           <p:cNvPr id="7" name="Grupa 6"/>
@@ -34173,7 +34723,503 @@
 </p:sld>
 </file>
 
-<file path=ppt/slides/slide11.xml><?xml version="1.0" encoding="utf-8"?>
+<file path=ppt/slides/slide14.xml><?xml version="1.0" encoding="utf-8"?>
+<p:sld xmlns:a="http://schemas.openxmlformats.org/drawingml/2006/main" xmlns:r="http://schemas.openxmlformats.org/officeDocument/2006/relationships" xmlns:p="http://schemas.openxmlformats.org/presentationml/2006/main">
+  <p:cSld>
+    <p:bg>
+      <p:bgPr>
+        <a:solidFill>
+          <a:srgbClr val="111111"/>
+        </a:solidFill>
+        <a:effectLst/>
+      </p:bgPr>
+    </p:bg>
+    <p:spTree>
+      <p:nvGrpSpPr>
+        <p:cNvPr id="1" name=""/>
+        <p:cNvGrpSpPr/>
+        <p:nvPr/>
+      </p:nvGrpSpPr>
+      <p:grpSpPr>
+        <a:xfrm>
+          <a:off x="0" y="0"/>
+          <a:ext cx="0" cy="0"/>
+          <a:chOff x="0" y="0"/>
+          <a:chExt cx="0" cy="0"/>
+        </a:xfrm>
+      </p:grpSpPr>
+      <p:sp>
+        <p:nvSpPr>
+          <p:cNvPr id="10" name="Prostokąt zaokrąglony 9"/>
+          <p:cNvSpPr/>
+          <p:nvPr/>
+        </p:nvSpPr>
+        <p:spPr>
+          <a:xfrm>
+            <a:off x="5032394" y="2716428"/>
+            <a:ext cx="2127212" cy="1414360"/>
+          </a:xfrm>
+          <a:prstGeom prst="roundRect">
+            <a:avLst/>
+          </a:prstGeom>
+        </p:spPr>
+        <p:style>
+          <a:lnRef idx="1">
+            <a:schemeClr val="accent5"/>
+          </a:lnRef>
+          <a:fillRef idx="3">
+            <a:schemeClr val="accent5"/>
+          </a:fillRef>
+          <a:effectRef idx="2">
+            <a:schemeClr val="accent5"/>
+          </a:effectRef>
+          <a:fontRef idx="minor">
+            <a:schemeClr val="lt1"/>
+          </a:fontRef>
+        </p:style>
+        <p:txBody>
+          <a:bodyPr rtlCol="0" anchor="ctr"/>
+          <a:lstStyle/>
+          <a:p>
+            <a:pPr algn="ctr"/>
+            <a:r>
+              <a:rPr lang="pl-PL" sz="3200" dirty="0" err="1">
+                <a:latin typeface="Arial Black" panose="020B0A04020102020204" pitchFamily="34" charset="0"/>
+              </a:rPr>
+              <a:t>Orders</a:t>
+            </a:r>
+            <a:endParaRPr lang="en-US" sz="2400" dirty="0">
+              <a:latin typeface="Arial Black" panose="020B0A04020102020204" pitchFamily="34" charset="0"/>
+            </a:endParaRPr>
+          </a:p>
+        </p:txBody>
+      </p:sp>
+      <p:pic>
+        <p:nvPicPr>
+          <p:cNvPr id="20" name="Grafika 19" descr="Koperta">
+            <a:extLst>
+              <a:ext uri="{FF2B5EF4-FFF2-40B4-BE49-F238E27FC236}">
+                <a16:creationId xmlns:a16="http://schemas.microsoft.com/office/drawing/2014/main" id="{36AC0243-83FA-4768-B33C-E17D5C0AF26D}"/>
+              </a:ext>
+            </a:extLst>
+          </p:cNvPr>
+          <p:cNvPicPr>
+            <a:picLocks noChangeAspect="1"/>
+          </p:cNvPicPr>
+          <p:nvPr/>
+        </p:nvPicPr>
+        <p:blipFill>
+          <a:blip r:embed="rId2">
+            <a:extLst>
+              <a:ext uri="{28A0092B-C50C-407E-A947-70E740481C1C}">
+                <a14:useLocalDpi xmlns:a14="http://schemas.microsoft.com/office/drawing/2010/main" val="0"/>
+              </a:ext>
+              <a:ext uri="{96DAC541-7B7A-43D3-8B79-37D633B846F1}">
+                <asvg:svgBlip xmlns:asvg="http://schemas.microsoft.com/office/drawing/2016/SVG/main" r:embed="rId3"/>
+              </a:ext>
+            </a:extLst>
+          </a:blip>
+          <a:stretch>
+            <a:fillRect/>
+          </a:stretch>
+        </p:blipFill>
+        <p:spPr>
+          <a:xfrm>
+            <a:off x="2649712" y="2110972"/>
+            <a:ext cx="1419752" cy="1419752"/>
+          </a:xfrm>
+          <a:prstGeom prst="rect">
+            <a:avLst/>
+          </a:prstGeom>
+        </p:spPr>
+      </p:pic>
+      <p:sp>
+        <p:nvSpPr>
+          <p:cNvPr id="21" name="pole tekstowe 20">
+            <a:extLst>
+              <a:ext uri="{FF2B5EF4-FFF2-40B4-BE49-F238E27FC236}">
+                <a16:creationId xmlns:a16="http://schemas.microsoft.com/office/drawing/2014/main" id="{19CA9DAB-5070-4733-9EF1-C5E8AEF714EA}"/>
+              </a:ext>
+            </a:extLst>
+          </p:cNvPr>
+          <p:cNvSpPr txBox="1"/>
+          <p:nvPr/>
+        </p:nvSpPr>
+        <p:spPr>
+          <a:xfrm>
+            <a:off x="1164795" y="2344431"/>
+            <a:ext cx="1558870" cy="954107"/>
+          </a:xfrm>
+          <a:prstGeom prst="rect">
+            <a:avLst/>
+          </a:prstGeom>
+          <a:noFill/>
+        </p:spPr>
+        <p:txBody>
+          <a:bodyPr wrap="square" rtlCol="0">
+            <a:spAutoFit/>
+          </a:bodyPr>
+          <a:lstStyle/>
+          <a:p>
+            <a:pPr algn="ctr"/>
+            <a:r>
+              <a:rPr lang="pl-PL" sz="2800" b="1" dirty="0" err="1">
+                <a:solidFill>
+                  <a:schemeClr val="bg1"/>
+                </a:solidFill>
+              </a:rPr>
+              <a:t>AddItem</a:t>
+            </a:r>
+            <a:endParaRPr lang="pl-PL" sz="2800" b="1" dirty="0">
+              <a:solidFill>
+                <a:schemeClr val="bg1"/>
+              </a:solidFill>
+            </a:endParaRPr>
+          </a:p>
+          <a:p>
+            <a:pPr algn="ctr"/>
+            <a:r>
+              <a:rPr lang="pl-PL" sz="2800" b="1" dirty="0">
+                <a:solidFill>
+                  <a:schemeClr val="bg1"/>
+                </a:solidFill>
+              </a:rPr>
+              <a:t>ID = </a:t>
+            </a:r>
+            <a:r>
+              <a:rPr lang="pl-PL" sz="2800" b="1" dirty="0">
+                <a:solidFill>
+                  <a:srgbClr val="00B050"/>
+                </a:solidFill>
+              </a:rPr>
+              <a:t>123</a:t>
+            </a:r>
+          </a:p>
+        </p:txBody>
+      </p:sp>
+      <p:pic>
+        <p:nvPicPr>
+          <p:cNvPr id="22" name="Grafika 21" descr="Koperta">
+            <a:extLst>
+              <a:ext uri="{FF2B5EF4-FFF2-40B4-BE49-F238E27FC236}">
+                <a16:creationId xmlns:a16="http://schemas.microsoft.com/office/drawing/2014/main" id="{93ED6486-EFBD-415A-8C19-77CDA53F96B4}"/>
+              </a:ext>
+            </a:extLst>
+          </p:cNvPr>
+          <p:cNvPicPr>
+            <a:picLocks noChangeAspect="1"/>
+          </p:cNvPicPr>
+          <p:nvPr/>
+        </p:nvPicPr>
+        <p:blipFill>
+          <a:blip r:embed="rId2">
+            <a:extLst>
+              <a:ext uri="{28A0092B-C50C-407E-A947-70E740481C1C}">
+                <a14:useLocalDpi xmlns:a14="http://schemas.microsoft.com/office/drawing/2010/main" val="0"/>
+              </a:ext>
+              <a:ext uri="{96DAC541-7B7A-43D3-8B79-37D633B846F1}">
+                <asvg:svgBlip xmlns:asvg="http://schemas.microsoft.com/office/drawing/2016/SVG/main" r:embed="rId3"/>
+              </a:ext>
+            </a:extLst>
+          </a:blip>
+          <a:stretch>
+            <a:fillRect/>
+          </a:stretch>
+        </p:blipFill>
+        <p:spPr>
+          <a:xfrm>
+            <a:off x="2654879" y="3400446"/>
+            <a:ext cx="1419752" cy="1419752"/>
+          </a:xfrm>
+          <a:prstGeom prst="rect">
+            <a:avLst/>
+          </a:prstGeom>
+        </p:spPr>
+      </p:pic>
+      <p:sp>
+        <p:nvSpPr>
+          <p:cNvPr id="23" name="pole tekstowe 22">
+            <a:extLst>
+              <a:ext uri="{FF2B5EF4-FFF2-40B4-BE49-F238E27FC236}">
+                <a16:creationId xmlns:a16="http://schemas.microsoft.com/office/drawing/2014/main" id="{8BD888B3-7EB5-447C-94F7-D46D535E7667}"/>
+              </a:ext>
+            </a:extLst>
+          </p:cNvPr>
+          <p:cNvSpPr txBox="1"/>
+          <p:nvPr/>
+        </p:nvSpPr>
+        <p:spPr>
+          <a:xfrm>
+            <a:off x="1169962" y="3633905"/>
+            <a:ext cx="1558870" cy="954107"/>
+          </a:xfrm>
+          <a:prstGeom prst="rect">
+            <a:avLst/>
+          </a:prstGeom>
+          <a:noFill/>
+        </p:spPr>
+        <p:txBody>
+          <a:bodyPr wrap="square" rtlCol="0">
+            <a:spAutoFit/>
+          </a:bodyPr>
+          <a:lstStyle/>
+          <a:p>
+            <a:pPr algn="ctr"/>
+            <a:r>
+              <a:rPr lang="pl-PL" sz="2800" b="1" dirty="0" err="1">
+                <a:solidFill>
+                  <a:schemeClr val="bg1"/>
+                </a:solidFill>
+              </a:rPr>
+              <a:t>AddItem</a:t>
+            </a:r>
+            <a:endParaRPr lang="pl-PL" sz="2800" b="1" dirty="0">
+              <a:solidFill>
+                <a:schemeClr val="bg1"/>
+              </a:solidFill>
+            </a:endParaRPr>
+          </a:p>
+          <a:p>
+            <a:pPr algn="ctr"/>
+            <a:r>
+              <a:rPr lang="pl-PL" sz="2800" b="1" dirty="0">
+                <a:solidFill>
+                  <a:schemeClr val="bg1"/>
+                </a:solidFill>
+              </a:rPr>
+              <a:t>ID = </a:t>
+            </a:r>
+            <a:r>
+              <a:rPr lang="pl-PL" sz="2800" b="1" dirty="0">
+                <a:solidFill>
+                  <a:srgbClr val="00B050"/>
+                </a:solidFill>
+              </a:rPr>
+              <a:t>123</a:t>
+            </a:r>
+          </a:p>
+        </p:txBody>
+      </p:sp>
+      <p:pic>
+        <p:nvPicPr>
+          <p:cNvPr id="24" name="Grafika 23" descr="Koperta">
+            <a:extLst>
+              <a:ext uri="{FF2B5EF4-FFF2-40B4-BE49-F238E27FC236}">
+                <a16:creationId xmlns:a16="http://schemas.microsoft.com/office/drawing/2014/main" id="{6A025DB4-ADA3-41B5-9F64-12CAFCC33F77}"/>
+              </a:ext>
+            </a:extLst>
+          </p:cNvPr>
+          <p:cNvPicPr>
+            <a:picLocks noChangeAspect="1"/>
+          </p:cNvPicPr>
+          <p:nvPr/>
+        </p:nvPicPr>
+        <p:blipFill>
+          <a:blip r:embed="rId2">
+            <a:extLst>
+              <a:ext uri="{28A0092B-C50C-407E-A947-70E740481C1C}">
+                <a14:useLocalDpi xmlns:a14="http://schemas.microsoft.com/office/drawing/2010/main" val="0"/>
+              </a:ext>
+              <a:ext uri="{96DAC541-7B7A-43D3-8B79-37D633B846F1}">
+                <asvg:svgBlip xmlns:asvg="http://schemas.microsoft.com/office/drawing/2016/SVG/main" r:embed="rId3"/>
+              </a:ext>
+            </a:extLst>
+          </a:blip>
+          <a:stretch>
+            <a:fillRect/>
+          </a:stretch>
+        </p:blipFill>
+        <p:spPr>
+          <a:xfrm>
+            <a:off x="9597119" y="2110972"/>
+            <a:ext cx="1419752" cy="1419752"/>
+          </a:xfrm>
+          <a:prstGeom prst="rect">
+            <a:avLst/>
+          </a:prstGeom>
+        </p:spPr>
+      </p:pic>
+      <p:sp>
+        <p:nvSpPr>
+          <p:cNvPr id="25" name="pole tekstowe 24">
+            <a:extLst>
+              <a:ext uri="{FF2B5EF4-FFF2-40B4-BE49-F238E27FC236}">
+                <a16:creationId xmlns:a16="http://schemas.microsoft.com/office/drawing/2014/main" id="{F2CA2955-D448-4869-A590-EB5B974501AF}"/>
+              </a:ext>
+            </a:extLst>
+          </p:cNvPr>
+          <p:cNvSpPr txBox="1"/>
+          <p:nvPr/>
+        </p:nvSpPr>
+        <p:spPr>
+          <a:xfrm>
+            <a:off x="7817409" y="2344431"/>
+            <a:ext cx="1853663" cy="954107"/>
+          </a:xfrm>
+          <a:prstGeom prst="rect">
+            <a:avLst/>
+          </a:prstGeom>
+          <a:noFill/>
+        </p:spPr>
+        <p:txBody>
+          <a:bodyPr wrap="square" rtlCol="0">
+            <a:spAutoFit/>
+          </a:bodyPr>
+          <a:lstStyle/>
+          <a:p>
+            <a:pPr algn="ctr"/>
+            <a:r>
+              <a:rPr lang="pl-PL" sz="2800" b="1" dirty="0" err="1">
+                <a:solidFill>
+                  <a:schemeClr val="bg1"/>
+                </a:solidFill>
+              </a:rPr>
+              <a:t>ItemAdded</a:t>
+            </a:r>
+            <a:endParaRPr lang="pl-PL" sz="2800" b="1" dirty="0">
+              <a:solidFill>
+                <a:schemeClr val="bg1"/>
+              </a:solidFill>
+            </a:endParaRPr>
+          </a:p>
+          <a:p>
+            <a:pPr algn="ctr"/>
+            <a:r>
+              <a:rPr lang="pl-PL" sz="2800" b="1" dirty="0">
+                <a:solidFill>
+                  <a:schemeClr val="bg1"/>
+                </a:solidFill>
+              </a:rPr>
+              <a:t>ID = </a:t>
+            </a:r>
+            <a:r>
+              <a:rPr lang="pl-PL" sz="2800" b="1" dirty="0">
+                <a:solidFill>
+                  <a:srgbClr val="00B0F0"/>
+                </a:solidFill>
+              </a:rPr>
+              <a:t>234</a:t>
+            </a:r>
+          </a:p>
+        </p:txBody>
+      </p:sp>
+      <p:pic>
+        <p:nvPicPr>
+          <p:cNvPr id="26" name="Grafika 25" descr="Koperta">
+            <a:extLst>
+              <a:ext uri="{FF2B5EF4-FFF2-40B4-BE49-F238E27FC236}">
+                <a16:creationId xmlns:a16="http://schemas.microsoft.com/office/drawing/2014/main" id="{AB79C17D-DCFB-4CA2-96C9-9CFCA3B1367A}"/>
+              </a:ext>
+            </a:extLst>
+          </p:cNvPr>
+          <p:cNvPicPr>
+            <a:picLocks noChangeAspect="1"/>
+          </p:cNvPicPr>
+          <p:nvPr/>
+        </p:nvPicPr>
+        <p:blipFill>
+          <a:blip r:embed="rId2">
+            <a:extLst>
+              <a:ext uri="{28A0092B-C50C-407E-A947-70E740481C1C}">
+                <a14:useLocalDpi xmlns:a14="http://schemas.microsoft.com/office/drawing/2010/main" val="0"/>
+              </a:ext>
+              <a:ext uri="{96DAC541-7B7A-43D3-8B79-37D633B846F1}">
+                <asvg:svgBlip xmlns:asvg="http://schemas.microsoft.com/office/drawing/2016/SVG/main" r:embed="rId3"/>
+              </a:ext>
+            </a:extLst>
+          </a:blip>
+          <a:stretch>
+            <a:fillRect/>
+          </a:stretch>
+        </p:blipFill>
+        <p:spPr>
+          <a:xfrm>
+            <a:off x="9602286" y="3400446"/>
+            <a:ext cx="1419752" cy="1419752"/>
+          </a:xfrm>
+          <a:prstGeom prst="rect">
+            <a:avLst/>
+          </a:prstGeom>
+        </p:spPr>
+      </p:pic>
+      <p:sp>
+        <p:nvSpPr>
+          <p:cNvPr id="27" name="pole tekstowe 26">
+            <a:extLst>
+              <a:ext uri="{FF2B5EF4-FFF2-40B4-BE49-F238E27FC236}">
+                <a16:creationId xmlns:a16="http://schemas.microsoft.com/office/drawing/2014/main" id="{D40ECCB3-6362-4665-B400-47A081D07C40}"/>
+              </a:ext>
+            </a:extLst>
+          </p:cNvPr>
+          <p:cNvSpPr txBox="1"/>
+          <p:nvPr/>
+        </p:nvSpPr>
+        <p:spPr>
+          <a:xfrm>
+            <a:off x="7817409" y="3633905"/>
+            <a:ext cx="1858830" cy="954107"/>
+          </a:xfrm>
+          <a:prstGeom prst="rect">
+            <a:avLst/>
+          </a:prstGeom>
+          <a:noFill/>
+        </p:spPr>
+        <p:txBody>
+          <a:bodyPr wrap="square" rtlCol="0">
+            <a:spAutoFit/>
+          </a:bodyPr>
+          <a:lstStyle/>
+          <a:p>
+            <a:pPr algn="ctr"/>
+            <a:r>
+              <a:rPr lang="pl-PL" sz="2800" b="1" dirty="0" err="1">
+                <a:solidFill>
+                  <a:schemeClr val="bg1"/>
+                </a:solidFill>
+              </a:rPr>
+              <a:t>ItemAdded</a:t>
+            </a:r>
+            <a:endParaRPr lang="pl-PL" sz="2800" b="1" dirty="0">
+              <a:solidFill>
+                <a:schemeClr val="bg1"/>
+              </a:solidFill>
+            </a:endParaRPr>
+          </a:p>
+          <a:p>
+            <a:pPr algn="ctr"/>
+            <a:r>
+              <a:rPr lang="pl-PL" sz="2800" b="1" dirty="0">
+                <a:solidFill>
+                  <a:schemeClr val="bg1"/>
+                </a:solidFill>
+              </a:rPr>
+              <a:t>ID = </a:t>
+            </a:r>
+            <a:r>
+              <a:rPr lang="pl-PL" sz="2800" b="1" dirty="0">
+                <a:solidFill>
+                  <a:srgbClr val="FF0000"/>
+                </a:solidFill>
+              </a:rPr>
+              <a:t>456</a:t>
+            </a:r>
+          </a:p>
+        </p:txBody>
+      </p:sp>
+    </p:spTree>
+    <p:extLst>
+      <p:ext uri="{BB962C8B-B14F-4D97-AF65-F5344CB8AC3E}">
+        <p14:creationId xmlns:p14="http://schemas.microsoft.com/office/powerpoint/2010/main" val="3237503135"/>
+      </p:ext>
+    </p:extLst>
+  </p:cSld>
+  <p:clrMapOvr>
+    <a:masterClrMapping/>
+  </p:clrMapOvr>
+</p:sld>
+</file>
+
+<file path=ppt/slides/slide15.xml><?xml version="1.0" encoding="utf-8"?>
 <p:sld xmlns:a="http://schemas.openxmlformats.org/drawingml/2006/main" xmlns:r="http://schemas.openxmlformats.org/officeDocument/2006/relationships" xmlns:p="http://schemas.openxmlformats.org/presentationml/2006/main">
   <p:cSld>
     <p:spTree>
@@ -34217,7 +35263,6 @@
           </p:cNvGraphicFramePr>
           <p:nvPr>
             <p:ph idx="1"/>
-            <p:extLst/>
           </p:nvPr>
         </p:nvGraphicFramePr>
         <p:xfrm>
@@ -34243,7 +35288,7 @@
 </p:sld>
 </file>
 
-<file path=ppt/slides/slide12.xml><?xml version="1.0" encoding="utf-8"?>
+<file path=ppt/slides/slide16.xml><?xml version="1.0" encoding="utf-8"?>
 <p:sld xmlns:a="http://schemas.openxmlformats.org/drawingml/2006/main" xmlns:r="http://schemas.openxmlformats.org/officeDocument/2006/relationships" xmlns:p="http://schemas.openxmlformats.org/presentationml/2006/main">
   <p:cSld>
     <p:bg>
@@ -34366,7 +35411,7 @@
               <a:rPr lang="pl-PL" sz="2800" dirty="0">
                 <a:latin typeface="Arial Black" panose="020B0A04020102020204" pitchFamily="34" charset="0"/>
               </a:rPr>
-              <a:t>Broker</a:t>
+              <a:t>Queue</a:t>
             </a:r>
             <a:endParaRPr lang="en-US" dirty="0">
               <a:latin typeface="Arial Black" panose="020B0A04020102020204" pitchFamily="34" charset="0"/>
@@ -34496,238 +35541,171 @@
           </a:p>
         </p:txBody>
       </p:sp>
-      <p:grpSp>
-        <p:nvGrpSpPr>
-          <p:cNvPr id="10" name="Grupa 9"/>
-          <p:cNvGrpSpPr/>
+      <p:pic>
+        <p:nvPicPr>
+          <p:cNvPr id="16" name="Grafika 15" descr="Koperta">
+            <a:extLst>
+              <a:ext uri="{FF2B5EF4-FFF2-40B4-BE49-F238E27FC236}">
+                <a16:creationId xmlns:a16="http://schemas.microsoft.com/office/drawing/2014/main" id="{AD5B9EEE-829C-4768-AB42-DC489D2FF48D}"/>
+              </a:ext>
+            </a:extLst>
+          </p:cNvPr>
+          <p:cNvPicPr>
+            <a:picLocks noChangeAspect="1"/>
+          </p:cNvPicPr>
           <p:nvPr/>
-        </p:nvGrpSpPr>
-        <p:grpSpPr>
+        </p:nvPicPr>
+        <p:blipFill>
+          <a:blip r:embed="rId2">
+            <a:extLst>
+              <a:ext uri="{28A0092B-C50C-407E-A947-70E740481C1C}">
+                <a14:useLocalDpi xmlns:a14="http://schemas.microsoft.com/office/drawing/2010/main" val="0"/>
+              </a:ext>
+              <a:ext uri="{96DAC541-7B7A-43D3-8B79-37D633B846F1}">
+                <asvg:svgBlip xmlns:asvg="http://schemas.microsoft.com/office/drawing/2016/SVG/main" r:embed="rId3"/>
+              </a:ext>
+            </a:extLst>
+          </a:blip>
+          <a:stretch>
+            <a:fillRect/>
+          </a:stretch>
+        </p:blipFill>
+        <p:spPr>
           <a:xfrm>
-            <a:off x="6276904" y="2440597"/>
-            <a:ext cx="1097502" cy="750877"/>
-            <a:chOff x="2244674" y="3255378"/>
-            <a:chExt cx="1097502" cy="750877"/>
+            <a:off x="6202415" y="1775265"/>
+            <a:ext cx="1419752" cy="1419752"/>
           </a:xfrm>
-        </p:grpSpPr>
-        <p:pic>
-          <p:nvPicPr>
-            <p:cNvPr id="11" name="Picture 28"/>
-            <p:cNvPicPr>
-              <a:picLocks noChangeAspect="1"/>
-            </p:cNvPicPr>
-            <p:nvPr/>
-          </p:nvPicPr>
-          <p:blipFill>
-            <a:blip r:embed="rId2"/>
-            <a:stretch>
-              <a:fillRect/>
-            </a:stretch>
-          </p:blipFill>
-          <p:spPr>
-            <a:xfrm>
-              <a:off x="2244674" y="3255378"/>
-              <a:ext cx="1097502" cy="750877"/>
-            </a:xfrm>
-            <a:prstGeom prst="rect">
-              <a:avLst/>
-            </a:prstGeom>
-          </p:spPr>
-        </p:pic>
-        <p:sp>
-          <p:nvSpPr>
-            <p:cNvPr id="12" name="pole tekstowe 11"/>
-            <p:cNvSpPr txBox="1"/>
-            <p:nvPr/>
-          </p:nvSpPr>
-          <p:spPr>
-            <a:xfrm>
-              <a:off x="2367667" y="3572080"/>
-              <a:ext cx="904799" cy="369332"/>
-            </a:xfrm>
-            <a:prstGeom prst="rect">
-              <a:avLst/>
-            </a:prstGeom>
-            <a:noFill/>
-          </p:spPr>
-          <p:txBody>
-            <a:bodyPr wrap="none" rtlCol="0">
-              <a:spAutoFit/>
-            </a:bodyPr>
-            <a:lstStyle/>
-            <a:p>
-              <a:r>
-                <a:rPr lang="pl-PL" b="1" dirty="0" err="1"/>
-                <a:t>Process</a:t>
-              </a:r>
-              <a:endParaRPr lang="en-US" b="1" dirty="0"/>
-            </a:p>
-          </p:txBody>
-        </p:sp>
-      </p:grpSp>
-      <p:grpSp>
-        <p:nvGrpSpPr>
-          <p:cNvPr id="13" name="Grupa 12"/>
-          <p:cNvGrpSpPr/>
-          <p:nvPr/>
-        </p:nvGrpSpPr>
-        <p:grpSpPr>
-          <a:xfrm>
-            <a:off x="4862884" y="3780396"/>
-            <a:ext cx="1097502" cy="750877"/>
-            <a:chOff x="2244674" y="3255378"/>
-            <a:chExt cx="1097502" cy="750877"/>
-          </a:xfrm>
-        </p:grpSpPr>
-        <p:pic>
-          <p:nvPicPr>
-            <p:cNvPr id="14" name="Picture 28"/>
-            <p:cNvPicPr>
-              <a:picLocks noChangeAspect="1"/>
-            </p:cNvPicPr>
-            <p:nvPr/>
-          </p:nvPicPr>
-          <p:blipFill>
-            <a:blip r:embed="rId2"/>
-            <a:stretch>
-              <a:fillRect/>
-            </a:stretch>
-          </p:blipFill>
-          <p:spPr>
-            <a:xfrm>
-              <a:off x="2244674" y="3255378"/>
-              <a:ext cx="1097502" cy="750877"/>
-            </a:xfrm>
-            <a:prstGeom prst="rect">
-              <a:avLst/>
-            </a:prstGeom>
-          </p:spPr>
-        </p:pic>
-        <p:sp>
-          <p:nvSpPr>
-            <p:cNvPr id="15" name="pole tekstowe 14"/>
-            <p:cNvSpPr txBox="1"/>
-            <p:nvPr/>
-          </p:nvSpPr>
-          <p:spPr>
-            <a:xfrm>
-              <a:off x="2561068" y="3580537"/>
-              <a:ext cx="530915" cy="369332"/>
-            </a:xfrm>
-            <a:prstGeom prst="rect">
-              <a:avLst/>
-            </a:prstGeom>
-            <a:noFill/>
-          </p:spPr>
-          <p:txBody>
-            <a:bodyPr wrap="none" rtlCol="0">
-              <a:spAutoFit/>
-            </a:bodyPr>
-            <a:lstStyle/>
-            <a:p>
-              <a:pPr algn="ctr"/>
-              <a:r>
-                <a:rPr lang="pl-PL" b="1" dirty="0" err="1"/>
-                <a:t>Ack</a:t>
-              </a:r>
-              <a:endParaRPr lang="en-US" b="1" dirty="0"/>
-            </a:p>
-          </p:txBody>
-        </p:sp>
-      </p:grpSp>
-      <p:graphicFrame>
-        <p:nvGraphicFramePr>
-          <p:cNvPr id="29" name="Symbol zastępczy zawartości 3"/>
-          <p:cNvGraphicFramePr>
-            <a:graphicFrameLocks/>
-          </p:cNvGraphicFramePr>
-          <p:nvPr>
-            <p:extLst>
-              <p:ext uri="{D42A27DB-BD31-4B8C-83A1-F6EECF244321}">
-                <p14:modId xmlns:p14="http://schemas.microsoft.com/office/powerpoint/2010/main" val="3002990313"/>
-              </p:ext>
-            </p:extLst>
-          </p:nvPr>
-        </p:nvGraphicFramePr>
-        <p:xfrm>
-          <a:off x="588008" y="4232114"/>
-          <a:ext cx="4024683" cy="1645690"/>
-        </p:xfrm>
-        <a:graphic>
-          <a:graphicData uri="http://schemas.openxmlformats.org/drawingml/2006/diagram">
-            <dgm:relIds xmlns:dgm="http://schemas.openxmlformats.org/drawingml/2006/diagram" xmlns:r="http://schemas.openxmlformats.org/officeDocument/2006/relationships" r:dm="rId3" r:lo="rId4" r:qs="rId5" r:cs="rId6"/>
-          </a:graphicData>
-        </a:graphic>
-      </p:graphicFrame>
-      <p:graphicFrame>
-        <p:nvGraphicFramePr>
-          <p:cNvPr id="30" name="Symbol zastępczy zawartości 3"/>
-          <p:cNvGraphicFramePr>
-            <a:graphicFrameLocks/>
-          </p:cNvGraphicFramePr>
-          <p:nvPr>
-            <p:extLst>
-              <p:ext uri="{D42A27DB-BD31-4B8C-83A1-F6EECF244321}">
-                <p14:modId xmlns:p14="http://schemas.microsoft.com/office/powerpoint/2010/main" val="4277676076"/>
-              </p:ext>
-            </p:extLst>
-          </p:nvPr>
-        </p:nvGraphicFramePr>
-        <p:xfrm>
-          <a:off x="8263588" y="4568388"/>
-          <a:ext cx="2093883" cy="973142"/>
-        </p:xfrm>
-        <a:graphic>
-          <a:graphicData uri="http://schemas.openxmlformats.org/drawingml/2006/diagram">
-            <dgm:relIds xmlns:dgm="http://schemas.openxmlformats.org/drawingml/2006/diagram" xmlns:r="http://schemas.openxmlformats.org/officeDocument/2006/relationships" r:dm="rId8" r:lo="rId9" r:qs="rId10" r:cs="rId11"/>
-          </a:graphicData>
-        </a:graphic>
-      </p:graphicFrame>
+          <a:prstGeom prst="rect">
+            <a:avLst/>
+          </a:prstGeom>
+        </p:spPr>
+      </p:pic>
       <p:sp>
         <p:nvSpPr>
-          <p:cNvPr id="2" name="Tytuł 1"/>
-          <p:cNvSpPr>
-            <a:spLocks noGrp="1"/>
-          </p:cNvSpPr>
-          <p:nvPr>
-            <p:ph type="title"/>
-          </p:nvPr>
+          <p:cNvPr id="18" name="pole tekstowe 17">
+            <a:extLst>
+              <a:ext uri="{FF2B5EF4-FFF2-40B4-BE49-F238E27FC236}">
+                <a16:creationId xmlns:a16="http://schemas.microsoft.com/office/drawing/2014/main" id="{272291F1-B5C2-466D-94BB-3D8223445D61}"/>
+              </a:ext>
+            </a:extLst>
+          </p:cNvPr>
+          <p:cNvSpPr txBox="1"/>
+          <p:nvPr/>
         </p:nvSpPr>
-        <p:spPr/>
+        <p:spPr>
+          <a:xfrm>
+            <a:off x="5769564" y="1513655"/>
+            <a:ext cx="2247334" cy="523220"/>
+          </a:xfrm>
+          <a:prstGeom prst="rect">
+            <a:avLst/>
+          </a:prstGeom>
+          <a:noFill/>
+        </p:spPr>
         <p:txBody>
-          <a:bodyPr/>
+          <a:bodyPr wrap="square" rtlCol="0">
+            <a:spAutoFit/>
+          </a:bodyPr>
           <a:lstStyle/>
           <a:p>
             <a:pPr algn="ctr"/>
             <a:r>
-              <a:rPr lang="pl-PL" dirty="0" err="1"/>
-              <a:t>Exactly</a:t>
+              <a:rPr lang="pl-PL" sz="2800" b="1" dirty="0" err="1">
+                <a:solidFill>
+                  <a:schemeClr val="bg1"/>
+                </a:solidFill>
+              </a:rPr>
+              <a:t>Process</a:t>
             </a:r>
+            <a:endParaRPr lang="pl-PL" sz="2800" b="1" dirty="0">
+              <a:solidFill>
+                <a:schemeClr val="bg1"/>
+              </a:solidFill>
+            </a:endParaRPr>
+          </a:p>
+        </p:txBody>
+      </p:sp>
+      <p:pic>
+        <p:nvPicPr>
+          <p:cNvPr id="19" name="Grafika 18" descr="Koperta">
+            <a:extLst>
+              <a:ext uri="{FF2B5EF4-FFF2-40B4-BE49-F238E27FC236}">
+                <a16:creationId xmlns:a16="http://schemas.microsoft.com/office/drawing/2014/main" id="{053F21DA-B22B-4D63-B728-372D97688FA5}"/>
+              </a:ext>
+            </a:extLst>
+          </p:cNvPr>
+          <p:cNvPicPr>
+            <a:picLocks noChangeAspect="1"/>
+          </p:cNvPicPr>
+          <p:nvPr/>
+        </p:nvPicPr>
+        <p:blipFill>
+          <a:blip r:embed="rId2">
+            <a:extLst>
+              <a:ext uri="{28A0092B-C50C-407E-A947-70E740481C1C}">
+                <a14:useLocalDpi xmlns:a14="http://schemas.microsoft.com/office/drawing/2010/main" val="0"/>
+              </a:ext>
+              <a:ext uri="{96DAC541-7B7A-43D3-8B79-37D633B846F1}">
+                <asvg:svgBlip xmlns:asvg="http://schemas.microsoft.com/office/drawing/2016/SVG/main" r:embed="rId3"/>
+              </a:ext>
+            </a:extLst>
+          </a:blip>
+          <a:stretch>
+            <a:fillRect/>
+          </a:stretch>
+        </p:blipFill>
+        <p:spPr>
+          <a:xfrm>
+            <a:off x="4612691" y="3664468"/>
+            <a:ext cx="1419752" cy="1419752"/>
+          </a:xfrm>
+          <a:prstGeom prst="rect">
+            <a:avLst/>
+          </a:prstGeom>
+        </p:spPr>
+      </p:pic>
+      <p:sp>
+        <p:nvSpPr>
+          <p:cNvPr id="20" name="pole tekstowe 19">
+            <a:extLst>
+              <a:ext uri="{FF2B5EF4-FFF2-40B4-BE49-F238E27FC236}">
+                <a16:creationId xmlns:a16="http://schemas.microsoft.com/office/drawing/2014/main" id="{ECA88482-1F4D-4098-8BCB-DD6BE0E888D8}"/>
+              </a:ext>
+            </a:extLst>
+          </p:cNvPr>
+          <p:cNvSpPr txBox="1"/>
+          <p:nvPr/>
+        </p:nvSpPr>
+        <p:spPr>
+          <a:xfrm>
+            <a:off x="4175102" y="4745640"/>
+            <a:ext cx="2247334" cy="523220"/>
+          </a:xfrm>
+          <a:prstGeom prst="rect">
+            <a:avLst/>
+          </a:prstGeom>
+          <a:noFill/>
+        </p:spPr>
+        <p:txBody>
+          <a:bodyPr wrap="square" rtlCol="0">
+            <a:spAutoFit/>
+          </a:bodyPr>
+          <a:lstStyle/>
+          <a:p>
+            <a:pPr algn="ctr"/>
             <a:r>
-              <a:rPr lang="pl-PL" dirty="0"/>
-              <a:t> </a:t>
+              <a:rPr lang="pl-PL" sz="2800" b="1" dirty="0" err="1">
+                <a:solidFill>
+                  <a:schemeClr val="bg1"/>
+                </a:solidFill>
+              </a:rPr>
+              <a:t>Ack</a:t>
             </a:r>
-            <a:r>
-              <a:rPr lang="pl-PL" dirty="0" err="1"/>
-              <a:t>once</a:t>
-            </a:r>
-            <a:r>
-              <a:rPr lang="pl-PL" dirty="0"/>
-              <a:t> </a:t>
-            </a:r>
-            <a:r>
-              <a:rPr lang="pl-PL" dirty="0" err="1"/>
-              <a:t>message</a:t>
-            </a:r>
-            <a:r>
-              <a:rPr lang="pl-PL" dirty="0"/>
-              <a:t> </a:t>
-            </a:r>
-            <a:r>
-              <a:rPr lang="pl-PL" dirty="0" err="1"/>
-              <a:t>delivery</a:t>
-            </a:r>
-            <a:endParaRPr lang="en-US" dirty="0"/>
+            <a:endParaRPr lang="pl-PL" sz="2800" b="1" dirty="0">
+              <a:solidFill>
+                <a:schemeClr val="bg1"/>
+              </a:solidFill>
+            </a:endParaRPr>
           </a:p>
         </p:txBody>
       </p:sp>
@@ -34771,14 +35749,1021 @@
       </p:grpSpPr>
       <p:sp>
         <p:nvSpPr>
+          <p:cNvPr id="4" name="Prostokąt zaokrąglony 3"/>
+          <p:cNvSpPr/>
+          <p:nvPr/>
+        </p:nvSpPr>
+        <p:spPr>
+          <a:xfrm>
+            <a:off x="2118250" y="2721820"/>
+            <a:ext cx="1756437" cy="1414360"/>
+          </a:xfrm>
+          <a:prstGeom prst="roundRect">
+            <a:avLst/>
+          </a:prstGeom>
+        </p:spPr>
+        <p:style>
+          <a:lnRef idx="1">
+            <a:schemeClr val="accent6"/>
+          </a:lnRef>
+          <a:fillRef idx="3">
+            <a:schemeClr val="accent6"/>
+          </a:fillRef>
+          <a:effectRef idx="2">
+            <a:schemeClr val="accent6"/>
+          </a:effectRef>
+          <a:fontRef idx="minor">
+            <a:schemeClr val="lt1"/>
+          </a:fontRef>
+        </p:style>
+        <p:txBody>
+          <a:bodyPr rtlCol="0" anchor="ctr"/>
+          <a:lstStyle/>
+          <a:p>
+            <a:pPr algn="ctr"/>
+            <a:r>
+              <a:rPr lang="pl-PL" sz="2800" dirty="0">
+                <a:latin typeface="Arial Black" panose="020B0A04020102020204" pitchFamily="34" charset="0"/>
+              </a:rPr>
+              <a:t>Queue</a:t>
+            </a:r>
+            <a:endParaRPr lang="en-US" dirty="0">
+              <a:latin typeface="Arial Black" panose="020B0A04020102020204" pitchFamily="34" charset="0"/>
+            </a:endParaRPr>
+          </a:p>
+        </p:txBody>
+      </p:sp>
+      <p:sp>
+        <p:nvSpPr>
+          <p:cNvPr id="5" name="Prostokąt zaokrąglony 4"/>
+          <p:cNvSpPr/>
+          <p:nvPr/>
+        </p:nvSpPr>
+        <p:spPr>
+          <a:xfrm>
+            <a:off x="8263588" y="2721820"/>
+            <a:ext cx="1756437" cy="1414360"/>
+          </a:xfrm>
+          <a:prstGeom prst="roundRect">
+            <a:avLst/>
+          </a:prstGeom>
+        </p:spPr>
+        <p:style>
+          <a:lnRef idx="1">
+            <a:schemeClr val="accent5"/>
+          </a:lnRef>
+          <a:fillRef idx="3">
+            <a:schemeClr val="accent5"/>
+          </a:fillRef>
+          <a:effectRef idx="2">
+            <a:schemeClr val="accent5"/>
+          </a:effectRef>
+          <a:fontRef idx="minor">
+            <a:schemeClr val="lt1"/>
+          </a:fontRef>
+        </p:style>
+        <p:txBody>
+          <a:bodyPr rtlCol="0" anchor="ctr"/>
+          <a:lstStyle/>
+          <a:p>
+            <a:pPr algn="ctr"/>
+            <a:r>
+              <a:rPr lang="pl-PL" sz="2800" dirty="0" err="1">
+                <a:latin typeface="Arial Black" panose="020B0A04020102020204" pitchFamily="34" charset="0"/>
+              </a:rPr>
+              <a:t>App</a:t>
+            </a:r>
+            <a:endParaRPr lang="en-US" sz="2800" dirty="0">
+              <a:latin typeface="Arial Black" panose="020B0A04020102020204" pitchFamily="34" charset="0"/>
+            </a:endParaRPr>
+          </a:p>
+        </p:txBody>
+      </p:sp>
+      <p:sp>
+        <p:nvSpPr>
+          <p:cNvPr id="8" name="Strzałka w prawo 7"/>
+          <p:cNvSpPr/>
+          <p:nvPr/>
+        </p:nvSpPr>
+        <p:spPr>
+          <a:xfrm>
+            <a:off x="4175103" y="2953709"/>
+            <a:ext cx="3841795" cy="374970"/>
+          </a:xfrm>
+          <a:prstGeom prst="rightArrow">
+            <a:avLst/>
+          </a:prstGeom>
+        </p:spPr>
+        <p:style>
+          <a:lnRef idx="1">
+            <a:schemeClr val="accent4"/>
+          </a:lnRef>
+          <a:fillRef idx="3">
+            <a:schemeClr val="accent4"/>
+          </a:fillRef>
+          <a:effectRef idx="2">
+            <a:schemeClr val="accent4"/>
+          </a:effectRef>
+          <a:fontRef idx="minor">
+            <a:schemeClr val="lt1"/>
+          </a:fontRef>
+        </p:style>
+        <p:txBody>
+          <a:bodyPr rtlCol="0" anchor="ctr"/>
+          <a:lstStyle/>
+          <a:p>
+            <a:pPr algn="ctr"/>
+            <a:endParaRPr lang="en-US"/>
+          </a:p>
+        </p:txBody>
+      </p:sp>
+      <p:sp>
+        <p:nvSpPr>
+          <p:cNvPr id="9" name="Strzałka w prawo 8"/>
+          <p:cNvSpPr/>
+          <p:nvPr/>
+        </p:nvSpPr>
+        <p:spPr>
+          <a:xfrm rot="10800000">
+            <a:off x="4175103" y="3592912"/>
+            <a:ext cx="3841795" cy="374970"/>
+          </a:xfrm>
+          <a:prstGeom prst="rightArrow">
+            <a:avLst/>
+          </a:prstGeom>
+        </p:spPr>
+        <p:style>
+          <a:lnRef idx="1">
+            <a:schemeClr val="accent4"/>
+          </a:lnRef>
+          <a:fillRef idx="3">
+            <a:schemeClr val="accent4"/>
+          </a:fillRef>
+          <a:effectRef idx="2">
+            <a:schemeClr val="accent4"/>
+          </a:effectRef>
+          <a:fontRef idx="minor">
+            <a:schemeClr val="lt1"/>
+          </a:fontRef>
+        </p:style>
+        <p:txBody>
+          <a:bodyPr rtlCol="0" anchor="ctr"/>
+          <a:lstStyle/>
+          <a:p>
+            <a:pPr algn="ctr"/>
+            <a:endParaRPr lang="en-US"/>
+          </a:p>
+        </p:txBody>
+      </p:sp>
+      <p:graphicFrame>
+        <p:nvGraphicFramePr>
+          <p:cNvPr id="29" name="Symbol zastępczy zawartości 3"/>
+          <p:cNvGraphicFramePr>
+            <a:graphicFrameLocks/>
+          </p:cNvGraphicFramePr>
+          <p:nvPr/>
+        </p:nvGraphicFramePr>
+        <p:xfrm>
+          <a:off x="588008" y="4232114"/>
+          <a:ext cx="4024683" cy="1645690"/>
+        </p:xfrm>
+        <a:graphic>
+          <a:graphicData uri="http://schemas.openxmlformats.org/drawingml/2006/diagram">
+            <dgm:relIds xmlns:dgm="http://schemas.openxmlformats.org/drawingml/2006/diagram" xmlns:r="http://schemas.openxmlformats.org/officeDocument/2006/relationships" r:dm="rId2" r:lo="rId3" r:qs="rId4" r:cs="rId5"/>
+          </a:graphicData>
+        </a:graphic>
+      </p:graphicFrame>
+      <p:graphicFrame>
+        <p:nvGraphicFramePr>
+          <p:cNvPr id="30" name="Symbol zastępczy zawartości 3"/>
+          <p:cNvGraphicFramePr>
+            <a:graphicFrameLocks/>
+          </p:cNvGraphicFramePr>
+          <p:nvPr/>
+        </p:nvGraphicFramePr>
+        <p:xfrm>
+          <a:off x="8263588" y="4568388"/>
+          <a:ext cx="2093883" cy="973142"/>
+        </p:xfrm>
+        <a:graphic>
+          <a:graphicData uri="http://schemas.openxmlformats.org/drawingml/2006/diagram">
+            <dgm:relIds xmlns:dgm="http://schemas.openxmlformats.org/drawingml/2006/diagram" xmlns:r="http://schemas.openxmlformats.org/officeDocument/2006/relationships" r:dm="rId7" r:lo="rId8" r:qs="rId9" r:cs="rId10"/>
+          </a:graphicData>
+        </a:graphic>
+      </p:graphicFrame>
+      <p:pic>
+        <p:nvPicPr>
+          <p:cNvPr id="16" name="Grafika 15" descr="Koperta">
+            <a:extLst>
+              <a:ext uri="{FF2B5EF4-FFF2-40B4-BE49-F238E27FC236}">
+                <a16:creationId xmlns:a16="http://schemas.microsoft.com/office/drawing/2014/main" id="{AD5B9EEE-829C-4768-AB42-DC489D2FF48D}"/>
+              </a:ext>
+            </a:extLst>
+          </p:cNvPr>
+          <p:cNvPicPr>
+            <a:picLocks noChangeAspect="1"/>
+          </p:cNvPicPr>
+          <p:nvPr/>
+        </p:nvPicPr>
+        <p:blipFill>
+          <a:blip r:embed="rId12">
+            <a:extLst>
+              <a:ext uri="{28A0092B-C50C-407E-A947-70E740481C1C}">
+                <a14:useLocalDpi xmlns:a14="http://schemas.microsoft.com/office/drawing/2010/main" val="0"/>
+              </a:ext>
+              <a:ext uri="{96DAC541-7B7A-43D3-8B79-37D633B846F1}">
+                <asvg:svgBlip xmlns:asvg="http://schemas.microsoft.com/office/drawing/2016/SVG/main" r:embed="rId13"/>
+              </a:ext>
+            </a:extLst>
+          </a:blip>
+          <a:stretch>
+            <a:fillRect/>
+          </a:stretch>
+        </p:blipFill>
+        <p:spPr>
+          <a:xfrm>
+            <a:off x="6202415" y="1775265"/>
+            <a:ext cx="1419752" cy="1419752"/>
+          </a:xfrm>
+          <a:prstGeom prst="rect">
+            <a:avLst/>
+          </a:prstGeom>
+        </p:spPr>
+      </p:pic>
+      <p:sp>
+        <p:nvSpPr>
+          <p:cNvPr id="18" name="pole tekstowe 17">
+            <a:extLst>
+              <a:ext uri="{FF2B5EF4-FFF2-40B4-BE49-F238E27FC236}">
+                <a16:creationId xmlns:a16="http://schemas.microsoft.com/office/drawing/2014/main" id="{272291F1-B5C2-466D-94BB-3D8223445D61}"/>
+              </a:ext>
+            </a:extLst>
+          </p:cNvPr>
+          <p:cNvSpPr txBox="1"/>
+          <p:nvPr/>
+        </p:nvSpPr>
+        <p:spPr>
+          <a:xfrm>
+            <a:off x="5769564" y="1513655"/>
+            <a:ext cx="2247334" cy="523220"/>
+          </a:xfrm>
+          <a:prstGeom prst="rect">
+            <a:avLst/>
+          </a:prstGeom>
+          <a:noFill/>
+        </p:spPr>
+        <p:txBody>
+          <a:bodyPr wrap="square" rtlCol="0">
+            <a:spAutoFit/>
+          </a:bodyPr>
+          <a:lstStyle/>
+          <a:p>
+            <a:pPr algn="ctr"/>
+            <a:r>
+              <a:rPr lang="pl-PL" sz="2800" b="1" dirty="0" err="1">
+                <a:solidFill>
+                  <a:schemeClr val="bg1"/>
+                </a:solidFill>
+              </a:rPr>
+              <a:t>Process</a:t>
+            </a:r>
+            <a:endParaRPr lang="pl-PL" sz="2800" b="1" dirty="0">
+              <a:solidFill>
+                <a:schemeClr val="bg1"/>
+              </a:solidFill>
+            </a:endParaRPr>
+          </a:p>
+        </p:txBody>
+      </p:sp>
+      <p:pic>
+        <p:nvPicPr>
+          <p:cNvPr id="19" name="Grafika 18" descr="Koperta">
+            <a:extLst>
+              <a:ext uri="{FF2B5EF4-FFF2-40B4-BE49-F238E27FC236}">
+                <a16:creationId xmlns:a16="http://schemas.microsoft.com/office/drawing/2014/main" id="{053F21DA-B22B-4D63-B728-372D97688FA5}"/>
+              </a:ext>
+            </a:extLst>
+          </p:cNvPr>
+          <p:cNvPicPr>
+            <a:picLocks noChangeAspect="1"/>
+          </p:cNvPicPr>
+          <p:nvPr/>
+        </p:nvPicPr>
+        <p:blipFill>
+          <a:blip r:embed="rId12">
+            <a:extLst>
+              <a:ext uri="{28A0092B-C50C-407E-A947-70E740481C1C}">
+                <a14:useLocalDpi xmlns:a14="http://schemas.microsoft.com/office/drawing/2010/main" val="0"/>
+              </a:ext>
+              <a:ext uri="{96DAC541-7B7A-43D3-8B79-37D633B846F1}">
+                <asvg:svgBlip xmlns:asvg="http://schemas.microsoft.com/office/drawing/2016/SVG/main" r:embed="rId13"/>
+              </a:ext>
+            </a:extLst>
+          </a:blip>
+          <a:stretch>
+            <a:fillRect/>
+          </a:stretch>
+        </p:blipFill>
+        <p:spPr>
+          <a:xfrm>
+            <a:off x="4612691" y="3664468"/>
+            <a:ext cx="1419752" cy="1419752"/>
+          </a:xfrm>
+          <a:prstGeom prst="rect">
+            <a:avLst/>
+          </a:prstGeom>
+        </p:spPr>
+      </p:pic>
+      <p:sp>
+        <p:nvSpPr>
+          <p:cNvPr id="20" name="pole tekstowe 19">
+            <a:extLst>
+              <a:ext uri="{FF2B5EF4-FFF2-40B4-BE49-F238E27FC236}">
+                <a16:creationId xmlns:a16="http://schemas.microsoft.com/office/drawing/2014/main" id="{ECA88482-1F4D-4098-8BCB-DD6BE0E888D8}"/>
+              </a:ext>
+            </a:extLst>
+          </p:cNvPr>
+          <p:cNvSpPr txBox="1"/>
+          <p:nvPr/>
+        </p:nvSpPr>
+        <p:spPr>
+          <a:xfrm>
+            <a:off x="4175102" y="4745640"/>
+            <a:ext cx="2247334" cy="523220"/>
+          </a:xfrm>
+          <a:prstGeom prst="rect">
+            <a:avLst/>
+          </a:prstGeom>
+          <a:noFill/>
+        </p:spPr>
+        <p:txBody>
+          <a:bodyPr wrap="square" rtlCol="0">
+            <a:spAutoFit/>
+          </a:bodyPr>
+          <a:lstStyle/>
+          <a:p>
+            <a:pPr algn="ctr"/>
+            <a:r>
+              <a:rPr lang="pl-PL" sz="2800" b="1" dirty="0" err="1">
+                <a:solidFill>
+                  <a:schemeClr val="bg1"/>
+                </a:solidFill>
+              </a:rPr>
+              <a:t>Ack</a:t>
+            </a:r>
+            <a:endParaRPr lang="pl-PL" sz="2800" b="1" dirty="0">
+              <a:solidFill>
+                <a:schemeClr val="bg1"/>
+              </a:solidFill>
+            </a:endParaRPr>
+          </a:p>
+        </p:txBody>
+      </p:sp>
+    </p:spTree>
+    <p:extLst>
+      <p:ext uri="{BB962C8B-B14F-4D97-AF65-F5344CB8AC3E}">
+        <p14:creationId xmlns:p14="http://schemas.microsoft.com/office/powerpoint/2010/main" val="3682479658"/>
+      </p:ext>
+    </p:extLst>
+  </p:cSld>
+  <p:clrMapOvr>
+    <a:masterClrMapping/>
+  </p:clrMapOvr>
+</p:sld>
+</file>
+
+<file path=ppt/slides/slide4.xml><?xml version="1.0" encoding="utf-8"?>
+<p:sld xmlns:a="http://schemas.openxmlformats.org/drawingml/2006/main" xmlns:r="http://schemas.openxmlformats.org/officeDocument/2006/relationships" xmlns:p="http://schemas.openxmlformats.org/presentationml/2006/main">
+  <p:cSld>
+    <p:bg>
+      <p:bgPr>
+        <a:solidFill>
+          <a:schemeClr val="tx1"/>
+        </a:solidFill>
+        <a:effectLst/>
+      </p:bgPr>
+    </p:bg>
+    <p:spTree>
+      <p:nvGrpSpPr>
+        <p:cNvPr id="1" name=""/>
+        <p:cNvGrpSpPr/>
+        <p:nvPr/>
+      </p:nvGrpSpPr>
+      <p:grpSpPr>
+        <a:xfrm>
+          <a:off x="0" y="0"/>
+          <a:ext cx="0" cy="0"/>
+          <a:chOff x="0" y="0"/>
+          <a:chExt cx="0" cy="0"/>
+        </a:xfrm>
+      </p:grpSpPr>
+      <p:sp>
+        <p:nvSpPr>
+          <p:cNvPr id="2" name="Prostokąt zaokrąglony 7">
+            <a:extLst>
+              <a:ext uri="{FF2B5EF4-FFF2-40B4-BE49-F238E27FC236}">
+                <a16:creationId xmlns:a16="http://schemas.microsoft.com/office/drawing/2014/main" id="{410EE681-0A5C-4000-871A-C117C976057A}"/>
+              </a:ext>
+            </a:extLst>
+          </p:cNvPr>
+          <p:cNvSpPr/>
+          <p:nvPr/>
+        </p:nvSpPr>
+        <p:spPr>
+          <a:xfrm rot="16200000">
+            <a:off x="1100499" y="2527856"/>
+            <a:ext cx="2826081" cy="1414360"/>
+          </a:xfrm>
+          <a:prstGeom prst="roundRect">
+            <a:avLst/>
+          </a:prstGeom>
+        </p:spPr>
+        <p:style>
+          <a:lnRef idx="1">
+            <a:schemeClr val="accent6"/>
+          </a:lnRef>
+          <a:fillRef idx="3">
+            <a:schemeClr val="accent6"/>
+          </a:fillRef>
+          <a:effectRef idx="2">
+            <a:schemeClr val="accent6"/>
+          </a:effectRef>
+          <a:fontRef idx="minor">
+            <a:schemeClr val="lt1"/>
+          </a:fontRef>
+        </p:style>
+        <p:txBody>
+          <a:bodyPr rtlCol="0" anchor="ctr"/>
+          <a:lstStyle/>
+          <a:p>
+            <a:pPr algn="ctr"/>
+            <a:r>
+              <a:rPr lang="pl-PL" sz="3200" dirty="0">
+                <a:latin typeface="Arial Black" panose="020B0A04020102020204" pitchFamily="34" charset="0"/>
+              </a:rPr>
+              <a:t>Client</a:t>
+            </a:r>
+            <a:endParaRPr lang="en-US" sz="2000" dirty="0">
+              <a:latin typeface="Arial Black" panose="020B0A04020102020204" pitchFamily="34" charset="0"/>
+            </a:endParaRPr>
+          </a:p>
+        </p:txBody>
+      </p:sp>
+      <p:sp>
+        <p:nvSpPr>
+          <p:cNvPr id="9" name="Prostokąt zaokrąglony 7">
+            <a:extLst>
+              <a:ext uri="{FF2B5EF4-FFF2-40B4-BE49-F238E27FC236}">
+                <a16:creationId xmlns:a16="http://schemas.microsoft.com/office/drawing/2014/main" id="{6276A18E-E946-4EA4-BF2D-5B08D66F84DC}"/>
+              </a:ext>
+            </a:extLst>
+          </p:cNvPr>
+          <p:cNvSpPr/>
+          <p:nvPr/>
+        </p:nvSpPr>
+        <p:spPr>
+          <a:xfrm rot="16200000">
+            <a:off x="4592514" y="2527856"/>
+            <a:ext cx="2826081" cy="1414360"/>
+          </a:xfrm>
+          <a:prstGeom prst="roundRect">
+            <a:avLst/>
+          </a:prstGeom>
+        </p:spPr>
+        <p:style>
+          <a:lnRef idx="1">
+            <a:schemeClr val="accent2"/>
+          </a:lnRef>
+          <a:fillRef idx="3">
+            <a:schemeClr val="accent2"/>
+          </a:fillRef>
+          <a:effectRef idx="2">
+            <a:schemeClr val="accent2"/>
+          </a:effectRef>
+          <a:fontRef idx="minor">
+            <a:schemeClr val="lt1"/>
+          </a:fontRef>
+        </p:style>
+        <p:txBody>
+          <a:bodyPr rtlCol="0" anchor="ctr"/>
+          <a:lstStyle/>
+          <a:p>
+            <a:pPr algn="ctr"/>
+            <a:r>
+              <a:rPr lang="pl-PL" sz="3200" dirty="0" err="1">
+                <a:latin typeface="Arial Black" panose="020B0A04020102020204" pitchFamily="34" charset="0"/>
+              </a:rPr>
+              <a:t>Orders</a:t>
+            </a:r>
+            <a:endParaRPr lang="en-US" sz="2000" dirty="0">
+              <a:latin typeface="Arial Black" panose="020B0A04020102020204" pitchFamily="34" charset="0"/>
+            </a:endParaRPr>
+          </a:p>
+        </p:txBody>
+      </p:sp>
+      <p:sp>
+        <p:nvSpPr>
+          <p:cNvPr id="10" name="Prostokąt zaokrąglony 7">
+            <a:extLst>
+              <a:ext uri="{FF2B5EF4-FFF2-40B4-BE49-F238E27FC236}">
+                <a16:creationId xmlns:a16="http://schemas.microsoft.com/office/drawing/2014/main" id="{3EC355AA-7B0B-453A-B95D-9657E4B1B4A6}"/>
+              </a:ext>
+            </a:extLst>
+          </p:cNvPr>
+          <p:cNvSpPr/>
+          <p:nvPr/>
+        </p:nvSpPr>
+        <p:spPr>
+          <a:xfrm rot="16200000">
+            <a:off x="8705151" y="1586671"/>
+            <a:ext cx="1607004" cy="1414360"/>
+          </a:xfrm>
+          <a:prstGeom prst="roundRect">
+            <a:avLst/>
+          </a:prstGeom>
+        </p:spPr>
+        <p:style>
+          <a:lnRef idx="1">
+            <a:schemeClr val="accent5"/>
+          </a:lnRef>
+          <a:fillRef idx="3">
+            <a:schemeClr val="accent5"/>
+          </a:fillRef>
+          <a:effectRef idx="2">
+            <a:schemeClr val="accent5"/>
+          </a:effectRef>
+          <a:fontRef idx="minor">
+            <a:schemeClr val="lt1"/>
+          </a:fontRef>
+        </p:style>
+        <p:txBody>
+          <a:bodyPr rtlCol="0" anchor="ctr"/>
+          <a:lstStyle/>
+          <a:p>
+            <a:pPr algn="ctr"/>
+            <a:r>
+              <a:rPr lang="pl-PL" sz="2800" dirty="0">
+                <a:latin typeface="Arial Black" panose="020B0A04020102020204" pitchFamily="34" charset="0"/>
+              </a:rPr>
+              <a:t>Billing</a:t>
+            </a:r>
+            <a:endParaRPr lang="en-US" sz="2000" dirty="0">
+              <a:latin typeface="Arial Black" panose="020B0A04020102020204" pitchFamily="34" charset="0"/>
+            </a:endParaRPr>
+          </a:p>
+        </p:txBody>
+      </p:sp>
+      <p:sp>
+        <p:nvSpPr>
+          <p:cNvPr id="7" name="Strzałka w prawo 7">
+            <a:extLst>
+              <a:ext uri="{FF2B5EF4-FFF2-40B4-BE49-F238E27FC236}">
+                <a16:creationId xmlns:a16="http://schemas.microsoft.com/office/drawing/2014/main" id="{ADC704D3-BF91-4B48-94F7-68C82E9A8376}"/>
+              </a:ext>
+            </a:extLst>
+          </p:cNvPr>
+          <p:cNvSpPr/>
+          <p:nvPr/>
+        </p:nvSpPr>
+        <p:spPr>
+          <a:xfrm>
+            <a:off x="3383322" y="2333511"/>
+            <a:ext cx="1763534" cy="406512"/>
+          </a:xfrm>
+          <a:prstGeom prst="rightArrow">
+            <a:avLst/>
+          </a:prstGeom>
+        </p:spPr>
+        <p:style>
+          <a:lnRef idx="1">
+            <a:schemeClr val="accent4"/>
+          </a:lnRef>
+          <a:fillRef idx="3">
+            <a:schemeClr val="accent4"/>
+          </a:fillRef>
+          <a:effectRef idx="2">
+            <a:schemeClr val="accent4"/>
+          </a:effectRef>
+          <a:fontRef idx="minor">
+            <a:schemeClr val="lt1"/>
+          </a:fontRef>
+        </p:style>
+        <p:txBody>
+          <a:bodyPr rtlCol="0" anchor="ctr"/>
+          <a:lstStyle/>
+          <a:p>
+            <a:pPr algn="ctr"/>
+            <a:endParaRPr lang="en-US"/>
+          </a:p>
+        </p:txBody>
+      </p:sp>
+      <p:sp>
+        <p:nvSpPr>
+          <p:cNvPr id="8" name="Strzałka w prawo 7">
+            <a:extLst>
+              <a:ext uri="{FF2B5EF4-FFF2-40B4-BE49-F238E27FC236}">
+                <a16:creationId xmlns:a16="http://schemas.microsoft.com/office/drawing/2014/main" id="{C82847F5-F441-4FC1-BA03-CC832DAFAD43}"/>
+              </a:ext>
+            </a:extLst>
+          </p:cNvPr>
+          <p:cNvSpPr/>
+          <p:nvPr/>
+        </p:nvSpPr>
+        <p:spPr>
+          <a:xfrm>
+            <a:off x="6883750" y="2130255"/>
+            <a:ext cx="1763534" cy="406512"/>
+          </a:xfrm>
+          <a:prstGeom prst="rightArrow">
+            <a:avLst/>
+          </a:prstGeom>
+        </p:spPr>
+        <p:style>
+          <a:lnRef idx="1">
+            <a:schemeClr val="accent4"/>
+          </a:lnRef>
+          <a:fillRef idx="3">
+            <a:schemeClr val="accent4"/>
+          </a:fillRef>
+          <a:effectRef idx="2">
+            <a:schemeClr val="accent4"/>
+          </a:effectRef>
+          <a:fontRef idx="minor">
+            <a:schemeClr val="lt1"/>
+          </a:fontRef>
+        </p:style>
+        <p:txBody>
+          <a:bodyPr rtlCol="0" anchor="ctr"/>
+          <a:lstStyle/>
+          <a:p>
+            <a:pPr algn="ctr"/>
+            <a:endParaRPr lang="en-US"/>
+          </a:p>
+        </p:txBody>
+      </p:sp>
+      <p:pic>
+        <p:nvPicPr>
+          <p:cNvPr id="4" name="Grafika 3" descr="Koperta">
+            <a:extLst>
+              <a:ext uri="{FF2B5EF4-FFF2-40B4-BE49-F238E27FC236}">
+                <a16:creationId xmlns:a16="http://schemas.microsoft.com/office/drawing/2014/main" id="{9CB2B339-FD33-474C-9A3D-2E61F7A02B8A}"/>
+              </a:ext>
+            </a:extLst>
+          </p:cNvPr>
+          <p:cNvPicPr>
+            <a:picLocks noChangeAspect="1"/>
+          </p:cNvPicPr>
+          <p:nvPr/>
+        </p:nvPicPr>
+        <p:blipFill>
+          <a:blip r:embed="rId3">
+            <a:extLst>
+              <a:ext uri="{28A0092B-C50C-407E-A947-70E740481C1C}">
+                <a14:useLocalDpi xmlns:a14="http://schemas.microsoft.com/office/drawing/2010/main" val="0"/>
+              </a:ext>
+              <a:ext uri="{96DAC541-7B7A-43D3-8B79-37D633B846F1}">
+                <asvg:svgBlip xmlns:asvg="http://schemas.microsoft.com/office/drawing/2016/SVG/main" r:embed="rId4"/>
+              </a:ext>
+            </a:extLst>
+          </a:blip>
+          <a:stretch>
+            <a:fillRect/>
+          </a:stretch>
+        </p:blipFill>
+        <p:spPr>
+          <a:xfrm>
+            <a:off x="3501043" y="2481688"/>
+            <a:ext cx="1419752" cy="1419752"/>
+          </a:xfrm>
+          <a:prstGeom prst="rect">
+            <a:avLst/>
+          </a:prstGeom>
+        </p:spPr>
+      </p:pic>
+      <p:pic>
+        <p:nvPicPr>
+          <p:cNvPr id="11" name="Grafika 10" descr="Koperta">
+            <a:extLst>
+              <a:ext uri="{FF2B5EF4-FFF2-40B4-BE49-F238E27FC236}">
+                <a16:creationId xmlns:a16="http://schemas.microsoft.com/office/drawing/2014/main" id="{0C7C7141-96B6-4583-AD88-6FCBA1BA3746}"/>
+              </a:ext>
+            </a:extLst>
+          </p:cNvPr>
+          <p:cNvPicPr>
+            <a:picLocks noChangeAspect="1"/>
+          </p:cNvPicPr>
+          <p:nvPr/>
+        </p:nvPicPr>
+        <p:blipFill>
+          <a:blip r:embed="rId3">
+            <a:extLst>
+              <a:ext uri="{28A0092B-C50C-407E-A947-70E740481C1C}">
+                <a14:useLocalDpi xmlns:a14="http://schemas.microsoft.com/office/drawing/2010/main" val="0"/>
+              </a:ext>
+              <a:ext uri="{96DAC541-7B7A-43D3-8B79-37D633B846F1}">
+                <asvg:svgBlip xmlns:asvg="http://schemas.microsoft.com/office/drawing/2016/SVG/main" r:embed="rId5"/>
+              </a:ext>
+            </a:extLst>
+          </a:blip>
+          <a:stretch>
+            <a:fillRect/>
+          </a:stretch>
+        </p:blipFill>
+        <p:spPr>
+          <a:xfrm>
+            <a:off x="6994741" y="2481688"/>
+            <a:ext cx="1419752" cy="1419752"/>
+          </a:xfrm>
+          <a:prstGeom prst="rect">
+            <a:avLst/>
+          </a:prstGeom>
+        </p:spPr>
+      </p:pic>
+      <p:sp>
+        <p:nvSpPr>
+          <p:cNvPr id="5" name="pole tekstowe 4">
+            <a:extLst>
+              <a:ext uri="{FF2B5EF4-FFF2-40B4-BE49-F238E27FC236}">
+                <a16:creationId xmlns:a16="http://schemas.microsoft.com/office/drawing/2014/main" id="{5E7674EA-9B73-4F28-BB62-707047EA29EC}"/>
+              </a:ext>
+            </a:extLst>
+          </p:cNvPr>
+          <p:cNvSpPr txBox="1"/>
+          <p:nvPr/>
+        </p:nvSpPr>
+        <p:spPr>
+          <a:xfrm>
+            <a:off x="3158558" y="3544623"/>
+            <a:ext cx="2247334" cy="954107"/>
+          </a:xfrm>
+          <a:prstGeom prst="rect">
+            <a:avLst/>
+          </a:prstGeom>
+          <a:noFill/>
+        </p:spPr>
+        <p:txBody>
+          <a:bodyPr wrap="square" rtlCol="0">
+            <a:spAutoFit/>
+          </a:bodyPr>
+          <a:lstStyle/>
+          <a:p>
+            <a:pPr algn="ctr"/>
+            <a:r>
+              <a:rPr lang="pl-PL" sz="2800" b="1" dirty="0" err="1">
+                <a:solidFill>
+                  <a:schemeClr val="bg1"/>
+                </a:solidFill>
+              </a:rPr>
+              <a:t>SubmitOrder</a:t>
+            </a:r>
+            <a:endParaRPr lang="pl-PL" sz="2800" b="1" dirty="0">
+              <a:solidFill>
+                <a:schemeClr val="bg1"/>
+              </a:solidFill>
+            </a:endParaRPr>
+          </a:p>
+          <a:p>
+            <a:pPr algn="ctr"/>
+            <a:r>
+              <a:rPr lang="pl-PL" sz="2800" b="1" dirty="0" err="1">
+                <a:solidFill>
+                  <a:schemeClr val="bg1"/>
+                </a:solidFill>
+              </a:rPr>
+              <a:t>AddItem</a:t>
+            </a:r>
+            <a:endParaRPr lang="pl-PL" sz="2800" b="1" dirty="0">
+              <a:solidFill>
+                <a:schemeClr val="bg1"/>
+              </a:solidFill>
+            </a:endParaRPr>
+          </a:p>
+        </p:txBody>
+      </p:sp>
+      <p:sp>
+        <p:nvSpPr>
+          <p:cNvPr id="13" name="pole tekstowe 12">
+            <a:extLst>
+              <a:ext uri="{FF2B5EF4-FFF2-40B4-BE49-F238E27FC236}">
+                <a16:creationId xmlns:a16="http://schemas.microsoft.com/office/drawing/2014/main" id="{2A030D61-C904-4C15-98A5-A2F9C9343823}"/>
+              </a:ext>
+            </a:extLst>
+          </p:cNvPr>
+          <p:cNvSpPr txBox="1"/>
+          <p:nvPr/>
+        </p:nvSpPr>
+        <p:spPr>
+          <a:xfrm>
+            <a:off x="6840200" y="3584751"/>
+            <a:ext cx="1850635" cy="523220"/>
+          </a:xfrm>
+          <a:prstGeom prst="rect">
+            <a:avLst/>
+          </a:prstGeom>
+          <a:noFill/>
+        </p:spPr>
+        <p:txBody>
+          <a:bodyPr wrap="none" rtlCol="0">
+            <a:spAutoFit/>
+          </a:bodyPr>
+          <a:lstStyle/>
+          <a:p>
+            <a:r>
+              <a:rPr lang="pl-PL" sz="2800" b="1" dirty="0" err="1">
+                <a:solidFill>
+                  <a:schemeClr val="bg1"/>
+                </a:solidFill>
+              </a:rPr>
+              <a:t>ItemAdded</a:t>
+            </a:r>
+            <a:endParaRPr lang="en-US" sz="2800" b="1" dirty="0">
+              <a:solidFill>
+                <a:schemeClr val="bg1"/>
+              </a:solidFill>
+            </a:endParaRPr>
+          </a:p>
+        </p:txBody>
+      </p:sp>
+      <p:pic>
+        <p:nvPicPr>
+          <p:cNvPr id="14" name="Obraz 13" descr="Obraz zawierający budynek, rysunek, zegar&#10;&#10;Opis wygenerowany automatycznie">
+            <a:extLst>
+              <a:ext uri="{FF2B5EF4-FFF2-40B4-BE49-F238E27FC236}">
+                <a16:creationId xmlns:a16="http://schemas.microsoft.com/office/drawing/2014/main" id="{58B47EA7-FC05-4062-B107-1CEAFE6C467D}"/>
+              </a:ext>
+            </a:extLst>
+          </p:cNvPr>
+          <p:cNvPicPr>
+            <a:picLocks noChangeAspect="1"/>
+          </p:cNvPicPr>
+          <p:nvPr/>
+        </p:nvPicPr>
+        <p:blipFill>
+          <a:blip r:embed="rId6" cstate="print">
+            <a:extLst>
+              <a:ext uri="{28A0092B-C50C-407E-A947-70E740481C1C}">
+                <a14:useLocalDpi xmlns:a14="http://schemas.microsoft.com/office/drawing/2010/main" val="0"/>
+              </a:ext>
+            </a:extLst>
+          </a:blip>
+          <a:stretch>
+            <a:fillRect/>
+          </a:stretch>
+        </p:blipFill>
+        <p:spPr>
+          <a:xfrm>
+            <a:off x="5218154" y="5011659"/>
+            <a:ext cx="1574800" cy="1574800"/>
+          </a:xfrm>
+          <a:prstGeom prst="rect">
+            <a:avLst/>
+          </a:prstGeom>
+        </p:spPr>
+      </p:pic>
+      <p:sp>
+        <p:nvSpPr>
+          <p:cNvPr id="12" name="Prostokąt zaokrąglony 7">
+            <a:extLst>
+              <a:ext uri="{FF2B5EF4-FFF2-40B4-BE49-F238E27FC236}">
+                <a16:creationId xmlns:a16="http://schemas.microsoft.com/office/drawing/2014/main" id="{262662B0-5153-4ABD-AA92-616FB5990F27}"/>
+              </a:ext>
+            </a:extLst>
+          </p:cNvPr>
+          <p:cNvSpPr/>
+          <p:nvPr/>
+        </p:nvSpPr>
+        <p:spPr>
+          <a:xfrm rot="16200000">
+            <a:off x="8705151" y="3577346"/>
+            <a:ext cx="1607004" cy="1414360"/>
+          </a:xfrm>
+          <a:prstGeom prst="roundRect">
+            <a:avLst/>
+          </a:prstGeom>
+        </p:spPr>
+        <p:style>
+          <a:lnRef idx="1">
+            <a:schemeClr val="accent4"/>
+          </a:lnRef>
+          <a:fillRef idx="3">
+            <a:schemeClr val="accent4"/>
+          </a:fillRef>
+          <a:effectRef idx="2">
+            <a:schemeClr val="accent4"/>
+          </a:effectRef>
+          <a:fontRef idx="minor">
+            <a:schemeClr val="lt1"/>
+          </a:fontRef>
+        </p:style>
+        <p:txBody>
+          <a:bodyPr rtlCol="0" anchor="ctr"/>
+          <a:lstStyle/>
+          <a:p>
+            <a:pPr algn="ctr"/>
+            <a:r>
+              <a:rPr lang="pl-PL" sz="2000" dirty="0" err="1">
+                <a:latin typeface="Arial Black" panose="020B0A04020102020204" pitchFamily="34" charset="0"/>
+              </a:rPr>
+              <a:t>Shipping</a:t>
+            </a:r>
+            <a:endParaRPr lang="en-US" sz="2000" dirty="0">
+              <a:latin typeface="Arial Black" panose="020B0A04020102020204" pitchFamily="34" charset="0"/>
+            </a:endParaRPr>
+          </a:p>
+        </p:txBody>
+      </p:sp>
+      <p:sp>
+        <p:nvSpPr>
+          <p:cNvPr id="15" name="Strzałka w prawo 7">
+            <a:extLst>
+              <a:ext uri="{FF2B5EF4-FFF2-40B4-BE49-F238E27FC236}">
+                <a16:creationId xmlns:a16="http://schemas.microsoft.com/office/drawing/2014/main" id="{C0C3B98B-672E-4E57-B48D-C9F259C9C10C}"/>
+              </a:ext>
+            </a:extLst>
+          </p:cNvPr>
+          <p:cNvSpPr/>
+          <p:nvPr/>
+        </p:nvSpPr>
+        <p:spPr>
+          <a:xfrm>
+            <a:off x="6871886" y="4107971"/>
+            <a:ext cx="1763534" cy="406512"/>
+          </a:xfrm>
+          <a:prstGeom prst="rightArrow">
+            <a:avLst/>
+          </a:prstGeom>
+        </p:spPr>
+        <p:style>
+          <a:lnRef idx="1">
+            <a:schemeClr val="accent4"/>
+          </a:lnRef>
+          <a:fillRef idx="3">
+            <a:schemeClr val="accent4"/>
+          </a:fillRef>
+          <a:effectRef idx="2">
+            <a:schemeClr val="accent4"/>
+          </a:effectRef>
+          <a:fontRef idx="minor">
+            <a:schemeClr val="lt1"/>
+          </a:fontRef>
+        </p:style>
+        <p:txBody>
+          <a:bodyPr rtlCol="0" anchor="ctr"/>
+          <a:lstStyle/>
+          <a:p>
+            <a:pPr algn="ctr"/>
+            <a:endParaRPr lang="en-US"/>
+          </a:p>
+        </p:txBody>
+      </p:sp>
+    </p:spTree>
+    <p:extLst>
+      <p:ext uri="{BB962C8B-B14F-4D97-AF65-F5344CB8AC3E}">
+        <p14:creationId xmlns:p14="http://schemas.microsoft.com/office/powerpoint/2010/main" val="244453491"/>
+      </p:ext>
+    </p:extLst>
+  </p:cSld>
+  <p:clrMapOvr>
+    <a:masterClrMapping/>
+  </p:clrMapOvr>
+</p:sld>
+</file>
+
+<file path=ppt/slides/slide5.xml><?xml version="1.0" encoding="utf-8"?>
+<p:sld xmlns:a="http://schemas.openxmlformats.org/drawingml/2006/main" xmlns:r="http://schemas.openxmlformats.org/officeDocument/2006/relationships" xmlns:p="http://schemas.openxmlformats.org/presentationml/2006/main">
+  <p:cSld>
+    <p:bg>
+      <p:bgPr>
+        <a:solidFill>
+          <a:srgbClr val="111111"/>
+        </a:solidFill>
+        <a:effectLst/>
+      </p:bgPr>
+    </p:bg>
+    <p:spTree>
+      <p:nvGrpSpPr>
+        <p:cNvPr id="1" name=""/>
+        <p:cNvGrpSpPr/>
+        <p:nvPr/>
+      </p:nvGrpSpPr>
+      <p:grpSpPr>
+        <a:xfrm>
+          <a:off x="0" y="0"/>
+          <a:ext cx="0" cy="0"/>
+          <a:chOff x="0" y="0"/>
+          <a:chExt cx="0" cy="0"/>
+        </a:xfrm>
+      </p:grpSpPr>
+      <p:sp>
+        <p:nvSpPr>
           <p:cNvPr id="11" name="Dowolny kształt 10"/>
           <p:cNvSpPr/>
           <p:nvPr/>
         </p:nvSpPr>
         <p:spPr>
           <a:xfrm>
-            <a:off x="236823" y="3216846"/>
-            <a:ext cx="11610906" cy="1118334"/>
+            <a:off x="236823" y="3680774"/>
+            <a:ext cx="11610906" cy="683260"/>
           </a:xfrm>
           <a:custGeom>
             <a:avLst/>
@@ -34985,8 +36970,8 @@
         </p:blipFill>
         <p:spPr>
           <a:xfrm>
-            <a:off x="5216959" y="2562297"/>
-            <a:ext cx="886442" cy="1772883"/>
+            <a:off x="4308237" y="1818331"/>
+            <a:ext cx="2989923" cy="2989923"/>
           </a:xfrm>
           <a:prstGeom prst="rect">
             <a:avLst/>
@@ -35049,7 +37034,640 @@
 </p:sld>
 </file>
 
-<file path=ppt/slides/slide4.xml><?xml version="1.0" encoding="utf-8"?>
+<file path=ppt/slides/slide6.xml><?xml version="1.0" encoding="utf-8"?>
+<p:sld xmlns:a="http://schemas.openxmlformats.org/drawingml/2006/main" xmlns:r="http://schemas.openxmlformats.org/officeDocument/2006/relationships" xmlns:p="http://schemas.openxmlformats.org/presentationml/2006/main">
+  <p:cSld>
+    <p:bg>
+      <p:bgPr>
+        <a:solidFill>
+          <a:schemeClr val="tx1"/>
+        </a:solidFill>
+        <a:effectLst/>
+      </p:bgPr>
+    </p:bg>
+    <p:spTree>
+      <p:nvGrpSpPr>
+        <p:cNvPr id="1" name=""/>
+        <p:cNvGrpSpPr/>
+        <p:nvPr/>
+      </p:nvGrpSpPr>
+      <p:grpSpPr>
+        <a:xfrm>
+          <a:off x="0" y="0"/>
+          <a:ext cx="0" cy="0"/>
+          <a:chOff x="0" y="0"/>
+          <a:chExt cx="0" cy="0"/>
+        </a:xfrm>
+      </p:grpSpPr>
+      <p:sp>
+        <p:nvSpPr>
+          <p:cNvPr id="2" name="Prostokąt zaokrąglony 7">
+            <a:extLst>
+              <a:ext uri="{FF2B5EF4-FFF2-40B4-BE49-F238E27FC236}">
+                <a16:creationId xmlns:a16="http://schemas.microsoft.com/office/drawing/2014/main" id="{4B44D2EC-D8F4-45A0-B807-C1260338413C}"/>
+              </a:ext>
+            </a:extLst>
+          </p:cNvPr>
+          <p:cNvSpPr/>
+          <p:nvPr/>
+        </p:nvSpPr>
+        <p:spPr>
+          <a:xfrm>
+            <a:off x="6096000" y="1032218"/>
+            <a:ext cx="3354303" cy="4793564"/>
+          </a:xfrm>
+          <a:prstGeom prst="roundRect">
+            <a:avLst/>
+          </a:prstGeom>
+        </p:spPr>
+        <p:style>
+          <a:lnRef idx="1">
+            <a:schemeClr val="accent6"/>
+          </a:lnRef>
+          <a:fillRef idx="3">
+            <a:schemeClr val="accent6"/>
+          </a:fillRef>
+          <a:effectRef idx="2">
+            <a:schemeClr val="accent6"/>
+          </a:effectRef>
+          <a:fontRef idx="minor">
+            <a:schemeClr val="lt1"/>
+          </a:fontRef>
+        </p:style>
+        <p:txBody>
+          <a:bodyPr rtlCol="0" anchor="t" anchorCtr="0"/>
+          <a:lstStyle/>
+          <a:p>
+            <a:pPr algn="ctr"/>
+            <a:r>
+              <a:rPr lang="pl-PL" sz="3200" dirty="0">
+                <a:latin typeface="Arial Black" panose="020B0A04020102020204" pitchFamily="34" charset="0"/>
+              </a:rPr>
+              <a:t>Order XYZ</a:t>
+            </a:r>
+            <a:endParaRPr lang="en-US" sz="2000" dirty="0">
+              <a:latin typeface="Arial Black" panose="020B0A04020102020204" pitchFamily="34" charset="0"/>
+            </a:endParaRPr>
+          </a:p>
+        </p:txBody>
+      </p:sp>
+      <p:sp>
+        <p:nvSpPr>
+          <p:cNvPr id="3" name="Prostokąt zaokrąglony 4">
+            <a:extLst>
+              <a:ext uri="{FF2B5EF4-FFF2-40B4-BE49-F238E27FC236}">
+                <a16:creationId xmlns:a16="http://schemas.microsoft.com/office/drawing/2014/main" id="{C2515EA1-9489-4356-A88F-F054BC6AAB56}"/>
+              </a:ext>
+            </a:extLst>
+          </p:cNvPr>
+          <p:cNvSpPr/>
+          <p:nvPr/>
+        </p:nvSpPr>
+        <p:spPr>
+          <a:xfrm>
+            <a:off x="6747311" y="2065175"/>
+            <a:ext cx="3354302" cy="876686"/>
+          </a:xfrm>
+          <a:prstGeom prst="roundRect">
+            <a:avLst/>
+          </a:prstGeom>
+        </p:spPr>
+        <p:style>
+          <a:lnRef idx="0">
+            <a:schemeClr val="accent5"/>
+          </a:lnRef>
+          <a:fillRef idx="3">
+            <a:schemeClr val="accent5"/>
+          </a:fillRef>
+          <a:effectRef idx="3">
+            <a:schemeClr val="accent5"/>
+          </a:effectRef>
+          <a:fontRef idx="minor">
+            <a:schemeClr val="lt1"/>
+          </a:fontRef>
+        </p:style>
+        <p:txBody>
+          <a:bodyPr rtlCol="0" anchor="ctr"/>
+          <a:lstStyle/>
+          <a:p>
+            <a:pPr algn="ctr"/>
+            <a:r>
+              <a:rPr lang="pl-PL" sz="2800" b="1" dirty="0" err="1">
+                <a:latin typeface="Arial Black" panose="020B0A04020102020204" pitchFamily="34" charset="0"/>
+              </a:rPr>
+              <a:t>Item</a:t>
+            </a:r>
+            <a:r>
+              <a:rPr lang="pl-PL" sz="2800" b="1" dirty="0">
+                <a:latin typeface="Arial Black" panose="020B0A04020102020204" pitchFamily="34" charset="0"/>
+              </a:rPr>
+              <a:t> 123</a:t>
+            </a:r>
+            <a:endParaRPr lang="en-US" sz="2800" b="1" dirty="0">
+              <a:latin typeface="Arial Black" panose="020B0A04020102020204" pitchFamily="34" charset="0"/>
+            </a:endParaRPr>
+          </a:p>
+        </p:txBody>
+      </p:sp>
+      <p:sp>
+        <p:nvSpPr>
+          <p:cNvPr id="4" name="Prostokąt zaokrąglony 4">
+            <a:extLst>
+              <a:ext uri="{FF2B5EF4-FFF2-40B4-BE49-F238E27FC236}">
+                <a16:creationId xmlns:a16="http://schemas.microsoft.com/office/drawing/2014/main" id="{63BF17E6-E625-4824-AA0A-0B8AA24867BC}"/>
+              </a:ext>
+            </a:extLst>
+          </p:cNvPr>
+          <p:cNvSpPr/>
+          <p:nvPr/>
+        </p:nvSpPr>
+        <p:spPr>
+          <a:xfrm>
+            <a:off x="6747311" y="3237722"/>
+            <a:ext cx="3354302" cy="876686"/>
+          </a:xfrm>
+          <a:prstGeom prst="roundRect">
+            <a:avLst/>
+          </a:prstGeom>
+        </p:spPr>
+        <p:style>
+          <a:lnRef idx="0">
+            <a:schemeClr val="accent5"/>
+          </a:lnRef>
+          <a:fillRef idx="3">
+            <a:schemeClr val="accent5"/>
+          </a:fillRef>
+          <a:effectRef idx="3">
+            <a:schemeClr val="accent5"/>
+          </a:effectRef>
+          <a:fontRef idx="minor">
+            <a:schemeClr val="lt1"/>
+          </a:fontRef>
+        </p:style>
+        <p:txBody>
+          <a:bodyPr rtlCol="0" anchor="ctr"/>
+          <a:lstStyle/>
+          <a:p>
+            <a:pPr algn="ctr"/>
+            <a:r>
+              <a:rPr lang="pl-PL" sz="2800" b="1" dirty="0" err="1">
+                <a:latin typeface="Arial Black" panose="020B0A04020102020204" pitchFamily="34" charset="0"/>
+              </a:rPr>
+              <a:t>Item</a:t>
+            </a:r>
+            <a:r>
+              <a:rPr lang="pl-PL" sz="2800" b="1" dirty="0">
+                <a:latin typeface="Arial Black" panose="020B0A04020102020204" pitchFamily="34" charset="0"/>
+              </a:rPr>
+              <a:t> 234</a:t>
+            </a:r>
+            <a:endParaRPr lang="en-US" sz="2800" b="1" dirty="0">
+              <a:latin typeface="Arial Black" panose="020B0A04020102020204" pitchFamily="34" charset="0"/>
+            </a:endParaRPr>
+          </a:p>
+        </p:txBody>
+      </p:sp>
+      <p:sp>
+        <p:nvSpPr>
+          <p:cNvPr id="5" name="Prostokąt zaokrąglony 4">
+            <a:extLst>
+              <a:ext uri="{FF2B5EF4-FFF2-40B4-BE49-F238E27FC236}">
+                <a16:creationId xmlns:a16="http://schemas.microsoft.com/office/drawing/2014/main" id="{73FA5008-0516-42D6-B60D-564D09459CED}"/>
+              </a:ext>
+            </a:extLst>
+          </p:cNvPr>
+          <p:cNvSpPr/>
+          <p:nvPr/>
+        </p:nvSpPr>
+        <p:spPr>
+          <a:xfrm>
+            <a:off x="6747311" y="4410269"/>
+            <a:ext cx="3354302" cy="876686"/>
+          </a:xfrm>
+          <a:prstGeom prst="roundRect">
+            <a:avLst/>
+          </a:prstGeom>
+        </p:spPr>
+        <p:style>
+          <a:lnRef idx="0">
+            <a:schemeClr val="accent5"/>
+          </a:lnRef>
+          <a:fillRef idx="3">
+            <a:schemeClr val="accent5"/>
+          </a:fillRef>
+          <a:effectRef idx="3">
+            <a:schemeClr val="accent5"/>
+          </a:effectRef>
+          <a:fontRef idx="minor">
+            <a:schemeClr val="lt1"/>
+          </a:fontRef>
+        </p:style>
+        <p:txBody>
+          <a:bodyPr rtlCol="0" anchor="ctr"/>
+          <a:lstStyle/>
+          <a:p>
+            <a:pPr algn="ctr"/>
+            <a:r>
+              <a:rPr lang="pl-PL" sz="2800" b="1" dirty="0" err="1">
+                <a:latin typeface="Arial Black" panose="020B0A04020102020204" pitchFamily="34" charset="0"/>
+              </a:rPr>
+              <a:t>Item</a:t>
+            </a:r>
+            <a:r>
+              <a:rPr lang="pl-PL" sz="2800" b="1" dirty="0">
+                <a:latin typeface="Arial Black" panose="020B0A04020102020204" pitchFamily="34" charset="0"/>
+              </a:rPr>
+              <a:t> 345</a:t>
+            </a:r>
+            <a:endParaRPr lang="en-US" sz="2800" b="1" dirty="0">
+              <a:latin typeface="Arial Black" panose="020B0A04020102020204" pitchFamily="34" charset="0"/>
+            </a:endParaRPr>
+          </a:p>
+        </p:txBody>
+      </p:sp>
+      <p:pic>
+        <p:nvPicPr>
+          <p:cNvPr id="6" name="Grafika 5" descr="Koperta">
+            <a:extLst>
+              <a:ext uri="{FF2B5EF4-FFF2-40B4-BE49-F238E27FC236}">
+                <a16:creationId xmlns:a16="http://schemas.microsoft.com/office/drawing/2014/main" id="{B307811E-F281-4565-93D1-24FA526173CB}"/>
+              </a:ext>
+            </a:extLst>
+          </p:cNvPr>
+          <p:cNvPicPr>
+            <a:picLocks noChangeAspect="1"/>
+          </p:cNvPicPr>
+          <p:nvPr/>
+        </p:nvPicPr>
+        <p:blipFill>
+          <a:blip r:embed="rId2">
+            <a:extLst>
+              <a:ext uri="{28A0092B-C50C-407E-A947-70E740481C1C}">
+                <a14:useLocalDpi xmlns:a14="http://schemas.microsoft.com/office/drawing/2010/main" val="0"/>
+              </a:ext>
+              <a:ext uri="{96DAC541-7B7A-43D3-8B79-37D633B846F1}">
+                <asvg:svgBlip xmlns:asvg="http://schemas.microsoft.com/office/drawing/2016/SVG/main" r:embed="rId3"/>
+              </a:ext>
+            </a:extLst>
+          </a:blip>
+          <a:stretch>
+            <a:fillRect/>
+          </a:stretch>
+        </p:blipFill>
+        <p:spPr>
+          <a:xfrm>
+            <a:off x="2610892" y="1793642"/>
+            <a:ext cx="1419752" cy="1419752"/>
+          </a:xfrm>
+          <a:prstGeom prst="rect">
+            <a:avLst/>
+          </a:prstGeom>
+        </p:spPr>
+      </p:pic>
+      <p:pic>
+        <p:nvPicPr>
+          <p:cNvPr id="7" name="Grafika 6" descr="Koperta">
+            <a:extLst>
+              <a:ext uri="{FF2B5EF4-FFF2-40B4-BE49-F238E27FC236}">
+                <a16:creationId xmlns:a16="http://schemas.microsoft.com/office/drawing/2014/main" id="{0D9447F2-3724-4E57-B08B-104F1AAD4535}"/>
+              </a:ext>
+            </a:extLst>
+          </p:cNvPr>
+          <p:cNvPicPr>
+            <a:picLocks noChangeAspect="1"/>
+          </p:cNvPicPr>
+          <p:nvPr/>
+        </p:nvPicPr>
+        <p:blipFill>
+          <a:blip r:embed="rId2">
+            <a:extLst>
+              <a:ext uri="{28A0092B-C50C-407E-A947-70E740481C1C}">
+                <a14:useLocalDpi xmlns:a14="http://schemas.microsoft.com/office/drawing/2010/main" val="0"/>
+              </a:ext>
+              <a:ext uri="{96DAC541-7B7A-43D3-8B79-37D633B846F1}">
+                <asvg:svgBlip xmlns:asvg="http://schemas.microsoft.com/office/drawing/2016/SVG/main" r:embed="rId3"/>
+              </a:ext>
+            </a:extLst>
+          </a:blip>
+          <a:stretch>
+            <a:fillRect/>
+          </a:stretch>
+        </p:blipFill>
+        <p:spPr>
+          <a:xfrm>
+            <a:off x="2610892" y="2966189"/>
+            <a:ext cx="1419752" cy="1419752"/>
+          </a:xfrm>
+          <a:prstGeom prst="rect">
+            <a:avLst/>
+          </a:prstGeom>
+        </p:spPr>
+      </p:pic>
+      <p:pic>
+        <p:nvPicPr>
+          <p:cNvPr id="8" name="Grafika 7" descr="Koperta">
+            <a:extLst>
+              <a:ext uri="{FF2B5EF4-FFF2-40B4-BE49-F238E27FC236}">
+                <a16:creationId xmlns:a16="http://schemas.microsoft.com/office/drawing/2014/main" id="{FAB9392B-A363-4D92-A3EE-68065C2C0DD5}"/>
+              </a:ext>
+            </a:extLst>
+          </p:cNvPr>
+          <p:cNvPicPr>
+            <a:picLocks noChangeAspect="1"/>
+          </p:cNvPicPr>
+          <p:nvPr/>
+        </p:nvPicPr>
+        <p:blipFill>
+          <a:blip r:embed="rId2">
+            <a:extLst>
+              <a:ext uri="{28A0092B-C50C-407E-A947-70E740481C1C}">
+                <a14:useLocalDpi xmlns:a14="http://schemas.microsoft.com/office/drawing/2010/main" val="0"/>
+              </a:ext>
+              <a:ext uri="{96DAC541-7B7A-43D3-8B79-37D633B846F1}">
+                <asvg:svgBlip xmlns:asvg="http://schemas.microsoft.com/office/drawing/2016/SVG/main" r:embed="rId3"/>
+              </a:ext>
+            </a:extLst>
+          </a:blip>
+          <a:stretch>
+            <a:fillRect/>
+          </a:stretch>
+        </p:blipFill>
+        <p:spPr>
+          <a:xfrm>
+            <a:off x="2610892" y="4138736"/>
+            <a:ext cx="1419752" cy="1419752"/>
+          </a:xfrm>
+          <a:prstGeom prst="rect">
+            <a:avLst/>
+          </a:prstGeom>
+        </p:spPr>
+      </p:pic>
+      <p:sp>
+        <p:nvSpPr>
+          <p:cNvPr id="9" name="Strzałka: w lewo i w prawo 8">
+            <a:extLst>
+              <a:ext uri="{FF2B5EF4-FFF2-40B4-BE49-F238E27FC236}">
+                <a16:creationId xmlns:a16="http://schemas.microsoft.com/office/drawing/2014/main" id="{47E348A5-3B5E-4828-B29C-809040D1E56B}"/>
+              </a:ext>
+            </a:extLst>
+          </p:cNvPr>
+          <p:cNvSpPr/>
+          <p:nvPr/>
+        </p:nvSpPr>
+        <p:spPr>
+          <a:xfrm>
+            <a:off x="4071525" y="3489159"/>
+            <a:ext cx="2518913" cy="373811"/>
+          </a:xfrm>
+          <a:prstGeom prst="leftRightArrow">
+            <a:avLst/>
+          </a:prstGeom>
+        </p:spPr>
+        <p:style>
+          <a:lnRef idx="1">
+            <a:schemeClr val="accent4"/>
+          </a:lnRef>
+          <a:fillRef idx="3">
+            <a:schemeClr val="accent4"/>
+          </a:fillRef>
+          <a:effectRef idx="2">
+            <a:schemeClr val="accent4"/>
+          </a:effectRef>
+          <a:fontRef idx="minor">
+            <a:schemeClr val="lt1"/>
+          </a:fontRef>
+        </p:style>
+        <p:txBody>
+          <a:bodyPr rtlCol="0" anchor="ctr"/>
+          <a:lstStyle/>
+          <a:p>
+            <a:pPr algn="ctr"/>
+            <a:endParaRPr lang="en-US"/>
+          </a:p>
+        </p:txBody>
+      </p:sp>
+      <p:sp>
+        <p:nvSpPr>
+          <p:cNvPr id="10" name="Strzałka: w lewo i w prawo 9">
+            <a:extLst>
+              <a:ext uri="{FF2B5EF4-FFF2-40B4-BE49-F238E27FC236}">
+                <a16:creationId xmlns:a16="http://schemas.microsoft.com/office/drawing/2014/main" id="{79A6EABA-65AE-4715-98CB-C78145FE1DF6}"/>
+              </a:ext>
+            </a:extLst>
+          </p:cNvPr>
+          <p:cNvSpPr/>
+          <p:nvPr/>
+        </p:nvSpPr>
+        <p:spPr>
+          <a:xfrm>
+            <a:off x="4071525" y="2316612"/>
+            <a:ext cx="2518913" cy="373811"/>
+          </a:xfrm>
+          <a:prstGeom prst="leftRightArrow">
+            <a:avLst/>
+          </a:prstGeom>
+        </p:spPr>
+        <p:style>
+          <a:lnRef idx="1">
+            <a:schemeClr val="accent4"/>
+          </a:lnRef>
+          <a:fillRef idx="3">
+            <a:schemeClr val="accent4"/>
+          </a:fillRef>
+          <a:effectRef idx="2">
+            <a:schemeClr val="accent4"/>
+          </a:effectRef>
+          <a:fontRef idx="minor">
+            <a:schemeClr val="lt1"/>
+          </a:fontRef>
+        </p:style>
+        <p:txBody>
+          <a:bodyPr rtlCol="0" anchor="ctr"/>
+          <a:lstStyle/>
+          <a:p>
+            <a:pPr algn="ctr"/>
+            <a:endParaRPr lang="en-US"/>
+          </a:p>
+        </p:txBody>
+      </p:sp>
+      <p:sp>
+        <p:nvSpPr>
+          <p:cNvPr id="11" name="Strzałka: w lewo i w prawo 10">
+            <a:extLst>
+              <a:ext uri="{FF2B5EF4-FFF2-40B4-BE49-F238E27FC236}">
+                <a16:creationId xmlns:a16="http://schemas.microsoft.com/office/drawing/2014/main" id="{82084783-E414-4A11-A875-45738AD62F02}"/>
+              </a:ext>
+            </a:extLst>
+          </p:cNvPr>
+          <p:cNvSpPr/>
+          <p:nvPr/>
+        </p:nvSpPr>
+        <p:spPr>
+          <a:xfrm>
+            <a:off x="4071525" y="4661706"/>
+            <a:ext cx="2518913" cy="373811"/>
+          </a:xfrm>
+          <a:prstGeom prst="leftRightArrow">
+            <a:avLst/>
+          </a:prstGeom>
+        </p:spPr>
+        <p:style>
+          <a:lnRef idx="1">
+            <a:schemeClr val="accent4"/>
+          </a:lnRef>
+          <a:fillRef idx="3">
+            <a:schemeClr val="accent4"/>
+          </a:fillRef>
+          <a:effectRef idx="2">
+            <a:schemeClr val="accent4"/>
+          </a:effectRef>
+          <a:fontRef idx="minor">
+            <a:schemeClr val="lt1"/>
+          </a:fontRef>
+        </p:style>
+        <p:txBody>
+          <a:bodyPr rtlCol="0" anchor="ctr"/>
+          <a:lstStyle/>
+          <a:p>
+            <a:pPr algn="ctr"/>
+            <a:endParaRPr lang="en-US"/>
+          </a:p>
+        </p:txBody>
+      </p:sp>
+      <p:sp>
+        <p:nvSpPr>
+          <p:cNvPr id="13" name="pole tekstowe 12">
+            <a:extLst>
+              <a:ext uri="{FF2B5EF4-FFF2-40B4-BE49-F238E27FC236}">
+                <a16:creationId xmlns:a16="http://schemas.microsoft.com/office/drawing/2014/main" id="{6D52CD2C-9936-4A59-9B88-80BE207DB3AA}"/>
+              </a:ext>
+            </a:extLst>
+          </p:cNvPr>
+          <p:cNvSpPr txBox="1"/>
+          <p:nvPr/>
+        </p:nvSpPr>
+        <p:spPr>
+          <a:xfrm>
+            <a:off x="1288688" y="2198139"/>
+            <a:ext cx="1453009" cy="523220"/>
+          </a:xfrm>
+          <a:prstGeom prst="rect">
+            <a:avLst/>
+          </a:prstGeom>
+          <a:noFill/>
+        </p:spPr>
+        <p:txBody>
+          <a:bodyPr wrap="square" rtlCol="0">
+            <a:spAutoFit/>
+          </a:bodyPr>
+          <a:lstStyle/>
+          <a:p>
+            <a:pPr algn="ctr"/>
+            <a:r>
+              <a:rPr lang="pl-PL" sz="2800" b="1" dirty="0">
+                <a:solidFill>
+                  <a:schemeClr val="bg1"/>
+                </a:solidFill>
+              </a:rPr>
+              <a:t>ID = 123</a:t>
+            </a:r>
+          </a:p>
+        </p:txBody>
+      </p:sp>
+      <p:sp>
+        <p:nvSpPr>
+          <p:cNvPr id="15" name="pole tekstowe 14">
+            <a:extLst>
+              <a:ext uri="{FF2B5EF4-FFF2-40B4-BE49-F238E27FC236}">
+                <a16:creationId xmlns:a16="http://schemas.microsoft.com/office/drawing/2014/main" id="{43C42663-E75E-4676-B7A7-2FFF82EB5FF2}"/>
+              </a:ext>
+            </a:extLst>
+          </p:cNvPr>
+          <p:cNvSpPr txBox="1"/>
+          <p:nvPr/>
+        </p:nvSpPr>
+        <p:spPr>
+          <a:xfrm>
+            <a:off x="1288687" y="3414454"/>
+            <a:ext cx="1453009" cy="523220"/>
+          </a:xfrm>
+          <a:prstGeom prst="rect">
+            <a:avLst/>
+          </a:prstGeom>
+          <a:noFill/>
+        </p:spPr>
+        <p:txBody>
+          <a:bodyPr wrap="square" rtlCol="0">
+            <a:spAutoFit/>
+          </a:bodyPr>
+          <a:lstStyle/>
+          <a:p>
+            <a:pPr algn="ctr"/>
+            <a:r>
+              <a:rPr lang="pl-PL" sz="2800" b="1" dirty="0">
+                <a:solidFill>
+                  <a:schemeClr val="bg1"/>
+                </a:solidFill>
+              </a:rPr>
+              <a:t>ID = 234</a:t>
+            </a:r>
+          </a:p>
+        </p:txBody>
+      </p:sp>
+      <p:sp>
+        <p:nvSpPr>
+          <p:cNvPr id="16" name="pole tekstowe 15">
+            <a:extLst>
+              <a:ext uri="{FF2B5EF4-FFF2-40B4-BE49-F238E27FC236}">
+                <a16:creationId xmlns:a16="http://schemas.microsoft.com/office/drawing/2014/main" id="{66A173AB-AFE7-42A2-9CF4-1F5B84D32512}"/>
+              </a:ext>
+            </a:extLst>
+          </p:cNvPr>
+          <p:cNvSpPr txBox="1"/>
+          <p:nvPr/>
+        </p:nvSpPr>
+        <p:spPr>
+          <a:xfrm>
+            <a:off x="1288687" y="4587001"/>
+            <a:ext cx="1453009" cy="523220"/>
+          </a:xfrm>
+          <a:prstGeom prst="rect">
+            <a:avLst/>
+          </a:prstGeom>
+          <a:noFill/>
+        </p:spPr>
+        <p:txBody>
+          <a:bodyPr wrap="square" rtlCol="0">
+            <a:spAutoFit/>
+          </a:bodyPr>
+          <a:lstStyle/>
+          <a:p>
+            <a:pPr algn="ctr"/>
+            <a:r>
+              <a:rPr lang="pl-PL" sz="2800" b="1" dirty="0">
+                <a:solidFill>
+                  <a:schemeClr val="bg1"/>
+                </a:solidFill>
+              </a:rPr>
+              <a:t>ID = 345</a:t>
+            </a:r>
+          </a:p>
+        </p:txBody>
+      </p:sp>
+    </p:spTree>
+    <p:extLst>
+      <p:ext uri="{BB962C8B-B14F-4D97-AF65-F5344CB8AC3E}">
+        <p14:creationId xmlns:p14="http://schemas.microsoft.com/office/powerpoint/2010/main" val="569597352"/>
+      </p:ext>
+    </p:extLst>
+  </p:cSld>
+  <p:clrMapOvr>
+    <a:masterClrMapping/>
+  </p:clrMapOvr>
+</p:sld>
+</file>
+
+<file path=ppt/slides/slide7.xml><?xml version="1.0" encoding="utf-8"?>
 <p:sld xmlns:a="http://schemas.openxmlformats.org/drawingml/2006/main" xmlns:r="http://schemas.openxmlformats.org/officeDocument/2006/relationships" xmlns:p="http://schemas.openxmlformats.org/presentationml/2006/main">
   <p:cSld>
     <p:bg>
@@ -35113,7 +37731,7 @@
               <a:rPr lang="pl-PL" sz="2800" b="1" dirty="0">
                 <a:latin typeface="Arial Black" panose="020B0A04020102020204" pitchFamily="34" charset="0"/>
               </a:rPr>
-              <a:t>Broker</a:t>
+              <a:t>Queue</a:t>
             </a:r>
             <a:endParaRPr lang="en-US" sz="2800" b="1" dirty="0">
               <a:latin typeface="Arial Black" panose="020B0A04020102020204" pitchFamily="34" charset="0"/>
@@ -35243,145 +37861,6 @@
           </a:p>
         </p:txBody>
       </p:sp>
-      <p:grpSp>
-        <p:nvGrpSpPr>
-          <p:cNvPr id="10" name="Grupa 9"/>
-          <p:cNvGrpSpPr/>
-          <p:nvPr/>
-        </p:nvGrpSpPr>
-        <p:grpSpPr>
-          <a:xfrm>
-            <a:off x="6276904" y="2440597"/>
-            <a:ext cx="1097502" cy="750877"/>
-            <a:chOff x="2244674" y="3255378"/>
-            <a:chExt cx="1097502" cy="750877"/>
-          </a:xfrm>
-        </p:grpSpPr>
-        <p:pic>
-          <p:nvPicPr>
-            <p:cNvPr id="11" name="Picture 28"/>
-            <p:cNvPicPr>
-              <a:picLocks noChangeAspect="1"/>
-            </p:cNvPicPr>
-            <p:nvPr/>
-          </p:nvPicPr>
-          <p:blipFill>
-            <a:blip r:embed="rId3"/>
-            <a:stretch>
-              <a:fillRect/>
-            </a:stretch>
-          </p:blipFill>
-          <p:spPr>
-            <a:xfrm>
-              <a:off x="2244674" y="3255378"/>
-              <a:ext cx="1097502" cy="750877"/>
-            </a:xfrm>
-            <a:prstGeom prst="rect">
-              <a:avLst/>
-            </a:prstGeom>
-          </p:spPr>
-        </p:pic>
-        <p:sp>
-          <p:nvSpPr>
-            <p:cNvPr id="12" name="pole tekstowe 11"/>
-            <p:cNvSpPr txBox="1"/>
-            <p:nvPr/>
-          </p:nvSpPr>
-          <p:spPr>
-            <a:xfrm>
-              <a:off x="2367667" y="3572080"/>
-              <a:ext cx="904799" cy="369332"/>
-            </a:xfrm>
-            <a:prstGeom prst="rect">
-              <a:avLst/>
-            </a:prstGeom>
-            <a:noFill/>
-          </p:spPr>
-          <p:txBody>
-            <a:bodyPr wrap="none" rtlCol="0">
-              <a:spAutoFit/>
-            </a:bodyPr>
-            <a:lstStyle/>
-            <a:p>
-              <a:r>
-                <a:rPr lang="pl-PL" b="1" dirty="0" err="1"/>
-                <a:t>Process</a:t>
-              </a:r>
-              <a:endParaRPr lang="en-US" b="1" dirty="0"/>
-            </a:p>
-          </p:txBody>
-        </p:sp>
-      </p:grpSp>
-      <p:grpSp>
-        <p:nvGrpSpPr>
-          <p:cNvPr id="13" name="Grupa 12"/>
-          <p:cNvGrpSpPr/>
-          <p:nvPr/>
-        </p:nvGrpSpPr>
-        <p:grpSpPr>
-          <a:xfrm>
-            <a:off x="4862884" y="3780396"/>
-            <a:ext cx="1097502" cy="750877"/>
-            <a:chOff x="2244674" y="3255378"/>
-            <a:chExt cx="1097502" cy="750877"/>
-          </a:xfrm>
-        </p:grpSpPr>
-        <p:pic>
-          <p:nvPicPr>
-            <p:cNvPr id="14" name="Picture 28"/>
-            <p:cNvPicPr>
-              <a:picLocks noChangeAspect="1"/>
-            </p:cNvPicPr>
-            <p:nvPr/>
-          </p:nvPicPr>
-          <p:blipFill>
-            <a:blip r:embed="rId3"/>
-            <a:stretch>
-              <a:fillRect/>
-            </a:stretch>
-          </p:blipFill>
-          <p:spPr>
-            <a:xfrm>
-              <a:off x="2244674" y="3255378"/>
-              <a:ext cx="1097502" cy="750877"/>
-            </a:xfrm>
-            <a:prstGeom prst="rect">
-              <a:avLst/>
-            </a:prstGeom>
-          </p:spPr>
-        </p:pic>
-        <p:sp>
-          <p:nvSpPr>
-            <p:cNvPr id="15" name="pole tekstowe 14"/>
-            <p:cNvSpPr txBox="1"/>
-            <p:nvPr/>
-          </p:nvSpPr>
-          <p:spPr>
-            <a:xfrm>
-              <a:off x="2561068" y="3580537"/>
-              <a:ext cx="530915" cy="369332"/>
-            </a:xfrm>
-            <a:prstGeom prst="rect">
-              <a:avLst/>
-            </a:prstGeom>
-            <a:noFill/>
-          </p:spPr>
-          <p:txBody>
-            <a:bodyPr wrap="none" rtlCol="0">
-              <a:spAutoFit/>
-            </a:bodyPr>
-            <a:lstStyle/>
-            <a:p>
-              <a:pPr algn="ctr"/>
-              <a:r>
-                <a:rPr lang="pl-PL" b="1" dirty="0" err="1"/>
-                <a:t>Ack</a:t>
-              </a:r>
-              <a:endParaRPr lang="en-US" b="1" dirty="0"/>
-            </a:p>
-          </p:txBody>
-        </p:sp>
-      </p:grpSp>
       <p:graphicFrame>
         <p:nvGraphicFramePr>
           <p:cNvPr id="29" name="Symbol zastępczy zawartości 3"/>
@@ -35402,7 +37881,7 @@
         </p:xfrm>
         <a:graphic>
           <a:graphicData uri="http://schemas.openxmlformats.org/drawingml/2006/diagram">
-            <dgm:relIds xmlns:dgm="http://schemas.openxmlformats.org/drawingml/2006/diagram" xmlns:r="http://schemas.openxmlformats.org/officeDocument/2006/relationships" r:dm="rId4" r:lo="rId5" r:qs="rId6" r:cs="rId7"/>
+            <dgm:relIds xmlns:dgm="http://schemas.openxmlformats.org/drawingml/2006/diagram" xmlns:r="http://schemas.openxmlformats.org/officeDocument/2006/relationships" r:dm="rId3" r:lo="rId4" r:qs="rId5" r:cs="rId6"/>
           </a:graphicData>
         </a:graphic>
       </p:graphicFrame>
@@ -35426,58 +37905,10 @@
         </p:xfrm>
         <a:graphic>
           <a:graphicData uri="http://schemas.openxmlformats.org/drawingml/2006/diagram">
-            <dgm:relIds xmlns:dgm="http://schemas.openxmlformats.org/drawingml/2006/diagram" xmlns:r="http://schemas.openxmlformats.org/officeDocument/2006/relationships" r:dm="rId9" r:lo="rId10" r:qs="rId11" r:cs="rId12"/>
+            <dgm:relIds xmlns:dgm="http://schemas.openxmlformats.org/drawingml/2006/diagram" xmlns:r="http://schemas.openxmlformats.org/officeDocument/2006/relationships" r:dm="rId8" r:lo="rId9" r:qs="rId10" r:cs="rId11"/>
           </a:graphicData>
         </a:graphic>
       </p:graphicFrame>
-      <p:sp>
-        <p:nvSpPr>
-          <p:cNvPr id="2" name="Tytuł 1"/>
-          <p:cNvSpPr>
-            <a:spLocks noGrp="1"/>
-          </p:cNvSpPr>
-          <p:nvPr>
-            <p:ph type="title"/>
-          </p:nvPr>
-        </p:nvSpPr>
-        <p:spPr/>
-        <p:txBody>
-          <a:bodyPr/>
-          <a:lstStyle/>
-          <a:p>
-            <a:pPr algn="ctr"/>
-            <a:r>
-              <a:rPr lang="pl-PL" dirty="0" err="1"/>
-              <a:t>Exactly</a:t>
-            </a:r>
-            <a:r>
-              <a:rPr lang="pl-PL" dirty="0"/>
-              <a:t> </a:t>
-            </a:r>
-            <a:r>
-              <a:rPr lang="pl-PL" dirty="0" err="1"/>
-              <a:t>once</a:t>
-            </a:r>
-            <a:r>
-              <a:rPr lang="pl-PL" dirty="0"/>
-              <a:t> </a:t>
-            </a:r>
-            <a:r>
-              <a:rPr lang="pl-PL" dirty="0" err="1"/>
-              <a:t>message</a:t>
-            </a:r>
-            <a:r>
-              <a:rPr lang="pl-PL" dirty="0"/>
-              <a:t> </a:t>
-            </a:r>
-            <a:r>
-              <a:rPr lang="pl-PL" dirty="0" err="1"/>
-              <a:t>delivery</a:t>
-            </a:r>
-            <a:endParaRPr lang="en-US" dirty="0"/>
-          </a:p>
-        </p:txBody>
-      </p:sp>
       <p:pic>
         <p:nvPicPr>
           <p:cNvPr id="17" name="Obraz 16"/>
@@ -35487,7 +37918,7 @@
           <p:nvPr/>
         </p:nvPicPr>
         <p:blipFill>
-          <a:blip r:embed="rId14">
+          <a:blip r:embed="rId13">
             <a:extLst>
               <a:ext uri="{28A0092B-C50C-407E-A947-70E740481C1C}">
                 <a14:useLocalDpi xmlns:a14="http://schemas.microsoft.com/office/drawing/2010/main" val="0"/>
@@ -35517,7 +37948,7 @@
           <p:nvPr/>
         </p:nvPicPr>
         <p:blipFill>
-          <a:blip r:embed="rId14">
+          <a:blip r:embed="rId13">
             <a:extLst>
               <a:ext uri="{28A0092B-C50C-407E-A947-70E740481C1C}">
                 <a14:useLocalDpi xmlns:a14="http://schemas.microsoft.com/office/drawing/2010/main" val="0"/>
@@ -35581,6 +38012,174 @@
           </a:p>
         </p:txBody>
       </p:sp>
+      <p:pic>
+        <p:nvPicPr>
+          <p:cNvPr id="20" name="Grafika 19" descr="Koperta">
+            <a:extLst>
+              <a:ext uri="{FF2B5EF4-FFF2-40B4-BE49-F238E27FC236}">
+                <a16:creationId xmlns:a16="http://schemas.microsoft.com/office/drawing/2014/main" id="{06A17CDE-8A70-47EA-BFFC-305F91BAB7B0}"/>
+              </a:ext>
+            </a:extLst>
+          </p:cNvPr>
+          <p:cNvPicPr>
+            <a:picLocks noChangeAspect="1"/>
+          </p:cNvPicPr>
+          <p:nvPr/>
+        </p:nvPicPr>
+        <p:blipFill>
+          <a:blip r:embed="rId14">
+            <a:extLst>
+              <a:ext uri="{28A0092B-C50C-407E-A947-70E740481C1C}">
+                <a14:useLocalDpi xmlns:a14="http://schemas.microsoft.com/office/drawing/2010/main" val="0"/>
+              </a:ext>
+              <a:ext uri="{96DAC541-7B7A-43D3-8B79-37D633B846F1}">
+                <asvg:svgBlip xmlns:asvg="http://schemas.microsoft.com/office/drawing/2016/SVG/main" r:embed="rId15"/>
+              </a:ext>
+            </a:extLst>
+          </a:blip>
+          <a:stretch>
+            <a:fillRect/>
+          </a:stretch>
+        </p:blipFill>
+        <p:spPr>
+          <a:xfrm>
+            <a:off x="6202415" y="1775265"/>
+            <a:ext cx="1419752" cy="1419752"/>
+          </a:xfrm>
+          <a:prstGeom prst="rect">
+            <a:avLst/>
+          </a:prstGeom>
+        </p:spPr>
+      </p:pic>
+      <p:sp>
+        <p:nvSpPr>
+          <p:cNvPr id="21" name="pole tekstowe 20">
+            <a:extLst>
+              <a:ext uri="{FF2B5EF4-FFF2-40B4-BE49-F238E27FC236}">
+                <a16:creationId xmlns:a16="http://schemas.microsoft.com/office/drawing/2014/main" id="{2599315C-5DC3-4F93-A6F5-DA836ED95B0D}"/>
+              </a:ext>
+            </a:extLst>
+          </p:cNvPr>
+          <p:cNvSpPr txBox="1"/>
+          <p:nvPr/>
+        </p:nvSpPr>
+        <p:spPr>
+          <a:xfrm>
+            <a:off x="5769564" y="1513655"/>
+            <a:ext cx="2247334" cy="523220"/>
+          </a:xfrm>
+          <a:prstGeom prst="rect">
+            <a:avLst/>
+          </a:prstGeom>
+          <a:noFill/>
+        </p:spPr>
+        <p:txBody>
+          <a:bodyPr wrap="square" rtlCol="0">
+            <a:spAutoFit/>
+          </a:bodyPr>
+          <a:lstStyle/>
+          <a:p>
+            <a:pPr algn="ctr"/>
+            <a:r>
+              <a:rPr lang="pl-PL" sz="2800" b="1" dirty="0" err="1">
+                <a:solidFill>
+                  <a:schemeClr val="bg1"/>
+                </a:solidFill>
+              </a:rPr>
+              <a:t>Process</a:t>
+            </a:r>
+            <a:endParaRPr lang="pl-PL" sz="2800" b="1" dirty="0">
+              <a:solidFill>
+                <a:schemeClr val="bg1"/>
+              </a:solidFill>
+            </a:endParaRPr>
+          </a:p>
+        </p:txBody>
+      </p:sp>
+      <p:pic>
+        <p:nvPicPr>
+          <p:cNvPr id="22" name="Grafika 21" descr="Koperta">
+            <a:extLst>
+              <a:ext uri="{FF2B5EF4-FFF2-40B4-BE49-F238E27FC236}">
+                <a16:creationId xmlns:a16="http://schemas.microsoft.com/office/drawing/2014/main" id="{7F19A3F7-597D-4EF4-A0B9-219838974B1E}"/>
+              </a:ext>
+            </a:extLst>
+          </p:cNvPr>
+          <p:cNvPicPr>
+            <a:picLocks noChangeAspect="1"/>
+          </p:cNvPicPr>
+          <p:nvPr/>
+        </p:nvPicPr>
+        <p:blipFill>
+          <a:blip r:embed="rId14">
+            <a:extLst>
+              <a:ext uri="{28A0092B-C50C-407E-A947-70E740481C1C}">
+                <a14:useLocalDpi xmlns:a14="http://schemas.microsoft.com/office/drawing/2010/main" val="0"/>
+              </a:ext>
+              <a:ext uri="{96DAC541-7B7A-43D3-8B79-37D633B846F1}">
+                <asvg:svgBlip xmlns:asvg="http://schemas.microsoft.com/office/drawing/2016/SVG/main" r:embed="rId15"/>
+              </a:ext>
+            </a:extLst>
+          </a:blip>
+          <a:stretch>
+            <a:fillRect/>
+          </a:stretch>
+        </p:blipFill>
+        <p:spPr>
+          <a:xfrm>
+            <a:off x="4612691" y="3664468"/>
+            <a:ext cx="1419752" cy="1419752"/>
+          </a:xfrm>
+          <a:prstGeom prst="rect">
+            <a:avLst/>
+          </a:prstGeom>
+        </p:spPr>
+      </p:pic>
+      <p:sp>
+        <p:nvSpPr>
+          <p:cNvPr id="23" name="pole tekstowe 22">
+            <a:extLst>
+              <a:ext uri="{FF2B5EF4-FFF2-40B4-BE49-F238E27FC236}">
+                <a16:creationId xmlns:a16="http://schemas.microsoft.com/office/drawing/2014/main" id="{A1120CE0-2E9C-4FE0-95F1-9E483BB74DC2}"/>
+              </a:ext>
+            </a:extLst>
+          </p:cNvPr>
+          <p:cNvSpPr txBox="1"/>
+          <p:nvPr/>
+        </p:nvSpPr>
+        <p:spPr>
+          <a:xfrm>
+            <a:off x="4175102" y="4745640"/>
+            <a:ext cx="2247334" cy="523220"/>
+          </a:xfrm>
+          <a:prstGeom prst="rect">
+            <a:avLst/>
+          </a:prstGeom>
+          <a:noFill/>
+        </p:spPr>
+        <p:txBody>
+          <a:bodyPr wrap="square" rtlCol="0">
+            <a:spAutoFit/>
+          </a:bodyPr>
+          <a:lstStyle/>
+          <a:p>
+            <a:pPr algn="ctr"/>
+            <a:r>
+              <a:rPr lang="pl-PL" sz="2800" b="1" dirty="0" err="1">
+                <a:solidFill>
+                  <a:schemeClr val="bg1"/>
+                </a:solidFill>
+              </a:rPr>
+              <a:t>Ack</a:t>
+            </a:r>
+            <a:endParaRPr lang="pl-PL" sz="2800" b="1" dirty="0">
+              <a:solidFill>
+                <a:schemeClr val="bg1"/>
+              </a:solidFill>
+            </a:endParaRPr>
+          </a:p>
+        </p:txBody>
+      </p:sp>
     </p:spTree>
     <p:extLst>
       <p:ext uri="{BB962C8B-B14F-4D97-AF65-F5344CB8AC3E}">
@@ -35594,7 +38193,7 @@
 </p:sld>
 </file>
 
-<file path=ppt/slides/slide5.xml><?xml version="1.0" encoding="utf-8"?>
+<file path=ppt/slides/slide8.xml><?xml version="1.0" encoding="utf-8"?>
 <p:sld xmlns:a="http://schemas.openxmlformats.org/drawingml/2006/main" xmlns:r="http://schemas.openxmlformats.org/officeDocument/2006/relationships" xmlns:p="http://schemas.openxmlformats.org/presentationml/2006/main">
   <p:cSld>
     <p:bg>
@@ -35657,7 +38256,7 @@
               <a:rPr lang="pl-PL" sz="2800" dirty="0">
                 <a:latin typeface="Arial Black" panose="020B0A04020102020204" pitchFamily="34" charset="0"/>
               </a:rPr>
-              <a:t>Broker</a:t>
+              <a:t>Queue</a:t>
             </a:r>
             <a:endParaRPr lang="en-US" sz="2800" dirty="0">
               <a:latin typeface="Arial Black" panose="020B0A04020102020204" pitchFamily="34" charset="0"/>
@@ -35787,182 +38386,6 @@
           </a:p>
         </p:txBody>
       </p:sp>
-      <p:grpSp>
-        <p:nvGrpSpPr>
-          <p:cNvPr id="10" name="Grupa 9"/>
-          <p:cNvGrpSpPr/>
-          <p:nvPr/>
-        </p:nvGrpSpPr>
-        <p:grpSpPr>
-          <a:xfrm>
-            <a:off x="6276904" y="2440597"/>
-            <a:ext cx="1097502" cy="750877"/>
-            <a:chOff x="2244674" y="3255378"/>
-            <a:chExt cx="1097502" cy="750877"/>
-          </a:xfrm>
-        </p:grpSpPr>
-        <p:pic>
-          <p:nvPicPr>
-            <p:cNvPr id="11" name="Picture 28"/>
-            <p:cNvPicPr>
-              <a:picLocks noChangeAspect="1"/>
-            </p:cNvPicPr>
-            <p:nvPr/>
-          </p:nvPicPr>
-          <p:blipFill>
-            <a:blip r:embed="rId3"/>
-            <a:stretch>
-              <a:fillRect/>
-            </a:stretch>
-          </p:blipFill>
-          <p:spPr>
-            <a:xfrm>
-              <a:off x="2244674" y="3255378"/>
-              <a:ext cx="1097502" cy="750877"/>
-            </a:xfrm>
-            <a:prstGeom prst="rect">
-              <a:avLst/>
-            </a:prstGeom>
-          </p:spPr>
-        </p:pic>
-        <p:sp>
-          <p:nvSpPr>
-            <p:cNvPr id="12" name="pole tekstowe 11"/>
-            <p:cNvSpPr txBox="1"/>
-            <p:nvPr/>
-          </p:nvSpPr>
-          <p:spPr>
-            <a:xfrm>
-              <a:off x="2367667" y="3572080"/>
-              <a:ext cx="904799" cy="369332"/>
-            </a:xfrm>
-            <a:prstGeom prst="rect">
-              <a:avLst/>
-            </a:prstGeom>
-            <a:noFill/>
-          </p:spPr>
-          <p:txBody>
-            <a:bodyPr wrap="none" rtlCol="0">
-              <a:spAutoFit/>
-            </a:bodyPr>
-            <a:lstStyle/>
-            <a:p>
-              <a:r>
-                <a:rPr lang="pl-PL" b="1" dirty="0" err="1"/>
-                <a:t>Process</a:t>
-              </a:r>
-              <a:endParaRPr lang="en-US" b="1" dirty="0"/>
-            </a:p>
-          </p:txBody>
-        </p:sp>
-      </p:grpSp>
-      <p:grpSp>
-        <p:nvGrpSpPr>
-          <p:cNvPr id="13" name="Grupa 12"/>
-          <p:cNvGrpSpPr/>
-          <p:nvPr/>
-        </p:nvGrpSpPr>
-        <p:grpSpPr>
-          <a:xfrm>
-            <a:off x="4862884" y="3780396"/>
-            <a:ext cx="1097502" cy="750877"/>
-            <a:chOff x="2244674" y="3255378"/>
-            <a:chExt cx="1097502" cy="750877"/>
-          </a:xfrm>
-        </p:grpSpPr>
-        <p:pic>
-          <p:nvPicPr>
-            <p:cNvPr id="14" name="Picture 28"/>
-            <p:cNvPicPr>
-              <a:picLocks noChangeAspect="1"/>
-            </p:cNvPicPr>
-            <p:nvPr/>
-          </p:nvPicPr>
-          <p:blipFill>
-            <a:blip r:embed="rId3"/>
-            <a:stretch>
-              <a:fillRect/>
-            </a:stretch>
-          </p:blipFill>
-          <p:spPr>
-            <a:xfrm>
-              <a:off x="2244674" y="3255378"/>
-              <a:ext cx="1097502" cy="750877"/>
-            </a:xfrm>
-            <a:prstGeom prst="rect">
-              <a:avLst/>
-            </a:prstGeom>
-          </p:spPr>
-        </p:pic>
-        <p:sp>
-          <p:nvSpPr>
-            <p:cNvPr id="15" name="pole tekstowe 14"/>
-            <p:cNvSpPr txBox="1"/>
-            <p:nvPr/>
-          </p:nvSpPr>
-          <p:spPr>
-            <a:xfrm>
-              <a:off x="2561068" y="3580537"/>
-              <a:ext cx="530915" cy="369332"/>
-            </a:xfrm>
-            <a:prstGeom prst="rect">
-              <a:avLst/>
-            </a:prstGeom>
-            <a:noFill/>
-          </p:spPr>
-          <p:txBody>
-            <a:bodyPr wrap="none" rtlCol="0">
-              <a:spAutoFit/>
-            </a:bodyPr>
-            <a:lstStyle/>
-            <a:p>
-              <a:pPr algn="ctr"/>
-              <a:r>
-                <a:rPr lang="pl-PL" b="1" dirty="0" err="1"/>
-                <a:t>Ack</a:t>
-              </a:r>
-              <a:endParaRPr lang="en-US" b="1" dirty="0"/>
-            </a:p>
-          </p:txBody>
-        </p:sp>
-      </p:grpSp>
-      <p:sp>
-        <p:nvSpPr>
-          <p:cNvPr id="16" name="pole tekstowe 15"/>
-          <p:cNvSpPr txBox="1"/>
-          <p:nvPr/>
-        </p:nvSpPr>
-        <p:spPr>
-          <a:xfrm>
-            <a:off x="6448360" y="6492875"/>
-            <a:ext cx="5714962" cy="307777"/>
-          </a:xfrm>
-          <a:prstGeom prst="rect">
-            <a:avLst/>
-          </a:prstGeom>
-          <a:noFill/>
-        </p:spPr>
-        <p:txBody>
-          <a:bodyPr wrap="none" rtlCol="0">
-            <a:spAutoFit/>
-          </a:bodyPr>
-          <a:lstStyle/>
-          <a:p>
-            <a:r>
-              <a:rPr lang="pl-PL" sz="1400" dirty="0" err="1"/>
-              <a:t>Hat</a:t>
-            </a:r>
-            <a:r>
-              <a:rPr lang="pl-PL" sz="1400" dirty="0"/>
-              <a:t> b</a:t>
-            </a:r>
-            <a:r>
-              <a:rPr lang="en-US" sz="1400" dirty="0"/>
-              <a:t>y Angelus (Own work) [CC BY-SA 3.0 or GFDL], via Wikimedia Commons</a:t>
-            </a:r>
-          </a:p>
-        </p:txBody>
-      </p:sp>
       <p:graphicFrame>
         <p:nvGraphicFramePr>
           <p:cNvPr id="29" name="Symbol zastępczy zawartości 3"/>
@@ -35983,50 +38406,10 @@
         </p:xfrm>
         <a:graphic>
           <a:graphicData uri="http://schemas.openxmlformats.org/drawingml/2006/diagram">
-            <dgm:relIds xmlns:dgm="http://schemas.openxmlformats.org/drawingml/2006/diagram" xmlns:r="http://schemas.openxmlformats.org/officeDocument/2006/relationships" r:dm="rId4" r:lo="rId5" r:qs="rId6" r:cs="rId7"/>
+            <dgm:relIds xmlns:dgm="http://schemas.openxmlformats.org/drawingml/2006/diagram" xmlns:r="http://schemas.openxmlformats.org/officeDocument/2006/relationships" r:dm="rId3" r:lo="rId4" r:qs="rId5" r:cs="rId6"/>
           </a:graphicData>
         </a:graphic>
       </p:graphicFrame>
-      <p:sp>
-        <p:nvSpPr>
-          <p:cNvPr id="2" name="Tytuł 1"/>
-          <p:cNvSpPr>
-            <a:spLocks noGrp="1"/>
-          </p:cNvSpPr>
-          <p:nvPr>
-            <p:ph type="title"/>
-          </p:nvPr>
-        </p:nvSpPr>
-        <p:spPr/>
-        <p:txBody>
-          <a:bodyPr/>
-          <a:lstStyle/>
-          <a:p>
-            <a:pPr algn="ctr"/>
-            <a:r>
-              <a:rPr lang="pl-PL" dirty="0" err="1"/>
-              <a:t>Exactly</a:t>
-            </a:r>
-            <a:r>
-              <a:rPr lang="pl-PL" dirty="0"/>
-              <a:t> </a:t>
-            </a:r>
-            <a:r>
-              <a:rPr lang="pl-PL" dirty="0" err="1"/>
-              <a:t>once</a:t>
-            </a:r>
-            <a:r>
-              <a:rPr lang="pl-PL" dirty="0"/>
-              <a:t> </a:t>
-            </a:r>
-            <a:r>
-              <a:rPr lang="pl-PL" dirty="0" err="1"/>
-              <a:t>processing</a:t>
-            </a:r>
-            <a:endParaRPr lang="en-US" dirty="0"/>
-          </a:p>
-        </p:txBody>
-      </p:sp>
       <p:pic>
         <p:nvPicPr>
           <p:cNvPr id="17" name="Obraz 16"/>
@@ -36036,7 +38419,7 @@
           <p:nvPr/>
         </p:nvPicPr>
         <p:blipFill>
-          <a:blip r:embed="rId9">
+          <a:blip r:embed="rId8">
             <a:extLst>
               <a:ext uri="{28A0092B-C50C-407E-A947-70E740481C1C}">
                 <a14:useLocalDpi xmlns:a14="http://schemas.microsoft.com/office/drawing/2010/main" val="0"/>
@@ -36057,6 +38440,174 @@
           </a:prstGeom>
         </p:spPr>
       </p:pic>
+      <p:pic>
+        <p:nvPicPr>
+          <p:cNvPr id="18" name="Grafika 17" descr="Koperta">
+            <a:extLst>
+              <a:ext uri="{FF2B5EF4-FFF2-40B4-BE49-F238E27FC236}">
+                <a16:creationId xmlns:a16="http://schemas.microsoft.com/office/drawing/2014/main" id="{28B1350C-763A-4756-A83C-E1A6AEDB0B7F}"/>
+              </a:ext>
+            </a:extLst>
+          </p:cNvPr>
+          <p:cNvPicPr>
+            <a:picLocks noChangeAspect="1"/>
+          </p:cNvPicPr>
+          <p:nvPr/>
+        </p:nvPicPr>
+        <p:blipFill>
+          <a:blip r:embed="rId9">
+            <a:extLst>
+              <a:ext uri="{28A0092B-C50C-407E-A947-70E740481C1C}">
+                <a14:useLocalDpi xmlns:a14="http://schemas.microsoft.com/office/drawing/2010/main" val="0"/>
+              </a:ext>
+              <a:ext uri="{96DAC541-7B7A-43D3-8B79-37D633B846F1}">
+                <asvg:svgBlip xmlns:asvg="http://schemas.microsoft.com/office/drawing/2016/SVG/main" r:embed="rId10"/>
+              </a:ext>
+            </a:extLst>
+          </a:blip>
+          <a:stretch>
+            <a:fillRect/>
+          </a:stretch>
+        </p:blipFill>
+        <p:spPr>
+          <a:xfrm>
+            <a:off x="6202415" y="1775265"/>
+            <a:ext cx="1419752" cy="1419752"/>
+          </a:xfrm>
+          <a:prstGeom prst="rect">
+            <a:avLst/>
+          </a:prstGeom>
+        </p:spPr>
+      </p:pic>
+      <p:sp>
+        <p:nvSpPr>
+          <p:cNvPr id="19" name="pole tekstowe 18">
+            <a:extLst>
+              <a:ext uri="{FF2B5EF4-FFF2-40B4-BE49-F238E27FC236}">
+                <a16:creationId xmlns:a16="http://schemas.microsoft.com/office/drawing/2014/main" id="{42CF5D4C-C86F-478C-89F7-368431BDA798}"/>
+              </a:ext>
+            </a:extLst>
+          </p:cNvPr>
+          <p:cNvSpPr txBox="1"/>
+          <p:nvPr/>
+        </p:nvSpPr>
+        <p:spPr>
+          <a:xfrm>
+            <a:off x="5769564" y="1513655"/>
+            <a:ext cx="2247334" cy="523220"/>
+          </a:xfrm>
+          <a:prstGeom prst="rect">
+            <a:avLst/>
+          </a:prstGeom>
+          <a:noFill/>
+        </p:spPr>
+        <p:txBody>
+          <a:bodyPr wrap="square" rtlCol="0">
+            <a:spAutoFit/>
+          </a:bodyPr>
+          <a:lstStyle/>
+          <a:p>
+            <a:pPr algn="ctr"/>
+            <a:r>
+              <a:rPr lang="pl-PL" sz="2800" b="1" dirty="0" err="1">
+                <a:solidFill>
+                  <a:schemeClr val="bg1"/>
+                </a:solidFill>
+              </a:rPr>
+              <a:t>Process</a:t>
+            </a:r>
+            <a:endParaRPr lang="pl-PL" sz="2800" b="1" dirty="0">
+              <a:solidFill>
+                <a:schemeClr val="bg1"/>
+              </a:solidFill>
+            </a:endParaRPr>
+          </a:p>
+        </p:txBody>
+      </p:sp>
+      <p:pic>
+        <p:nvPicPr>
+          <p:cNvPr id="20" name="Grafika 19" descr="Koperta">
+            <a:extLst>
+              <a:ext uri="{FF2B5EF4-FFF2-40B4-BE49-F238E27FC236}">
+                <a16:creationId xmlns:a16="http://schemas.microsoft.com/office/drawing/2014/main" id="{EF9696C4-B963-4957-B516-604D9B83BBD0}"/>
+              </a:ext>
+            </a:extLst>
+          </p:cNvPr>
+          <p:cNvPicPr>
+            <a:picLocks noChangeAspect="1"/>
+          </p:cNvPicPr>
+          <p:nvPr/>
+        </p:nvPicPr>
+        <p:blipFill>
+          <a:blip r:embed="rId9">
+            <a:extLst>
+              <a:ext uri="{28A0092B-C50C-407E-A947-70E740481C1C}">
+                <a14:useLocalDpi xmlns:a14="http://schemas.microsoft.com/office/drawing/2010/main" val="0"/>
+              </a:ext>
+              <a:ext uri="{96DAC541-7B7A-43D3-8B79-37D633B846F1}">
+                <asvg:svgBlip xmlns:asvg="http://schemas.microsoft.com/office/drawing/2016/SVG/main" r:embed="rId10"/>
+              </a:ext>
+            </a:extLst>
+          </a:blip>
+          <a:stretch>
+            <a:fillRect/>
+          </a:stretch>
+        </p:blipFill>
+        <p:spPr>
+          <a:xfrm>
+            <a:off x="4612691" y="3664468"/>
+            <a:ext cx="1419752" cy="1419752"/>
+          </a:xfrm>
+          <a:prstGeom prst="rect">
+            <a:avLst/>
+          </a:prstGeom>
+        </p:spPr>
+      </p:pic>
+      <p:sp>
+        <p:nvSpPr>
+          <p:cNvPr id="21" name="pole tekstowe 20">
+            <a:extLst>
+              <a:ext uri="{FF2B5EF4-FFF2-40B4-BE49-F238E27FC236}">
+                <a16:creationId xmlns:a16="http://schemas.microsoft.com/office/drawing/2014/main" id="{527F4CD7-7701-4D8F-9B3C-023317186B99}"/>
+              </a:ext>
+            </a:extLst>
+          </p:cNvPr>
+          <p:cNvSpPr txBox="1"/>
+          <p:nvPr/>
+        </p:nvSpPr>
+        <p:spPr>
+          <a:xfrm>
+            <a:off x="4175102" y="4745640"/>
+            <a:ext cx="2247334" cy="523220"/>
+          </a:xfrm>
+          <a:prstGeom prst="rect">
+            <a:avLst/>
+          </a:prstGeom>
+          <a:noFill/>
+        </p:spPr>
+        <p:txBody>
+          <a:bodyPr wrap="square" rtlCol="0">
+            <a:spAutoFit/>
+          </a:bodyPr>
+          <a:lstStyle/>
+          <a:p>
+            <a:pPr algn="ctr"/>
+            <a:r>
+              <a:rPr lang="pl-PL" sz="2800" b="1" dirty="0" err="1">
+                <a:solidFill>
+                  <a:schemeClr val="bg1"/>
+                </a:solidFill>
+              </a:rPr>
+              <a:t>Ack</a:t>
+            </a:r>
+            <a:endParaRPr lang="pl-PL" sz="2800" b="1" dirty="0">
+              <a:solidFill>
+                <a:schemeClr val="bg1"/>
+              </a:solidFill>
+            </a:endParaRPr>
+          </a:p>
+        </p:txBody>
+      </p:sp>
     </p:spTree>
     <p:extLst>
       <p:ext uri="{BB962C8B-B14F-4D97-AF65-F5344CB8AC3E}">
@@ -36070,7 +38621,7 @@
 </p:sld>
 </file>
 
-<file path=ppt/slides/slide6.xml><?xml version="1.0" encoding="utf-8"?>
+<file path=ppt/slides/slide9.xml><?xml version="1.0" encoding="utf-8"?>
 <p:sld xmlns:a="http://schemas.openxmlformats.org/drawingml/2006/main" xmlns:r="http://schemas.openxmlformats.org/officeDocument/2006/relationships" xmlns:p="http://schemas.openxmlformats.org/presentationml/2006/main">
   <p:cSld>
     <p:bg>
@@ -36351,458 +38902,6 @@
     <p:extLst>
       <p:ext uri="{BB962C8B-B14F-4D97-AF65-F5344CB8AC3E}">
         <p14:creationId xmlns:p14="http://schemas.microsoft.com/office/powerpoint/2010/main" val="345719343"/>
-      </p:ext>
-    </p:extLst>
-  </p:cSld>
-  <p:clrMapOvr>
-    <a:masterClrMapping/>
-  </p:clrMapOvr>
-</p:sld>
-</file>
-
-<file path=ppt/slides/slide7.xml><?xml version="1.0" encoding="utf-8"?>
-<p:sld xmlns:a="http://schemas.openxmlformats.org/drawingml/2006/main" xmlns:r="http://schemas.openxmlformats.org/officeDocument/2006/relationships" xmlns:p="http://schemas.openxmlformats.org/presentationml/2006/main">
-  <p:cSld>
-    <p:bg>
-      <p:bgPr>
-        <a:solidFill>
-          <a:srgbClr val="111111"/>
-        </a:solidFill>
-        <a:effectLst/>
-      </p:bgPr>
-    </p:bg>
-    <p:spTree>
-      <p:nvGrpSpPr>
-        <p:cNvPr id="1" name=""/>
-        <p:cNvGrpSpPr/>
-        <p:nvPr/>
-      </p:nvGrpSpPr>
-      <p:grpSpPr>
-        <a:xfrm>
-          <a:off x="0" y="0"/>
-          <a:ext cx="0" cy="0"/>
-          <a:chOff x="0" y="0"/>
-          <a:chExt cx="0" cy="0"/>
-        </a:xfrm>
-      </p:grpSpPr>
-      <p:pic>
-        <p:nvPicPr>
-          <p:cNvPr id="3" name="Obraz 2">
-            <a:extLst>
-              <a:ext uri="{FF2B5EF4-FFF2-40B4-BE49-F238E27FC236}">
-                <a16:creationId xmlns:a16="http://schemas.microsoft.com/office/drawing/2014/main" id="{635CE953-8361-47C3-A32B-495006153385}"/>
-              </a:ext>
-            </a:extLst>
-          </p:cNvPr>
-          <p:cNvPicPr>
-            <a:picLocks noChangeAspect="1"/>
-          </p:cNvPicPr>
-          <p:nvPr/>
-        </p:nvPicPr>
-        <p:blipFill>
-          <a:blip r:embed="rId2" cstate="print">
-            <a:extLst>
-              <a:ext uri="{28A0092B-C50C-407E-A947-70E740481C1C}">
-                <a14:useLocalDpi xmlns:a14="http://schemas.microsoft.com/office/drawing/2010/main" val="0"/>
-              </a:ext>
-            </a:extLst>
-          </a:blip>
-          <a:stretch>
-            <a:fillRect/>
-          </a:stretch>
-        </p:blipFill>
-        <p:spPr>
-          <a:xfrm>
-            <a:off x="316669" y="2541980"/>
-            <a:ext cx="3330758" cy="1774039"/>
-          </a:xfrm>
-          <a:prstGeom prst="rect">
-            <a:avLst/>
-          </a:prstGeom>
-        </p:spPr>
-      </p:pic>
-      <p:pic>
-        <p:nvPicPr>
-          <p:cNvPr id="4" name="Obraz 3">
-            <a:extLst>
-              <a:ext uri="{FF2B5EF4-FFF2-40B4-BE49-F238E27FC236}">
-                <a16:creationId xmlns:a16="http://schemas.microsoft.com/office/drawing/2014/main" id="{C5150845-C0FE-43BB-B8C0-CBA4B768A512}"/>
-              </a:ext>
-            </a:extLst>
-          </p:cNvPr>
-          <p:cNvPicPr>
-            <a:picLocks noChangeAspect="1"/>
-          </p:cNvPicPr>
-          <p:nvPr/>
-        </p:nvPicPr>
-        <p:blipFill>
-          <a:blip r:embed="rId2" cstate="print">
-            <a:extLst>
-              <a:ext uri="{28A0092B-C50C-407E-A947-70E740481C1C}">
-                <a14:useLocalDpi xmlns:a14="http://schemas.microsoft.com/office/drawing/2010/main" val="0"/>
-              </a:ext>
-            </a:extLst>
-          </a:blip>
-          <a:stretch>
-            <a:fillRect/>
-          </a:stretch>
-        </p:blipFill>
-        <p:spPr>
-          <a:xfrm>
-            <a:off x="3740907" y="2541980"/>
-            <a:ext cx="3330758" cy="1774039"/>
-          </a:xfrm>
-          <a:prstGeom prst="rect">
-            <a:avLst/>
-          </a:prstGeom>
-        </p:spPr>
-      </p:pic>
-      <p:pic>
-        <p:nvPicPr>
-          <p:cNvPr id="5" name="Obraz 4">
-            <a:extLst>
-              <a:ext uri="{FF2B5EF4-FFF2-40B4-BE49-F238E27FC236}">
-                <a16:creationId xmlns:a16="http://schemas.microsoft.com/office/drawing/2014/main" id="{82F36ED9-D14E-49C4-A320-DA6FEA85FDC5}"/>
-              </a:ext>
-            </a:extLst>
-          </p:cNvPr>
-          <p:cNvPicPr>
-            <a:picLocks noChangeAspect="1"/>
-          </p:cNvPicPr>
-          <p:nvPr/>
-        </p:nvPicPr>
-        <p:blipFill>
-          <a:blip r:embed="rId2" cstate="print">
-            <a:extLst>
-              <a:ext uri="{28A0092B-C50C-407E-A947-70E740481C1C}">
-                <a14:useLocalDpi xmlns:a14="http://schemas.microsoft.com/office/drawing/2010/main" val="0"/>
-              </a:ext>
-            </a:extLst>
-          </a:blip>
-          <a:stretch>
-            <a:fillRect/>
-          </a:stretch>
-        </p:blipFill>
-        <p:spPr>
-          <a:xfrm rot="19343771">
-            <a:off x="6579356" y="941779"/>
-            <a:ext cx="3330758" cy="1774039"/>
-          </a:xfrm>
-          <a:prstGeom prst="rect">
-            <a:avLst/>
-          </a:prstGeom>
-        </p:spPr>
-      </p:pic>
-      <p:pic>
-        <p:nvPicPr>
-          <p:cNvPr id="6" name="Obraz 5">
-            <a:extLst>
-              <a:ext uri="{FF2B5EF4-FFF2-40B4-BE49-F238E27FC236}">
-                <a16:creationId xmlns:a16="http://schemas.microsoft.com/office/drawing/2014/main" id="{20B61700-64C9-4A6A-9937-3DFC3B5ED055}"/>
-              </a:ext>
-            </a:extLst>
-          </p:cNvPr>
-          <p:cNvPicPr>
-            <a:picLocks noChangeAspect="1"/>
-          </p:cNvPicPr>
-          <p:nvPr/>
-        </p:nvPicPr>
-        <p:blipFill>
-          <a:blip r:embed="rId3" cstate="print">
-            <a:extLst>
-              <a:ext uri="{28A0092B-C50C-407E-A947-70E740481C1C}">
-                <a14:useLocalDpi xmlns:a14="http://schemas.microsoft.com/office/drawing/2010/main" val="0"/>
-              </a:ext>
-            </a:extLst>
-          </a:blip>
-          <a:stretch>
-            <a:fillRect/>
-          </a:stretch>
-        </p:blipFill>
-        <p:spPr>
-          <a:xfrm rot="3221884">
-            <a:off x="6369767" y="4456371"/>
-            <a:ext cx="1787446" cy="952035"/>
-          </a:xfrm>
-          <a:prstGeom prst="rect">
-            <a:avLst/>
-          </a:prstGeom>
-        </p:spPr>
-      </p:pic>
-      <p:pic>
-        <p:nvPicPr>
-          <p:cNvPr id="7" name="Obraz 6">
-            <a:extLst>
-              <a:ext uri="{FF2B5EF4-FFF2-40B4-BE49-F238E27FC236}">
-                <a16:creationId xmlns:a16="http://schemas.microsoft.com/office/drawing/2014/main" id="{83C7EE30-82BB-4FF8-9B64-22A5F2AA2F06}"/>
-              </a:ext>
-            </a:extLst>
-          </p:cNvPr>
-          <p:cNvPicPr>
-            <a:picLocks noChangeAspect="1"/>
-          </p:cNvPicPr>
-          <p:nvPr/>
-        </p:nvPicPr>
-        <p:blipFill>
-          <a:blip r:embed="rId4" cstate="print">
-            <a:extLst>
-              <a:ext uri="{28A0092B-C50C-407E-A947-70E740481C1C}">
-                <a14:useLocalDpi xmlns:a14="http://schemas.microsoft.com/office/drawing/2010/main" val="0"/>
-              </a:ext>
-            </a:extLst>
-          </a:blip>
-          <a:stretch>
-            <a:fillRect/>
-          </a:stretch>
-        </p:blipFill>
-        <p:spPr>
-          <a:xfrm rot="3221884">
-            <a:off x="2800241" y="4553717"/>
-            <a:ext cx="2401150" cy="1278908"/>
-          </a:xfrm>
-          <a:prstGeom prst="rect">
-            <a:avLst/>
-          </a:prstGeom>
-        </p:spPr>
-      </p:pic>
-      <p:pic>
-        <p:nvPicPr>
-          <p:cNvPr id="9" name="Obraz 8">
-            <a:extLst>
-              <a:ext uri="{FF2B5EF4-FFF2-40B4-BE49-F238E27FC236}">
-                <a16:creationId xmlns:a16="http://schemas.microsoft.com/office/drawing/2014/main" id="{AB26620C-405B-4ACF-A083-898C160D53B8}"/>
-              </a:ext>
-            </a:extLst>
-          </p:cNvPr>
-          <p:cNvPicPr>
-            <a:picLocks noChangeAspect="1"/>
-          </p:cNvPicPr>
-          <p:nvPr/>
-        </p:nvPicPr>
-        <p:blipFill>
-          <a:blip r:embed="rId3" cstate="print">
-            <a:extLst>
-              <a:ext uri="{28A0092B-C50C-407E-A947-70E740481C1C}">
-                <a14:useLocalDpi xmlns:a14="http://schemas.microsoft.com/office/drawing/2010/main" val="0"/>
-              </a:ext>
-            </a:extLst>
-          </a:blip>
-          <a:stretch>
-            <a:fillRect/>
-          </a:stretch>
-        </p:blipFill>
-        <p:spPr>
-          <a:xfrm>
-            <a:off x="8012829" y="4812312"/>
-            <a:ext cx="1787446" cy="952035"/>
-          </a:xfrm>
-          <a:prstGeom prst="rect">
-            <a:avLst/>
-          </a:prstGeom>
-        </p:spPr>
-      </p:pic>
-    </p:spTree>
-    <p:extLst>
-      <p:ext uri="{BB962C8B-B14F-4D97-AF65-F5344CB8AC3E}">
-        <p14:creationId xmlns:p14="http://schemas.microsoft.com/office/powerpoint/2010/main" val="3665762833"/>
-      </p:ext>
-    </p:extLst>
-  </p:cSld>
-  <p:clrMapOvr>
-    <a:masterClrMapping/>
-  </p:clrMapOvr>
-</p:sld>
-</file>
-
-<file path=ppt/slides/slide8.xml><?xml version="1.0" encoding="utf-8"?>
-<p:sld xmlns:a="http://schemas.openxmlformats.org/drawingml/2006/main" xmlns:r="http://schemas.openxmlformats.org/officeDocument/2006/relationships" xmlns:p="http://schemas.openxmlformats.org/presentationml/2006/main">
-  <p:cSld>
-    <p:spTree>
-      <p:nvGrpSpPr>
-        <p:cNvPr id="1" name=""/>
-        <p:cNvGrpSpPr/>
-        <p:nvPr/>
-      </p:nvGrpSpPr>
-      <p:grpSpPr>
-        <a:xfrm>
-          <a:off x="0" y="0"/>
-          <a:ext cx="0" cy="0"/>
-          <a:chOff x="0" y="0"/>
-          <a:chExt cx="0" cy="0"/>
-        </a:xfrm>
-      </p:grpSpPr>
-      <p:graphicFrame>
-        <p:nvGraphicFramePr>
-          <p:cNvPr id="5" name="Symbol zastępczy zawartości 3"/>
-          <p:cNvGraphicFramePr>
-            <a:graphicFrameLocks/>
-          </p:cNvGraphicFramePr>
-          <p:nvPr>
-            <p:extLst>
-              <p:ext uri="{D42A27DB-BD31-4B8C-83A1-F6EECF244321}">
-                <p14:modId xmlns:p14="http://schemas.microsoft.com/office/powerpoint/2010/main" val="1640118039"/>
-              </p:ext>
-            </p:extLst>
-          </p:nvPr>
-        </p:nvGraphicFramePr>
-        <p:xfrm>
-          <a:off x="1014663" y="627813"/>
-          <a:ext cx="6824579" cy="2676859"/>
-        </p:xfrm>
-        <a:graphic>
-          <a:graphicData uri="http://schemas.openxmlformats.org/drawingml/2006/diagram">
-            <dgm:relIds xmlns:dgm="http://schemas.openxmlformats.org/drawingml/2006/diagram" xmlns:r="http://schemas.openxmlformats.org/officeDocument/2006/relationships" r:dm="rId2" r:lo="rId3" r:qs="rId4" r:cs="rId5"/>
-          </a:graphicData>
-        </a:graphic>
-      </p:graphicFrame>
-      <p:graphicFrame>
-        <p:nvGraphicFramePr>
-          <p:cNvPr id="6" name="Symbol zastępczy zawartości 3"/>
-          <p:cNvGraphicFramePr>
-            <a:graphicFrameLocks/>
-          </p:cNvGraphicFramePr>
-          <p:nvPr>
-            <p:extLst>
-              <p:ext uri="{D42A27DB-BD31-4B8C-83A1-F6EECF244321}">
-                <p14:modId xmlns:p14="http://schemas.microsoft.com/office/powerpoint/2010/main" val="520197000"/>
-              </p:ext>
-            </p:extLst>
-          </p:nvPr>
-        </p:nvGraphicFramePr>
-        <p:xfrm>
-          <a:off x="4426952" y="3721266"/>
-          <a:ext cx="6824579" cy="2676859"/>
-        </p:xfrm>
-        <a:graphic>
-          <a:graphicData uri="http://schemas.openxmlformats.org/drawingml/2006/diagram">
-            <dgm:relIds xmlns:dgm="http://schemas.openxmlformats.org/drawingml/2006/diagram" xmlns:r="http://schemas.openxmlformats.org/officeDocument/2006/relationships" r:dm="rId7" r:lo="rId8" r:qs="rId9" r:cs="rId10"/>
-          </a:graphicData>
-        </a:graphic>
-      </p:graphicFrame>
-      <p:pic>
-        <p:nvPicPr>
-          <p:cNvPr id="7" name="Obraz 6"/>
-          <p:cNvPicPr>
-            <a:picLocks noChangeAspect="1"/>
-          </p:cNvPicPr>
-          <p:nvPr/>
-        </p:nvPicPr>
-        <p:blipFill>
-          <a:blip r:embed="rId12" cstate="print">
-            <a:extLst>
-              <a:ext uri="{28A0092B-C50C-407E-A947-70E740481C1C}">
-                <a14:useLocalDpi xmlns:a14="http://schemas.microsoft.com/office/drawing/2010/main" val="0"/>
-              </a:ext>
-            </a:extLst>
-          </a:blip>
-          <a:stretch>
-            <a:fillRect/>
-          </a:stretch>
-        </p:blipFill>
-        <p:spPr>
-          <a:xfrm>
-            <a:off x="3230320" y="295994"/>
-            <a:ext cx="1892459" cy="1487354"/>
-          </a:xfrm>
-          <a:prstGeom prst="rect">
-            <a:avLst/>
-          </a:prstGeom>
-        </p:spPr>
-      </p:pic>
-      <p:pic>
-        <p:nvPicPr>
-          <p:cNvPr id="3" name="Obraz 2">
-            <a:extLst>
-              <a:ext uri="{FF2B5EF4-FFF2-40B4-BE49-F238E27FC236}">
-                <a16:creationId xmlns:a16="http://schemas.microsoft.com/office/drawing/2014/main" id="{95FEC7E3-5227-4545-B67E-3DACDD76E4A4}"/>
-              </a:ext>
-            </a:extLst>
-          </p:cNvPr>
-          <p:cNvPicPr>
-            <a:picLocks noChangeAspect="1"/>
-          </p:cNvPicPr>
-          <p:nvPr/>
-        </p:nvPicPr>
-        <p:blipFill>
-          <a:blip r:embed="rId13" cstate="print">
-            <a:extLst>
-              <a:ext uri="{28A0092B-C50C-407E-A947-70E740481C1C}">
-                <a14:useLocalDpi xmlns:a14="http://schemas.microsoft.com/office/drawing/2010/main" val="0"/>
-              </a:ext>
-            </a:extLst>
-          </a:blip>
-          <a:stretch>
-            <a:fillRect/>
-          </a:stretch>
-        </p:blipFill>
-        <p:spPr>
-          <a:xfrm>
-            <a:off x="10325522" y="5059695"/>
-            <a:ext cx="1852017" cy="1927302"/>
-          </a:xfrm>
-          <a:prstGeom prst="rect">
-            <a:avLst/>
-          </a:prstGeom>
-        </p:spPr>
-      </p:pic>
-    </p:spTree>
-    <p:extLst>
-      <p:ext uri="{BB962C8B-B14F-4D97-AF65-F5344CB8AC3E}">
-        <p14:creationId xmlns:p14="http://schemas.microsoft.com/office/powerpoint/2010/main" val="894129137"/>
-      </p:ext>
-    </p:extLst>
-  </p:cSld>
-  <p:clrMapOvr>
-    <a:masterClrMapping/>
-  </p:clrMapOvr>
-</p:sld>
-</file>
-
-<file path=ppt/slides/slide9.xml><?xml version="1.0" encoding="utf-8"?>
-<p:sld xmlns:a="http://schemas.openxmlformats.org/drawingml/2006/main" xmlns:r="http://schemas.openxmlformats.org/officeDocument/2006/relationships" xmlns:p="http://schemas.openxmlformats.org/presentationml/2006/main">
-  <p:cSld>
-    <p:spTree>
-      <p:nvGrpSpPr>
-        <p:cNvPr id="1" name=""/>
-        <p:cNvGrpSpPr/>
-        <p:nvPr/>
-      </p:nvGrpSpPr>
-      <p:grpSpPr>
-        <a:xfrm>
-          <a:off x="0" y="0"/>
-          <a:ext cx="0" cy="0"/>
-          <a:chOff x="0" y="0"/>
-          <a:chExt cx="0" cy="0"/>
-        </a:xfrm>
-      </p:grpSpPr>
-      <p:graphicFrame>
-        <p:nvGraphicFramePr>
-          <p:cNvPr id="5" name="Symbol zastępczy zawartości 3"/>
-          <p:cNvGraphicFramePr>
-            <a:graphicFrameLocks/>
-          </p:cNvGraphicFramePr>
-          <p:nvPr>
-            <p:extLst>
-              <p:ext uri="{D42A27DB-BD31-4B8C-83A1-F6EECF244321}">
-                <p14:modId xmlns:p14="http://schemas.microsoft.com/office/powerpoint/2010/main" val="1466160014"/>
-              </p:ext>
-            </p:extLst>
-          </p:nvPr>
-        </p:nvGraphicFramePr>
-        <p:xfrm>
-          <a:off x="2683710" y="2090570"/>
-          <a:ext cx="6824579" cy="2676859"/>
-        </p:xfrm>
-        <a:graphic>
-          <a:graphicData uri="http://schemas.openxmlformats.org/drawingml/2006/diagram">
-            <dgm:relIds xmlns:dgm="http://schemas.openxmlformats.org/drawingml/2006/diagram" xmlns:r="http://schemas.openxmlformats.org/officeDocument/2006/relationships" r:dm="rId2" r:lo="rId3" r:qs="rId4" r:cs="rId5"/>
-          </a:graphicData>
-        </a:graphic>
-      </p:graphicFrame>
-    </p:spTree>
-    <p:extLst>
-      <p:ext uri="{BB962C8B-B14F-4D97-AF65-F5344CB8AC3E}">
-        <p14:creationId xmlns:p14="http://schemas.microsoft.com/office/powerpoint/2010/main" val="3446013551"/>
       </p:ext>
     </p:extLst>
   </p:cSld>

--- a/docs/images.pptx
+++ b/docs/images.pptx
@@ -13,8 +13,8 @@
     <p:sldId id="389" r:id="rId4"/>
     <p:sldId id="386" r:id="rId5"/>
     <p:sldId id="289" r:id="rId6"/>
-    <p:sldId id="387" r:id="rId7"/>
-    <p:sldId id="300" r:id="rId8"/>
+    <p:sldId id="300" r:id="rId7"/>
+    <p:sldId id="387" r:id="rId8"/>
     <p:sldId id="299" r:id="rId9"/>
     <p:sldId id="309" r:id="rId10"/>
     <p:sldId id="312" r:id="rId11"/>
@@ -30014,7 +30014,7 @@
           <a:p>
             <a:fld id="{51DC06D7-47F4-42EE-97DE-5D2CE932B02E}" type="datetimeFigureOut">
               <a:rPr lang="en-US" smtClean="0"/>
-              <a:t>2/21/2020</a:t>
+              <a:t>2/26/2020</a:t>
             </a:fld>
             <a:endParaRPr lang="en-US"/>
           </a:p>
@@ -30654,7 +30654,7 @@
           <a:p>
             <a:fld id="{1ECF6A35-0BFF-42C8-8651-D2B5FB2BDBD4}" type="slidenum">
               <a:rPr lang="en-US" smtClean="0"/>
-              <a:t>7</a:t>
+              <a:t>6</a:t>
             </a:fld>
             <a:endParaRPr lang="en-US"/>
           </a:p>
@@ -31003,7 +31003,7 @@
           <a:p>
             <a:fld id="{B97B1ACE-8FC5-43AE-903F-A46F816E6A3A}" type="datetimeFigureOut">
               <a:rPr lang="en-US" smtClean="0"/>
-              <a:t>2/21/2020</a:t>
+              <a:t>2/26/2020</a:t>
             </a:fld>
             <a:endParaRPr lang="en-US"/>
           </a:p>
@@ -31173,7 +31173,7 @@
           <a:p>
             <a:fld id="{B97B1ACE-8FC5-43AE-903F-A46F816E6A3A}" type="datetimeFigureOut">
               <a:rPr lang="en-US" smtClean="0"/>
-              <a:t>2/21/2020</a:t>
+              <a:t>2/26/2020</a:t>
             </a:fld>
             <a:endParaRPr lang="en-US"/>
           </a:p>
@@ -31353,7 +31353,7 @@
           <a:p>
             <a:fld id="{B97B1ACE-8FC5-43AE-903F-A46F816E6A3A}" type="datetimeFigureOut">
               <a:rPr lang="en-US" smtClean="0"/>
-              <a:t>2/21/2020</a:t>
+              <a:t>2/26/2020</a:t>
             </a:fld>
             <a:endParaRPr lang="en-US"/>
           </a:p>
@@ -31523,7 +31523,7 @@
           <a:p>
             <a:fld id="{B97B1ACE-8FC5-43AE-903F-A46F816E6A3A}" type="datetimeFigureOut">
               <a:rPr lang="en-US" smtClean="0"/>
-              <a:t>2/21/2020</a:t>
+              <a:t>2/26/2020</a:t>
             </a:fld>
             <a:endParaRPr lang="en-US"/>
           </a:p>
@@ -31769,7 +31769,7 @@
           <a:p>
             <a:fld id="{B97B1ACE-8FC5-43AE-903F-A46F816E6A3A}" type="datetimeFigureOut">
               <a:rPr lang="en-US" smtClean="0"/>
-              <a:t>2/21/2020</a:t>
+              <a:t>2/26/2020</a:t>
             </a:fld>
             <a:endParaRPr lang="en-US"/>
           </a:p>
@@ -32001,7 +32001,7 @@
           <a:p>
             <a:fld id="{B97B1ACE-8FC5-43AE-903F-A46F816E6A3A}" type="datetimeFigureOut">
               <a:rPr lang="en-US" smtClean="0"/>
-              <a:t>2/21/2020</a:t>
+              <a:t>2/26/2020</a:t>
             </a:fld>
             <a:endParaRPr lang="en-US"/>
           </a:p>
@@ -32368,7 +32368,7 @@
           <a:p>
             <a:fld id="{B97B1ACE-8FC5-43AE-903F-A46F816E6A3A}" type="datetimeFigureOut">
               <a:rPr lang="en-US" smtClean="0"/>
-              <a:t>2/21/2020</a:t>
+              <a:t>2/26/2020</a:t>
             </a:fld>
             <a:endParaRPr lang="en-US"/>
           </a:p>
@@ -32486,7 +32486,7 @@
           <a:p>
             <a:fld id="{B97B1ACE-8FC5-43AE-903F-A46F816E6A3A}" type="datetimeFigureOut">
               <a:rPr lang="en-US" smtClean="0"/>
-              <a:t>2/21/2020</a:t>
+              <a:t>2/26/2020</a:t>
             </a:fld>
             <a:endParaRPr lang="en-US"/>
           </a:p>
@@ -32581,7 +32581,7 @@
           <a:p>
             <a:fld id="{B97B1ACE-8FC5-43AE-903F-A46F816E6A3A}" type="datetimeFigureOut">
               <a:rPr lang="en-US" smtClean="0"/>
-              <a:t>2/21/2020</a:t>
+              <a:t>2/26/2020</a:t>
             </a:fld>
             <a:endParaRPr lang="en-US"/>
           </a:p>
@@ -32858,7 +32858,7 @@
           <a:p>
             <a:fld id="{B97B1ACE-8FC5-43AE-903F-A46F816E6A3A}" type="datetimeFigureOut">
               <a:rPr lang="en-US" smtClean="0"/>
-              <a:t>2/21/2020</a:t>
+              <a:t>2/26/2020</a:t>
             </a:fld>
             <a:endParaRPr lang="en-US"/>
           </a:p>
@@ -33111,7 +33111,7 @@
           <a:p>
             <a:fld id="{B97B1ACE-8FC5-43AE-903F-A46F816E6A3A}" type="datetimeFigureOut">
               <a:rPr lang="en-US" smtClean="0"/>
-              <a:t>2/21/2020</a:t>
+              <a:t>2/26/2020</a:t>
             </a:fld>
             <a:endParaRPr lang="en-US"/>
           </a:p>
@@ -33324,7 +33324,7 @@
           <a:p>
             <a:fld id="{B97B1ACE-8FC5-43AE-903F-A46F816E6A3A}" type="datetimeFigureOut">
               <a:rPr lang="en-US" smtClean="0"/>
-              <a:t>2/21/2020</a:t>
+              <a:t>2/26/2020</a:t>
             </a:fld>
             <a:endParaRPr lang="en-US"/>
           </a:p>
@@ -36754,150 +36754,22 @@
           <a:chExt cx="0" cy="0"/>
         </a:xfrm>
       </p:grpSpPr>
-      <p:sp>
-        <p:nvSpPr>
-          <p:cNvPr id="11" name="Dowolny kształt 10"/>
-          <p:cNvSpPr/>
-          <p:nvPr/>
-        </p:nvSpPr>
-        <p:spPr>
-          <a:xfrm>
-            <a:off x="236823" y="3680774"/>
-            <a:ext cx="11610906" cy="683260"/>
-          </a:xfrm>
-          <a:custGeom>
-            <a:avLst/>
-            <a:gdLst>
-              <a:gd name="connsiteX0" fmla="*/ 0 w 11610906"/>
-              <a:gd name="connsiteY0" fmla="*/ 0 h 1118334"/>
-              <a:gd name="connsiteX1" fmla="*/ 1710389 w 11610906"/>
-              <a:gd name="connsiteY1" fmla="*/ 1118331 h 1118334"/>
-              <a:gd name="connsiteX2" fmla="*/ 3440512 w 11610906"/>
-              <a:gd name="connsiteY2" fmla="*/ 13157 h 1118334"/>
-              <a:gd name="connsiteX3" fmla="*/ 5381145 w 11610906"/>
-              <a:gd name="connsiteY3" fmla="*/ 1078860 h 1118334"/>
-              <a:gd name="connsiteX4" fmla="*/ 7532288 w 11610906"/>
-              <a:gd name="connsiteY4" fmla="*/ 46049 h 1118334"/>
-              <a:gd name="connsiteX5" fmla="*/ 9426872 w 11610906"/>
-              <a:gd name="connsiteY5" fmla="*/ 1085439 h 1118334"/>
-              <a:gd name="connsiteX6" fmla="*/ 11610906 w 11610906"/>
-              <a:gd name="connsiteY6" fmla="*/ 13157 h 1118334"/>
-            </a:gdLst>
-            <a:ahLst/>
-            <a:cxnLst>
-              <a:cxn ang="0">
-                <a:pos x="connsiteX0" y="connsiteY0"/>
-              </a:cxn>
-              <a:cxn ang="0">
-                <a:pos x="connsiteX1" y="connsiteY1"/>
-              </a:cxn>
-              <a:cxn ang="0">
-                <a:pos x="connsiteX2" y="connsiteY2"/>
-              </a:cxn>
-              <a:cxn ang="0">
-                <a:pos x="connsiteX3" y="connsiteY3"/>
-              </a:cxn>
-              <a:cxn ang="0">
-                <a:pos x="connsiteX4" y="connsiteY4"/>
-              </a:cxn>
-              <a:cxn ang="0">
-                <a:pos x="connsiteX5" y="connsiteY5"/>
-              </a:cxn>
-              <a:cxn ang="0">
-                <a:pos x="connsiteX6" y="connsiteY6"/>
-              </a:cxn>
-            </a:cxnLst>
-            <a:rect l="l" t="t" r="r" b="b"/>
-            <a:pathLst>
-              <a:path w="11610906" h="1118334">
-                <a:moveTo>
-                  <a:pt x="0" y="0"/>
-                </a:moveTo>
-                <a:cubicBezTo>
-                  <a:pt x="568485" y="558069"/>
-                  <a:pt x="1136970" y="1116138"/>
-                  <a:pt x="1710389" y="1118331"/>
-                </a:cubicBezTo>
-                <a:cubicBezTo>
-                  <a:pt x="2283808" y="1120524"/>
-                  <a:pt x="2828719" y="19736"/>
-                  <a:pt x="3440512" y="13157"/>
-                </a:cubicBezTo>
-                <a:cubicBezTo>
-                  <a:pt x="4052305" y="6579"/>
-                  <a:pt x="4699182" y="1073378"/>
-                  <a:pt x="5381145" y="1078860"/>
-                </a:cubicBezTo>
-                <a:cubicBezTo>
-                  <a:pt x="6063108" y="1084342"/>
-                  <a:pt x="6858000" y="44953"/>
-                  <a:pt x="7532288" y="46049"/>
-                </a:cubicBezTo>
-                <a:cubicBezTo>
-                  <a:pt x="8206576" y="47145"/>
-                  <a:pt x="8747102" y="1090921"/>
-                  <a:pt x="9426872" y="1085439"/>
-                </a:cubicBezTo>
-                <a:cubicBezTo>
-                  <a:pt x="10106642" y="1079957"/>
-                  <a:pt x="11303913" y="312475"/>
-                  <a:pt x="11610906" y="13157"/>
-                </a:cubicBezTo>
-              </a:path>
-            </a:pathLst>
-          </a:custGeom>
-          <a:noFill/>
-          <a:ln w="98425">
-            <a:solidFill>
-              <a:schemeClr val="accent6">
-                <a:lumMod val="75000"/>
-              </a:schemeClr>
-            </a:solidFill>
-          </a:ln>
-          <a:effectLst>
-            <a:outerShdw blurRad="139700" dist="101600" dir="5400000" algn="t" rotWithShape="0">
-              <a:schemeClr val="accent6">
-                <a:lumMod val="60000"/>
-                <a:lumOff val="40000"/>
-              </a:schemeClr>
-            </a:outerShdw>
-          </a:effectLst>
-        </p:spPr>
-        <p:style>
-          <a:lnRef idx="2">
-            <a:schemeClr val="accent1">
-              <a:shade val="50000"/>
-            </a:schemeClr>
-          </a:lnRef>
-          <a:fillRef idx="1">
-            <a:schemeClr val="accent1"/>
-          </a:fillRef>
-          <a:effectRef idx="0">
-            <a:schemeClr val="accent1"/>
-          </a:effectRef>
-          <a:fontRef idx="minor">
-            <a:schemeClr val="lt1"/>
-          </a:fontRef>
-        </p:style>
-        <p:txBody>
-          <a:bodyPr rtlCol="0" anchor="ctr"/>
-          <a:lstStyle/>
-          <a:p>
-            <a:pPr algn="ctr"/>
-            <a:endParaRPr lang="en-US"/>
-          </a:p>
-        </p:txBody>
-      </p:sp>
       <p:pic>
         <p:nvPicPr>
-          <p:cNvPr id="12" name="Obraz 11"/>
+          <p:cNvPr id="7" name="Obraz 6" descr="Obraz zawierający stół&#10;&#10;Opis wygenerowany automatycznie">
+            <a:extLst>
+              <a:ext uri="{FF2B5EF4-FFF2-40B4-BE49-F238E27FC236}">
+                <a16:creationId xmlns:a16="http://schemas.microsoft.com/office/drawing/2014/main" id="{DE4213F0-42AD-4472-B6A2-EB906B51D6A2}"/>
+              </a:ext>
+            </a:extLst>
+          </p:cNvPr>
           <p:cNvPicPr>
             <a:picLocks noChangeAspect="1"/>
           </p:cNvPicPr>
           <p:nvPr/>
         </p:nvPicPr>
         <p:blipFill>
-          <a:blip r:embed="rId3" cstate="print">
+          <a:blip r:embed="rId3">
             <a:extLst>
               <a:ext uri="{28A0092B-C50C-407E-A947-70E740481C1C}">
                 <a14:useLocalDpi xmlns:a14="http://schemas.microsoft.com/office/drawing/2010/main" val="0"/>
@@ -36909,39 +36781,9 @@
           </a:stretch>
         </p:blipFill>
         <p:spPr>
-          <a:xfrm rot="20944414">
-            <a:off x="954461" y="3009903"/>
-            <a:ext cx="1871194" cy="748478"/>
-          </a:xfrm>
-          <a:prstGeom prst="rect">
-            <a:avLst/>
-          </a:prstGeom>
-        </p:spPr>
-      </p:pic>
-      <p:pic>
-        <p:nvPicPr>
-          <p:cNvPr id="13" name="Obraz 12"/>
-          <p:cNvPicPr>
-            <a:picLocks noChangeAspect="1"/>
-          </p:cNvPicPr>
-          <p:nvPr/>
-        </p:nvPicPr>
-        <p:blipFill>
-          <a:blip r:embed="rId3" cstate="print">
-            <a:extLst>
-              <a:ext uri="{28A0092B-C50C-407E-A947-70E740481C1C}">
-                <a14:useLocalDpi xmlns:a14="http://schemas.microsoft.com/office/drawing/2010/main" val="0"/>
-              </a:ext>
-            </a:extLst>
-          </a:blip>
-          <a:stretch>
-            <a:fillRect/>
-          </a:stretch>
-        </p:blipFill>
-        <p:spPr>
-          <a:xfrm rot="1050017">
-            <a:off x="8801783" y="3009903"/>
-            <a:ext cx="1871194" cy="748478"/>
+          <a:xfrm>
+            <a:off x="1764270" y="4006797"/>
+            <a:ext cx="8512195" cy="1823171"/>
           </a:xfrm>
           <a:prstGeom prst="rect">
             <a:avLst/>
@@ -36970,7 +36812,7 @@
         </p:blipFill>
         <p:spPr>
           <a:xfrm>
-            <a:off x="4308237" y="1818331"/>
+            <a:off x="4241907" y="1731365"/>
             <a:ext cx="2989923" cy="2989923"/>
           </a:xfrm>
           <a:prstGeom prst="rect">
@@ -36978,49 +36820,78 @@
           </a:prstGeom>
         </p:spPr>
       </p:pic>
-      <p:sp>
-        <p:nvSpPr>
-          <p:cNvPr id="9" name="pole tekstowe 8">
+      <p:pic>
+        <p:nvPicPr>
+          <p:cNvPr id="10" name="Obraz 9" descr="Obraz zawierający zabawka&#10;&#10;Opis wygenerowany automatycznie">
             <a:extLst>
               <a:ext uri="{FF2B5EF4-FFF2-40B4-BE49-F238E27FC236}">
-                <a16:creationId xmlns:a16="http://schemas.microsoft.com/office/drawing/2014/main" id="{8D9D12C6-26CA-4755-BB81-57F680506067}"/>
+                <a16:creationId xmlns:a16="http://schemas.microsoft.com/office/drawing/2014/main" id="{AEB97D8B-AC55-469B-9D3B-1D3173584F47}"/>
               </a:ext>
             </a:extLst>
           </p:cNvPr>
-          <p:cNvSpPr txBox="1"/>
+          <p:cNvPicPr>
+            <a:picLocks noChangeAspect="1"/>
+          </p:cNvPicPr>
           <p:nvPr/>
-        </p:nvSpPr>
+        </p:nvPicPr>
+        <p:blipFill>
+          <a:blip r:embed="rId5" cstate="print">
+            <a:extLst>
+              <a:ext uri="{28A0092B-C50C-407E-A947-70E740481C1C}">
+                <a14:useLocalDpi xmlns:a14="http://schemas.microsoft.com/office/drawing/2010/main" val="0"/>
+              </a:ext>
+            </a:extLst>
+          </a:blip>
+          <a:stretch>
+            <a:fillRect/>
+          </a:stretch>
+        </p:blipFill>
         <p:spPr>
-          <a:xfrm>
-            <a:off x="6448360" y="6492875"/>
-            <a:ext cx="5714962" cy="307777"/>
+          <a:xfrm flipH="1">
+            <a:off x="2013301" y="4006797"/>
+            <a:ext cx="764710" cy="1519921"/>
           </a:xfrm>
           <a:prstGeom prst="rect">
             <a:avLst/>
           </a:prstGeom>
-          <a:noFill/>
         </p:spPr>
-        <p:txBody>
-          <a:bodyPr wrap="none" rtlCol="0">
-            <a:spAutoFit/>
-          </a:bodyPr>
-          <a:lstStyle/>
-          <a:p>
-            <a:r>
-              <a:rPr lang="pl-PL" sz="1400" dirty="0" err="1"/>
-              <a:t>Hat</a:t>
-            </a:r>
-            <a:r>
-              <a:rPr lang="pl-PL" sz="1400" dirty="0"/>
-              <a:t> b</a:t>
-            </a:r>
-            <a:r>
-              <a:rPr lang="en-US" sz="1400" dirty="0"/>
-              <a:t>y Angelus (Own work) [CC BY-SA 3.0 or GFDL], via Wikimedia Commons</a:t>
-            </a:r>
-          </a:p>
-        </p:txBody>
-      </p:sp>
+      </p:pic>
+      <p:pic>
+        <p:nvPicPr>
+          <p:cNvPr id="15" name="Obraz 14" descr="Obraz zawierający zabawka&#10;&#10;Opis wygenerowany automatycznie">
+            <a:extLst>
+              <a:ext uri="{FF2B5EF4-FFF2-40B4-BE49-F238E27FC236}">
+                <a16:creationId xmlns:a16="http://schemas.microsoft.com/office/drawing/2014/main" id="{C03BDB52-37E9-489C-866B-31645EDF5F9F}"/>
+              </a:ext>
+            </a:extLst>
+          </p:cNvPr>
+          <p:cNvPicPr>
+            <a:picLocks noChangeAspect="1"/>
+          </p:cNvPicPr>
+          <p:nvPr/>
+        </p:nvPicPr>
+        <p:blipFill>
+          <a:blip r:embed="rId5" cstate="print">
+            <a:extLst>
+              <a:ext uri="{28A0092B-C50C-407E-A947-70E740481C1C}">
+                <a14:useLocalDpi xmlns:a14="http://schemas.microsoft.com/office/drawing/2010/main" val="0"/>
+              </a:ext>
+            </a:extLst>
+          </a:blip>
+          <a:stretch>
+            <a:fillRect/>
+          </a:stretch>
+        </p:blipFill>
+        <p:spPr>
+          <a:xfrm>
+            <a:off x="9022351" y="4158421"/>
+            <a:ext cx="764710" cy="1519921"/>
+          </a:xfrm>
+          <a:prstGeom prst="rect">
+            <a:avLst/>
+          </a:prstGeom>
+        </p:spPr>
+      </p:pic>
     </p:spTree>
     <p:extLst>
       <p:ext uri="{BB962C8B-B14F-4D97-AF65-F5344CB8AC3E}">
@@ -37035,6 +36906,501 @@
 </file>
 
 <file path=ppt/slides/slide6.xml><?xml version="1.0" encoding="utf-8"?>
+<p:sld xmlns:a="http://schemas.openxmlformats.org/drawingml/2006/main" xmlns:r="http://schemas.openxmlformats.org/officeDocument/2006/relationships" xmlns:p="http://schemas.openxmlformats.org/presentationml/2006/main">
+  <p:cSld>
+    <p:bg>
+      <p:bgPr>
+        <a:solidFill>
+          <a:srgbClr val="111111"/>
+        </a:solidFill>
+        <a:effectLst/>
+      </p:bgPr>
+    </p:bg>
+    <p:spTree>
+      <p:nvGrpSpPr>
+        <p:cNvPr id="1" name=""/>
+        <p:cNvGrpSpPr/>
+        <p:nvPr/>
+      </p:nvGrpSpPr>
+      <p:grpSpPr>
+        <a:xfrm>
+          <a:off x="0" y="0"/>
+          <a:ext cx="0" cy="0"/>
+          <a:chOff x="0" y="0"/>
+          <a:chExt cx="0" cy="0"/>
+        </a:xfrm>
+      </p:grpSpPr>
+      <p:sp>
+        <p:nvSpPr>
+          <p:cNvPr id="4" name="Prostokąt zaokrąglony 3"/>
+          <p:cNvSpPr/>
+          <p:nvPr/>
+        </p:nvSpPr>
+        <p:spPr>
+          <a:xfrm>
+            <a:off x="2118250" y="2721820"/>
+            <a:ext cx="1756437" cy="1414360"/>
+          </a:xfrm>
+          <a:prstGeom prst="roundRect">
+            <a:avLst/>
+          </a:prstGeom>
+          <a:ln/>
+        </p:spPr>
+        <p:style>
+          <a:lnRef idx="1">
+            <a:schemeClr val="accent6"/>
+          </a:lnRef>
+          <a:fillRef idx="3">
+            <a:schemeClr val="accent6"/>
+          </a:fillRef>
+          <a:effectRef idx="2">
+            <a:schemeClr val="accent6"/>
+          </a:effectRef>
+          <a:fontRef idx="minor">
+            <a:schemeClr val="lt1"/>
+          </a:fontRef>
+        </p:style>
+        <p:txBody>
+          <a:bodyPr rtlCol="0" anchor="ctr"/>
+          <a:lstStyle/>
+          <a:p>
+            <a:pPr algn="ctr"/>
+            <a:r>
+              <a:rPr lang="pl-PL" sz="2800" b="1" dirty="0">
+                <a:latin typeface="Arial Black" panose="020B0A04020102020204" pitchFamily="34" charset="0"/>
+              </a:rPr>
+              <a:t>Queue</a:t>
+            </a:r>
+            <a:endParaRPr lang="en-US" sz="2800" b="1" dirty="0">
+              <a:latin typeface="Arial Black" panose="020B0A04020102020204" pitchFamily="34" charset="0"/>
+            </a:endParaRPr>
+          </a:p>
+        </p:txBody>
+      </p:sp>
+      <p:sp>
+        <p:nvSpPr>
+          <p:cNvPr id="5" name="Prostokąt zaokrąglony 4"/>
+          <p:cNvSpPr/>
+          <p:nvPr/>
+        </p:nvSpPr>
+        <p:spPr>
+          <a:xfrm>
+            <a:off x="8263588" y="2721820"/>
+            <a:ext cx="1756437" cy="1414360"/>
+          </a:xfrm>
+          <a:prstGeom prst="roundRect">
+            <a:avLst/>
+          </a:prstGeom>
+        </p:spPr>
+        <p:style>
+          <a:lnRef idx="0">
+            <a:schemeClr val="accent5"/>
+          </a:lnRef>
+          <a:fillRef idx="3">
+            <a:schemeClr val="accent5"/>
+          </a:fillRef>
+          <a:effectRef idx="3">
+            <a:schemeClr val="accent5"/>
+          </a:effectRef>
+          <a:fontRef idx="minor">
+            <a:schemeClr val="lt1"/>
+          </a:fontRef>
+        </p:style>
+        <p:txBody>
+          <a:bodyPr rtlCol="0" anchor="ctr"/>
+          <a:lstStyle/>
+          <a:p>
+            <a:pPr algn="ctr"/>
+            <a:r>
+              <a:rPr lang="pl-PL" sz="2800" b="1" dirty="0" err="1">
+                <a:latin typeface="Arial Black" panose="020B0A04020102020204" pitchFamily="34" charset="0"/>
+              </a:rPr>
+              <a:t>App</a:t>
+            </a:r>
+            <a:endParaRPr lang="en-US" sz="2800" b="1" dirty="0">
+              <a:latin typeface="Arial Black" panose="020B0A04020102020204" pitchFamily="34" charset="0"/>
+            </a:endParaRPr>
+          </a:p>
+        </p:txBody>
+      </p:sp>
+      <p:sp>
+        <p:nvSpPr>
+          <p:cNvPr id="8" name="Strzałka w prawo 7"/>
+          <p:cNvSpPr/>
+          <p:nvPr/>
+        </p:nvSpPr>
+        <p:spPr>
+          <a:xfrm>
+            <a:off x="4175103" y="2953709"/>
+            <a:ext cx="3841795" cy="374970"/>
+          </a:xfrm>
+          <a:prstGeom prst="rightArrow">
+            <a:avLst/>
+          </a:prstGeom>
+        </p:spPr>
+        <p:style>
+          <a:lnRef idx="1">
+            <a:schemeClr val="accent4"/>
+          </a:lnRef>
+          <a:fillRef idx="3">
+            <a:schemeClr val="accent4"/>
+          </a:fillRef>
+          <a:effectRef idx="2">
+            <a:schemeClr val="accent4"/>
+          </a:effectRef>
+          <a:fontRef idx="minor">
+            <a:schemeClr val="lt1"/>
+          </a:fontRef>
+        </p:style>
+        <p:txBody>
+          <a:bodyPr rtlCol="0" anchor="ctr"/>
+          <a:lstStyle/>
+          <a:p>
+            <a:pPr algn="ctr"/>
+            <a:endParaRPr lang="en-US"/>
+          </a:p>
+        </p:txBody>
+      </p:sp>
+      <p:sp>
+        <p:nvSpPr>
+          <p:cNvPr id="9" name="Strzałka w prawo 8"/>
+          <p:cNvSpPr/>
+          <p:nvPr/>
+        </p:nvSpPr>
+        <p:spPr>
+          <a:xfrm rot="10800000">
+            <a:off x="4175103" y="3592912"/>
+            <a:ext cx="3841795" cy="374970"/>
+          </a:xfrm>
+          <a:prstGeom prst="rightArrow">
+            <a:avLst/>
+          </a:prstGeom>
+        </p:spPr>
+        <p:style>
+          <a:lnRef idx="1">
+            <a:schemeClr val="accent4"/>
+          </a:lnRef>
+          <a:fillRef idx="3">
+            <a:schemeClr val="accent4"/>
+          </a:fillRef>
+          <a:effectRef idx="2">
+            <a:schemeClr val="accent4"/>
+          </a:effectRef>
+          <a:fontRef idx="minor">
+            <a:schemeClr val="lt1"/>
+          </a:fontRef>
+        </p:style>
+        <p:txBody>
+          <a:bodyPr rtlCol="0" anchor="ctr"/>
+          <a:lstStyle/>
+          <a:p>
+            <a:pPr algn="ctr"/>
+            <a:endParaRPr lang="en-US"/>
+          </a:p>
+        </p:txBody>
+      </p:sp>
+      <p:graphicFrame>
+        <p:nvGraphicFramePr>
+          <p:cNvPr id="29" name="Symbol zastępczy zawartości 3"/>
+          <p:cNvGraphicFramePr>
+            <a:graphicFrameLocks/>
+          </p:cNvGraphicFramePr>
+          <p:nvPr>
+            <p:extLst>
+              <p:ext uri="{D42A27DB-BD31-4B8C-83A1-F6EECF244321}">
+                <p14:modId xmlns:p14="http://schemas.microsoft.com/office/powerpoint/2010/main" val="90438189"/>
+              </p:ext>
+            </p:extLst>
+          </p:nvPr>
+        </p:nvGraphicFramePr>
+        <p:xfrm>
+          <a:off x="588008" y="4232114"/>
+          <a:ext cx="4024683" cy="1645690"/>
+        </p:xfrm>
+        <a:graphic>
+          <a:graphicData uri="http://schemas.openxmlformats.org/drawingml/2006/diagram">
+            <dgm:relIds xmlns:dgm="http://schemas.openxmlformats.org/drawingml/2006/diagram" xmlns:r="http://schemas.openxmlformats.org/officeDocument/2006/relationships" r:dm="rId3" r:lo="rId4" r:qs="rId5" r:cs="rId6"/>
+          </a:graphicData>
+        </a:graphic>
+      </p:graphicFrame>
+      <p:graphicFrame>
+        <p:nvGraphicFramePr>
+          <p:cNvPr id="30" name="Symbol zastępczy zawartości 3"/>
+          <p:cNvGraphicFramePr>
+            <a:graphicFrameLocks/>
+          </p:cNvGraphicFramePr>
+          <p:nvPr>
+            <p:extLst>
+              <p:ext uri="{D42A27DB-BD31-4B8C-83A1-F6EECF244321}">
+                <p14:modId xmlns:p14="http://schemas.microsoft.com/office/powerpoint/2010/main" val="1114955030"/>
+              </p:ext>
+            </p:extLst>
+          </p:nvPr>
+        </p:nvGraphicFramePr>
+        <p:xfrm>
+          <a:off x="8263588" y="4568388"/>
+          <a:ext cx="2093883" cy="973142"/>
+        </p:xfrm>
+        <a:graphic>
+          <a:graphicData uri="http://schemas.openxmlformats.org/drawingml/2006/diagram">
+            <dgm:relIds xmlns:dgm="http://schemas.openxmlformats.org/drawingml/2006/diagram" xmlns:r="http://schemas.openxmlformats.org/officeDocument/2006/relationships" r:dm="rId8" r:lo="rId9" r:qs="rId10" r:cs="rId11"/>
+          </a:graphicData>
+        </a:graphic>
+      </p:graphicFrame>
+      <p:pic>
+        <p:nvPicPr>
+          <p:cNvPr id="20" name="Grafika 19" descr="Koperta">
+            <a:extLst>
+              <a:ext uri="{FF2B5EF4-FFF2-40B4-BE49-F238E27FC236}">
+                <a16:creationId xmlns:a16="http://schemas.microsoft.com/office/drawing/2014/main" id="{06A17CDE-8A70-47EA-BFFC-305F91BAB7B0}"/>
+              </a:ext>
+            </a:extLst>
+          </p:cNvPr>
+          <p:cNvPicPr>
+            <a:picLocks noChangeAspect="1"/>
+          </p:cNvPicPr>
+          <p:nvPr/>
+        </p:nvPicPr>
+        <p:blipFill>
+          <a:blip r:embed="rId13">
+            <a:extLst>
+              <a:ext uri="{28A0092B-C50C-407E-A947-70E740481C1C}">
+                <a14:useLocalDpi xmlns:a14="http://schemas.microsoft.com/office/drawing/2010/main" val="0"/>
+              </a:ext>
+              <a:ext uri="{96DAC541-7B7A-43D3-8B79-37D633B846F1}">
+                <asvg:svgBlip xmlns:asvg="http://schemas.microsoft.com/office/drawing/2016/SVG/main" r:embed="rId14"/>
+              </a:ext>
+            </a:extLst>
+          </a:blip>
+          <a:stretch>
+            <a:fillRect/>
+          </a:stretch>
+        </p:blipFill>
+        <p:spPr>
+          <a:xfrm>
+            <a:off x="6202415" y="1775265"/>
+            <a:ext cx="1419752" cy="1419752"/>
+          </a:xfrm>
+          <a:prstGeom prst="rect">
+            <a:avLst/>
+          </a:prstGeom>
+        </p:spPr>
+      </p:pic>
+      <p:sp>
+        <p:nvSpPr>
+          <p:cNvPr id="21" name="pole tekstowe 20">
+            <a:extLst>
+              <a:ext uri="{FF2B5EF4-FFF2-40B4-BE49-F238E27FC236}">
+                <a16:creationId xmlns:a16="http://schemas.microsoft.com/office/drawing/2014/main" id="{2599315C-5DC3-4F93-A6F5-DA836ED95B0D}"/>
+              </a:ext>
+            </a:extLst>
+          </p:cNvPr>
+          <p:cNvSpPr txBox="1"/>
+          <p:nvPr/>
+        </p:nvSpPr>
+        <p:spPr>
+          <a:xfrm>
+            <a:off x="5769564" y="1513655"/>
+            <a:ext cx="2247334" cy="523220"/>
+          </a:xfrm>
+          <a:prstGeom prst="rect">
+            <a:avLst/>
+          </a:prstGeom>
+          <a:noFill/>
+        </p:spPr>
+        <p:txBody>
+          <a:bodyPr wrap="square" rtlCol="0">
+            <a:spAutoFit/>
+          </a:bodyPr>
+          <a:lstStyle/>
+          <a:p>
+            <a:pPr algn="ctr"/>
+            <a:r>
+              <a:rPr lang="pl-PL" sz="2800" b="1" dirty="0" err="1">
+                <a:solidFill>
+                  <a:schemeClr val="bg1"/>
+                </a:solidFill>
+              </a:rPr>
+              <a:t>Process</a:t>
+            </a:r>
+            <a:endParaRPr lang="pl-PL" sz="2800" b="1" dirty="0">
+              <a:solidFill>
+                <a:schemeClr val="bg1"/>
+              </a:solidFill>
+            </a:endParaRPr>
+          </a:p>
+        </p:txBody>
+      </p:sp>
+      <p:pic>
+        <p:nvPicPr>
+          <p:cNvPr id="22" name="Grafika 21" descr="Koperta">
+            <a:extLst>
+              <a:ext uri="{FF2B5EF4-FFF2-40B4-BE49-F238E27FC236}">
+                <a16:creationId xmlns:a16="http://schemas.microsoft.com/office/drawing/2014/main" id="{7F19A3F7-597D-4EF4-A0B9-219838974B1E}"/>
+              </a:ext>
+            </a:extLst>
+          </p:cNvPr>
+          <p:cNvPicPr>
+            <a:picLocks noChangeAspect="1"/>
+          </p:cNvPicPr>
+          <p:nvPr/>
+        </p:nvPicPr>
+        <p:blipFill>
+          <a:blip r:embed="rId13">
+            <a:extLst>
+              <a:ext uri="{28A0092B-C50C-407E-A947-70E740481C1C}">
+                <a14:useLocalDpi xmlns:a14="http://schemas.microsoft.com/office/drawing/2010/main" val="0"/>
+              </a:ext>
+              <a:ext uri="{96DAC541-7B7A-43D3-8B79-37D633B846F1}">
+                <asvg:svgBlip xmlns:asvg="http://schemas.microsoft.com/office/drawing/2016/SVG/main" r:embed="rId14"/>
+              </a:ext>
+            </a:extLst>
+          </a:blip>
+          <a:stretch>
+            <a:fillRect/>
+          </a:stretch>
+        </p:blipFill>
+        <p:spPr>
+          <a:xfrm>
+            <a:off x="4612691" y="3664468"/>
+            <a:ext cx="1419752" cy="1419752"/>
+          </a:xfrm>
+          <a:prstGeom prst="rect">
+            <a:avLst/>
+          </a:prstGeom>
+        </p:spPr>
+      </p:pic>
+      <p:sp>
+        <p:nvSpPr>
+          <p:cNvPr id="23" name="pole tekstowe 22">
+            <a:extLst>
+              <a:ext uri="{FF2B5EF4-FFF2-40B4-BE49-F238E27FC236}">
+                <a16:creationId xmlns:a16="http://schemas.microsoft.com/office/drawing/2014/main" id="{A1120CE0-2E9C-4FE0-95F1-9E483BB74DC2}"/>
+              </a:ext>
+            </a:extLst>
+          </p:cNvPr>
+          <p:cNvSpPr txBox="1"/>
+          <p:nvPr/>
+        </p:nvSpPr>
+        <p:spPr>
+          <a:xfrm>
+            <a:off x="4175102" y="4745640"/>
+            <a:ext cx="2247334" cy="523220"/>
+          </a:xfrm>
+          <a:prstGeom prst="rect">
+            <a:avLst/>
+          </a:prstGeom>
+          <a:noFill/>
+        </p:spPr>
+        <p:txBody>
+          <a:bodyPr wrap="square" rtlCol="0">
+            <a:spAutoFit/>
+          </a:bodyPr>
+          <a:lstStyle/>
+          <a:p>
+            <a:pPr algn="ctr"/>
+            <a:r>
+              <a:rPr lang="pl-PL" sz="2800" b="1" dirty="0" err="1">
+                <a:solidFill>
+                  <a:schemeClr val="bg1"/>
+                </a:solidFill>
+              </a:rPr>
+              <a:t>Ack</a:t>
+            </a:r>
+            <a:endParaRPr lang="pl-PL" sz="2800" b="1" dirty="0">
+              <a:solidFill>
+                <a:schemeClr val="bg1"/>
+              </a:solidFill>
+            </a:endParaRPr>
+          </a:p>
+        </p:txBody>
+      </p:sp>
+      <p:pic>
+        <p:nvPicPr>
+          <p:cNvPr id="15" name="Obraz 14" descr="Obraz zawierający zabawka&#10;&#10;Opis wygenerowany automatycznie">
+            <a:extLst>
+              <a:ext uri="{FF2B5EF4-FFF2-40B4-BE49-F238E27FC236}">
+                <a16:creationId xmlns:a16="http://schemas.microsoft.com/office/drawing/2014/main" id="{69A4A7D5-C8B9-46D5-B535-A312457FFE54}"/>
+              </a:ext>
+            </a:extLst>
+          </p:cNvPr>
+          <p:cNvPicPr>
+            <a:picLocks noChangeAspect="1"/>
+          </p:cNvPicPr>
+          <p:nvPr/>
+        </p:nvPicPr>
+        <p:blipFill>
+          <a:blip r:embed="rId15" cstate="print">
+            <a:extLst>
+              <a:ext uri="{28A0092B-C50C-407E-A947-70E740481C1C}">
+                <a14:useLocalDpi xmlns:a14="http://schemas.microsoft.com/office/drawing/2010/main" val="0"/>
+              </a:ext>
+            </a:extLst>
+          </a:blip>
+          <a:stretch>
+            <a:fillRect/>
+          </a:stretch>
+        </p:blipFill>
+        <p:spPr>
+          <a:xfrm flipH="1">
+            <a:off x="2723975" y="1276914"/>
+            <a:ext cx="764710" cy="1519921"/>
+          </a:xfrm>
+          <a:prstGeom prst="rect">
+            <a:avLst/>
+          </a:prstGeom>
+        </p:spPr>
+      </p:pic>
+      <p:pic>
+        <p:nvPicPr>
+          <p:cNvPr id="16" name="Obraz 15" descr="Obraz zawierający zabawka&#10;&#10;Opis wygenerowany automatycznie">
+            <a:extLst>
+              <a:ext uri="{FF2B5EF4-FFF2-40B4-BE49-F238E27FC236}">
+                <a16:creationId xmlns:a16="http://schemas.microsoft.com/office/drawing/2014/main" id="{D9D8C290-6AFE-4EFB-B2AC-6BE455AA3C71}"/>
+              </a:ext>
+            </a:extLst>
+          </p:cNvPr>
+          <p:cNvPicPr>
+            <a:picLocks noChangeAspect="1"/>
+          </p:cNvPicPr>
+          <p:nvPr/>
+        </p:nvPicPr>
+        <p:blipFill>
+          <a:blip r:embed="rId15" cstate="print">
+            <a:extLst>
+              <a:ext uri="{28A0092B-C50C-407E-A947-70E740481C1C}">
+                <a14:useLocalDpi xmlns:a14="http://schemas.microsoft.com/office/drawing/2010/main" val="0"/>
+              </a:ext>
+            </a:extLst>
+          </a:blip>
+          <a:stretch>
+            <a:fillRect/>
+          </a:stretch>
+        </p:blipFill>
+        <p:spPr>
+          <a:xfrm>
+            <a:off x="8605422" y="1276913"/>
+            <a:ext cx="764710" cy="1519921"/>
+          </a:xfrm>
+          <a:prstGeom prst="rect">
+            <a:avLst/>
+          </a:prstGeom>
+        </p:spPr>
+      </p:pic>
+    </p:spTree>
+    <p:extLst>
+      <p:ext uri="{BB962C8B-B14F-4D97-AF65-F5344CB8AC3E}">
+        <p14:creationId xmlns:p14="http://schemas.microsoft.com/office/powerpoint/2010/main" val="2710917628"/>
+      </p:ext>
+    </p:extLst>
+  </p:cSld>
+  <p:clrMapOvr>
+    <a:masterClrMapping/>
+  </p:clrMapOvr>
+</p:sld>
+</file>
+
+<file path=ppt/slides/slide7.xml><?xml version="1.0" encoding="utf-8"?>
 <p:sld xmlns:a="http://schemas.openxmlformats.org/drawingml/2006/main" xmlns:r="http://schemas.openxmlformats.org/officeDocument/2006/relationships" xmlns:p="http://schemas.openxmlformats.org/presentationml/2006/main">
   <p:cSld>
     <p:bg>
@@ -37667,532 +38033,6 @@
 </p:sld>
 </file>
 
-<file path=ppt/slides/slide7.xml><?xml version="1.0" encoding="utf-8"?>
-<p:sld xmlns:a="http://schemas.openxmlformats.org/drawingml/2006/main" xmlns:r="http://schemas.openxmlformats.org/officeDocument/2006/relationships" xmlns:p="http://schemas.openxmlformats.org/presentationml/2006/main">
-  <p:cSld>
-    <p:bg>
-      <p:bgPr>
-        <a:solidFill>
-          <a:srgbClr val="111111"/>
-        </a:solidFill>
-        <a:effectLst/>
-      </p:bgPr>
-    </p:bg>
-    <p:spTree>
-      <p:nvGrpSpPr>
-        <p:cNvPr id="1" name=""/>
-        <p:cNvGrpSpPr/>
-        <p:nvPr/>
-      </p:nvGrpSpPr>
-      <p:grpSpPr>
-        <a:xfrm>
-          <a:off x="0" y="0"/>
-          <a:ext cx="0" cy="0"/>
-          <a:chOff x="0" y="0"/>
-          <a:chExt cx="0" cy="0"/>
-        </a:xfrm>
-      </p:grpSpPr>
-      <p:sp>
-        <p:nvSpPr>
-          <p:cNvPr id="4" name="Prostokąt zaokrąglony 3"/>
-          <p:cNvSpPr/>
-          <p:nvPr/>
-        </p:nvSpPr>
-        <p:spPr>
-          <a:xfrm>
-            <a:off x="2118250" y="2721820"/>
-            <a:ext cx="1756437" cy="1414360"/>
-          </a:xfrm>
-          <a:prstGeom prst="roundRect">
-            <a:avLst/>
-          </a:prstGeom>
-          <a:ln/>
-        </p:spPr>
-        <p:style>
-          <a:lnRef idx="1">
-            <a:schemeClr val="accent6"/>
-          </a:lnRef>
-          <a:fillRef idx="3">
-            <a:schemeClr val="accent6"/>
-          </a:fillRef>
-          <a:effectRef idx="2">
-            <a:schemeClr val="accent6"/>
-          </a:effectRef>
-          <a:fontRef idx="minor">
-            <a:schemeClr val="lt1"/>
-          </a:fontRef>
-        </p:style>
-        <p:txBody>
-          <a:bodyPr rtlCol="0" anchor="ctr"/>
-          <a:lstStyle/>
-          <a:p>
-            <a:pPr algn="ctr"/>
-            <a:r>
-              <a:rPr lang="pl-PL" sz="2800" b="1" dirty="0">
-                <a:latin typeface="Arial Black" panose="020B0A04020102020204" pitchFamily="34" charset="0"/>
-              </a:rPr>
-              <a:t>Queue</a:t>
-            </a:r>
-            <a:endParaRPr lang="en-US" sz="2800" b="1" dirty="0">
-              <a:latin typeface="Arial Black" panose="020B0A04020102020204" pitchFamily="34" charset="0"/>
-            </a:endParaRPr>
-          </a:p>
-        </p:txBody>
-      </p:sp>
-      <p:sp>
-        <p:nvSpPr>
-          <p:cNvPr id="5" name="Prostokąt zaokrąglony 4"/>
-          <p:cNvSpPr/>
-          <p:nvPr/>
-        </p:nvSpPr>
-        <p:spPr>
-          <a:xfrm>
-            <a:off x="8263588" y="2721820"/>
-            <a:ext cx="1756437" cy="1414360"/>
-          </a:xfrm>
-          <a:prstGeom prst="roundRect">
-            <a:avLst/>
-          </a:prstGeom>
-        </p:spPr>
-        <p:style>
-          <a:lnRef idx="0">
-            <a:schemeClr val="accent5"/>
-          </a:lnRef>
-          <a:fillRef idx="3">
-            <a:schemeClr val="accent5"/>
-          </a:fillRef>
-          <a:effectRef idx="3">
-            <a:schemeClr val="accent5"/>
-          </a:effectRef>
-          <a:fontRef idx="minor">
-            <a:schemeClr val="lt1"/>
-          </a:fontRef>
-        </p:style>
-        <p:txBody>
-          <a:bodyPr rtlCol="0" anchor="ctr"/>
-          <a:lstStyle/>
-          <a:p>
-            <a:pPr algn="ctr"/>
-            <a:r>
-              <a:rPr lang="pl-PL" sz="2800" b="1" dirty="0" err="1">
-                <a:latin typeface="Arial Black" panose="020B0A04020102020204" pitchFamily="34" charset="0"/>
-              </a:rPr>
-              <a:t>App</a:t>
-            </a:r>
-            <a:endParaRPr lang="en-US" sz="2800" b="1" dirty="0">
-              <a:latin typeface="Arial Black" panose="020B0A04020102020204" pitchFamily="34" charset="0"/>
-            </a:endParaRPr>
-          </a:p>
-        </p:txBody>
-      </p:sp>
-      <p:sp>
-        <p:nvSpPr>
-          <p:cNvPr id="8" name="Strzałka w prawo 7"/>
-          <p:cNvSpPr/>
-          <p:nvPr/>
-        </p:nvSpPr>
-        <p:spPr>
-          <a:xfrm>
-            <a:off x="4175103" y="2953709"/>
-            <a:ext cx="3841795" cy="374970"/>
-          </a:xfrm>
-          <a:prstGeom prst="rightArrow">
-            <a:avLst/>
-          </a:prstGeom>
-        </p:spPr>
-        <p:style>
-          <a:lnRef idx="1">
-            <a:schemeClr val="accent4"/>
-          </a:lnRef>
-          <a:fillRef idx="3">
-            <a:schemeClr val="accent4"/>
-          </a:fillRef>
-          <a:effectRef idx="2">
-            <a:schemeClr val="accent4"/>
-          </a:effectRef>
-          <a:fontRef idx="minor">
-            <a:schemeClr val="lt1"/>
-          </a:fontRef>
-        </p:style>
-        <p:txBody>
-          <a:bodyPr rtlCol="0" anchor="ctr"/>
-          <a:lstStyle/>
-          <a:p>
-            <a:pPr algn="ctr"/>
-            <a:endParaRPr lang="en-US"/>
-          </a:p>
-        </p:txBody>
-      </p:sp>
-      <p:sp>
-        <p:nvSpPr>
-          <p:cNvPr id="9" name="Strzałka w prawo 8"/>
-          <p:cNvSpPr/>
-          <p:nvPr/>
-        </p:nvSpPr>
-        <p:spPr>
-          <a:xfrm rot="10800000">
-            <a:off x="4175103" y="3592912"/>
-            <a:ext cx="3841795" cy="374970"/>
-          </a:xfrm>
-          <a:prstGeom prst="rightArrow">
-            <a:avLst/>
-          </a:prstGeom>
-        </p:spPr>
-        <p:style>
-          <a:lnRef idx="1">
-            <a:schemeClr val="accent4"/>
-          </a:lnRef>
-          <a:fillRef idx="3">
-            <a:schemeClr val="accent4"/>
-          </a:fillRef>
-          <a:effectRef idx="2">
-            <a:schemeClr val="accent4"/>
-          </a:effectRef>
-          <a:fontRef idx="minor">
-            <a:schemeClr val="lt1"/>
-          </a:fontRef>
-        </p:style>
-        <p:txBody>
-          <a:bodyPr rtlCol="0" anchor="ctr"/>
-          <a:lstStyle/>
-          <a:p>
-            <a:pPr algn="ctr"/>
-            <a:endParaRPr lang="en-US"/>
-          </a:p>
-        </p:txBody>
-      </p:sp>
-      <p:graphicFrame>
-        <p:nvGraphicFramePr>
-          <p:cNvPr id="29" name="Symbol zastępczy zawartości 3"/>
-          <p:cNvGraphicFramePr>
-            <a:graphicFrameLocks/>
-          </p:cNvGraphicFramePr>
-          <p:nvPr>
-            <p:extLst>
-              <p:ext uri="{D42A27DB-BD31-4B8C-83A1-F6EECF244321}">
-                <p14:modId xmlns:p14="http://schemas.microsoft.com/office/powerpoint/2010/main" val="90438189"/>
-              </p:ext>
-            </p:extLst>
-          </p:nvPr>
-        </p:nvGraphicFramePr>
-        <p:xfrm>
-          <a:off x="588008" y="4232114"/>
-          <a:ext cx="4024683" cy="1645690"/>
-        </p:xfrm>
-        <a:graphic>
-          <a:graphicData uri="http://schemas.openxmlformats.org/drawingml/2006/diagram">
-            <dgm:relIds xmlns:dgm="http://schemas.openxmlformats.org/drawingml/2006/diagram" xmlns:r="http://schemas.openxmlformats.org/officeDocument/2006/relationships" r:dm="rId3" r:lo="rId4" r:qs="rId5" r:cs="rId6"/>
-          </a:graphicData>
-        </a:graphic>
-      </p:graphicFrame>
-      <p:graphicFrame>
-        <p:nvGraphicFramePr>
-          <p:cNvPr id="30" name="Symbol zastępczy zawartości 3"/>
-          <p:cNvGraphicFramePr>
-            <a:graphicFrameLocks/>
-          </p:cNvGraphicFramePr>
-          <p:nvPr>
-            <p:extLst>
-              <p:ext uri="{D42A27DB-BD31-4B8C-83A1-F6EECF244321}">
-                <p14:modId xmlns:p14="http://schemas.microsoft.com/office/powerpoint/2010/main" val="1114955030"/>
-              </p:ext>
-            </p:extLst>
-          </p:nvPr>
-        </p:nvGraphicFramePr>
-        <p:xfrm>
-          <a:off x="8263588" y="4568388"/>
-          <a:ext cx="2093883" cy="973142"/>
-        </p:xfrm>
-        <a:graphic>
-          <a:graphicData uri="http://schemas.openxmlformats.org/drawingml/2006/diagram">
-            <dgm:relIds xmlns:dgm="http://schemas.openxmlformats.org/drawingml/2006/diagram" xmlns:r="http://schemas.openxmlformats.org/officeDocument/2006/relationships" r:dm="rId8" r:lo="rId9" r:qs="rId10" r:cs="rId11"/>
-          </a:graphicData>
-        </a:graphic>
-      </p:graphicFrame>
-      <p:pic>
-        <p:nvPicPr>
-          <p:cNvPr id="17" name="Obraz 16"/>
-          <p:cNvPicPr>
-            <a:picLocks noChangeAspect="1"/>
-          </p:cNvPicPr>
-          <p:nvPr/>
-        </p:nvPicPr>
-        <p:blipFill>
-          <a:blip r:embed="rId13">
-            <a:extLst>
-              <a:ext uri="{28A0092B-C50C-407E-A947-70E740481C1C}">
-                <a14:useLocalDpi xmlns:a14="http://schemas.microsoft.com/office/drawing/2010/main" val="0"/>
-              </a:ext>
-            </a:extLst>
-          </a:blip>
-          <a:stretch>
-            <a:fillRect/>
-          </a:stretch>
-        </p:blipFill>
-        <p:spPr>
-          <a:xfrm rot="20944414">
-            <a:off x="928511" y="1675782"/>
-            <a:ext cx="3824066" cy="1529627"/>
-          </a:xfrm>
-          <a:prstGeom prst="rect">
-            <a:avLst/>
-          </a:prstGeom>
-        </p:spPr>
-      </p:pic>
-      <p:pic>
-        <p:nvPicPr>
-          <p:cNvPr id="18" name="Obraz 17"/>
-          <p:cNvPicPr>
-            <a:picLocks noChangeAspect="1"/>
-          </p:cNvPicPr>
-          <p:nvPr/>
-        </p:nvPicPr>
-        <p:blipFill>
-          <a:blip r:embed="rId13">
-            <a:extLst>
-              <a:ext uri="{28A0092B-C50C-407E-A947-70E740481C1C}">
-                <a14:useLocalDpi xmlns:a14="http://schemas.microsoft.com/office/drawing/2010/main" val="0"/>
-              </a:ext>
-            </a:extLst>
-          </a:blip>
-          <a:stretch>
-            <a:fillRect/>
-          </a:stretch>
-        </p:blipFill>
-        <p:spPr>
-          <a:xfrm rot="1050017">
-            <a:off x="7518885" y="1720417"/>
-            <a:ext cx="3824066" cy="1529627"/>
-          </a:xfrm>
-          <a:prstGeom prst="rect">
-            <a:avLst/>
-          </a:prstGeom>
-        </p:spPr>
-      </p:pic>
-      <p:sp>
-        <p:nvSpPr>
-          <p:cNvPr id="19" name="pole tekstowe 18">
-            <a:extLst>
-              <a:ext uri="{FF2B5EF4-FFF2-40B4-BE49-F238E27FC236}">
-                <a16:creationId xmlns:a16="http://schemas.microsoft.com/office/drawing/2014/main" id="{0190AE1E-4E25-497D-A462-12C1781C55EE}"/>
-              </a:ext>
-            </a:extLst>
-          </p:cNvPr>
-          <p:cNvSpPr txBox="1"/>
-          <p:nvPr/>
-        </p:nvSpPr>
-        <p:spPr>
-          <a:xfrm>
-            <a:off x="6448360" y="6492875"/>
-            <a:ext cx="5714962" cy="307777"/>
-          </a:xfrm>
-          <a:prstGeom prst="rect">
-            <a:avLst/>
-          </a:prstGeom>
-          <a:noFill/>
-        </p:spPr>
-        <p:txBody>
-          <a:bodyPr wrap="none" rtlCol="0">
-            <a:spAutoFit/>
-          </a:bodyPr>
-          <a:lstStyle/>
-          <a:p>
-            <a:r>
-              <a:rPr lang="pl-PL" sz="1400" dirty="0" err="1"/>
-              <a:t>Hat</a:t>
-            </a:r>
-            <a:r>
-              <a:rPr lang="pl-PL" sz="1400" dirty="0"/>
-              <a:t> b</a:t>
-            </a:r>
-            <a:r>
-              <a:rPr lang="en-US" sz="1400" dirty="0"/>
-              <a:t>y Angelus (Own work) [CC BY-SA 3.0 or GFDL], via Wikimedia Commons</a:t>
-            </a:r>
-          </a:p>
-        </p:txBody>
-      </p:sp>
-      <p:pic>
-        <p:nvPicPr>
-          <p:cNvPr id="20" name="Grafika 19" descr="Koperta">
-            <a:extLst>
-              <a:ext uri="{FF2B5EF4-FFF2-40B4-BE49-F238E27FC236}">
-                <a16:creationId xmlns:a16="http://schemas.microsoft.com/office/drawing/2014/main" id="{06A17CDE-8A70-47EA-BFFC-305F91BAB7B0}"/>
-              </a:ext>
-            </a:extLst>
-          </p:cNvPr>
-          <p:cNvPicPr>
-            <a:picLocks noChangeAspect="1"/>
-          </p:cNvPicPr>
-          <p:nvPr/>
-        </p:nvPicPr>
-        <p:blipFill>
-          <a:blip r:embed="rId14">
-            <a:extLst>
-              <a:ext uri="{28A0092B-C50C-407E-A947-70E740481C1C}">
-                <a14:useLocalDpi xmlns:a14="http://schemas.microsoft.com/office/drawing/2010/main" val="0"/>
-              </a:ext>
-              <a:ext uri="{96DAC541-7B7A-43D3-8B79-37D633B846F1}">
-                <asvg:svgBlip xmlns:asvg="http://schemas.microsoft.com/office/drawing/2016/SVG/main" r:embed="rId15"/>
-              </a:ext>
-            </a:extLst>
-          </a:blip>
-          <a:stretch>
-            <a:fillRect/>
-          </a:stretch>
-        </p:blipFill>
-        <p:spPr>
-          <a:xfrm>
-            <a:off x="6202415" y="1775265"/>
-            <a:ext cx="1419752" cy="1419752"/>
-          </a:xfrm>
-          <a:prstGeom prst="rect">
-            <a:avLst/>
-          </a:prstGeom>
-        </p:spPr>
-      </p:pic>
-      <p:sp>
-        <p:nvSpPr>
-          <p:cNvPr id="21" name="pole tekstowe 20">
-            <a:extLst>
-              <a:ext uri="{FF2B5EF4-FFF2-40B4-BE49-F238E27FC236}">
-                <a16:creationId xmlns:a16="http://schemas.microsoft.com/office/drawing/2014/main" id="{2599315C-5DC3-4F93-A6F5-DA836ED95B0D}"/>
-              </a:ext>
-            </a:extLst>
-          </p:cNvPr>
-          <p:cNvSpPr txBox="1"/>
-          <p:nvPr/>
-        </p:nvSpPr>
-        <p:spPr>
-          <a:xfrm>
-            <a:off x="5769564" y="1513655"/>
-            <a:ext cx="2247334" cy="523220"/>
-          </a:xfrm>
-          <a:prstGeom prst="rect">
-            <a:avLst/>
-          </a:prstGeom>
-          <a:noFill/>
-        </p:spPr>
-        <p:txBody>
-          <a:bodyPr wrap="square" rtlCol="0">
-            <a:spAutoFit/>
-          </a:bodyPr>
-          <a:lstStyle/>
-          <a:p>
-            <a:pPr algn="ctr"/>
-            <a:r>
-              <a:rPr lang="pl-PL" sz="2800" b="1" dirty="0" err="1">
-                <a:solidFill>
-                  <a:schemeClr val="bg1"/>
-                </a:solidFill>
-              </a:rPr>
-              <a:t>Process</a:t>
-            </a:r>
-            <a:endParaRPr lang="pl-PL" sz="2800" b="1" dirty="0">
-              <a:solidFill>
-                <a:schemeClr val="bg1"/>
-              </a:solidFill>
-            </a:endParaRPr>
-          </a:p>
-        </p:txBody>
-      </p:sp>
-      <p:pic>
-        <p:nvPicPr>
-          <p:cNvPr id="22" name="Grafika 21" descr="Koperta">
-            <a:extLst>
-              <a:ext uri="{FF2B5EF4-FFF2-40B4-BE49-F238E27FC236}">
-                <a16:creationId xmlns:a16="http://schemas.microsoft.com/office/drawing/2014/main" id="{7F19A3F7-597D-4EF4-A0B9-219838974B1E}"/>
-              </a:ext>
-            </a:extLst>
-          </p:cNvPr>
-          <p:cNvPicPr>
-            <a:picLocks noChangeAspect="1"/>
-          </p:cNvPicPr>
-          <p:nvPr/>
-        </p:nvPicPr>
-        <p:blipFill>
-          <a:blip r:embed="rId14">
-            <a:extLst>
-              <a:ext uri="{28A0092B-C50C-407E-A947-70E740481C1C}">
-                <a14:useLocalDpi xmlns:a14="http://schemas.microsoft.com/office/drawing/2010/main" val="0"/>
-              </a:ext>
-              <a:ext uri="{96DAC541-7B7A-43D3-8B79-37D633B846F1}">
-                <asvg:svgBlip xmlns:asvg="http://schemas.microsoft.com/office/drawing/2016/SVG/main" r:embed="rId15"/>
-              </a:ext>
-            </a:extLst>
-          </a:blip>
-          <a:stretch>
-            <a:fillRect/>
-          </a:stretch>
-        </p:blipFill>
-        <p:spPr>
-          <a:xfrm>
-            <a:off x="4612691" y="3664468"/>
-            <a:ext cx="1419752" cy="1419752"/>
-          </a:xfrm>
-          <a:prstGeom prst="rect">
-            <a:avLst/>
-          </a:prstGeom>
-        </p:spPr>
-      </p:pic>
-      <p:sp>
-        <p:nvSpPr>
-          <p:cNvPr id="23" name="pole tekstowe 22">
-            <a:extLst>
-              <a:ext uri="{FF2B5EF4-FFF2-40B4-BE49-F238E27FC236}">
-                <a16:creationId xmlns:a16="http://schemas.microsoft.com/office/drawing/2014/main" id="{A1120CE0-2E9C-4FE0-95F1-9E483BB74DC2}"/>
-              </a:ext>
-            </a:extLst>
-          </p:cNvPr>
-          <p:cNvSpPr txBox="1"/>
-          <p:nvPr/>
-        </p:nvSpPr>
-        <p:spPr>
-          <a:xfrm>
-            <a:off x="4175102" y="4745640"/>
-            <a:ext cx="2247334" cy="523220"/>
-          </a:xfrm>
-          <a:prstGeom prst="rect">
-            <a:avLst/>
-          </a:prstGeom>
-          <a:noFill/>
-        </p:spPr>
-        <p:txBody>
-          <a:bodyPr wrap="square" rtlCol="0">
-            <a:spAutoFit/>
-          </a:bodyPr>
-          <a:lstStyle/>
-          <a:p>
-            <a:pPr algn="ctr"/>
-            <a:r>
-              <a:rPr lang="pl-PL" sz="2800" b="1" dirty="0" err="1">
-                <a:solidFill>
-                  <a:schemeClr val="bg1"/>
-                </a:solidFill>
-              </a:rPr>
-              <a:t>Ack</a:t>
-            </a:r>
-            <a:endParaRPr lang="pl-PL" sz="2800" b="1" dirty="0">
-              <a:solidFill>
-                <a:schemeClr val="bg1"/>
-              </a:solidFill>
-            </a:endParaRPr>
-          </a:p>
-        </p:txBody>
-      </p:sp>
-    </p:spTree>
-    <p:extLst>
-      <p:ext uri="{BB962C8B-B14F-4D97-AF65-F5344CB8AC3E}">
-        <p14:creationId xmlns:p14="http://schemas.microsoft.com/office/powerpoint/2010/main" val="2710917628"/>
-      </p:ext>
-    </p:extLst>
-  </p:cSld>
-  <p:clrMapOvr>
-    <a:masterClrMapping/>
-  </p:clrMapOvr>
-</p:sld>
-</file>
-
 <file path=ppt/slides/slide8.xml><?xml version="1.0" encoding="utf-8"?>
 <p:sld xmlns:a="http://schemas.openxmlformats.org/drawingml/2006/main" xmlns:r="http://schemas.openxmlformats.org/officeDocument/2006/relationships" xmlns:p="http://schemas.openxmlformats.org/presentationml/2006/main">
   <p:cSld>
@@ -38412,36 +38252,6 @@
       </p:graphicFrame>
       <p:pic>
         <p:nvPicPr>
-          <p:cNvPr id="17" name="Obraz 16"/>
-          <p:cNvPicPr>
-            <a:picLocks noChangeAspect="1"/>
-          </p:cNvPicPr>
-          <p:nvPr/>
-        </p:nvPicPr>
-        <p:blipFill>
-          <a:blip r:embed="rId8">
-            <a:extLst>
-              <a:ext uri="{28A0092B-C50C-407E-A947-70E740481C1C}">
-                <a14:useLocalDpi xmlns:a14="http://schemas.microsoft.com/office/drawing/2010/main" val="0"/>
-              </a:ext>
-            </a:extLst>
-          </a:blip>
-          <a:stretch>
-            <a:fillRect/>
-          </a:stretch>
-        </p:blipFill>
-        <p:spPr>
-          <a:xfrm rot="1050017">
-            <a:off x="7518885" y="1720417"/>
-            <a:ext cx="3824066" cy="1529627"/>
-          </a:xfrm>
-          <a:prstGeom prst="rect">
-            <a:avLst/>
-          </a:prstGeom>
-        </p:spPr>
-      </p:pic>
-      <p:pic>
-        <p:nvPicPr>
           <p:cNvPr id="18" name="Grafika 17" descr="Koperta">
             <a:extLst>
               <a:ext uri="{FF2B5EF4-FFF2-40B4-BE49-F238E27FC236}">
@@ -38455,13 +38265,13 @@
           <p:nvPr/>
         </p:nvPicPr>
         <p:blipFill>
-          <a:blip r:embed="rId9">
+          <a:blip r:embed="rId8">
             <a:extLst>
               <a:ext uri="{28A0092B-C50C-407E-A947-70E740481C1C}">
                 <a14:useLocalDpi xmlns:a14="http://schemas.microsoft.com/office/drawing/2010/main" val="0"/>
               </a:ext>
               <a:ext uri="{96DAC541-7B7A-43D3-8B79-37D633B846F1}">
-                <asvg:svgBlip xmlns:asvg="http://schemas.microsoft.com/office/drawing/2016/SVG/main" r:embed="rId10"/>
+                <asvg:svgBlip xmlns:asvg="http://schemas.microsoft.com/office/drawing/2016/SVG/main" r:embed="rId9"/>
               </a:ext>
             </a:extLst>
           </a:blip>
@@ -38539,13 +38349,13 @@
           <p:nvPr/>
         </p:nvPicPr>
         <p:blipFill>
-          <a:blip r:embed="rId9">
+          <a:blip r:embed="rId8">
             <a:extLst>
               <a:ext uri="{28A0092B-C50C-407E-A947-70E740481C1C}">
                 <a14:useLocalDpi xmlns:a14="http://schemas.microsoft.com/office/drawing/2010/main" val="0"/>
               </a:ext>
               <a:ext uri="{96DAC541-7B7A-43D3-8B79-37D633B846F1}">
-                <asvg:svgBlip xmlns:asvg="http://schemas.microsoft.com/office/drawing/2016/SVG/main" r:embed="rId10"/>
+                <asvg:svgBlip xmlns:asvg="http://schemas.microsoft.com/office/drawing/2016/SVG/main" r:embed="rId9"/>
               </a:ext>
             </a:extLst>
           </a:blip>
@@ -38608,6 +38418,78 @@
           </a:p>
         </p:txBody>
       </p:sp>
+      <p:pic>
+        <p:nvPicPr>
+          <p:cNvPr id="12" name="Obraz 11" descr="Obraz zawierający zabawka&#10;&#10;Opis wygenerowany automatycznie">
+            <a:extLst>
+              <a:ext uri="{FF2B5EF4-FFF2-40B4-BE49-F238E27FC236}">
+                <a16:creationId xmlns:a16="http://schemas.microsoft.com/office/drawing/2014/main" id="{84C19E6B-D90C-4D44-AD30-E5AE6A2B3D1D}"/>
+              </a:ext>
+            </a:extLst>
+          </p:cNvPr>
+          <p:cNvPicPr>
+            <a:picLocks noChangeAspect="1"/>
+          </p:cNvPicPr>
+          <p:nvPr/>
+        </p:nvPicPr>
+        <p:blipFill>
+          <a:blip r:embed="rId10" cstate="print">
+            <a:extLst>
+              <a:ext uri="{28A0092B-C50C-407E-A947-70E740481C1C}">
+                <a14:useLocalDpi xmlns:a14="http://schemas.microsoft.com/office/drawing/2010/main" val="0"/>
+              </a:ext>
+            </a:extLst>
+          </a:blip>
+          <a:stretch>
+            <a:fillRect/>
+          </a:stretch>
+        </p:blipFill>
+        <p:spPr>
+          <a:xfrm>
+            <a:off x="8275964" y="1274797"/>
+            <a:ext cx="764710" cy="1519921"/>
+          </a:xfrm>
+          <a:prstGeom prst="rect">
+            <a:avLst/>
+          </a:prstGeom>
+        </p:spPr>
+      </p:pic>
+      <p:pic>
+        <p:nvPicPr>
+          <p:cNvPr id="13" name="Obraz 12" descr="Obraz zawierający zabawka&#10;&#10;Opis wygenerowany automatycznie">
+            <a:extLst>
+              <a:ext uri="{FF2B5EF4-FFF2-40B4-BE49-F238E27FC236}">
+                <a16:creationId xmlns:a16="http://schemas.microsoft.com/office/drawing/2014/main" id="{687CA3CA-BC53-4004-8922-1FCFAFFA081D}"/>
+              </a:ext>
+            </a:extLst>
+          </p:cNvPr>
+          <p:cNvPicPr>
+            <a:picLocks noChangeAspect="1"/>
+          </p:cNvPicPr>
+          <p:nvPr/>
+        </p:nvPicPr>
+        <p:blipFill>
+          <a:blip r:embed="rId10" cstate="print">
+            <a:extLst>
+              <a:ext uri="{28A0092B-C50C-407E-A947-70E740481C1C}">
+                <a14:useLocalDpi xmlns:a14="http://schemas.microsoft.com/office/drawing/2010/main" val="0"/>
+              </a:ext>
+            </a:extLst>
+          </a:blip>
+          <a:stretch>
+            <a:fillRect/>
+          </a:stretch>
+        </p:blipFill>
+        <p:spPr>
+          <a:xfrm>
+            <a:off x="9115879" y="1274797"/>
+            <a:ext cx="764710" cy="1519921"/>
+          </a:xfrm>
+          <a:prstGeom prst="rect">
+            <a:avLst/>
+          </a:prstGeom>
+        </p:spPr>
+      </p:pic>
     </p:spTree>
     <p:extLst>
       <p:ext uri="{BB962C8B-B14F-4D97-AF65-F5344CB8AC3E}">

--- a/docs/images.pptx
+++ b/docs/images.pptx
@@ -5,25 +5,22 @@
     <p:sldMasterId id="2147483648" r:id="rId1"/>
   </p:sldMasterIdLst>
   <p:notesMasterIdLst>
-    <p:notesMasterId r:id="rId18"/>
+    <p:notesMasterId r:id="rId15"/>
   </p:notesMasterIdLst>
   <p:sldIdLst>
     <p:sldId id="283" r:id="rId2"/>
-    <p:sldId id="290" r:id="rId3"/>
-    <p:sldId id="389" r:id="rId4"/>
-    <p:sldId id="386" r:id="rId5"/>
-    <p:sldId id="289" r:id="rId6"/>
-    <p:sldId id="300" r:id="rId7"/>
-    <p:sldId id="387" r:id="rId8"/>
-    <p:sldId id="299" r:id="rId9"/>
-    <p:sldId id="309" r:id="rId10"/>
-    <p:sldId id="312" r:id="rId11"/>
-    <p:sldId id="294" r:id="rId12"/>
-    <p:sldId id="313" r:id="rId13"/>
-    <p:sldId id="286" r:id="rId14"/>
-    <p:sldId id="388" r:id="rId15"/>
-    <p:sldId id="293" r:id="rId16"/>
-    <p:sldId id="269" r:id="rId17"/>
+    <p:sldId id="390" r:id="rId3"/>
+    <p:sldId id="290" r:id="rId4"/>
+    <p:sldId id="389" r:id="rId5"/>
+    <p:sldId id="386" r:id="rId6"/>
+    <p:sldId id="289" r:id="rId7"/>
+    <p:sldId id="300" r:id="rId8"/>
+    <p:sldId id="387" r:id="rId9"/>
+    <p:sldId id="299" r:id="rId10"/>
+    <p:sldId id="294" r:id="rId11"/>
+    <p:sldId id="313" r:id="rId12"/>
+    <p:sldId id="388" r:id="rId13"/>
+    <p:sldId id="269" r:id="rId14"/>
   </p:sldIdLst>
   <p:sldSz cx="12192000" cy="6858000"/>
   <p:notesSz cx="6858000" cy="9144000"/>
@@ -8897,37 +8894,36 @@
       <dgm:spPr/>
     </dgm:pt>
     <dgm:pt modelId="{2466C300-50C6-4B7E-83C1-25BEBCAE8F97}">
-      <dgm:prSet phldrT="[Tekst]"/>
+      <dgm:prSet phldrT="[Tekst]" custT="1">
+        <dgm:style>
+          <a:lnRef idx="1">
+            <a:schemeClr val="accent6"/>
+          </a:lnRef>
+          <a:fillRef idx="3">
+            <a:schemeClr val="accent6"/>
+          </a:fillRef>
+          <a:effectRef idx="2">
+            <a:schemeClr val="accent6"/>
+          </a:effectRef>
+          <a:fontRef idx="minor">
+            <a:schemeClr val="lt1"/>
+          </a:fontRef>
+        </dgm:style>
+      </dgm:prSet>
       <dgm:spPr/>
       <dgm:t>
         <a:bodyPr/>
         <a:lstStyle/>
         <a:p>
           <a:r>
-            <a:rPr lang="pl-PL" dirty="0" err="1"/>
-            <a:t>Check</a:t>
+            <a:rPr lang="pl-PL" sz="3600" dirty="0" err="1">
+              <a:latin typeface="Arial Black" panose="020B0A04020102020204" pitchFamily="34" charset="0"/>
+            </a:rPr>
+            <a:t>Publish</a:t>
           </a:r>
-          <a:r>
-            <a:rPr lang="pl-PL" dirty="0"/>
-            <a:t> </a:t>
-          </a:r>
-          <a:r>
-            <a:rPr lang="pl-PL" dirty="0" err="1"/>
-            <a:t>if</a:t>
-          </a:r>
-          <a:r>
-            <a:rPr lang="pl-PL" dirty="0"/>
-            <a:t> </a:t>
-          </a:r>
-          <a:r>
-            <a:rPr lang="pl-PL" dirty="0" err="1"/>
-            <a:t>processed</a:t>
-          </a:r>
-          <a:r>
-            <a:rPr lang="pl-PL" dirty="0"/>
-            <a:t>?</a:t>
-          </a:r>
-          <a:endParaRPr lang="en-US" dirty="0"/>
+          <a:endParaRPr lang="en-US" sz="2400" dirty="0">
+            <a:latin typeface="Arial Black" panose="020B0A04020102020204" pitchFamily="34" charset="0"/>
+          </a:endParaRPr>
         </a:p>
       </dgm:t>
     </dgm:pt>
@@ -8953,22 +8949,65 @@
         </a:p>
       </dgm:t>
     </dgm:pt>
-    <dgm:pt modelId="{4527EE19-AED4-4988-B29A-5AADDA6A8A84}">
-      <dgm:prSet phldrT="[Tekst]"/>
+    <dgm:pt modelId="{FCB57997-8FE5-4074-8D0B-2E39B2D2FB11}">
+      <dgm:prSet phldrT="[Tekst]">
+        <dgm:style>
+          <a:lnRef idx="1">
+            <a:schemeClr val="accent5"/>
+          </a:lnRef>
+          <a:fillRef idx="3">
+            <a:schemeClr val="accent5"/>
+          </a:fillRef>
+          <a:effectRef idx="2">
+            <a:schemeClr val="accent5"/>
+          </a:effectRef>
+          <a:fontRef idx="minor">
+            <a:schemeClr val="lt1"/>
+          </a:fontRef>
+        </dgm:style>
+      </dgm:prSet>
       <dgm:spPr/>
       <dgm:t>
         <a:bodyPr/>
         <a:lstStyle/>
         <a:p>
           <a:r>
-            <a:rPr lang="pl-PL" dirty="0" err="1"/>
-            <a:t>Process</a:t>
+            <a:rPr lang="pl-PL" dirty="0" err="1">
+              <a:latin typeface="Arial Black" panose="020B0A04020102020204" pitchFamily="34" charset="0"/>
+            </a:rPr>
+            <a:t>Persist</a:t>
           </a:r>
-          <a:endParaRPr lang="en-US" dirty="0"/>
+          <a:r>
+            <a:rPr lang="pl-PL" dirty="0">
+              <a:latin typeface="Arial Black" panose="020B0A04020102020204" pitchFamily="34" charset="0"/>
+            </a:rPr>
+            <a:t> </a:t>
+          </a:r>
+          <a:r>
+            <a:rPr lang="pl-PL" dirty="0" err="1">
+              <a:latin typeface="Arial Black" panose="020B0A04020102020204" pitchFamily="34" charset="0"/>
+            </a:rPr>
+            <a:t>if</a:t>
+          </a:r>
+          <a:r>
+            <a:rPr lang="pl-PL" dirty="0">
+              <a:latin typeface="Arial Black" panose="020B0A04020102020204" pitchFamily="34" charset="0"/>
+            </a:rPr>
+            <a:t> not </a:t>
+          </a:r>
+          <a:r>
+            <a:rPr lang="pl-PL" dirty="0" err="1">
+              <a:latin typeface="Arial Black" panose="020B0A04020102020204" pitchFamily="34" charset="0"/>
+            </a:rPr>
+            <a:t>duplicate</a:t>
+          </a:r>
+          <a:endParaRPr lang="en-US" dirty="0">
+            <a:latin typeface="Arial Black" panose="020B0A04020102020204" pitchFamily="34" charset="0"/>
+          </a:endParaRPr>
         </a:p>
       </dgm:t>
     </dgm:pt>
-    <dgm:pt modelId="{18642FBE-2123-4888-8875-15CE7440B2E5}" type="parTrans" cxnId="{93F2BCA6-E3F0-4EF6-9C85-D4E785447CF9}">
+    <dgm:pt modelId="{C623D492-23C3-4868-8A15-BBD5F1E06467}" type="parTrans" cxnId="{4D775345-224E-4DFD-8259-1ED6B61C4191}">
       <dgm:prSet/>
       <dgm:spPr/>
       <dgm:t>
@@ -8979,48 +9018,7 @@
         </a:p>
       </dgm:t>
     </dgm:pt>
-    <dgm:pt modelId="{893136BD-2A1D-4CCC-9F17-03A5EF4E0D73}" type="sibTrans" cxnId="{93F2BCA6-E3F0-4EF6-9C85-D4E785447CF9}">
-      <dgm:prSet/>
-      <dgm:spPr/>
-      <dgm:t>
-        <a:bodyPr/>
-        <a:lstStyle/>
-        <a:p>
-          <a:endParaRPr lang="en-US"/>
-        </a:p>
-      </dgm:t>
-    </dgm:pt>
-    <dgm:pt modelId="{6D136966-4A99-416E-A7AF-B6443EB6BED1}">
-      <dgm:prSet phldrT="[Tekst]"/>
-      <dgm:spPr/>
-      <dgm:t>
-        <a:bodyPr/>
-        <a:lstStyle/>
-        <a:p>
-          <a:r>
-            <a:rPr lang="pl-PL" dirty="0"/>
-            <a:t>Mark as </a:t>
-          </a:r>
-          <a:r>
-            <a:rPr lang="pl-PL" dirty="0" err="1"/>
-            <a:t>processed</a:t>
-          </a:r>
-          <a:endParaRPr lang="en-US" dirty="0"/>
-        </a:p>
-      </dgm:t>
-    </dgm:pt>
-    <dgm:pt modelId="{361D71F8-3904-490B-A6E3-150884E16FD3}" type="parTrans" cxnId="{7C9ADE02-F72A-4E94-81B9-2384BFD3F160}">
-      <dgm:prSet/>
-      <dgm:spPr/>
-      <dgm:t>
-        <a:bodyPr/>
-        <a:lstStyle/>
-        <a:p>
-          <a:endParaRPr lang="en-US"/>
-        </a:p>
-      </dgm:t>
-    </dgm:pt>
-    <dgm:pt modelId="{59136283-30CD-4107-83A5-6106C8EC2661}" type="sibTrans" cxnId="{7C9ADE02-F72A-4E94-81B9-2384BFD3F160}">
+    <dgm:pt modelId="{084CD0E1-6A4C-4242-9F21-ADB041C1CCAA}" type="sibTrans" cxnId="{4D775345-224E-4DFD-8259-1ED6B61C4191}">
       <dgm:prSet/>
       <dgm:spPr/>
       <dgm:t>
@@ -9041,8 +9039,8 @@
       </dgm:prSet>
       <dgm:spPr/>
     </dgm:pt>
-    <dgm:pt modelId="{2C0620ED-3EDD-4A53-B31B-13046B26DAF0}" type="pres">
-      <dgm:prSet presAssocID="{2466C300-50C6-4B7E-83C1-25BEBCAE8F97}" presName="parTxOnly" presStyleLbl="node1" presStyleIdx="0" presStyleCnt="3">
+    <dgm:pt modelId="{D6616D3D-DF38-47DC-B39F-A867A90D7183}" type="pres">
+      <dgm:prSet presAssocID="{FCB57997-8FE5-4074-8D0B-2E39B2D2FB11}" presName="parTxOnly" presStyleLbl="node1" presStyleIdx="0" presStyleCnt="2">
         <dgm:presLayoutVars>
           <dgm:chMax val="0"/>
           <dgm:chPref val="0"/>
@@ -9051,26 +9049,12 @@
       </dgm:prSet>
       <dgm:spPr/>
     </dgm:pt>
-    <dgm:pt modelId="{826421F4-B42D-4E5D-8E6B-AAA751B879F9}" type="pres">
-      <dgm:prSet presAssocID="{B81BA768-206E-4A5B-84BF-6C6DCA049002}" presName="parTxOnlySpace" presStyleCnt="0"/>
+    <dgm:pt modelId="{07F01D17-1CDA-49A0-9EEF-200513A4CDBF}" type="pres">
+      <dgm:prSet presAssocID="{084CD0E1-6A4C-4242-9F21-ADB041C1CCAA}" presName="parTxOnlySpace" presStyleCnt="0"/>
       <dgm:spPr/>
     </dgm:pt>
-    <dgm:pt modelId="{841C66D8-22BC-4053-A0F2-8499FFBC3CB7}" type="pres">
-      <dgm:prSet presAssocID="{4527EE19-AED4-4988-B29A-5AADDA6A8A84}" presName="parTxOnly" presStyleLbl="node1" presStyleIdx="1" presStyleCnt="3">
-        <dgm:presLayoutVars>
-          <dgm:chMax val="0"/>
-          <dgm:chPref val="0"/>
-          <dgm:bulletEnabled val="1"/>
-        </dgm:presLayoutVars>
-      </dgm:prSet>
-      <dgm:spPr/>
-    </dgm:pt>
-    <dgm:pt modelId="{B9020880-A840-4E73-842A-22C15567763B}" type="pres">
-      <dgm:prSet presAssocID="{893136BD-2A1D-4CCC-9F17-03A5EF4E0D73}" presName="parTxOnlySpace" presStyleCnt="0"/>
-      <dgm:spPr/>
-    </dgm:pt>
-    <dgm:pt modelId="{8432A2BE-0EA2-4C70-8EDB-BDD1FC8670A0}" type="pres">
-      <dgm:prSet presAssocID="{6D136966-4A99-416E-A7AF-B6443EB6BED1}" presName="parTxOnly" presStyleLbl="node1" presStyleIdx="2" presStyleCnt="3">
+    <dgm:pt modelId="{2C0620ED-3EDD-4A53-B31B-13046B26DAF0}" type="pres">
+      <dgm:prSet presAssocID="{2466C300-50C6-4B7E-83C1-25BEBCAE8F97}" presName="parTxOnly" presStyleLbl="node1" presStyleIdx="1" presStyleCnt="2">
         <dgm:presLayoutVars>
           <dgm:chMax val="0"/>
           <dgm:chPref val="0"/>
@@ -9081,24 +9065,20 @@
     </dgm:pt>
   </dgm:ptLst>
   <dgm:cxnLst>
-    <dgm:cxn modelId="{7C9ADE02-F72A-4E94-81B9-2384BFD3F160}" srcId="{AF2A4B31-8643-45F1-BDE7-D6E6A405259F}" destId="{6D136966-4A99-416E-A7AF-B6443EB6BED1}" srcOrd="2" destOrd="0" parTransId="{361D71F8-3904-490B-A6E3-150884E16FD3}" sibTransId="{59136283-30CD-4107-83A5-6106C8EC2661}"/>
-    <dgm:cxn modelId="{5166E530-BDDD-4E24-94C4-22C77E00D891}" type="presOf" srcId="{2466C300-50C6-4B7E-83C1-25BEBCAE8F97}" destId="{2C0620ED-3EDD-4A53-B31B-13046B26DAF0}" srcOrd="0" destOrd="0" presId="urn:microsoft.com/office/officeart/2005/8/layout/chevron1"/>
-    <dgm:cxn modelId="{01DE327C-B36F-44EA-8104-94D9018C669F}" type="presOf" srcId="{4527EE19-AED4-4988-B29A-5AADDA6A8A84}" destId="{841C66D8-22BC-4053-A0F2-8499FFBC3CB7}" srcOrd="0" destOrd="0" presId="urn:microsoft.com/office/officeart/2005/8/layout/chevron1"/>
-    <dgm:cxn modelId="{87BE2A84-D520-4B7A-A3F7-6A5B9A9EB083}" type="presOf" srcId="{6D136966-4A99-416E-A7AF-B6443EB6BED1}" destId="{8432A2BE-0EA2-4C70-8EDB-BDD1FC8670A0}" srcOrd="0" destOrd="0" presId="urn:microsoft.com/office/officeart/2005/8/layout/chevron1"/>
-    <dgm:cxn modelId="{93F2BCA6-E3F0-4EF6-9C85-D4E785447CF9}" srcId="{AF2A4B31-8643-45F1-BDE7-D6E6A405259F}" destId="{4527EE19-AED4-4988-B29A-5AADDA6A8A84}" srcOrd="1" destOrd="0" parTransId="{18642FBE-2123-4888-8875-15CE7440B2E5}" sibTransId="{893136BD-2A1D-4CCC-9F17-03A5EF4E0D73}"/>
-    <dgm:cxn modelId="{537AA1AB-C4A2-418D-9670-6B741BC4B218}" type="presOf" srcId="{AF2A4B31-8643-45F1-BDE7-D6E6A405259F}" destId="{F5235EA0-9935-47CF-BDED-77288FAEFF56}" srcOrd="0" destOrd="0" presId="urn:microsoft.com/office/officeart/2005/8/layout/chevron1"/>
-    <dgm:cxn modelId="{337A96D4-1C84-414C-B71E-B84CEB8D7554}" srcId="{AF2A4B31-8643-45F1-BDE7-D6E6A405259F}" destId="{2466C300-50C6-4B7E-83C1-25BEBCAE8F97}" srcOrd="0" destOrd="0" parTransId="{958EA303-A2AD-4A14-BCA1-DE935C321B6B}" sibTransId="{B81BA768-206E-4A5B-84BF-6C6DCA049002}"/>
-    <dgm:cxn modelId="{67749BD9-F604-4930-9F05-14F0DFFC7D84}" type="presParOf" srcId="{F5235EA0-9935-47CF-BDED-77288FAEFF56}" destId="{2C0620ED-3EDD-4A53-B31B-13046B26DAF0}" srcOrd="0" destOrd="0" presId="urn:microsoft.com/office/officeart/2005/8/layout/chevron1"/>
-    <dgm:cxn modelId="{6F93D7FB-5508-4B0D-BDB0-50E8FC4FF48B}" type="presParOf" srcId="{F5235EA0-9935-47CF-BDED-77288FAEFF56}" destId="{826421F4-B42D-4E5D-8E6B-AAA751B879F9}" srcOrd="1" destOrd="0" presId="urn:microsoft.com/office/officeart/2005/8/layout/chevron1"/>
-    <dgm:cxn modelId="{34AE4685-34A7-4C67-A388-58686854D6A7}" type="presParOf" srcId="{F5235EA0-9935-47CF-BDED-77288FAEFF56}" destId="{841C66D8-22BC-4053-A0F2-8499FFBC3CB7}" srcOrd="2" destOrd="0" presId="urn:microsoft.com/office/officeart/2005/8/layout/chevron1"/>
-    <dgm:cxn modelId="{02D825BC-C7A9-49D5-8A90-7A1AF96F208E}" type="presParOf" srcId="{F5235EA0-9935-47CF-BDED-77288FAEFF56}" destId="{B9020880-A840-4E73-842A-22C15567763B}" srcOrd="3" destOrd="0" presId="urn:microsoft.com/office/officeart/2005/8/layout/chevron1"/>
-    <dgm:cxn modelId="{552B01E0-7533-4B7F-8634-22140BE3A8B1}" type="presParOf" srcId="{F5235EA0-9935-47CF-BDED-77288FAEFF56}" destId="{8432A2BE-0EA2-4C70-8EDB-BDD1FC8670A0}" srcOrd="4" destOrd="0" presId="urn:microsoft.com/office/officeart/2005/8/layout/chevron1"/>
+    <dgm:cxn modelId="{83958722-AE49-4D82-8CDA-2B769D19D543}" type="presOf" srcId="{AF2A4B31-8643-45F1-BDE7-D6E6A405259F}" destId="{F5235EA0-9935-47CF-BDED-77288FAEFF56}" srcOrd="0" destOrd="0" presId="urn:microsoft.com/office/officeart/2005/8/layout/chevron1"/>
+    <dgm:cxn modelId="{38E3BC40-5906-4B6F-9094-9E08C141809A}" type="presOf" srcId="{2466C300-50C6-4B7E-83C1-25BEBCAE8F97}" destId="{2C0620ED-3EDD-4A53-B31B-13046B26DAF0}" srcOrd="0" destOrd="0" presId="urn:microsoft.com/office/officeart/2005/8/layout/chevron1"/>
+    <dgm:cxn modelId="{4D775345-224E-4DFD-8259-1ED6B61C4191}" srcId="{AF2A4B31-8643-45F1-BDE7-D6E6A405259F}" destId="{FCB57997-8FE5-4074-8D0B-2E39B2D2FB11}" srcOrd="0" destOrd="0" parTransId="{C623D492-23C3-4868-8A15-BBD5F1E06467}" sibTransId="{084CD0E1-6A4C-4242-9F21-ADB041C1CCAA}"/>
+    <dgm:cxn modelId="{A1428CD2-5F4A-44C9-8EE0-57E937B772D2}" type="presOf" srcId="{FCB57997-8FE5-4074-8D0B-2E39B2D2FB11}" destId="{D6616D3D-DF38-47DC-B39F-A867A90D7183}" srcOrd="0" destOrd="0" presId="urn:microsoft.com/office/officeart/2005/8/layout/chevron1"/>
+    <dgm:cxn modelId="{337A96D4-1C84-414C-B71E-B84CEB8D7554}" srcId="{AF2A4B31-8643-45F1-BDE7-D6E6A405259F}" destId="{2466C300-50C6-4B7E-83C1-25BEBCAE8F97}" srcOrd="1" destOrd="0" parTransId="{958EA303-A2AD-4A14-BCA1-DE935C321B6B}" sibTransId="{B81BA768-206E-4A5B-84BF-6C6DCA049002}"/>
+    <dgm:cxn modelId="{BE20CCEF-7C55-4937-991F-9434B1484C47}" type="presParOf" srcId="{F5235EA0-9935-47CF-BDED-77288FAEFF56}" destId="{D6616D3D-DF38-47DC-B39F-A867A90D7183}" srcOrd="0" destOrd="0" presId="urn:microsoft.com/office/officeart/2005/8/layout/chevron1"/>
+    <dgm:cxn modelId="{F94FCD14-BA65-4C7E-A5C5-16381790B251}" type="presParOf" srcId="{F5235EA0-9935-47CF-BDED-77288FAEFF56}" destId="{07F01D17-1CDA-49A0-9EEF-200513A4CDBF}" srcOrd="1" destOrd="0" presId="urn:microsoft.com/office/officeart/2005/8/layout/chevron1"/>
+    <dgm:cxn modelId="{41336860-109D-4DC5-9E41-C3A0763A4530}" type="presParOf" srcId="{F5235EA0-9935-47CF-BDED-77288FAEFF56}" destId="{2C0620ED-3EDD-4A53-B31B-13046B26DAF0}" srcOrd="2" destOrd="0" presId="urn:microsoft.com/office/officeart/2005/8/layout/chevron1"/>
   </dgm:cxnLst>
   <dgm:bg/>
   <dgm:whole/>
   <dgm:extLst>
     <a:ext uri="http://schemas.microsoft.com/office/drawing/2008/diagram">
-      <dsp:dataModelExt xmlns:dsp="http://schemas.microsoft.com/office/drawing/2008/diagram" relId="rId7" minVer="http://schemas.openxmlformats.org/drawingml/2006/diagram"/>
+      <dsp:dataModelExt xmlns:dsp="http://schemas.microsoft.com/office/drawing/2008/diagram" relId="rId6" minVer="http://schemas.openxmlformats.org/drawingml/2006/diagram"/>
     </a:ext>
   </dgm:extLst>
 </dgm:dataModel>
@@ -10215,6 +10195,290 @@
       <dgm:prSet phldrT="[Tekst]">
         <dgm:style>
           <a:lnRef idx="1">
+            <a:schemeClr val="accent5"/>
+          </a:lnRef>
+          <a:fillRef idx="3">
+            <a:schemeClr val="accent5"/>
+          </a:fillRef>
+          <a:effectRef idx="2">
+            <a:schemeClr val="accent5"/>
+          </a:effectRef>
+          <a:fontRef idx="minor">
+            <a:schemeClr val="lt1"/>
+          </a:fontRef>
+        </dgm:style>
+      </dgm:prSet>
+      <dgm:spPr/>
+      <dgm:t>
+        <a:bodyPr/>
+        <a:lstStyle/>
+        <a:p>
+          <a:r>
+            <a:rPr lang="pl-PL" dirty="0" err="1">
+              <a:latin typeface="Arial Black" panose="020B0A04020102020204" pitchFamily="34" charset="0"/>
+            </a:rPr>
+            <a:t>Check</a:t>
+          </a:r>
+          <a:r>
+            <a:rPr lang="pl-PL" dirty="0">
+              <a:latin typeface="Arial Black" panose="020B0A04020102020204" pitchFamily="34" charset="0"/>
+            </a:rPr>
+            <a:t> </a:t>
+          </a:r>
+          <a:r>
+            <a:rPr lang="pl-PL" dirty="0" err="1">
+              <a:latin typeface="Arial Black" panose="020B0A04020102020204" pitchFamily="34" charset="0"/>
+            </a:rPr>
+            <a:t>if</a:t>
+          </a:r>
+          <a:r>
+            <a:rPr lang="pl-PL" dirty="0">
+              <a:latin typeface="Arial Black" panose="020B0A04020102020204" pitchFamily="34" charset="0"/>
+            </a:rPr>
+            <a:t> </a:t>
+          </a:r>
+          <a:r>
+            <a:rPr lang="pl-PL" dirty="0" err="1">
+              <a:latin typeface="Arial Black" panose="020B0A04020102020204" pitchFamily="34" charset="0"/>
+            </a:rPr>
+            <a:t>processed</a:t>
+          </a:r>
+          <a:r>
+            <a:rPr lang="pl-PL" dirty="0">
+              <a:latin typeface="Arial Black" panose="020B0A04020102020204" pitchFamily="34" charset="0"/>
+            </a:rPr>
+            <a:t>?</a:t>
+          </a:r>
+          <a:endParaRPr lang="en-US" dirty="0">
+            <a:latin typeface="Arial Black" panose="020B0A04020102020204" pitchFamily="34" charset="0"/>
+          </a:endParaRPr>
+        </a:p>
+      </dgm:t>
+    </dgm:pt>
+    <dgm:pt modelId="{958EA303-A2AD-4A14-BCA1-DE935C321B6B}" type="parTrans" cxnId="{337A96D4-1C84-414C-B71E-B84CEB8D7554}">
+      <dgm:prSet/>
+      <dgm:spPr/>
+      <dgm:t>
+        <a:bodyPr/>
+        <a:lstStyle/>
+        <a:p>
+          <a:endParaRPr lang="en-US"/>
+        </a:p>
+      </dgm:t>
+    </dgm:pt>
+    <dgm:pt modelId="{B81BA768-206E-4A5B-84BF-6C6DCA049002}" type="sibTrans" cxnId="{337A96D4-1C84-414C-B71E-B84CEB8D7554}">
+      <dgm:prSet/>
+      <dgm:spPr/>
+      <dgm:t>
+        <a:bodyPr/>
+        <a:lstStyle/>
+        <a:p>
+          <a:endParaRPr lang="en-US"/>
+        </a:p>
+      </dgm:t>
+    </dgm:pt>
+    <dgm:pt modelId="{4527EE19-AED4-4988-B29A-5AADDA6A8A84}">
+      <dgm:prSet phldrT="[Tekst]">
+        <dgm:style>
+          <a:lnRef idx="1">
+            <a:schemeClr val="accent5"/>
+          </a:lnRef>
+          <a:fillRef idx="3">
+            <a:schemeClr val="accent5"/>
+          </a:fillRef>
+          <a:effectRef idx="2">
+            <a:schemeClr val="accent5"/>
+          </a:effectRef>
+          <a:fontRef idx="minor">
+            <a:schemeClr val="lt1"/>
+          </a:fontRef>
+        </dgm:style>
+      </dgm:prSet>
+      <dgm:spPr/>
+      <dgm:t>
+        <a:bodyPr/>
+        <a:lstStyle/>
+        <a:p>
+          <a:r>
+            <a:rPr lang="pl-PL" dirty="0" err="1">
+              <a:latin typeface="Arial Black" panose="020B0A04020102020204" pitchFamily="34" charset="0"/>
+            </a:rPr>
+            <a:t>Process</a:t>
+          </a:r>
+          <a:endParaRPr lang="en-US" dirty="0">
+            <a:latin typeface="Arial Black" panose="020B0A04020102020204" pitchFamily="34" charset="0"/>
+          </a:endParaRPr>
+        </a:p>
+      </dgm:t>
+    </dgm:pt>
+    <dgm:pt modelId="{18642FBE-2123-4888-8875-15CE7440B2E5}" type="parTrans" cxnId="{93F2BCA6-E3F0-4EF6-9C85-D4E785447CF9}">
+      <dgm:prSet/>
+      <dgm:spPr/>
+      <dgm:t>
+        <a:bodyPr/>
+        <a:lstStyle/>
+        <a:p>
+          <a:endParaRPr lang="en-US"/>
+        </a:p>
+      </dgm:t>
+    </dgm:pt>
+    <dgm:pt modelId="{893136BD-2A1D-4CCC-9F17-03A5EF4E0D73}" type="sibTrans" cxnId="{93F2BCA6-E3F0-4EF6-9C85-D4E785447CF9}">
+      <dgm:prSet/>
+      <dgm:spPr/>
+      <dgm:t>
+        <a:bodyPr/>
+        <a:lstStyle/>
+        <a:p>
+          <a:endParaRPr lang="en-US"/>
+        </a:p>
+      </dgm:t>
+    </dgm:pt>
+    <dgm:pt modelId="{6D136966-4A99-416E-A7AF-B6443EB6BED1}">
+      <dgm:prSet phldrT="[Tekst]">
+        <dgm:style>
+          <a:lnRef idx="1">
+            <a:schemeClr val="accent5"/>
+          </a:lnRef>
+          <a:fillRef idx="3">
+            <a:schemeClr val="accent5"/>
+          </a:fillRef>
+          <a:effectRef idx="2">
+            <a:schemeClr val="accent5"/>
+          </a:effectRef>
+          <a:fontRef idx="minor">
+            <a:schemeClr val="lt1"/>
+          </a:fontRef>
+        </dgm:style>
+      </dgm:prSet>
+      <dgm:spPr/>
+      <dgm:t>
+        <a:bodyPr/>
+        <a:lstStyle/>
+        <a:p>
+          <a:r>
+            <a:rPr lang="pl-PL" dirty="0">
+              <a:latin typeface="Arial Black" panose="020B0A04020102020204" pitchFamily="34" charset="0"/>
+            </a:rPr>
+            <a:t>Mark as </a:t>
+          </a:r>
+          <a:r>
+            <a:rPr lang="pl-PL" dirty="0" err="1">
+              <a:latin typeface="Arial Black" panose="020B0A04020102020204" pitchFamily="34" charset="0"/>
+            </a:rPr>
+            <a:t>processed</a:t>
+          </a:r>
+          <a:endParaRPr lang="en-US" dirty="0">
+            <a:latin typeface="Arial Black" panose="020B0A04020102020204" pitchFamily="34" charset="0"/>
+          </a:endParaRPr>
+        </a:p>
+      </dgm:t>
+    </dgm:pt>
+    <dgm:pt modelId="{361D71F8-3904-490B-A6E3-150884E16FD3}" type="parTrans" cxnId="{7C9ADE02-F72A-4E94-81B9-2384BFD3F160}">
+      <dgm:prSet/>
+      <dgm:spPr/>
+      <dgm:t>
+        <a:bodyPr/>
+        <a:lstStyle/>
+        <a:p>
+          <a:endParaRPr lang="en-US"/>
+        </a:p>
+      </dgm:t>
+    </dgm:pt>
+    <dgm:pt modelId="{59136283-30CD-4107-83A5-6106C8EC2661}" type="sibTrans" cxnId="{7C9ADE02-F72A-4E94-81B9-2384BFD3F160}">
+      <dgm:prSet/>
+      <dgm:spPr/>
+      <dgm:t>
+        <a:bodyPr/>
+        <a:lstStyle/>
+        <a:p>
+          <a:endParaRPr lang="en-US"/>
+        </a:p>
+      </dgm:t>
+    </dgm:pt>
+    <dgm:pt modelId="{F5235EA0-9935-47CF-BDED-77288FAEFF56}" type="pres">
+      <dgm:prSet presAssocID="{AF2A4B31-8643-45F1-BDE7-D6E6A405259F}" presName="Name0" presStyleCnt="0">
+        <dgm:presLayoutVars>
+          <dgm:dir/>
+          <dgm:animLvl val="lvl"/>
+          <dgm:resizeHandles val="exact"/>
+        </dgm:presLayoutVars>
+      </dgm:prSet>
+      <dgm:spPr/>
+    </dgm:pt>
+    <dgm:pt modelId="{2C0620ED-3EDD-4A53-B31B-13046B26DAF0}" type="pres">
+      <dgm:prSet presAssocID="{2466C300-50C6-4B7E-83C1-25BEBCAE8F97}" presName="parTxOnly" presStyleLbl="node1" presStyleIdx="0" presStyleCnt="3">
+        <dgm:presLayoutVars>
+          <dgm:chMax val="0"/>
+          <dgm:chPref val="0"/>
+          <dgm:bulletEnabled val="1"/>
+        </dgm:presLayoutVars>
+      </dgm:prSet>
+      <dgm:spPr/>
+    </dgm:pt>
+    <dgm:pt modelId="{826421F4-B42D-4E5D-8E6B-AAA751B879F9}" type="pres">
+      <dgm:prSet presAssocID="{B81BA768-206E-4A5B-84BF-6C6DCA049002}" presName="parTxOnlySpace" presStyleCnt="0"/>
+      <dgm:spPr/>
+    </dgm:pt>
+    <dgm:pt modelId="{841C66D8-22BC-4053-A0F2-8499FFBC3CB7}" type="pres">
+      <dgm:prSet presAssocID="{4527EE19-AED4-4988-B29A-5AADDA6A8A84}" presName="parTxOnly" presStyleLbl="node1" presStyleIdx="1" presStyleCnt="3">
+        <dgm:presLayoutVars>
+          <dgm:chMax val="0"/>
+          <dgm:chPref val="0"/>
+          <dgm:bulletEnabled val="1"/>
+        </dgm:presLayoutVars>
+      </dgm:prSet>
+      <dgm:spPr/>
+    </dgm:pt>
+    <dgm:pt modelId="{B9020880-A840-4E73-842A-22C15567763B}" type="pres">
+      <dgm:prSet presAssocID="{893136BD-2A1D-4CCC-9F17-03A5EF4E0D73}" presName="parTxOnlySpace" presStyleCnt="0"/>
+      <dgm:spPr/>
+    </dgm:pt>
+    <dgm:pt modelId="{8432A2BE-0EA2-4C70-8EDB-BDD1FC8670A0}" type="pres">
+      <dgm:prSet presAssocID="{6D136966-4A99-416E-A7AF-B6443EB6BED1}" presName="parTxOnly" presStyleLbl="node1" presStyleIdx="2" presStyleCnt="3">
+        <dgm:presLayoutVars>
+          <dgm:chMax val="0"/>
+          <dgm:chPref val="0"/>
+          <dgm:bulletEnabled val="1"/>
+        </dgm:presLayoutVars>
+      </dgm:prSet>
+      <dgm:spPr/>
+    </dgm:pt>
+  </dgm:ptLst>
+  <dgm:cxnLst>
+    <dgm:cxn modelId="{7C9ADE02-F72A-4E94-81B9-2384BFD3F160}" srcId="{AF2A4B31-8643-45F1-BDE7-D6E6A405259F}" destId="{6D136966-4A99-416E-A7AF-B6443EB6BED1}" srcOrd="2" destOrd="0" parTransId="{361D71F8-3904-490B-A6E3-150884E16FD3}" sibTransId="{59136283-30CD-4107-83A5-6106C8EC2661}"/>
+    <dgm:cxn modelId="{52066577-AF5F-4467-BE4C-37DD4FB57AE3}" type="presOf" srcId="{AF2A4B31-8643-45F1-BDE7-D6E6A405259F}" destId="{F5235EA0-9935-47CF-BDED-77288FAEFF56}" srcOrd="0" destOrd="0" presId="urn:microsoft.com/office/officeart/2005/8/layout/chevron1"/>
+    <dgm:cxn modelId="{CAF4BC7D-697B-4148-B175-26EF804BB18A}" type="presOf" srcId="{4527EE19-AED4-4988-B29A-5AADDA6A8A84}" destId="{841C66D8-22BC-4053-A0F2-8499FFBC3CB7}" srcOrd="0" destOrd="0" presId="urn:microsoft.com/office/officeart/2005/8/layout/chevron1"/>
+    <dgm:cxn modelId="{3793338D-32E8-44F1-962C-1D0753090973}" type="presOf" srcId="{2466C300-50C6-4B7E-83C1-25BEBCAE8F97}" destId="{2C0620ED-3EDD-4A53-B31B-13046B26DAF0}" srcOrd="0" destOrd="0" presId="urn:microsoft.com/office/officeart/2005/8/layout/chevron1"/>
+    <dgm:cxn modelId="{93F2BCA6-E3F0-4EF6-9C85-D4E785447CF9}" srcId="{AF2A4B31-8643-45F1-BDE7-D6E6A405259F}" destId="{4527EE19-AED4-4988-B29A-5AADDA6A8A84}" srcOrd="1" destOrd="0" parTransId="{18642FBE-2123-4888-8875-15CE7440B2E5}" sibTransId="{893136BD-2A1D-4CCC-9F17-03A5EF4E0D73}"/>
+    <dgm:cxn modelId="{482F7CA7-EE80-4A02-A2C2-8D9527A3F943}" type="presOf" srcId="{6D136966-4A99-416E-A7AF-B6443EB6BED1}" destId="{8432A2BE-0EA2-4C70-8EDB-BDD1FC8670A0}" srcOrd="0" destOrd="0" presId="urn:microsoft.com/office/officeart/2005/8/layout/chevron1"/>
+    <dgm:cxn modelId="{337A96D4-1C84-414C-B71E-B84CEB8D7554}" srcId="{AF2A4B31-8643-45F1-BDE7-D6E6A405259F}" destId="{2466C300-50C6-4B7E-83C1-25BEBCAE8F97}" srcOrd="0" destOrd="0" parTransId="{958EA303-A2AD-4A14-BCA1-DE935C321B6B}" sibTransId="{B81BA768-206E-4A5B-84BF-6C6DCA049002}"/>
+    <dgm:cxn modelId="{FD65EA5F-5F91-43BC-AADA-868CA5856094}" type="presParOf" srcId="{F5235EA0-9935-47CF-BDED-77288FAEFF56}" destId="{2C0620ED-3EDD-4A53-B31B-13046B26DAF0}" srcOrd="0" destOrd="0" presId="urn:microsoft.com/office/officeart/2005/8/layout/chevron1"/>
+    <dgm:cxn modelId="{D9844AD9-51D6-4E5D-A014-922CF3EB0B38}" type="presParOf" srcId="{F5235EA0-9935-47CF-BDED-77288FAEFF56}" destId="{826421F4-B42D-4E5D-8E6B-AAA751B879F9}" srcOrd="1" destOrd="0" presId="urn:microsoft.com/office/officeart/2005/8/layout/chevron1"/>
+    <dgm:cxn modelId="{D8BA3D5C-8167-48C3-91C5-F184A7452EDA}" type="presParOf" srcId="{F5235EA0-9935-47CF-BDED-77288FAEFF56}" destId="{841C66D8-22BC-4053-A0F2-8499FFBC3CB7}" srcOrd="2" destOrd="0" presId="urn:microsoft.com/office/officeart/2005/8/layout/chevron1"/>
+    <dgm:cxn modelId="{5472C2E0-0CC7-4021-BE5D-68653C8D748D}" type="presParOf" srcId="{F5235EA0-9935-47CF-BDED-77288FAEFF56}" destId="{B9020880-A840-4E73-842A-22C15567763B}" srcOrd="3" destOrd="0" presId="urn:microsoft.com/office/officeart/2005/8/layout/chevron1"/>
+    <dgm:cxn modelId="{639B212A-E5E3-4A23-A0B5-0B35D7E943E8}" type="presParOf" srcId="{F5235EA0-9935-47CF-BDED-77288FAEFF56}" destId="{8432A2BE-0EA2-4C70-8EDB-BDD1FC8670A0}" srcOrd="4" destOrd="0" presId="urn:microsoft.com/office/officeart/2005/8/layout/chevron1"/>
+  </dgm:cxnLst>
+  <dgm:bg/>
+  <dgm:whole/>
+  <dgm:extLst>
+    <a:ext uri="http://schemas.microsoft.com/office/drawing/2008/diagram">
+      <dsp:dataModelExt xmlns:dsp="http://schemas.microsoft.com/office/drawing/2008/diagram" relId="rId7" minVer="http://schemas.openxmlformats.org/drawingml/2006/diagram"/>
+    </a:ext>
+  </dgm:extLst>
+</dgm:dataModel>
+</file>
+
+<file path=ppt/diagrams/data3.xml><?xml version="1.0" encoding="utf-8"?>
+<dgm:dataModel xmlns:dgm="http://schemas.openxmlformats.org/drawingml/2006/diagram" xmlns:a="http://schemas.openxmlformats.org/drawingml/2006/main">
+  <dgm:ptLst>
+    <dgm:pt modelId="{AF2A4B31-8643-45F1-BDE7-D6E6A405259F}" type="doc">
+      <dgm:prSet loTypeId="urn:microsoft.com/office/officeart/2005/8/layout/chevron1" loCatId="process" qsTypeId="urn:microsoft.com/office/officeart/2005/8/quickstyle/simple1" qsCatId="simple" csTypeId="urn:microsoft.com/office/officeart/2005/8/colors/accent1_2" csCatId="accent1" phldr="1"/>
+      <dgm:spPr/>
+    </dgm:pt>
+    <dgm:pt modelId="{2466C300-50C6-4B7E-83C1-25BEBCAE8F97}">
+      <dgm:prSet phldrT="[Tekst]">
+        <dgm:style>
+          <a:lnRef idx="1">
             <a:schemeClr val="accent6"/>
           </a:lnRef>
           <a:fillRef idx="3">
@@ -10414,7 +10678,7 @@
 </dgm:dataModel>
 </file>
 
-<file path=ppt/diagrams/data3.xml><?xml version="1.0" encoding="utf-8"?>
+<file path=ppt/diagrams/data4.xml><?xml version="1.0" encoding="utf-8"?>
 <dgm:dataModel xmlns:dgm="http://schemas.openxmlformats.org/drawingml/2006/diagram" xmlns:a="http://schemas.openxmlformats.org/drawingml/2006/main">
   <dgm:ptLst>
     <dgm:pt modelId="{AF2A4B31-8643-45F1-BDE7-D6E6A405259F}" type="doc">
@@ -10514,7 +10778,7 @@
 </dgm:dataModel>
 </file>
 
-<file path=ppt/diagrams/data4.xml><?xml version="1.0" encoding="utf-8"?>
+<file path=ppt/diagrams/data5.xml><?xml version="1.0" encoding="utf-8"?>
 <dgm:dataModel xmlns:dgm="http://schemas.openxmlformats.org/drawingml/2006/diagram" xmlns:a="http://schemas.openxmlformats.org/drawingml/2006/main">
   <dgm:ptLst>
     <dgm:pt modelId="{AF2A4B31-8643-45F1-BDE7-D6E6A405259F}" type="doc">
@@ -10724,7 +10988,7 @@
 </dgm:dataModel>
 </file>
 
-<file path=ppt/diagrams/data5.xml><?xml version="1.0" encoding="utf-8"?>
+<file path=ppt/diagrams/data6.xml><?xml version="1.0" encoding="utf-8"?>
 <dgm:dataModel xmlns:dgm="http://schemas.openxmlformats.org/drawingml/2006/diagram" xmlns:a="http://schemas.openxmlformats.org/drawingml/2006/main">
   <dgm:ptLst>
     <dgm:pt modelId="{AF2A4B31-8643-45F1-BDE7-D6E6A405259F}" type="doc">
@@ -10824,7 +11088,7 @@
 </dgm:dataModel>
 </file>
 
-<file path=ppt/diagrams/data6.xml><?xml version="1.0" encoding="utf-8"?>
+<file path=ppt/diagrams/data7.xml><?xml version="1.0" encoding="utf-8"?>
 <dgm:dataModel xmlns:dgm="http://schemas.openxmlformats.org/drawingml/2006/diagram" xmlns:a="http://schemas.openxmlformats.org/drawingml/2006/main">
   <dgm:ptLst>
     <dgm:pt modelId="{AF2A4B31-8643-45F1-BDE7-D6E6A405259F}" type="doc">
@@ -11108,7 +11372,7 @@
 </dgm:dataModel>
 </file>
 
-<file path=ppt/diagrams/data7.xml><?xml version="1.0" encoding="utf-8"?>
+<file path=ppt/diagrams/data8.xml><?xml version="1.0" encoding="utf-8"?>
 <dgm:dataModel xmlns:dgm="http://schemas.openxmlformats.org/drawingml/2006/diagram" xmlns:a="http://schemas.openxmlformats.org/drawingml/2006/main">
   <dgm:ptLst>
     <dgm:pt modelId="{AF2A4B31-8643-45F1-BDE7-D6E6A405259F}" type="doc">
@@ -11282,7 +11546,7 @@
 </dgm:dataModel>
 </file>
 
-<file path=ppt/diagrams/data8.xml><?xml version="1.0" encoding="utf-8"?>
+<file path=ppt/diagrams/data9.xml><?xml version="1.0" encoding="utf-8"?>
 <dgm:dataModel xmlns:dgm="http://schemas.openxmlformats.org/drawingml/2006/diagram" xmlns:a="http://schemas.openxmlformats.org/drawingml/2006/main">
   <dgm:ptLst>
     <dgm:pt modelId="{AF2A4B31-8643-45F1-BDE7-D6E6A405259F}" type="doc">
@@ -11451,204 +11715,6 @@
   <dgm:extLst>
     <a:ext uri="http://schemas.microsoft.com/office/drawing/2008/diagram">
       <dsp:dataModelExt xmlns:dsp="http://schemas.microsoft.com/office/drawing/2008/diagram" relId="rId11" minVer="http://schemas.openxmlformats.org/drawingml/2006/diagram"/>
-    </a:ext>
-  </dgm:extLst>
-</dgm:dataModel>
-</file>
-
-<file path=ppt/diagrams/data9.xml><?xml version="1.0" encoding="utf-8"?>
-<dgm:dataModel xmlns:dgm="http://schemas.openxmlformats.org/drawingml/2006/diagram" xmlns:a="http://schemas.openxmlformats.org/drawingml/2006/main">
-  <dgm:ptLst>
-    <dgm:pt modelId="{AF2A4B31-8643-45F1-BDE7-D6E6A405259F}" type="doc">
-      <dgm:prSet loTypeId="urn:microsoft.com/office/officeart/2005/8/layout/chevron1" loCatId="process" qsTypeId="urn:microsoft.com/office/officeart/2005/8/quickstyle/simple1" qsCatId="simple" csTypeId="urn:microsoft.com/office/officeart/2005/8/colors/accent1_2" csCatId="accent1" phldr="1"/>
-      <dgm:spPr/>
-    </dgm:pt>
-    <dgm:pt modelId="{2466C300-50C6-4B7E-83C1-25BEBCAE8F97}">
-      <dgm:prSet phldrT="[Tekst]" custT="1">
-        <dgm:style>
-          <a:lnRef idx="1">
-            <a:schemeClr val="accent6"/>
-          </a:lnRef>
-          <a:fillRef idx="3">
-            <a:schemeClr val="accent6"/>
-          </a:fillRef>
-          <a:effectRef idx="2">
-            <a:schemeClr val="accent6"/>
-          </a:effectRef>
-          <a:fontRef idx="minor">
-            <a:schemeClr val="lt1"/>
-          </a:fontRef>
-        </dgm:style>
-      </dgm:prSet>
-      <dgm:spPr/>
-      <dgm:t>
-        <a:bodyPr/>
-        <a:lstStyle/>
-        <a:p>
-          <a:r>
-            <a:rPr lang="pl-PL" sz="3600" dirty="0" err="1">
-              <a:latin typeface="Arial Black" panose="020B0A04020102020204" pitchFamily="34" charset="0"/>
-            </a:rPr>
-            <a:t>Publish</a:t>
-          </a:r>
-          <a:endParaRPr lang="en-US" sz="2400" dirty="0">
-            <a:latin typeface="Arial Black" panose="020B0A04020102020204" pitchFamily="34" charset="0"/>
-          </a:endParaRPr>
-        </a:p>
-      </dgm:t>
-    </dgm:pt>
-    <dgm:pt modelId="{958EA303-A2AD-4A14-BCA1-DE935C321B6B}" type="parTrans" cxnId="{337A96D4-1C84-414C-B71E-B84CEB8D7554}">
-      <dgm:prSet/>
-      <dgm:spPr/>
-      <dgm:t>
-        <a:bodyPr/>
-        <a:lstStyle/>
-        <a:p>
-          <a:endParaRPr lang="en-US"/>
-        </a:p>
-      </dgm:t>
-    </dgm:pt>
-    <dgm:pt modelId="{B81BA768-206E-4A5B-84BF-6C6DCA049002}" type="sibTrans" cxnId="{337A96D4-1C84-414C-B71E-B84CEB8D7554}">
-      <dgm:prSet/>
-      <dgm:spPr/>
-      <dgm:t>
-        <a:bodyPr/>
-        <a:lstStyle/>
-        <a:p>
-          <a:endParaRPr lang="en-US"/>
-        </a:p>
-      </dgm:t>
-    </dgm:pt>
-    <dgm:pt modelId="{FCB57997-8FE5-4074-8D0B-2E39B2D2FB11}">
-      <dgm:prSet phldrT="[Tekst]">
-        <dgm:style>
-          <a:lnRef idx="1">
-            <a:schemeClr val="accent5"/>
-          </a:lnRef>
-          <a:fillRef idx="3">
-            <a:schemeClr val="accent5"/>
-          </a:fillRef>
-          <a:effectRef idx="2">
-            <a:schemeClr val="accent5"/>
-          </a:effectRef>
-          <a:fontRef idx="minor">
-            <a:schemeClr val="lt1"/>
-          </a:fontRef>
-        </dgm:style>
-      </dgm:prSet>
-      <dgm:spPr/>
-      <dgm:t>
-        <a:bodyPr/>
-        <a:lstStyle/>
-        <a:p>
-          <a:r>
-            <a:rPr lang="pl-PL" dirty="0" err="1">
-              <a:latin typeface="Arial Black" panose="020B0A04020102020204" pitchFamily="34" charset="0"/>
-            </a:rPr>
-            <a:t>Persist</a:t>
-          </a:r>
-          <a:r>
-            <a:rPr lang="pl-PL" dirty="0">
-              <a:latin typeface="Arial Black" panose="020B0A04020102020204" pitchFamily="34" charset="0"/>
-            </a:rPr>
-            <a:t> </a:t>
-          </a:r>
-          <a:r>
-            <a:rPr lang="pl-PL" dirty="0" err="1">
-              <a:latin typeface="Arial Black" panose="020B0A04020102020204" pitchFamily="34" charset="0"/>
-            </a:rPr>
-            <a:t>if</a:t>
-          </a:r>
-          <a:r>
-            <a:rPr lang="pl-PL" dirty="0">
-              <a:latin typeface="Arial Black" panose="020B0A04020102020204" pitchFamily="34" charset="0"/>
-            </a:rPr>
-            <a:t> not </a:t>
-          </a:r>
-          <a:r>
-            <a:rPr lang="pl-PL" dirty="0" err="1">
-              <a:latin typeface="Arial Black" panose="020B0A04020102020204" pitchFamily="34" charset="0"/>
-            </a:rPr>
-            <a:t>duplicate</a:t>
-          </a:r>
-          <a:endParaRPr lang="en-US" dirty="0">
-            <a:latin typeface="Arial Black" panose="020B0A04020102020204" pitchFamily="34" charset="0"/>
-          </a:endParaRPr>
-        </a:p>
-      </dgm:t>
-    </dgm:pt>
-    <dgm:pt modelId="{C623D492-23C3-4868-8A15-BBD5F1E06467}" type="parTrans" cxnId="{4D775345-224E-4DFD-8259-1ED6B61C4191}">
-      <dgm:prSet/>
-      <dgm:spPr/>
-      <dgm:t>
-        <a:bodyPr/>
-        <a:lstStyle/>
-        <a:p>
-          <a:endParaRPr lang="en-US"/>
-        </a:p>
-      </dgm:t>
-    </dgm:pt>
-    <dgm:pt modelId="{084CD0E1-6A4C-4242-9F21-ADB041C1CCAA}" type="sibTrans" cxnId="{4D775345-224E-4DFD-8259-1ED6B61C4191}">
-      <dgm:prSet/>
-      <dgm:spPr/>
-      <dgm:t>
-        <a:bodyPr/>
-        <a:lstStyle/>
-        <a:p>
-          <a:endParaRPr lang="en-US"/>
-        </a:p>
-      </dgm:t>
-    </dgm:pt>
-    <dgm:pt modelId="{F5235EA0-9935-47CF-BDED-77288FAEFF56}" type="pres">
-      <dgm:prSet presAssocID="{AF2A4B31-8643-45F1-BDE7-D6E6A405259F}" presName="Name0" presStyleCnt="0">
-        <dgm:presLayoutVars>
-          <dgm:dir/>
-          <dgm:animLvl val="lvl"/>
-          <dgm:resizeHandles val="exact"/>
-        </dgm:presLayoutVars>
-      </dgm:prSet>
-      <dgm:spPr/>
-    </dgm:pt>
-    <dgm:pt modelId="{D6616D3D-DF38-47DC-B39F-A867A90D7183}" type="pres">
-      <dgm:prSet presAssocID="{FCB57997-8FE5-4074-8D0B-2E39B2D2FB11}" presName="parTxOnly" presStyleLbl="node1" presStyleIdx="0" presStyleCnt="2">
-        <dgm:presLayoutVars>
-          <dgm:chMax val="0"/>
-          <dgm:chPref val="0"/>
-          <dgm:bulletEnabled val="1"/>
-        </dgm:presLayoutVars>
-      </dgm:prSet>
-      <dgm:spPr/>
-    </dgm:pt>
-    <dgm:pt modelId="{07F01D17-1CDA-49A0-9EEF-200513A4CDBF}" type="pres">
-      <dgm:prSet presAssocID="{084CD0E1-6A4C-4242-9F21-ADB041C1CCAA}" presName="parTxOnlySpace" presStyleCnt="0"/>
-      <dgm:spPr/>
-    </dgm:pt>
-    <dgm:pt modelId="{2C0620ED-3EDD-4A53-B31B-13046B26DAF0}" type="pres">
-      <dgm:prSet presAssocID="{2466C300-50C6-4B7E-83C1-25BEBCAE8F97}" presName="parTxOnly" presStyleLbl="node1" presStyleIdx="1" presStyleCnt="2">
-        <dgm:presLayoutVars>
-          <dgm:chMax val="0"/>
-          <dgm:chPref val="0"/>
-          <dgm:bulletEnabled val="1"/>
-        </dgm:presLayoutVars>
-      </dgm:prSet>
-      <dgm:spPr/>
-    </dgm:pt>
-  </dgm:ptLst>
-  <dgm:cxnLst>
-    <dgm:cxn modelId="{83958722-AE49-4D82-8CDA-2B769D19D543}" type="presOf" srcId="{AF2A4B31-8643-45F1-BDE7-D6E6A405259F}" destId="{F5235EA0-9935-47CF-BDED-77288FAEFF56}" srcOrd="0" destOrd="0" presId="urn:microsoft.com/office/officeart/2005/8/layout/chevron1"/>
-    <dgm:cxn modelId="{38E3BC40-5906-4B6F-9094-9E08C141809A}" type="presOf" srcId="{2466C300-50C6-4B7E-83C1-25BEBCAE8F97}" destId="{2C0620ED-3EDD-4A53-B31B-13046B26DAF0}" srcOrd="0" destOrd="0" presId="urn:microsoft.com/office/officeart/2005/8/layout/chevron1"/>
-    <dgm:cxn modelId="{4D775345-224E-4DFD-8259-1ED6B61C4191}" srcId="{AF2A4B31-8643-45F1-BDE7-D6E6A405259F}" destId="{FCB57997-8FE5-4074-8D0B-2E39B2D2FB11}" srcOrd="0" destOrd="0" parTransId="{C623D492-23C3-4868-8A15-BBD5F1E06467}" sibTransId="{084CD0E1-6A4C-4242-9F21-ADB041C1CCAA}"/>
-    <dgm:cxn modelId="{A1428CD2-5F4A-44C9-8EE0-57E937B772D2}" type="presOf" srcId="{FCB57997-8FE5-4074-8D0B-2E39B2D2FB11}" destId="{D6616D3D-DF38-47DC-B39F-A867A90D7183}" srcOrd="0" destOrd="0" presId="urn:microsoft.com/office/officeart/2005/8/layout/chevron1"/>
-    <dgm:cxn modelId="{337A96D4-1C84-414C-B71E-B84CEB8D7554}" srcId="{AF2A4B31-8643-45F1-BDE7-D6E6A405259F}" destId="{2466C300-50C6-4B7E-83C1-25BEBCAE8F97}" srcOrd="1" destOrd="0" parTransId="{958EA303-A2AD-4A14-BCA1-DE935C321B6B}" sibTransId="{B81BA768-206E-4A5B-84BF-6C6DCA049002}"/>
-    <dgm:cxn modelId="{BE20CCEF-7C55-4937-991F-9434B1484C47}" type="presParOf" srcId="{F5235EA0-9935-47CF-BDED-77288FAEFF56}" destId="{D6616D3D-DF38-47DC-B39F-A867A90D7183}" srcOrd="0" destOrd="0" presId="urn:microsoft.com/office/officeart/2005/8/layout/chevron1"/>
-    <dgm:cxn modelId="{F94FCD14-BA65-4C7E-A5C5-16381790B251}" type="presParOf" srcId="{F5235EA0-9935-47CF-BDED-77288FAEFF56}" destId="{07F01D17-1CDA-49A0-9EEF-200513A4CDBF}" srcOrd="1" destOrd="0" presId="urn:microsoft.com/office/officeart/2005/8/layout/chevron1"/>
-    <dgm:cxn modelId="{41336860-109D-4DC5-9E41-C3A0763A4530}" type="presParOf" srcId="{F5235EA0-9935-47CF-BDED-77288FAEFF56}" destId="{2C0620ED-3EDD-4A53-B31B-13046B26DAF0}" srcOrd="2" destOrd="0" presId="urn:microsoft.com/office/officeart/2005/8/layout/chevron1"/>
-  </dgm:cxnLst>
-  <dgm:bg/>
-  <dgm:whole/>
-  <dgm:extLst>
-    <a:ext uri="http://schemas.microsoft.com/office/drawing/2008/diagram">
-      <dsp:dataModelExt xmlns:dsp="http://schemas.microsoft.com/office/drawing/2008/diagram" relId="rId6" minVer="http://schemas.openxmlformats.org/drawingml/2006/diagram"/>
     </a:ext>
   </dgm:extLst>
 </dgm:dataModel>
@@ -11998,35 +12064,48 @@
       <dsp:cNvGrpSpPr/>
     </dsp:nvGrpSpPr>
     <dsp:grpSpPr/>
-    <dsp:sp modelId="{2C0620ED-3EDD-4A53-B31B-13046B26DAF0}">
+    <dsp:sp modelId="{D6616D3D-DF38-47DC-B39F-A867A90D7183}">
       <dsp:nvSpPr>
         <dsp:cNvPr id="0" name=""/>
         <dsp:cNvSpPr/>
       </dsp:nvSpPr>
       <dsp:spPr>
         <a:xfrm>
-          <a:off x="3080" y="1424994"/>
-          <a:ext cx="3753370" cy="1501348"/>
+          <a:off x="5998" y="621315"/>
+          <a:ext cx="3585569" cy="1434227"/>
         </a:xfrm>
         <a:prstGeom prst="chevron">
           <a:avLst/>
         </a:prstGeom>
-        <a:solidFill>
-          <a:schemeClr val="accent1">
-            <a:hueOff val="0"/>
-            <a:satOff val="0"/>
-            <a:lumOff val="0"/>
-            <a:alphaOff val="0"/>
-          </a:schemeClr>
-        </a:solidFill>
-        <a:ln w="12700" cap="flat" cmpd="sng" algn="ctr">
+        <a:gradFill rotWithShape="1">
+          <a:gsLst>
+            <a:gs pos="0">
+              <a:schemeClr val="accent5">
+                <a:satMod val="103000"/>
+                <a:lumMod val="102000"/>
+                <a:tint val="94000"/>
+              </a:schemeClr>
+            </a:gs>
+            <a:gs pos="50000">
+              <a:schemeClr val="accent5">
+                <a:satMod val="110000"/>
+                <a:lumMod val="100000"/>
+                <a:shade val="100000"/>
+              </a:schemeClr>
+            </a:gs>
+            <a:gs pos="100000">
+              <a:schemeClr val="accent5">
+                <a:lumMod val="99000"/>
+                <a:satMod val="120000"/>
+                <a:shade val="78000"/>
+              </a:schemeClr>
+            </a:gs>
+          </a:gsLst>
+          <a:lin ang="5400000" scaled="0"/>
+        </a:gradFill>
+        <a:ln w="6350" cap="flat" cmpd="sng" algn="ctr">
           <a:solidFill>
-            <a:schemeClr val="lt1">
-              <a:hueOff val="0"/>
-              <a:satOff val="0"/>
-              <a:lumOff val="0"/>
-              <a:alphaOff val="0"/>
-            </a:schemeClr>
+            <a:schemeClr val="accent5"/>
           </a:solidFill>
           <a:prstDash val="solid"/>
           <a:miter lim="800000"/>
@@ -12034,26 +12113,26 @@
         <a:effectLst/>
       </dsp:spPr>
       <dsp:style>
-        <a:lnRef idx="2">
-          <a:scrgbClr r="0" g="0" b="0"/>
+        <a:lnRef idx="1">
+          <a:schemeClr val="accent5"/>
         </a:lnRef>
-        <a:fillRef idx="1">
-          <a:scrgbClr r="0" g="0" b="0"/>
+        <a:fillRef idx="3">
+          <a:schemeClr val="accent5"/>
         </a:fillRef>
-        <a:effectRef idx="0">
-          <a:scrgbClr r="0" g="0" b="0"/>
+        <a:effectRef idx="2">
+          <a:schemeClr val="accent5"/>
         </a:effectRef>
         <a:fontRef idx="minor">
           <a:schemeClr val="lt1"/>
         </a:fontRef>
       </dsp:style>
       <dsp:txBody>
-        <a:bodyPr spcFirstLastPara="0" vert="horz" wrap="square" lIns="140018" tIns="46673" rIns="46673" bIns="46673" numCol="1" spcCol="1270" anchor="ctr" anchorCtr="0">
+        <a:bodyPr spcFirstLastPara="0" vert="horz" wrap="square" lIns="112014" tIns="37338" rIns="37338" bIns="37338" numCol="1" spcCol="1270" anchor="ctr" anchorCtr="0">
           <a:noAutofit/>
         </a:bodyPr>
         <a:lstStyle/>
         <a:p>
-          <a:pPr marL="0" lvl="0" indent="0" algn="ctr" defTabSz="1555750">
+          <a:pPr marL="0" lvl="0" indent="0" algn="ctr" defTabSz="1244600">
             <a:lnSpc>
               <a:spcPct val="90000"/>
             </a:lnSpc>
@@ -12066,66 +12145,87 @@
             <a:buNone/>
           </a:pPr>
           <a:r>
-            <a:rPr lang="pl-PL" sz="3500" kern="1200" dirty="0" err="1"/>
-            <a:t>Check</a:t>
+            <a:rPr lang="pl-PL" sz="2800" kern="1200" dirty="0" err="1">
+              <a:latin typeface="Arial Black" panose="020B0A04020102020204" pitchFamily="34" charset="0"/>
+            </a:rPr>
+            <a:t>Persist</a:t>
           </a:r>
           <a:r>
-            <a:rPr lang="pl-PL" sz="3500" kern="1200" dirty="0"/>
+            <a:rPr lang="pl-PL" sz="2800" kern="1200" dirty="0">
+              <a:latin typeface="Arial Black" panose="020B0A04020102020204" pitchFamily="34" charset="0"/>
+            </a:rPr>
             <a:t> </a:t>
           </a:r>
           <a:r>
-            <a:rPr lang="pl-PL" sz="3500" kern="1200" dirty="0" err="1"/>
+            <a:rPr lang="pl-PL" sz="2800" kern="1200" dirty="0" err="1">
+              <a:latin typeface="Arial Black" panose="020B0A04020102020204" pitchFamily="34" charset="0"/>
+            </a:rPr>
             <a:t>if</a:t>
           </a:r>
           <a:r>
-            <a:rPr lang="pl-PL" sz="3500" kern="1200" dirty="0"/>
-            <a:t> </a:t>
+            <a:rPr lang="pl-PL" sz="2800" kern="1200" dirty="0">
+              <a:latin typeface="Arial Black" panose="020B0A04020102020204" pitchFamily="34" charset="0"/>
+            </a:rPr>
+            <a:t> not </a:t>
           </a:r>
           <a:r>
-            <a:rPr lang="pl-PL" sz="3500" kern="1200" dirty="0" err="1"/>
-            <a:t>processed</a:t>
+            <a:rPr lang="pl-PL" sz="2800" kern="1200" dirty="0" err="1">
+              <a:latin typeface="Arial Black" panose="020B0A04020102020204" pitchFamily="34" charset="0"/>
+            </a:rPr>
+            <a:t>duplicate</a:t>
           </a:r>
-          <a:r>
-            <a:rPr lang="pl-PL" sz="3500" kern="1200" dirty="0"/>
-            <a:t>?</a:t>
-          </a:r>
-          <a:endParaRPr lang="en-US" sz="3500" kern="1200" dirty="0"/>
+          <a:endParaRPr lang="en-US" sz="2800" kern="1200" dirty="0">
+            <a:latin typeface="Arial Black" panose="020B0A04020102020204" pitchFamily="34" charset="0"/>
+          </a:endParaRPr>
         </a:p>
       </dsp:txBody>
       <dsp:txXfrm>
-        <a:off x="753754" y="1424994"/>
-        <a:ext cx="2252022" cy="1501348"/>
+        <a:off x="723112" y="621315"/>
+        <a:ext cx="2151342" cy="1434227"/>
       </dsp:txXfrm>
     </dsp:sp>
-    <dsp:sp modelId="{841C66D8-22BC-4053-A0F2-8499FFBC3CB7}">
+    <dsp:sp modelId="{2C0620ED-3EDD-4A53-B31B-13046B26DAF0}">
       <dsp:nvSpPr>
         <dsp:cNvPr id="0" name=""/>
         <dsp:cNvSpPr/>
       </dsp:nvSpPr>
       <dsp:spPr>
         <a:xfrm>
-          <a:off x="3381114" y="1424994"/>
-          <a:ext cx="3753370" cy="1501348"/>
+          <a:off x="3233011" y="621315"/>
+          <a:ext cx="3585569" cy="1434227"/>
         </a:xfrm>
         <a:prstGeom prst="chevron">
           <a:avLst/>
         </a:prstGeom>
-        <a:solidFill>
-          <a:schemeClr val="accent1">
-            <a:hueOff val="0"/>
-            <a:satOff val="0"/>
-            <a:lumOff val="0"/>
-            <a:alphaOff val="0"/>
-          </a:schemeClr>
-        </a:solidFill>
-        <a:ln w="12700" cap="flat" cmpd="sng" algn="ctr">
+        <a:gradFill rotWithShape="1">
+          <a:gsLst>
+            <a:gs pos="0">
+              <a:schemeClr val="accent6">
+                <a:satMod val="103000"/>
+                <a:lumMod val="102000"/>
+                <a:tint val="94000"/>
+              </a:schemeClr>
+            </a:gs>
+            <a:gs pos="50000">
+              <a:schemeClr val="accent6">
+                <a:satMod val="110000"/>
+                <a:lumMod val="100000"/>
+                <a:shade val="100000"/>
+              </a:schemeClr>
+            </a:gs>
+            <a:gs pos="100000">
+              <a:schemeClr val="accent6">
+                <a:lumMod val="99000"/>
+                <a:satMod val="120000"/>
+                <a:shade val="78000"/>
+              </a:schemeClr>
+            </a:gs>
+          </a:gsLst>
+          <a:lin ang="5400000" scaled="0"/>
+        </a:gradFill>
+        <a:ln w="6350" cap="flat" cmpd="sng" algn="ctr">
           <a:solidFill>
-            <a:schemeClr val="lt1">
-              <a:hueOff val="0"/>
-              <a:satOff val="0"/>
-              <a:lumOff val="0"/>
-              <a:alphaOff val="0"/>
-            </a:schemeClr>
+            <a:schemeClr val="accent6"/>
           </a:solidFill>
           <a:prstDash val="solid"/>
           <a:miter lim="800000"/>
@@ -12133,26 +12233,26 @@
         <a:effectLst/>
       </dsp:spPr>
       <dsp:style>
-        <a:lnRef idx="2">
-          <a:scrgbClr r="0" g="0" b="0"/>
+        <a:lnRef idx="1">
+          <a:schemeClr val="accent6"/>
         </a:lnRef>
-        <a:fillRef idx="1">
-          <a:scrgbClr r="0" g="0" b="0"/>
+        <a:fillRef idx="3">
+          <a:schemeClr val="accent6"/>
         </a:fillRef>
-        <a:effectRef idx="0">
-          <a:scrgbClr r="0" g="0" b="0"/>
+        <a:effectRef idx="2">
+          <a:schemeClr val="accent6"/>
         </a:effectRef>
         <a:fontRef idx="minor">
           <a:schemeClr val="lt1"/>
         </a:fontRef>
       </dsp:style>
       <dsp:txBody>
-        <a:bodyPr spcFirstLastPara="0" vert="horz" wrap="square" lIns="140018" tIns="46673" rIns="46673" bIns="46673" numCol="1" spcCol="1270" anchor="ctr" anchorCtr="0">
+        <a:bodyPr spcFirstLastPara="0" vert="horz" wrap="square" lIns="144018" tIns="48006" rIns="48006" bIns="48006" numCol="1" spcCol="1270" anchor="ctr" anchorCtr="0">
           <a:noAutofit/>
         </a:bodyPr>
         <a:lstStyle/>
         <a:p>
-          <a:pPr marL="0" lvl="0" indent="0" algn="ctr" defTabSz="1555750">
+          <a:pPr marL="0" lvl="0" indent="0" algn="ctr" defTabSz="1600200">
             <a:lnSpc>
               <a:spcPct val="90000"/>
             </a:lnSpc>
@@ -12165,98 +12265,19 @@
             <a:buNone/>
           </a:pPr>
           <a:r>
-            <a:rPr lang="pl-PL" sz="3500" kern="1200" dirty="0" err="1"/>
-            <a:t>Process</a:t>
+            <a:rPr lang="pl-PL" sz="3600" kern="1200" dirty="0" err="1">
+              <a:latin typeface="Arial Black" panose="020B0A04020102020204" pitchFamily="34" charset="0"/>
+            </a:rPr>
+            <a:t>Publish</a:t>
           </a:r>
-          <a:endParaRPr lang="en-US" sz="3500" kern="1200" dirty="0"/>
+          <a:endParaRPr lang="en-US" sz="2400" kern="1200" dirty="0">
+            <a:latin typeface="Arial Black" panose="020B0A04020102020204" pitchFamily="34" charset="0"/>
+          </a:endParaRPr>
         </a:p>
       </dsp:txBody>
       <dsp:txXfrm>
-        <a:off x="4131788" y="1424994"/>
-        <a:ext cx="2252022" cy="1501348"/>
-      </dsp:txXfrm>
-    </dsp:sp>
-    <dsp:sp modelId="{8432A2BE-0EA2-4C70-8EDB-BDD1FC8670A0}">
-      <dsp:nvSpPr>
-        <dsp:cNvPr id="0" name=""/>
-        <dsp:cNvSpPr/>
-      </dsp:nvSpPr>
-      <dsp:spPr>
-        <a:xfrm>
-          <a:off x="6759148" y="1424994"/>
-          <a:ext cx="3753370" cy="1501348"/>
-        </a:xfrm>
-        <a:prstGeom prst="chevron">
-          <a:avLst/>
-        </a:prstGeom>
-        <a:solidFill>
-          <a:schemeClr val="accent1">
-            <a:hueOff val="0"/>
-            <a:satOff val="0"/>
-            <a:lumOff val="0"/>
-            <a:alphaOff val="0"/>
-          </a:schemeClr>
-        </a:solidFill>
-        <a:ln w="12700" cap="flat" cmpd="sng" algn="ctr">
-          <a:solidFill>
-            <a:schemeClr val="lt1">
-              <a:hueOff val="0"/>
-              <a:satOff val="0"/>
-              <a:lumOff val="0"/>
-              <a:alphaOff val="0"/>
-            </a:schemeClr>
-          </a:solidFill>
-          <a:prstDash val="solid"/>
-          <a:miter lim="800000"/>
-        </a:ln>
-        <a:effectLst/>
-      </dsp:spPr>
-      <dsp:style>
-        <a:lnRef idx="2">
-          <a:scrgbClr r="0" g="0" b="0"/>
-        </a:lnRef>
-        <a:fillRef idx="1">
-          <a:scrgbClr r="0" g="0" b="0"/>
-        </a:fillRef>
-        <a:effectRef idx="0">
-          <a:scrgbClr r="0" g="0" b="0"/>
-        </a:effectRef>
-        <a:fontRef idx="minor">
-          <a:schemeClr val="lt1"/>
-        </a:fontRef>
-      </dsp:style>
-      <dsp:txBody>
-        <a:bodyPr spcFirstLastPara="0" vert="horz" wrap="square" lIns="140018" tIns="46673" rIns="46673" bIns="46673" numCol="1" spcCol="1270" anchor="ctr" anchorCtr="0">
-          <a:noAutofit/>
-        </a:bodyPr>
-        <a:lstStyle/>
-        <a:p>
-          <a:pPr marL="0" lvl="0" indent="0" algn="ctr" defTabSz="1555750">
-            <a:lnSpc>
-              <a:spcPct val="90000"/>
-            </a:lnSpc>
-            <a:spcBef>
-              <a:spcPct val="0"/>
-            </a:spcBef>
-            <a:spcAft>
-              <a:spcPct val="35000"/>
-            </a:spcAft>
-            <a:buNone/>
-          </a:pPr>
-          <a:r>
-            <a:rPr lang="pl-PL" sz="3500" kern="1200" dirty="0"/>
-            <a:t>Mark as </a:t>
-          </a:r>
-          <a:r>
-            <a:rPr lang="pl-PL" sz="3500" kern="1200" dirty="0" err="1"/>
-            <a:t>processed</a:t>
-          </a:r>
-          <a:endParaRPr lang="en-US" sz="3500" kern="1200" dirty="0"/>
-        </a:p>
-      </dsp:txBody>
-      <dsp:txXfrm>
-        <a:off x="7509822" y="1424994"/>
-        <a:ext cx="2252022" cy="1501348"/>
+        <a:off x="3950125" y="621315"/>
+        <a:ext cx="2151342" cy="1434227"/>
       </dsp:txXfrm>
     </dsp:sp>
   </dsp:spTree>
@@ -13551,248 +13572,8 @@
       </dsp:nvSpPr>
       <dsp:spPr>
         <a:xfrm>
-          <a:off x="3537" y="399938"/>
-          <a:ext cx="2114530" cy="845812"/>
-        </a:xfrm>
-        <a:prstGeom prst="chevron">
-          <a:avLst/>
-        </a:prstGeom>
-        <a:gradFill rotWithShape="1">
-          <a:gsLst>
-            <a:gs pos="0">
-              <a:schemeClr val="accent6">
-                <a:satMod val="103000"/>
-                <a:lumMod val="102000"/>
-                <a:tint val="94000"/>
-              </a:schemeClr>
-            </a:gs>
-            <a:gs pos="50000">
-              <a:schemeClr val="accent6">
-                <a:satMod val="110000"/>
-                <a:lumMod val="100000"/>
-                <a:shade val="100000"/>
-              </a:schemeClr>
-            </a:gs>
-            <a:gs pos="100000">
-              <a:schemeClr val="accent6">
-                <a:lumMod val="99000"/>
-                <a:satMod val="120000"/>
-                <a:shade val="78000"/>
-              </a:schemeClr>
-            </a:gs>
-          </a:gsLst>
-          <a:lin ang="5400000" scaled="0"/>
-        </a:gradFill>
-        <a:ln w="6350" cap="flat" cmpd="sng" algn="ctr">
-          <a:solidFill>
-            <a:schemeClr val="accent6"/>
-          </a:solidFill>
-          <a:prstDash val="solid"/>
-          <a:miter lim="800000"/>
-        </a:ln>
-        <a:effectLst/>
-      </dsp:spPr>
-      <dsp:style>
-        <a:lnRef idx="1">
-          <a:schemeClr val="accent6"/>
-        </a:lnRef>
-        <a:fillRef idx="3">
-          <a:schemeClr val="accent6"/>
-        </a:fillRef>
-        <a:effectRef idx="2">
-          <a:schemeClr val="accent6"/>
-        </a:effectRef>
-        <a:fontRef idx="minor">
-          <a:schemeClr val="lt1"/>
-        </a:fontRef>
-      </dsp:style>
-      <dsp:txBody>
-        <a:bodyPr spcFirstLastPara="0" vert="horz" wrap="square" lIns="64008" tIns="21336" rIns="21336" bIns="21336" numCol="1" spcCol="1270" anchor="ctr" anchorCtr="0">
-          <a:noAutofit/>
-        </a:bodyPr>
-        <a:lstStyle/>
-        <a:p>
-          <a:pPr marL="0" lvl="0" indent="0" algn="ctr" defTabSz="711200">
-            <a:lnSpc>
-              <a:spcPct val="90000"/>
-            </a:lnSpc>
-            <a:spcBef>
-              <a:spcPct val="0"/>
-            </a:spcBef>
-            <a:spcAft>
-              <a:spcPct val="35000"/>
-            </a:spcAft>
-            <a:buNone/>
-          </a:pPr>
-          <a:r>
-            <a:rPr lang="pl-PL" sz="1600" kern="1200" dirty="0" err="1">
-              <a:latin typeface="Arial Black" panose="020B0A04020102020204" pitchFamily="34" charset="0"/>
-            </a:rPr>
-            <a:t>Check</a:t>
-          </a:r>
-          <a:r>
-            <a:rPr lang="pl-PL" sz="1600" kern="1200" dirty="0">
-              <a:latin typeface="Arial Black" panose="020B0A04020102020204" pitchFamily="34" charset="0"/>
-            </a:rPr>
-            <a:t> </a:t>
-          </a:r>
-          <a:r>
-            <a:rPr lang="pl-PL" sz="1600" kern="1200" dirty="0" err="1">
-              <a:latin typeface="Arial Black" panose="020B0A04020102020204" pitchFamily="34" charset="0"/>
-            </a:rPr>
-            <a:t>if</a:t>
-          </a:r>
-          <a:r>
-            <a:rPr lang="pl-PL" sz="1600" kern="1200" dirty="0">
-              <a:latin typeface="Arial Black" panose="020B0A04020102020204" pitchFamily="34" charset="0"/>
-            </a:rPr>
-            <a:t> </a:t>
-          </a:r>
-          <a:r>
-            <a:rPr lang="pl-PL" sz="1600" kern="1200" dirty="0" err="1">
-              <a:latin typeface="Arial Black" panose="020B0A04020102020204" pitchFamily="34" charset="0"/>
-            </a:rPr>
-            <a:t>delivered</a:t>
-          </a:r>
-          <a:r>
-            <a:rPr lang="pl-PL" sz="1600" kern="1200" dirty="0">
-              <a:latin typeface="Arial Black" panose="020B0A04020102020204" pitchFamily="34" charset="0"/>
-            </a:rPr>
-            <a:t>?</a:t>
-          </a:r>
-          <a:endParaRPr lang="en-US" sz="1600" kern="1200" dirty="0">
-            <a:latin typeface="Arial Black" panose="020B0A04020102020204" pitchFamily="34" charset="0"/>
-          </a:endParaRPr>
-        </a:p>
-      </dsp:txBody>
-      <dsp:txXfrm>
-        <a:off x="426443" y="399938"/>
-        <a:ext cx="1268718" cy="845812"/>
-      </dsp:txXfrm>
-    </dsp:sp>
-    <dsp:sp modelId="{841C66D8-22BC-4053-A0F2-8499FFBC3CB7}">
-      <dsp:nvSpPr>
-        <dsp:cNvPr id="0" name=""/>
-        <dsp:cNvSpPr/>
-      </dsp:nvSpPr>
-      <dsp:spPr>
-        <a:xfrm>
-          <a:off x="1906614" y="399938"/>
-          <a:ext cx="2114530" cy="845812"/>
-        </a:xfrm>
-        <a:prstGeom prst="chevron">
-          <a:avLst/>
-        </a:prstGeom>
-        <a:gradFill rotWithShape="1">
-          <a:gsLst>
-            <a:gs pos="0">
-              <a:schemeClr val="accent6">
-                <a:satMod val="103000"/>
-                <a:lumMod val="102000"/>
-                <a:tint val="94000"/>
-              </a:schemeClr>
-            </a:gs>
-            <a:gs pos="50000">
-              <a:schemeClr val="accent6">
-                <a:satMod val="110000"/>
-                <a:lumMod val="100000"/>
-                <a:shade val="100000"/>
-              </a:schemeClr>
-            </a:gs>
-            <a:gs pos="100000">
-              <a:schemeClr val="accent6">
-                <a:lumMod val="99000"/>
-                <a:satMod val="120000"/>
-                <a:shade val="78000"/>
-              </a:schemeClr>
-            </a:gs>
-          </a:gsLst>
-          <a:lin ang="5400000" scaled="0"/>
-        </a:gradFill>
-        <a:ln w="6350" cap="flat" cmpd="sng" algn="ctr">
-          <a:solidFill>
-            <a:schemeClr val="accent6"/>
-          </a:solidFill>
-          <a:prstDash val="solid"/>
-          <a:miter lim="800000"/>
-        </a:ln>
-        <a:effectLst/>
-      </dsp:spPr>
-      <dsp:style>
-        <a:lnRef idx="1">
-          <a:schemeClr val="accent6"/>
-        </a:lnRef>
-        <a:fillRef idx="3">
-          <a:schemeClr val="accent6"/>
-        </a:fillRef>
-        <a:effectRef idx="2">
-          <a:schemeClr val="accent6"/>
-        </a:effectRef>
-        <a:fontRef idx="minor">
-          <a:schemeClr val="lt1"/>
-        </a:fontRef>
-      </dsp:style>
-      <dsp:txBody>
-        <a:bodyPr spcFirstLastPara="0" vert="horz" wrap="square" lIns="64008" tIns="21336" rIns="21336" bIns="21336" numCol="1" spcCol="1270" anchor="ctr" anchorCtr="0">
-          <a:noAutofit/>
-        </a:bodyPr>
-        <a:lstStyle/>
-        <a:p>
-          <a:pPr marL="0" lvl="0" indent="0" algn="ctr" defTabSz="711200">
-            <a:lnSpc>
-              <a:spcPct val="90000"/>
-            </a:lnSpc>
-            <a:spcBef>
-              <a:spcPct val="0"/>
-            </a:spcBef>
-            <a:spcAft>
-              <a:spcPct val="35000"/>
-            </a:spcAft>
-            <a:buNone/>
-          </a:pPr>
-          <a:r>
-            <a:rPr lang="pl-PL" sz="1600" kern="1200" dirty="0">
-              <a:latin typeface="Arial Black" panose="020B0A04020102020204" pitchFamily="34" charset="0"/>
-            </a:rPr>
-            <a:t>Mark as </a:t>
-          </a:r>
-          <a:r>
-            <a:rPr lang="pl-PL" sz="1600" kern="1200" dirty="0" err="1">
-              <a:latin typeface="Arial Black" panose="020B0A04020102020204" pitchFamily="34" charset="0"/>
-            </a:rPr>
-            <a:t>delivered</a:t>
-          </a:r>
-          <a:endParaRPr lang="en-US" sz="1600" kern="1200" dirty="0">
-            <a:latin typeface="Arial Black" panose="020B0A04020102020204" pitchFamily="34" charset="0"/>
-          </a:endParaRPr>
-        </a:p>
-      </dsp:txBody>
-      <dsp:txXfrm>
-        <a:off x="2329520" y="399938"/>
-        <a:ext cx="1268718" cy="845812"/>
-      </dsp:txXfrm>
-    </dsp:sp>
-  </dsp:spTree>
-</dsp:drawing>
-</file>
-
-<file path=ppt/diagrams/drawing3.xml><?xml version="1.0" encoding="utf-8"?>
-<dsp:drawing xmlns:dgm="http://schemas.openxmlformats.org/drawingml/2006/diagram" xmlns:dsp="http://schemas.microsoft.com/office/drawing/2008/diagram" xmlns:a="http://schemas.openxmlformats.org/drawingml/2006/main">
-  <dsp:spTree>
-    <dsp:nvGrpSpPr>
-      <dsp:cNvPr id="0" name=""/>
-      <dsp:cNvGrpSpPr/>
-    </dsp:nvGrpSpPr>
-    <dsp:grpSpPr/>
-    <dsp:sp modelId="{841C66D8-22BC-4053-A0F2-8499FFBC3CB7}">
-      <dsp:nvSpPr>
-        <dsp:cNvPr id="0" name=""/>
-        <dsp:cNvSpPr/>
-      </dsp:nvSpPr>
-      <dsp:spPr>
-        <a:xfrm>
-          <a:off x="0" y="0"/>
-          <a:ext cx="2093883" cy="837553"/>
+          <a:off x="3080" y="1424994"/>
+          <a:ext cx="3753370" cy="1501348"/>
         </a:xfrm>
         <a:prstGeom prst="chevron">
           <a:avLst/>
@@ -13847,12 +13628,12 @@
         </a:fontRef>
       </dsp:style>
       <dsp:txBody>
-        <a:bodyPr spcFirstLastPara="0" vert="horz" wrap="square" lIns="80010" tIns="26670" rIns="26670" bIns="26670" numCol="1" spcCol="1270" anchor="ctr" anchorCtr="0">
+        <a:bodyPr spcFirstLastPara="0" vert="horz" wrap="square" lIns="104013" tIns="34671" rIns="34671" bIns="34671" numCol="1" spcCol="1270" anchor="ctr" anchorCtr="0">
           <a:noAutofit/>
         </a:bodyPr>
         <a:lstStyle/>
         <a:p>
-          <a:pPr marL="0" lvl="0" indent="0" algn="ctr" defTabSz="889000">
+          <a:pPr marL="0" lvl="0" indent="0" algn="ctr" defTabSz="1155700">
             <a:lnSpc>
               <a:spcPct val="90000"/>
             </a:lnSpc>
@@ -13865,26 +13646,254 @@
             <a:buNone/>
           </a:pPr>
           <a:r>
-            <a:rPr lang="pl-PL" sz="2000" kern="1200" dirty="0" err="1">
+            <a:rPr lang="pl-PL" sz="2600" kern="1200" dirty="0" err="1">
               <a:latin typeface="Arial Black" panose="020B0A04020102020204" pitchFamily="34" charset="0"/>
             </a:rPr>
-            <a:t>Process</a:t>
+            <a:t>Check</a:t>
           </a:r>
-          <a:endParaRPr lang="en-US" sz="2000" kern="1200" dirty="0">
+          <a:r>
+            <a:rPr lang="pl-PL" sz="2600" kern="1200" dirty="0">
+              <a:latin typeface="Arial Black" panose="020B0A04020102020204" pitchFamily="34" charset="0"/>
+            </a:rPr>
+            <a:t> </a:t>
+          </a:r>
+          <a:r>
+            <a:rPr lang="pl-PL" sz="2600" kern="1200" dirty="0" err="1">
+              <a:latin typeface="Arial Black" panose="020B0A04020102020204" pitchFamily="34" charset="0"/>
+            </a:rPr>
+            <a:t>if</a:t>
+          </a:r>
+          <a:r>
+            <a:rPr lang="pl-PL" sz="2600" kern="1200" dirty="0">
+              <a:latin typeface="Arial Black" panose="020B0A04020102020204" pitchFamily="34" charset="0"/>
+            </a:rPr>
+            <a:t> </a:t>
+          </a:r>
+          <a:r>
+            <a:rPr lang="pl-PL" sz="2600" kern="1200" dirty="0" err="1">
+              <a:latin typeface="Arial Black" panose="020B0A04020102020204" pitchFamily="34" charset="0"/>
+            </a:rPr>
+            <a:t>processed</a:t>
+          </a:r>
+          <a:r>
+            <a:rPr lang="pl-PL" sz="2600" kern="1200" dirty="0">
+              <a:latin typeface="Arial Black" panose="020B0A04020102020204" pitchFamily="34" charset="0"/>
+            </a:rPr>
+            <a:t>?</a:t>
+          </a:r>
+          <a:endParaRPr lang="en-US" sz="2600" kern="1200" dirty="0">
             <a:latin typeface="Arial Black" panose="020B0A04020102020204" pitchFamily="34" charset="0"/>
           </a:endParaRPr>
         </a:p>
       </dsp:txBody>
       <dsp:txXfrm>
-        <a:off x="418777" y="0"/>
-        <a:ext cx="1256330" cy="837553"/>
+        <a:off x="753754" y="1424994"/>
+        <a:ext cx="2252022" cy="1501348"/>
+      </dsp:txXfrm>
+    </dsp:sp>
+    <dsp:sp modelId="{841C66D8-22BC-4053-A0F2-8499FFBC3CB7}">
+      <dsp:nvSpPr>
+        <dsp:cNvPr id="0" name=""/>
+        <dsp:cNvSpPr/>
+      </dsp:nvSpPr>
+      <dsp:spPr>
+        <a:xfrm>
+          <a:off x="3381114" y="1424994"/>
+          <a:ext cx="3753370" cy="1501348"/>
+        </a:xfrm>
+        <a:prstGeom prst="chevron">
+          <a:avLst/>
+        </a:prstGeom>
+        <a:gradFill rotWithShape="1">
+          <a:gsLst>
+            <a:gs pos="0">
+              <a:schemeClr val="accent5">
+                <a:satMod val="103000"/>
+                <a:lumMod val="102000"/>
+                <a:tint val="94000"/>
+              </a:schemeClr>
+            </a:gs>
+            <a:gs pos="50000">
+              <a:schemeClr val="accent5">
+                <a:satMod val="110000"/>
+                <a:lumMod val="100000"/>
+                <a:shade val="100000"/>
+              </a:schemeClr>
+            </a:gs>
+            <a:gs pos="100000">
+              <a:schemeClr val="accent5">
+                <a:lumMod val="99000"/>
+                <a:satMod val="120000"/>
+                <a:shade val="78000"/>
+              </a:schemeClr>
+            </a:gs>
+          </a:gsLst>
+          <a:lin ang="5400000" scaled="0"/>
+        </a:gradFill>
+        <a:ln w="6350" cap="flat" cmpd="sng" algn="ctr">
+          <a:solidFill>
+            <a:schemeClr val="accent5"/>
+          </a:solidFill>
+          <a:prstDash val="solid"/>
+          <a:miter lim="800000"/>
+        </a:ln>
+        <a:effectLst/>
+      </dsp:spPr>
+      <dsp:style>
+        <a:lnRef idx="1">
+          <a:schemeClr val="accent5"/>
+        </a:lnRef>
+        <a:fillRef idx="3">
+          <a:schemeClr val="accent5"/>
+        </a:fillRef>
+        <a:effectRef idx="2">
+          <a:schemeClr val="accent5"/>
+        </a:effectRef>
+        <a:fontRef idx="minor">
+          <a:schemeClr val="lt1"/>
+        </a:fontRef>
+      </dsp:style>
+      <dsp:txBody>
+        <a:bodyPr spcFirstLastPara="0" vert="horz" wrap="square" lIns="104013" tIns="34671" rIns="34671" bIns="34671" numCol="1" spcCol="1270" anchor="ctr" anchorCtr="0">
+          <a:noAutofit/>
+        </a:bodyPr>
+        <a:lstStyle/>
+        <a:p>
+          <a:pPr marL="0" lvl="0" indent="0" algn="ctr" defTabSz="1155700">
+            <a:lnSpc>
+              <a:spcPct val="90000"/>
+            </a:lnSpc>
+            <a:spcBef>
+              <a:spcPct val="0"/>
+            </a:spcBef>
+            <a:spcAft>
+              <a:spcPct val="35000"/>
+            </a:spcAft>
+            <a:buNone/>
+          </a:pPr>
+          <a:r>
+            <a:rPr lang="pl-PL" sz="2600" kern="1200" dirty="0" err="1">
+              <a:latin typeface="Arial Black" panose="020B0A04020102020204" pitchFamily="34" charset="0"/>
+            </a:rPr>
+            <a:t>Process</a:t>
+          </a:r>
+          <a:endParaRPr lang="en-US" sz="2600" kern="1200" dirty="0">
+            <a:latin typeface="Arial Black" panose="020B0A04020102020204" pitchFamily="34" charset="0"/>
+          </a:endParaRPr>
+        </a:p>
+      </dsp:txBody>
+      <dsp:txXfrm>
+        <a:off x="4131788" y="1424994"/>
+        <a:ext cx="2252022" cy="1501348"/>
+      </dsp:txXfrm>
+    </dsp:sp>
+    <dsp:sp modelId="{8432A2BE-0EA2-4C70-8EDB-BDD1FC8670A0}">
+      <dsp:nvSpPr>
+        <dsp:cNvPr id="0" name=""/>
+        <dsp:cNvSpPr/>
+      </dsp:nvSpPr>
+      <dsp:spPr>
+        <a:xfrm>
+          <a:off x="6759148" y="1424994"/>
+          <a:ext cx="3753370" cy="1501348"/>
+        </a:xfrm>
+        <a:prstGeom prst="chevron">
+          <a:avLst/>
+        </a:prstGeom>
+        <a:gradFill rotWithShape="1">
+          <a:gsLst>
+            <a:gs pos="0">
+              <a:schemeClr val="accent5">
+                <a:satMod val="103000"/>
+                <a:lumMod val="102000"/>
+                <a:tint val="94000"/>
+              </a:schemeClr>
+            </a:gs>
+            <a:gs pos="50000">
+              <a:schemeClr val="accent5">
+                <a:satMod val="110000"/>
+                <a:lumMod val="100000"/>
+                <a:shade val="100000"/>
+              </a:schemeClr>
+            </a:gs>
+            <a:gs pos="100000">
+              <a:schemeClr val="accent5">
+                <a:lumMod val="99000"/>
+                <a:satMod val="120000"/>
+                <a:shade val="78000"/>
+              </a:schemeClr>
+            </a:gs>
+          </a:gsLst>
+          <a:lin ang="5400000" scaled="0"/>
+        </a:gradFill>
+        <a:ln w="6350" cap="flat" cmpd="sng" algn="ctr">
+          <a:solidFill>
+            <a:schemeClr val="accent5"/>
+          </a:solidFill>
+          <a:prstDash val="solid"/>
+          <a:miter lim="800000"/>
+        </a:ln>
+        <a:effectLst/>
+      </dsp:spPr>
+      <dsp:style>
+        <a:lnRef idx="1">
+          <a:schemeClr val="accent5"/>
+        </a:lnRef>
+        <a:fillRef idx="3">
+          <a:schemeClr val="accent5"/>
+        </a:fillRef>
+        <a:effectRef idx="2">
+          <a:schemeClr val="accent5"/>
+        </a:effectRef>
+        <a:fontRef idx="minor">
+          <a:schemeClr val="lt1"/>
+        </a:fontRef>
+      </dsp:style>
+      <dsp:txBody>
+        <a:bodyPr spcFirstLastPara="0" vert="horz" wrap="square" lIns="104013" tIns="34671" rIns="34671" bIns="34671" numCol="1" spcCol="1270" anchor="ctr" anchorCtr="0">
+          <a:noAutofit/>
+        </a:bodyPr>
+        <a:lstStyle/>
+        <a:p>
+          <a:pPr marL="0" lvl="0" indent="0" algn="ctr" defTabSz="1155700">
+            <a:lnSpc>
+              <a:spcPct val="90000"/>
+            </a:lnSpc>
+            <a:spcBef>
+              <a:spcPct val="0"/>
+            </a:spcBef>
+            <a:spcAft>
+              <a:spcPct val="35000"/>
+            </a:spcAft>
+            <a:buNone/>
+          </a:pPr>
+          <a:r>
+            <a:rPr lang="pl-PL" sz="2600" kern="1200" dirty="0">
+              <a:latin typeface="Arial Black" panose="020B0A04020102020204" pitchFamily="34" charset="0"/>
+            </a:rPr>
+            <a:t>Mark as </a:t>
+          </a:r>
+          <a:r>
+            <a:rPr lang="pl-PL" sz="2600" kern="1200" dirty="0" err="1">
+              <a:latin typeface="Arial Black" panose="020B0A04020102020204" pitchFamily="34" charset="0"/>
+            </a:rPr>
+            <a:t>processed</a:t>
+          </a:r>
+          <a:endParaRPr lang="en-US" sz="2600" kern="1200" dirty="0">
+            <a:latin typeface="Arial Black" panose="020B0A04020102020204" pitchFamily="34" charset="0"/>
+          </a:endParaRPr>
+        </a:p>
+      </dsp:txBody>
+      <dsp:txXfrm>
+        <a:off x="7509822" y="1424994"/>
+        <a:ext cx="2252022" cy="1501348"/>
       </dsp:txXfrm>
     </dsp:sp>
   </dsp:spTree>
 </dsp:drawing>
 </file>
 
-<file path=ppt/diagrams/drawing4.xml><?xml version="1.0" encoding="utf-8"?>
+<file path=ppt/diagrams/drawing3.xml><?xml version="1.0" encoding="utf-8"?>
 <dsp:drawing xmlns:dgm="http://schemas.openxmlformats.org/drawingml/2006/diagram" xmlns:dsp="http://schemas.microsoft.com/office/drawing/2008/diagram" xmlns:a="http://schemas.openxmlformats.org/drawingml/2006/main">
   <dsp:spTree>
     <dsp:nvGrpSpPr>
@@ -14124,7 +14133,355 @@
 </dsp:drawing>
 </file>
 
+<file path=ppt/diagrams/drawing4.xml><?xml version="1.0" encoding="utf-8"?>
+<dsp:drawing xmlns:dgm="http://schemas.openxmlformats.org/drawingml/2006/diagram" xmlns:dsp="http://schemas.microsoft.com/office/drawing/2008/diagram" xmlns:a="http://schemas.openxmlformats.org/drawingml/2006/main">
+  <dsp:spTree>
+    <dsp:nvGrpSpPr>
+      <dsp:cNvPr id="0" name=""/>
+      <dsp:cNvGrpSpPr/>
+    </dsp:nvGrpSpPr>
+    <dsp:grpSpPr/>
+    <dsp:sp modelId="{841C66D8-22BC-4053-A0F2-8499FFBC3CB7}">
+      <dsp:nvSpPr>
+        <dsp:cNvPr id="0" name=""/>
+        <dsp:cNvSpPr/>
+      </dsp:nvSpPr>
+      <dsp:spPr>
+        <a:xfrm>
+          <a:off x="0" y="0"/>
+          <a:ext cx="2093883" cy="837553"/>
+        </a:xfrm>
+        <a:prstGeom prst="chevron">
+          <a:avLst/>
+        </a:prstGeom>
+        <a:gradFill rotWithShape="1">
+          <a:gsLst>
+            <a:gs pos="0">
+              <a:schemeClr val="accent5">
+                <a:satMod val="103000"/>
+                <a:lumMod val="102000"/>
+                <a:tint val="94000"/>
+              </a:schemeClr>
+            </a:gs>
+            <a:gs pos="50000">
+              <a:schemeClr val="accent5">
+                <a:satMod val="110000"/>
+                <a:lumMod val="100000"/>
+                <a:shade val="100000"/>
+              </a:schemeClr>
+            </a:gs>
+            <a:gs pos="100000">
+              <a:schemeClr val="accent5">
+                <a:lumMod val="99000"/>
+                <a:satMod val="120000"/>
+                <a:shade val="78000"/>
+              </a:schemeClr>
+            </a:gs>
+          </a:gsLst>
+          <a:lin ang="5400000" scaled="0"/>
+        </a:gradFill>
+        <a:ln w="6350" cap="flat" cmpd="sng" algn="ctr">
+          <a:solidFill>
+            <a:schemeClr val="accent5"/>
+          </a:solidFill>
+          <a:prstDash val="solid"/>
+          <a:miter lim="800000"/>
+        </a:ln>
+        <a:effectLst/>
+      </dsp:spPr>
+      <dsp:style>
+        <a:lnRef idx="1">
+          <a:schemeClr val="accent5"/>
+        </a:lnRef>
+        <a:fillRef idx="3">
+          <a:schemeClr val="accent5"/>
+        </a:fillRef>
+        <a:effectRef idx="2">
+          <a:schemeClr val="accent5"/>
+        </a:effectRef>
+        <a:fontRef idx="minor">
+          <a:schemeClr val="lt1"/>
+        </a:fontRef>
+      </dsp:style>
+      <dsp:txBody>
+        <a:bodyPr spcFirstLastPara="0" vert="horz" wrap="square" lIns="80010" tIns="26670" rIns="26670" bIns="26670" numCol="1" spcCol="1270" anchor="ctr" anchorCtr="0">
+          <a:noAutofit/>
+        </a:bodyPr>
+        <a:lstStyle/>
+        <a:p>
+          <a:pPr marL="0" lvl="0" indent="0" algn="ctr" defTabSz="889000">
+            <a:lnSpc>
+              <a:spcPct val="90000"/>
+            </a:lnSpc>
+            <a:spcBef>
+              <a:spcPct val="0"/>
+            </a:spcBef>
+            <a:spcAft>
+              <a:spcPct val="35000"/>
+            </a:spcAft>
+            <a:buNone/>
+          </a:pPr>
+          <a:r>
+            <a:rPr lang="pl-PL" sz="2000" kern="1200" dirty="0" err="1">
+              <a:latin typeface="Arial Black" panose="020B0A04020102020204" pitchFamily="34" charset="0"/>
+            </a:rPr>
+            <a:t>Process</a:t>
+          </a:r>
+          <a:endParaRPr lang="en-US" sz="2000" kern="1200" dirty="0">
+            <a:latin typeface="Arial Black" panose="020B0A04020102020204" pitchFamily="34" charset="0"/>
+          </a:endParaRPr>
+        </a:p>
+      </dsp:txBody>
+      <dsp:txXfrm>
+        <a:off x="418777" y="0"/>
+        <a:ext cx="1256330" cy="837553"/>
+      </dsp:txXfrm>
+    </dsp:sp>
+  </dsp:spTree>
+</dsp:drawing>
+</file>
+
 <file path=ppt/diagrams/drawing5.xml><?xml version="1.0" encoding="utf-8"?>
+<dsp:drawing xmlns:dgm="http://schemas.openxmlformats.org/drawingml/2006/diagram" xmlns:dsp="http://schemas.microsoft.com/office/drawing/2008/diagram" xmlns:a="http://schemas.openxmlformats.org/drawingml/2006/main">
+  <dsp:spTree>
+    <dsp:nvGrpSpPr>
+      <dsp:cNvPr id="0" name=""/>
+      <dsp:cNvGrpSpPr/>
+    </dsp:nvGrpSpPr>
+    <dsp:grpSpPr/>
+    <dsp:sp modelId="{2C0620ED-3EDD-4A53-B31B-13046B26DAF0}">
+      <dsp:nvSpPr>
+        <dsp:cNvPr id="0" name=""/>
+        <dsp:cNvSpPr/>
+      </dsp:nvSpPr>
+      <dsp:spPr>
+        <a:xfrm>
+          <a:off x="3537" y="399938"/>
+          <a:ext cx="2114530" cy="845812"/>
+        </a:xfrm>
+        <a:prstGeom prst="chevron">
+          <a:avLst/>
+        </a:prstGeom>
+        <a:gradFill rotWithShape="1">
+          <a:gsLst>
+            <a:gs pos="0">
+              <a:schemeClr val="accent6">
+                <a:satMod val="103000"/>
+                <a:lumMod val="102000"/>
+                <a:tint val="94000"/>
+              </a:schemeClr>
+            </a:gs>
+            <a:gs pos="50000">
+              <a:schemeClr val="accent6">
+                <a:satMod val="110000"/>
+                <a:lumMod val="100000"/>
+                <a:shade val="100000"/>
+              </a:schemeClr>
+            </a:gs>
+            <a:gs pos="100000">
+              <a:schemeClr val="accent6">
+                <a:lumMod val="99000"/>
+                <a:satMod val="120000"/>
+                <a:shade val="78000"/>
+              </a:schemeClr>
+            </a:gs>
+          </a:gsLst>
+          <a:lin ang="5400000" scaled="0"/>
+        </a:gradFill>
+        <a:ln w="6350" cap="flat" cmpd="sng" algn="ctr">
+          <a:solidFill>
+            <a:schemeClr val="accent6"/>
+          </a:solidFill>
+          <a:prstDash val="solid"/>
+          <a:miter lim="800000"/>
+        </a:ln>
+        <a:effectLst/>
+      </dsp:spPr>
+      <dsp:style>
+        <a:lnRef idx="1">
+          <a:schemeClr val="accent6"/>
+        </a:lnRef>
+        <a:fillRef idx="3">
+          <a:schemeClr val="accent6"/>
+        </a:fillRef>
+        <a:effectRef idx="2">
+          <a:schemeClr val="accent6"/>
+        </a:effectRef>
+        <a:fontRef idx="minor">
+          <a:schemeClr val="lt1"/>
+        </a:fontRef>
+      </dsp:style>
+      <dsp:txBody>
+        <a:bodyPr spcFirstLastPara="0" vert="horz" wrap="square" lIns="64008" tIns="21336" rIns="21336" bIns="21336" numCol="1" spcCol="1270" anchor="ctr" anchorCtr="0">
+          <a:noAutofit/>
+        </a:bodyPr>
+        <a:lstStyle/>
+        <a:p>
+          <a:pPr marL="0" lvl="0" indent="0" algn="ctr" defTabSz="711200">
+            <a:lnSpc>
+              <a:spcPct val="90000"/>
+            </a:lnSpc>
+            <a:spcBef>
+              <a:spcPct val="0"/>
+            </a:spcBef>
+            <a:spcAft>
+              <a:spcPct val="35000"/>
+            </a:spcAft>
+            <a:buNone/>
+          </a:pPr>
+          <a:r>
+            <a:rPr lang="pl-PL" sz="1600" kern="1200" dirty="0" err="1">
+              <a:latin typeface="Arial Black" panose="020B0A04020102020204" pitchFamily="34" charset="0"/>
+            </a:rPr>
+            <a:t>Check</a:t>
+          </a:r>
+          <a:r>
+            <a:rPr lang="pl-PL" sz="1600" kern="1200" dirty="0">
+              <a:latin typeface="Arial Black" panose="020B0A04020102020204" pitchFamily="34" charset="0"/>
+            </a:rPr>
+            <a:t> </a:t>
+          </a:r>
+          <a:r>
+            <a:rPr lang="pl-PL" sz="1600" kern="1200" dirty="0" err="1">
+              <a:latin typeface="Arial Black" panose="020B0A04020102020204" pitchFamily="34" charset="0"/>
+            </a:rPr>
+            <a:t>if</a:t>
+          </a:r>
+          <a:r>
+            <a:rPr lang="pl-PL" sz="1600" kern="1200" dirty="0">
+              <a:latin typeface="Arial Black" panose="020B0A04020102020204" pitchFamily="34" charset="0"/>
+            </a:rPr>
+            <a:t> </a:t>
+          </a:r>
+          <a:r>
+            <a:rPr lang="pl-PL" sz="1600" kern="1200" dirty="0" err="1">
+              <a:latin typeface="Arial Black" panose="020B0A04020102020204" pitchFamily="34" charset="0"/>
+            </a:rPr>
+            <a:t>delivered</a:t>
+          </a:r>
+          <a:r>
+            <a:rPr lang="pl-PL" sz="1600" kern="1200" dirty="0">
+              <a:latin typeface="Arial Black" panose="020B0A04020102020204" pitchFamily="34" charset="0"/>
+            </a:rPr>
+            <a:t>?</a:t>
+          </a:r>
+          <a:endParaRPr lang="en-US" sz="1600" kern="1200" dirty="0">
+            <a:latin typeface="Arial Black" panose="020B0A04020102020204" pitchFamily="34" charset="0"/>
+          </a:endParaRPr>
+        </a:p>
+      </dsp:txBody>
+      <dsp:txXfrm>
+        <a:off x="426443" y="399938"/>
+        <a:ext cx="1268718" cy="845812"/>
+      </dsp:txXfrm>
+    </dsp:sp>
+    <dsp:sp modelId="{841C66D8-22BC-4053-A0F2-8499FFBC3CB7}">
+      <dsp:nvSpPr>
+        <dsp:cNvPr id="0" name=""/>
+        <dsp:cNvSpPr/>
+      </dsp:nvSpPr>
+      <dsp:spPr>
+        <a:xfrm>
+          <a:off x="1906614" y="399938"/>
+          <a:ext cx="2114530" cy="845812"/>
+        </a:xfrm>
+        <a:prstGeom prst="chevron">
+          <a:avLst/>
+        </a:prstGeom>
+        <a:gradFill rotWithShape="1">
+          <a:gsLst>
+            <a:gs pos="0">
+              <a:schemeClr val="accent6">
+                <a:satMod val="103000"/>
+                <a:lumMod val="102000"/>
+                <a:tint val="94000"/>
+              </a:schemeClr>
+            </a:gs>
+            <a:gs pos="50000">
+              <a:schemeClr val="accent6">
+                <a:satMod val="110000"/>
+                <a:lumMod val="100000"/>
+                <a:shade val="100000"/>
+              </a:schemeClr>
+            </a:gs>
+            <a:gs pos="100000">
+              <a:schemeClr val="accent6">
+                <a:lumMod val="99000"/>
+                <a:satMod val="120000"/>
+                <a:shade val="78000"/>
+              </a:schemeClr>
+            </a:gs>
+          </a:gsLst>
+          <a:lin ang="5400000" scaled="0"/>
+        </a:gradFill>
+        <a:ln w="6350" cap="flat" cmpd="sng" algn="ctr">
+          <a:solidFill>
+            <a:schemeClr val="accent6"/>
+          </a:solidFill>
+          <a:prstDash val="solid"/>
+          <a:miter lim="800000"/>
+        </a:ln>
+        <a:effectLst/>
+      </dsp:spPr>
+      <dsp:style>
+        <a:lnRef idx="1">
+          <a:schemeClr val="accent6"/>
+        </a:lnRef>
+        <a:fillRef idx="3">
+          <a:schemeClr val="accent6"/>
+        </a:fillRef>
+        <a:effectRef idx="2">
+          <a:schemeClr val="accent6"/>
+        </a:effectRef>
+        <a:fontRef idx="minor">
+          <a:schemeClr val="lt1"/>
+        </a:fontRef>
+      </dsp:style>
+      <dsp:txBody>
+        <a:bodyPr spcFirstLastPara="0" vert="horz" wrap="square" lIns="64008" tIns="21336" rIns="21336" bIns="21336" numCol="1" spcCol="1270" anchor="ctr" anchorCtr="0">
+          <a:noAutofit/>
+        </a:bodyPr>
+        <a:lstStyle/>
+        <a:p>
+          <a:pPr marL="0" lvl="0" indent="0" algn="ctr" defTabSz="711200">
+            <a:lnSpc>
+              <a:spcPct val="90000"/>
+            </a:lnSpc>
+            <a:spcBef>
+              <a:spcPct val="0"/>
+            </a:spcBef>
+            <a:spcAft>
+              <a:spcPct val="35000"/>
+            </a:spcAft>
+            <a:buNone/>
+          </a:pPr>
+          <a:r>
+            <a:rPr lang="pl-PL" sz="1600" kern="1200" dirty="0">
+              <a:latin typeface="Arial Black" panose="020B0A04020102020204" pitchFamily="34" charset="0"/>
+            </a:rPr>
+            <a:t>Mark as </a:t>
+          </a:r>
+          <a:r>
+            <a:rPr lang="pl-PL" sz="1600" kern="1200" dirty="0" err="1">
+              <a:latin typeface="Arial Black" panose="020B0A04020102020204" pitchFamily="34" charset="0"/>
+            </a:rPr>
+            <a:t>delivered</a:t>
+          </a:r>
+          <a:endParaRPr lang="en-US" sz="1600" kern="1200" dirty="0">
+            <a:latin typeface="Arial Black" panose="020B0A04020102020204" pitchFamily="34" charset="0"/>
+          </a:endParaRPr>
+        </a:p>
+      </dsp:txBody>
+      <dsp:txXfrm>
+        <a:off x="2329520" y="399938"/>
+        <a:ext cx="1268718" cy="845812"/>
+      </dsp:txXfrm>
+    </dsp:sp>
+  </dsp:spTree>
+</dsp:drawing>
+</file>
+
+<file path=ppt/diagrams/drawing6.xml><?xml version="1.0" encoding="utf-8"?>
 <dsp:drawing xmlns:dgm="http://schemas.openxmlformats.org/drawingml/2006/diagram" xmlns:dsp="http://schemas.microsoft.com/office/drawing/2008/diagram" xmlns:a="http://schemas.openxmlformats.org/drawingml/2006/main">
   <dsp:spTree>
     <dsp:nvGrpSpPr>
@@ -14234,7 +14591,7 @@
 </dsp:drawing>
 </file>
 
-<file path=ppt/diagrams/drawing6.xml><?xml version="1.0" encoding="utf-8"?>
+<file path=ppt/diagrams/drawing7.xml><?xml version="1.0" encoding="utf-8"?>
 <dsp:drawing xmlns:dgm="http://schemas.openxmlformats.org/drawingml/2006/diagram" xmlns:dsp="http://schemas.microsoft.com/office/drawing/2008/diagram" xmlns:a="http://schemas.openxmlformats.org/drawingml/2006/main">
   <dsp:spTree>
     <dsp:nvGrpSpPr>
@@ -14570,7 +14927,7 @@
 </dsp:drawing>
 </file>
 
-<file path=ppt/diagrams/drawing7.xml><?xml version="1.0" encoding="utf-8"?>
+<file path=ppt/diagrams/drawing8.xml><?xml version="1.0" encoding="utf-8"?>
 <dsp:drawing xmlns:dgm="http://schemas.openxmlformats.org/drawingml/2006/diagram" xmlns:dsp="http://schemas.microsoft.com/office/drawing/2008/diagram" xmlns:a="http://schemas.openxmlformats.org/drawingml/2006/main">
   <dsp:spTree>
     <dsp:nvGrpSpPr>
@@ -14774,7 +15131,7 @@
 </dsp:drawing>
 </file>
 
-<file path=ppt/diagrams/drawing8.xml><?xml version="1.0" encoding="utf-8"?>
+<file path=ppt/diagrams/drawing9.xml><?xml version="1.0" encoding="utf-8"?>
 <dsp:drawing xmlns:dgm="http://schemas.openxmlformats.org/drawingml/2006/diagram" xmlns:dsp="http://schemas.microsoft.com/office/drawing/2008/diagram" xmlns:a="http://schemas.openxmlformats.org/drawingml/2006/main">
   <dsp:spTree>
     <dsp:nvGrpSpPr>
@@ -14965,234 +15322,6 @@
             <a:t>Publish</a:t>
           </a:r>
           <a:endParaRPr lang="en-US" sz="3800" kern="1200" dirty="0">
-            <a:latin typeface="Arial Black" panose="020B0A04020102020204" pitchFamily="34" charset="0"/>
-          </a:endParaRPr>
-        </a:p>
-      </dsp:txBody>
-      <dsp:txXfrm>
-        <a:off x="3950125" y="621315"/>
-        <a:ext cx="2151342" cy="1434227"/>
-      </dsp:txXfrm>
-    </dsp:sp>
-  </dsp:spTree>
-</dsp:drawing>
-</file>
-
-<file path=ppt/diagrams/drawing9.xml><?xml version="1.0" encoding="utf-8"?>
-<dsp:drawing xmlns:dgm="http://schemas.openxmlformats.org/drawingml/2006/diagram" xmlns:dsp="http://schemas.microsoft.com/office/drawing/2008/diagram" xmlns:a="http://schemas.openxmlformats.org/drawingml/2006/main">
-  <dsp:spTree>
-    <dsp:nvGrpSpPr>
-      <dsp:cNvPr id="0" name=""/>
-      <dsp:cNvGrpSpPr/>
-    </dsp:nvGrpSpPr>
-    <dsp:grpSpPr/>
-    <dsp:sp modelId="{D6616D3D-DF38-47DC-B39F-A867A90D7183}">
-      <dsp:nvSpPr>
-        <dsp:cNvPr id="0" name=""/>
-        <dsp:cNvSpPr/>
-      </dsp:nvSpPr>
-      <dsp:spPr>
-        <a:xfrm>
-          <a:off x="5998" y="621315"/>
-          <a:ext cx="3585569" cy="1434227"/>
-        </a:xfrm>
-        <a:prstGeom prst="chevron">
-          <a:avLst/>
-        </a:prstGeom>
-        <a:gradFill rotWithShape="1">
-          <a:gsLst>
-            <a:gs pos="0">
-              <a:schemeClr val="accent5">
-                <a:satMod val="103000"/>
-                <a:lumMod val="102000"/>
-                <a:tint val="94000"/>
-              </a:schemeClr>
-            </a:gs>
-            <a:gs pos="50000">
-              <a:schemeClr val="accent5">
-                <a:satMod val="110000"/>
-                <a:lumMod val="100000"/>
-                <a:shade val="100000"/>
-              </a:schemeClr>
-            </a:gs>
-            <a:gs pos="100000">
-              <a:schemeClr val="accent5">
-                <a:lumMod val="99000"/>
-                <a:satMod val="120000"/>
-                <a:shade val="78000"/>
-              </a:schemeClr>
-            </a:gs>
-          </a:gsLst>
-          <a:lin ang="5400000" scaled="0"/>
-        </a:gradFill>
-        <a:ln w="6350" cap="flat" cmpd="sng" algn="ctr">
-          <a:solidFill>
-            <a:schemeClr val="accent5"/>
-          </a:solidFill>
-          <a:prstDash val="solid"/>
-          <a:miter lim="800000"/>
-        </a:ln>
-        <a:effectLst/>
-      </dsp:spPr>
-      <dsp:style>
-        <a:lnRef idx="1">
-          <a:schemeClr val="accent5"/>
-        </a:lnRef>
-        <a:fillRef idx="3">
-          <a:schemeClr val="accent5"/>
-        </a:fillRef>
-        <a:effectRef idx="2">
-          <a:schemeClr val="accent5"/>
-        </a:effectRef>
-        <a:fontRef idx="minor">
-          <a:schemeClr val="lt1"/>
-        </a:fontRef>
-      </dsp:style>
-      <dsp:txBody>
-        <a:bodyPr spcFirstLastPara="0" vert="horz" wrap="square" lIns="112014" tIns="37338" rIns="37338" bIns="37338" numCol="1" spcCol="1270" anchor="ctr" anchorCtr="0">
-          <a:noAutofit/>
-        </a:bodyPr>
-        <a:lstStyle/>
-        <a:p>
-          <a:pPr marL="0" lvl="0" indent="0" algn="ctr" defTabSz="1244600">
-            <a:lnSpc>
-              <a:spcPct val="90000"/>
-            </a:lnSpc>
-            <a:spcBef>
-              <a:spcPct val="0"/>
-            </a:spcBef>
-            <a:spcAft>
-              <a:spcPct val="35000"/>
-            </a:spcAft>
-            <a:buNone/>
-          </a:pPr>
-          <a:r>
-            <a:rPr lang="pl-PL" sz="2800" kern="1200" dirty="0" err="1">
-              <a:latin typeface="Arial Black" panose="020B0A04020102020204" pitchFamily="34" charset="0"/>
-            </a:rPr>
-            <a:t>Persist</a:t>
-          </a:r>
-          <a:r>
-            <a:rPr lang="pl-PL" sz="2800" kern="1200" dirty="0">
-              <a:latin typeface="Arial Black" panose="020B0A04020102020204" pitchFamily="34" charset="0"/>
-            </a:rPr>
-            <a:t> </a:t>
-          </a:r>
-          <a:r>
-            <a:rPr lang="pl-PL" sz="2800" kern="1200" dirty="0" err="1">
-              <a:latin typeface="Arial Black" panose="020B0A04020102020204" pitchFamily="34" charset="0"/>
-            </a:rPr>
-            <a:t>if</a:t>
-          </a:r>
-          <a:r>
-            <a:rPr lang="pl-PL" sz="2800" kern="1200" dirty="0">
-              <a:latin typeface="Arial Black" panose="020B0A04020102020204" pitchFamily="34" charset="0"/>
-            </a:rPr>
-            <a:t> not </a:t>
-          </a:r>
-          <a:r>
-            <a:rPr lang="pl-PL" sz="2800" kern="1200" dirty="0" err="1">
-              <a:latin typeface="Arial Black" panose="020B0A04020102020204" pitchFamily="34" charset="0"/>
-            </a:rPr>
-            <a:t>duplicate</a:t>
-          </a:r>
-          <a:endParaRPr lang="en-US" sz="2800" kern="1200" dirty="0">
-            <a:latin typeface="Arial Black" panose="020B0A04020102020204" pitchFamily="34" charset="0"/>
-          </a:endParaRPr>
-        </a:p>
-      </dsp:txBody>
-      <dsp:txXfrm>
-        <a:off x="723112" y="621315"/>
-        <a:ext cx="2151342" cy="1434227"/>
-      </dsp:txXfrm>
-    </dsp:sp>
-    <dsp:sp modelId="{2C0620ED-3EDD-4A53-B31B-13046B26DAF0}">
-      <dsp:nvSpPr>
-        <dsp:cNvPr id="0" name=""/>
-        <dsp:cNvSpPr/>
-      </dsp:nvSpPr>
-      <dsp:spPr>
-        <a:xfrm>
-          <a:off x="3233011" y="621315"/>
-          <a:ext cx="3585569" cy="1434227"/>
-        </a:xfrm>
-        <a:prstGeom prst="chevron">
-          <a:avLst/>
-        </a:prstGeom>
-        <a:gradFill rotWithShape="1">
-          <a:gsLst>
-            <a:gs pos="0">
-              <a:schemeClr val="accent6">
-                <a:satMod val="103000"/>
-                <a:lumMod val="102000"/>
-                <a:tint val="94000"/>
-              </a:schemeClr>
-            </a:gs>
-            <a:gs pos="50000">
-              <a:schemeClr val="accent6">
-                <a:satMod val="110000"/>
-                <a:lumMod val="100000"/>
-                <a:shade val="100000"/>
-              </a:schemeClr>
-            </a:gs>
-            <a:gs pos="100000">
-              <a:schemeClr val="accent6">
-                <a:lumMod val="99000"/>
-                <a:satMod val="120000"/>
-                <a:shade val="78000"/>
-              </a:schemeClr>
-            </a:gs>
-          </a:gsLst>
-          <a:lin ang="5400000" scaled="0"/>
-        </a:gradFill>
-        <a:ln w="6350" cap="flat" cmpd="sng" algn="ctr">
-          <a:solidFill>
-            <a:schemeClr val="accent6"/>
-          </a:solidFill>
-          <a:prstDash val="solid"/>
-          <a:miter lim="800000"/>
-        </a:ln>
-        <a:effectLst/>
-      </dsp:spPr>
-      <dsp:style>
-        <a:lnRef idx="1">
-          <a:schemeClr val="accent6"/>
-        </a:lnRef>
-        <a:fillRef idx="3">
-          <a:schemeClr val="accent6"/>
-        </a:fillRef>
-        <a:effectRef idx="2">
-          <a:schemeClr val="accent6"/>
-        </a:effectRef>
-        <a:fontRef idx="minor">
-          <a:schemeClr val="lt1"/>
-        </a:fontRef>
-      </dsp:style>
-      <dsp:txBody>
-        <a:bodyPr spcFirstLastPara="0" vert="horz" wrap="square" lIns="144018" tIns="48006" rIns="48006" bIns="48006" numCol="1" spcCol="1270" anchor="ctr" anchorCtr="0">
-          <a:noAutofit/>
-        </a:bodyPr>
-        <a:lstStyle/>
-        <a:p>
-          <a:pPr marL="0" lvl="0" indent="0" algn="ctr" defTabSz="1600200">
-            <a:lnSpc>
-              <a:spcPct val="90000"/>
-            </a:lnSpc>
-            <a:spcBef>
-              <a:spcPct val="0"/>
-            </a:spcBef>
-            <a:spcAft>
-              <a:spcPct val="35000"/>
-            </a:spcAft>
-            <a:buNone/>
-          </a:pPr>
-          <a:r>
-            <a:rPr lang="pl-PL" sz="3600" kern="1200" dirty="0" err="1">
-              <a:latin typeface="Arial Black" panose="020B0A04020102020204" pitchFamily="34" charset="0"/>
-            </a:rPr>
-            <a:t>Publish</a:t>
-          </a:r>
-          <a:endParaRPr lang="en-US" sz="2400" kern="1200" dirty="0">
             <a:latin typeface="Arial Black" panose="020B0A04020102020204" pitchFamily="34" charset="0"/>
           </a:endParaRPr>
         </a:p>
@@ -30440,6 +30569,118 @@
           <a:p>
             <a:r>
               <a:rPr lang="pl-PL" dirty="0" err="1"/>
+              <a:t>Azazon</a:t>
+            </a:r>
+            <a:r>
+              <a:rPr lang="pl-PL" baseline="0" dirty="0"/>
+              <a:t> FIFO </a:t>
+            </a:r>
+            <a:r>
+              <a:rPr lang="pl-PL" baseline="0" dirty="0" err="1"/>
+              <a:t>does</a:t>
+            </a:r>
+            <a:r>
+              <a:rPr lang="pl-PL" baseline="0" dirty="0"/>
+              <a:t> </a:t>
+            </a:r>
+            <a:r>
+              <a:rPr lang="pl-PL" baseline="0" dirty="0" err="1"/>
+              <a:t>it</a:t>
+            </a:r>
+            <a:r>
+              <a:rPr lang="pl-PL" baseline="0" dirty="0"/>
+              <a:t> </a:t>
+            </a:r>
+            <a:r>
+              <a:rPr lang="pl-PL" baseline="0" dirty="0" err="1"/>
+              <a:t>wrong</a:t>
+            </a:r>
+            <a:endParaRPr lang="en-US" dirty="0"/>
+          </a:p>
+        </p:txBody>
+      </p:sp>
+      <p:sp>
+        <p:nvSpPr>
+          <p:cNvPr id="4" name="Symbol zastępczy numeru slajdu 3"/>
+          <p:cNvSpPr>
+            <a:spLocks noGrp="1"/>
+          </p:cNvSpPr>
+          <p:nvPr>
+            <p:ph type="sldNum" sz="quarter" idx="10"/>
+          </p:nvPr>
+        </p:nvSpPr>
+        <p:spPr/>
+        <p:txBody>
+          <a:bodyPr/>
+          <a:lstStyle/>
+          <a:p>
+            <a:fld id="{1ECF6A35-0BFF-42C8-8651-D2B5FB2BDBD4}" type="slidenum">
+              <a:rPr lang="en-US" smtClean="0"/>
+              <a:t>2</a:t>
+            </a:fld>
+            <a:endParaRPr lang="en-US"/>
+          </a:p>
+        </p:txBody>
+      </p:sp>
+    </p:spTree>
+    <p:extLst>
+      <p:ext uri="{BB962C8B-B14F-4D97-AF65-F5344CB8AC3E}">
+        <p14:creationId xmlns:p14="http://schemas.microsoft.com/office/powerpoint/2010/main" val="1059276001"/>
+      </p:ext>
+    </p:extLst>
+  </p:cSld>
+  <p:clrMapOvr>
+    <a:masterClrMapping/>
+  </p:clrMapOvr>
+</p:notes>
+</file>
+
+<file path=ppt/notesSlides/notesSlide3.xml><?xml version="1.0" encoding="utf-8"?>
+<p:notes xmlns:a="http://schemas.openxmlformats.org/drawingml/2006/main" xmlns:r="http://schemas.openxmlformats.org/officeDocument/2006/relationships" xmlns:p="http://schemas.openxmlformats.org/presentationml/2006/main">
+  <p:cSld>
+    <p:spTree>
+      <p:nvGrpSpPr>
+        <p:cNvPr id="1" name=""/>
+        <p:cNvGrpSpPr/>
+        <p:nvPr/>
+      </p:nvGrpSpPr>
+      <p:grpSpPr>
+        <a:xfrm>
+          <a:off x="0" y="0"/>
+          <a:ext cx="0" cy="0"/>
+          <a:chOff x="0" y="0"/>
+          <a:chExt cx="0" cy="0"/>
+        </a:xfrm>
+      </p:grpSpPr>
+      <p:sp>
+        <p:nvSpPr>
+          <p:cNvPr id="2" name="Symbol zastępczy obrazu slajdu 1"/>
+          <p:cNvSpPr>
+            <a:spLocks noGrp="1" noRot="1" noChangeAspect="1"/>
+          </p:cNvSpPr>
+          <p:nvPr>
+            <p:ph type="sldImg"/>
+          </p:nvPr>
+        </p:nvSpPr>
+        <p:spPr/>
+      </p:sp>
+      <p:sp>
+        <p:nvSpPr>
+          <p:cNvPr id="3" name="Symbol zastępczy notatek 2"/>
+          <p:cNvSpPr>
+            <a:spLocks noGrp="1"/>
+          </p:cNvSpPr>
+          <p:nvPr>
+            <p:ph type="body" idx="1"/>
+          </p:nvPr>
+        </p:nvSpPr>
+        <p:spPr/>
+        <p:txBody>
+          <a:bodyPr/>
+          <a:lstStyle/>
+          <a:p>
+            <a:r>
+              <a:rPr lang="pl-PL" dirty="0" err="1"/>
               <a:t>Pragmatist</a:t>
             </a:r>
             <a:r>
@@ -30469,7 +30710,7 @@
           <a:p>
             <a:fld id="{1ECF6A35-0BFF-42C8-8651-D2B5FB2BDBD4}" type="slidenum">
               <a:rPr lang="en-US" smtClean="0"/>
-              <a:t>4</a:t>
+              <a:t>5</a:t>
             </a:fld>
             <a:endParaRPr lang="en-US"/>
           </a:p>
@@ -30488,7 +30729,7 @@
 </p:notes>
 </file>
 
-<file path=ppt/notesSlides/notesSlide3.xml><?xml version="1.0" encoding="utf-8"?>
+<file path=ppt/notesSlides/notesSlide4.xml><?xml version="1.0" encoding="utf-8"?>
 <p:notes xmlns:a="http://schemas.openxmlformats.org/drawingml/2006/main" xmlns:r="http://schemas.openxmlformats.org/officeDocument/2006/relationships" xmlns:p="http://schemas.openxmlformats.org/presentationml/2006/main">
   <p:cSld>
     <p:spTree>
@@ -30567,7 +30808,7 @@
           <a:p>
             <a:fld id="{1ECF6A35-0BFF-42C8-8651-D2B5FB2BDBD4}" type="slidenum">
               <a:rPr lang="en-US" smtClean="0"/>
-              <a:t>5</a:t>
+              <a:t>6</a:t>
             </a:fld>
             <a:endParaRPr lang="en-US"/>
           </a:p>
@@ -30577,93 +30818,6 @@
     <p:extLst>
       <p:ext uri="{BB962C8B-B14F-4D97-AF65-F5344CB8AC3E}">
         <p14:creationId xmlns:p14="http://schemas.microsoft.com/office/powerpoint/2010/main" val="2699282491"/>
-      </p:ext>
-    </p:extLst>
-  </p:cSld>
-  <p:clrMapOvr>
-    <a:masterClrMapping/>
-  </p:clrMapOvr>
-</p:notes>
-</file>
-
-<file path=ppt/notesSlides/notesSlide4.xml><?xml version="1.0" encoding="utf-8"?>
-<p:notes xmlns:a="http://schemas.openxmlformats.org/drawingml/2006/main" xmlns:r="http://schemas.openxmlformats.org/officeDocument/2006/relationships" xmlns:p="http://schemas.openxmlformats.org/presentationml/2006/main">
-  <p:cSld>
-    <p:spTree>
-      <p:nvGrpSpPr>
-        <p:cNvPr id="1" name=""/>
-        <p:cNvGrpSpPr/>
-        <p:nvPr/>
-      </p:nvGrpSpPr>
-      <p:grpSpPr>
-        <a:xfrm>
-          <a:off x="0" y="0"/>
-          <a:ext cx="0" cy="0"/>
-          <a:chOff x="0" y="0"/>
-          <a:chExt cx="0" cy="0"/>
-        </a:xfrm>
-      </p:grpSpPr>
-      <p:sp>
-        <p:nvSpPr>
-          <p:cNvPr id="2" name="Symbol zastępczy obrazu slajdu 1"/>
-          <p:cNvSpPr>
-            <a:spLocks noGrp="1" noRot="1" noChangeAspect="1"/>
-          </p:cNvSpPr>
-          <p:nvPr>
-            <p:ph type="sldImg"/>
-          </p:nvPr>
-        </p:nvSpPr>
-        <p:spPr/>
-      </p:sp>
-      <p:sp>
-        <p:nvSpPr>
-          <p:cNvPr id="3" name="Symbol zastępczy notatek 2"/>
-          <p:cNvSpPr>
-            <a:spLocks noGrp="1"/>
-          </p:cNvSpPr>
-          <p:nvPr>
-            <p:ph type="body" idx="1"/>
-          </p:nvPr>
-        </p:nvSpPr>
-        <p:spPr/>
-        <p:txBody>
-          <a:bodyPr/>
-          <a:lstStyle/>
-          <a:p>
-            <a:r>
-              <a:rPr lang="en-US" dirty="0"/>
-              <a:t>https://commons.wikimedia.org/wiki/File:Napoleonic_hat.svg</a:t>
-            </a:r>
-          </a:p>
-        </p:txBody>
-      </p:sp>
-      <p:sp>
-        <p:nvSpPr>
-          <p:cNvPr id="4" name="Symbol zastępczy numeru slajdu 3"/>
-          <p:cNvSpPr>
-            <a:spLocks noGrp="1"/>
-          </p:cNvSpPr>
-          <p:nvPr>
-            <p:ph type="sldNum" sz="quarter" idx="5"/>
-          </p:nvPr>
-        </p:nvSpPr>
-        <p:spPr/>
-        <p:txBody>
-          <a:bodyPr/>
-          <a:lstStyle/>
-          <a:p>
-            <a:fld id="{1ECF6A35-0BFF-42C8-8651-D2B5FB2BDBD4}" type="slidenum">
-              <a:rPr lang="en-US" smtClean="0"/>
-              <a:t>6</a:t>
-            </a:fld>
-            <a:endParaRPr lang="en-US"/>
-          </a:p>
-        </p:txBody>
-      </p:sp>
-    </p:spTree>
-    <p:extLst>
-      <p:ext uri="{BB962C8B-B14F-4D97-AF65-F5344CB8AC3E}">
-        <p14:creationId xmlns:p14="http://schemas.microsoft.com/office/powerpoint/2010/main" val="1673684420"/>
       </p:ext>
     </p:extLst>
   </p:cSld>
@@ -30741,7 +30895,7 @@
           <a:p>
             <a:fld id="{1ECF6A35-0BFF-42C8-8651-D2B5FB2BDBD4}" type="slidenum">
               <a:rPr lang="en-US" smtClean="0"/>
-              <a:t>8</a:t>
+              <a:t>7</a:t>
             </a:fld>
             <a:endParaRPr lang="en-US"/>
           </a:p>
@@ -30750,7 +30904,7 @@
     </p:spTree>
     <p:extLst>
       <p:ext uri="{BB962C8B-B14F-4D97-AF65-F5344CB8AC3E}">
-        <p14:creationId xmlns:p14="http://schemas.microsoft.com/office/powerpoint/2010/main" val="692543737"/>
+        <p14:creationId xmlns:p14="http://schemas.microsoft.com/office/powerpoint/2010/main" val="1673684420"/>
       </p:ext>
     </p:extLst>
   </p:cSld>
@@ -30805,34 +30959,9 @@
           <a:lstStyle/>
           <a:p>
             <a:r>
-              <a:rPr lang="pl-PL" dirty="0" err="1"/>
-              <a:t>Azazon</a:t>
+              <a:rPr lang="en-US" dirty="0"/>
+              <a:t>https://commons.wikimedia.org/wiki/File:Napoleonic_hat.svg</a:t>
             </a:r>
-            <a:r>
-              <a:rPr lang="pl-PL" baseline="0" dirty="0"/>
-              <a:t> FIFO </a:t>
-            </a:r>
-            <a:r>
-              <a:rPr lang="pl-PL" baseline="0" dirty="0" err="1"/>
-              <a:t>does</a:t>
-            </a:r>
-            <a:r>
-              <a:rPr lang="pl-PL" baseline="0" dirty="0"/>
-              <a:t> </a:t>
-            </a:r>
-            <a:r>
-              <a:rPr lang="pl-PL" baseline="0" dirty="0" err="1"/>
-              <a:t>it</a:t>
-            </a:r>
-            <a:r>
-              <a:rPr lang="pl-PL" baseline="0" dirty="0"/>
-              <a:t> </a:t>
-            </a:r>
-            <a:r>
-              <a:rPr lang="pl-PL" baseline="0" dirty="0" err="1"/>
-              <a:t>wrong</a:t>
-            </a:r>
-            <a:endParaRPr lang="en-US" dirty="0"/>
           </a:p>
         </p:txBody>
       </p:sp>
@@ -30843,7 +30972,7 @@
             <a:spLocks noGrp="1"/>
           </p:cNvSpPr>
           <p:nvPr>
-            <p:ph type="sldNum" sz="quarter" idx="10"/>
+            <p:ph type="sldNum" sz="quarter" idx="5"/>
           </p:nvPr>
         </p:nvSpPr>
         <p:spPr/>
@@ -30853,7 +30982,7 @@
           <a:p>
             <a:fld id="{1ECF6A35-0BFF-42C8-8651-D2B5FB2BDBD4}" type="slidenum">
               <a:rPr lang="en-US" smtClean="0"/>
-              <a:t>15</a:t>
+              <a:t>9</a:t>
             </a:fld>
             <a:endParaRPr lang="en-US"/>
           </a:p>
@@ -30862,7 +30991,7 @@
     </p:spTree>
     <p:extLst>
       <p:ext uri="{BB962C8B-B14F-4D97-AF65-F5344CB8AC3E}">
-        <p14:creationId xmlns:p14="http://schemas.microsoft.com/office/powerpoint/2010/main" val="2020813825"/>
+        <p14:creationId xmlns:p14="http://schemas.microsoft.com/office/powerpoint/2010/main" val="692543737"/>
       </p:ext>
     </p:extLst>
   </p:cSld>
@@ -33176,9 +33305,12 @@
 <p:sldMaster xmlns:a="http://schemas.openxmlformats.org/drawingml/2006/main" xmlns:r="http://schemas.openxmlformats.org/officeDocument/2006/relationships" xmlns:p="http://schemas.openxmlformats.org/presentationml/2006/main">
   <p:cSld>
     <p:bg>
-      <p:bgRef idx="1001">
-        <a:schemeClr val="bg1"/>
-      </p:bgRef>
+      <p:bgPr>
+        <a:solidFill>
+          <a:schemeClr val="tx1"/>
+        </a:solidFill>
+        <a:effectLst/>
+      </p:bgPr>
     </p:bg>
     <p:spTree>
       <p:nvGrpSpPr>
@@ -33715,14 +33847,6 @@
 <file path=ppt/slides/slide1.xml><?xml version="1.0" encoding="utf-8"?>
 <p:sld xmlns:a="http://schemas.openxmlformats.org/drawingml/2006/main" xmlns:r="http://schemas.openxmlformats.org/officeDocument/2006/relationships" xmlns:p="http://schemas.openxmlformats.org/presentationml/2006/main">
   <p:cSld>
-    <p:bg>
-      <p:bgPr>
-        <a:solidFill>
-          <a:srgbClr val="111111"/>
-        </a:solidFill>
-        <a:effectLst/>
-      </p:bgPr>
-    </p:bg>
     <p:spTree>
       <p:nvGrpSpPr>
         <p:cNvPr id="1" name=""/>
@@ -33824,260 +33948,6 @@
 </file>
 
 <file path=ppt/slides/slide10.xml><?xml version="1.0" encoding="utf-8"?>
-<p:sld xmlns:a="http://schemas.openxmlformats.org/drawingml/2006/main" xmlns:r="http://schemas.openxmlformats.org/officeDocument/2006/relationships" xmlns:p="http://schemas.openxmlformats.org/presentationml/2006/main">
-  <p:cSld>
-    <p:bg>
-      <p:bgPr>
-        <a:solidFill>
-          <a:srgbClr val="111111"/>
-        </a:solidFill>
-        <a:effectLst/>
-      </p:bgPr>
-    </p:bg>
-    <p:spTree>
-      <p:nvGrpSpPr>
-        <p:cNvPr id="1" name=""/>
-        <p:cNvGrpSpPr/>
-        <p:nvPr/>
-      </p:nvGrpSpPr>
-      <p:grpSpPr>
-        <a:xfrm>
-          <a:off x="0" y="0"/>
-          <a:ext cx="0" cy="0"/>
-          <a:chOff x="0" y="0"/>
-          <a:chExt cx="0" cy="0"/>
-        </a:xfrm>
-      </p:grpSpPr>
-      <p:pic>
-        <p:nvPicPr>
-          <p:cNvPr id="3" name="Obraz 2">
-            <a:extLst>
-              <a:ext uri="{FF2B5EF4-FFF2-40B4-BE49-F238E27FC236}">
-                <a16:creationId xmlns:a16="http://schemas.microsoft.com/office/drawing/2014/main" id="{635CE953-8361-47C3-A32B-495006153385}"/>
-              </a:ext>
-            </a:extLst>
-          </p:cNvPr>
-          <p:cNvPicPr>
-            <a:picLocks noChangeAspect="1"/>
-          </p:cNvPicPr>
-          <p:nvPr/>
-        </p:nvPicPr>
-        <p:blipFill>
-          <a:blip r:embed="rId2" cstate="print">
-            <a:extLst>
-              <a:ext uri="{28A0092B-C50C-407E-A947-70E740481C1C}">
-                <a14:useLocalDpi xmlns:a14="http://schemas.microsoft.com/office/drawing/2010/main" val="0"/>
-              </a:ext>
-            </a:extLst>
-          </a:blip>
-          <a:stretch>
-            <a:fillRect/>
-          </a:stretch>
-        </p:blipFill>
-        <p:spPr>
-          <a:xfrm>
-            <a:off x="316669" y="2541980"/>
-            <a:ext cx="3330758" cy="1774039"/>
-          </a:xfrm>
-          <a:prstGeom prst="rect">
-            <a:avLst/>
-          </a:prstGeom>
-        </p:spPr>
-      </p:pic>
-      <p:pic>
-        <p:nvPicPr>
-          <p:cNvPr id="4" name="Obraz 3">
-            <a:extLst>
-              <a:ext uri="{FF2B5EF4-FFF2-40B4-BE49-F238E27FC236}">
-                <a16:creationId xmlns:a16="http://schemas.microsoft.com/office/drawing/2014/main" id="{C5150845-C0FE-43BB-B8C0-CBA4B768A512}"/>
-              </a:ext>
-            </a:extLst>
-          </p:cNvPr>
-          <p:cNvPicPr>
-            <a:picLocks noChangeAspect="1"/>
-          </p:cNvPicPr>
-          <p:nvPr/>
-        </p:nvPicPr>
-        <p:blipFill>
-          <a:blip r:embed="rId2" cstate="print">
-            <a:extLst>
-              <a:ext uri="{28A0092B-C50C-407E-A947-70E740481C1C}">
-                <a14:useLocalDpi xmlns:a14="http://schemas.microsoft.com/office/drawing/2010/main" val="0"/>
-              </a:ext>
-            </a:extLst>
-          </a:blip>
-          <a:stretch>
-            <a:fillRect/>
-          </a:stretch>
-        </p:blipFill>
-        <p:spPr>
-          <a:xfrm>
-            <a:off x="3740907" y="2541980"/>
-            <a:ext cx="3330758" cy="1774039"/>
-          </a:xfrm>
-          <a:prstGeom prst="rect">
-            <a:avLst/>
-          </a:prstGeom>
-        </p:spPr>
-      </p:pic>
-      <p:pic>
-        <p:nvPicPr>
-          <p:cNvPr id="5" name="Obraz 4">
-            <a:extLst>
-              <a:ext uri="{FF2B5EF4-FFF2-40B4-BE49-F238E27FC236}">
-                <a16:creationId xmlns:a16="http://schemas.microsoft.com/office/drawing/2014/main" id="{82F36ED9-D14E-49C4-A320-DA6FEA85FDC5}"/>
-              </a:ext>
-            </a:extLst>
-          </p:cNvPr>
-          <p:cNvPicPr>
-            <a:picLocks noChangeAspect="1"/>
-          </p:cNvPicPr>
-          <p:nvPr/>
-        </p:nvPicPr>
-        <p:blipFill>
-          <a:blip r:embed="rId2" cstate="print">
-            <a:extLst>
-              <a:ext uri="{28A0092B-C50C-407E-A947-70E740481C1C}">
-                <a14:useLocalDpi xmlns:a14="http://schemas.microsoft.com/office/drawing/2010/main" val="0"/>
-              </a:ext>
-            </a:extLst>
-          </a:blip>
-          <a:stretch>
-            <a:fillRect/>
-          </a:stretch>
-        </p:blipFill>
-        <p:spPr>
-          <a:xfrm rot="19343771">
-            <a:off x="6579356" y="941779"/>
-            <a:ext cx="3330758" cy="1774039"/>
-          </a:xfrm>
-          <a:prstGeom prst="rect">
-            <a:avLst/>
-          </a:prstGeom>
-        </p:spPr>
-      </p:pic>
-      <p:pic>
-        <p:nvPicPr>
-          <p:cNvPr id="6" name="Obraz 5">
-            <a:extLst>
-              <a:ext uri="{FF2B5EF4-FFF2-40B4-BE49-F238E27FC236}">
-                <a16:creationId xmlns:a16="http://schemas.microsoft.com/office/drawing/2014/main" id="{20B61700-64C9-4A6A-9937-3DFC3B5ED055}"/>
-              </a:ext>
-            </a:extLst>
-          </p:cNvPr>
-          <p:cNvPicPr>
-            <a:picLocks noChangeAspect="1"/>
-          </p:cNvPicPr>
-          <p:nvPr/>
-        </p:nvPicPr>
-        <p:blipFill>
-          <a:blip r:embed="rId3" cstate="print">
-            <a:extLst>
-              <a:ext uri="{28A0092B-C50C-407E-A947-70E740481C1C}">
-                <a14:useLocalDpi xmlns:a14="http://schemas.microsoft.com/office/drawing/2010/main" val="0"/>
-              </a:ext>
-            </a:extLst>
-          </a:blip>
-          <a:stretch>
-            <a:fillRect/>
-          </a:stretch>
-        </p:blipFill>
-        <p:spPr>
-          <a:xfrm rot="3221884">
-            <a:off x="6369767" y="4456371"/>
-            <a:ext cx="1787446" cy="952035"/>
-          </a:xfrm>
-          <a:prstGeom prst="rect">
-            <a:avLst/>
-          </a:prstGeom>
-        </p:spPr>
-      </p:pic>
-      <p:pic>
-        <p:nvPicPr>
-          <p:cNvPr id="7" name="Obraz 6">
-            <a:extLst>
-              <a:ext uri="{FF2B5EF4-FFF2-40B4-BE49-F238E27FC236}">
-                <a16:creationId xmlns:a16="http://schemas.microsoft.com/office/drawing/2014/main" id="{83C7EE30-82BB-4FF8-9B64-22A5F2AA2F06}"/>
-              </a:ext>
-            </a:extLst>
-          </p:cNvPr>
-          <p:cNvPicPr>
-            <a:picLocks noChangeAspect="1"/>
-          </p:cNvPicPr>
-          <p:nvPr/>
-        </p:nvPicPr>
-        <p:blipFill>
-          <a:blip r:embed="rId4" cstate="print">
-            <a:extLst>
-              <a:ext uri="{28A0092B-C50C-407E-A947-70E740481C1C}">
-                <a14:useLocalDpi xmlns:a14="http://schemas.microsoft.com/office/drawing/2010/main" val="0"/>
-              </a:ext>
-            </a:extLst>
-          </a:blip>
-          <a:stretch>
-            <a:fillRect/>
-          </a:stretch>
-        </p:blipFill>
-        <p:spPr>
-          <a:xfrm rot="3221884">
-            <a:off x="2800241" y="4553717"/>
-            <a:ext cx="2401150" cy="1278908"/>
-          </a:xfrm>
-          <a:prstGeom prst="rect">
-            <a:avLst/>
-          </a:prstGeom>
-        </p:spPr>
-      </p:pic>
-      <p:pic>
-        <p:nvPicPr>
-          <p:cNvPr id="9" name="Obraz 8">
-            <a:extLst>
-              <a:ext uri="{FF2B5EF4-FFF2-40B4-BE49-F238E27FC236}">
-                <a16:creationId xmlns:a16="http://schemas.microsoft.com/office/drawing/2014/main" id="{AB26620C-405B-4ACF-A083-898C160D53B8}"/>
-              </a:ext>
-            </a:extLst>
-          </p:cNvPr>
-          <p:cNvPicPr>
-            <a:picLocks noChangeAspect="1"/>
-          </p:cNvPicPr>
-          <p:nvPr/>
-        </p:nvPicPr>
-        <p:blipFill>
-          <a:blip r:embed="rId3" cstate="print">
-            <a:extLst>
-              <a:ext uri="{28A0092B-C50C-407E-A947-70E740481C1C}">
-                <a14:useLocalDpi xmlns:a14="http://schemas.microsoft.com/office/drawing/2010/main" val="0"/>
-              </a:ext>
-            </a:extLst>
-          </a:blip>
-          <a:stretch>
-            <a:fillRect/>
-          </a:stretch>
-        </p:blipFill>
-        <p:spPr>
-          <a:xfrm>
-            <a:off x="8012829" y="4812312"/>
-            <a:ext cx="1787446" cy="952035"/>
-          </a:xfrm>
-          <a:prstGeom prst="rect">
-            <a:avLst/>
-          </a:prstGeom>
-        </p:spPr>
-      </p:pic>
-    </p:spTree>
-    <p:extLst>
-      <p:ext uri="{BB962C8B-B14F-4D97-AF65-F5344CB8AC3E}">
-        <p14:creationId xmlns:p14="http://schemas.microsoft.com/office/powerpoint/2010/main" val="3665762833"/>
-      </p:ext>
-    </p:extLst>
-  </p:cSld>
-  <p:clrMapOvr>
-    <a:masterClrMapping/>
-  </p:clrMapOvr>
-</p:sld>
-</file>
-
-<file path=ppt/slides/slide11.xml><?xml version="1.0" encoding="utf-8"?>
 <p:sld xmlns:a="http://schemas.openxmlformats.org/drawingml/2006/main" xmlns:r="http://schemas.openxmlformats.org/officeDocument/2006/relationships" xmlns:p="http://schemas.openxmlformats.org/presentationml/2006/main">
   <p:cSld>
     <p:spTree>
@@ -34221,7 +34091,7 @@
 </p:sld>
 </file>
 
-<file path=ppt/slides/slide12.xml><?xml version="1.0" encoding="utf-8"?>
+<file path=ppt/slides/slide11.xml><?xml version="1.0" encoding="utf-8"?>
 <p:sld xmlns:a="http://schemas.openxmlformats.org/drawingml/2006/main" xmlns:r="http://schemas.openxmlformats.org/officeDocument/2006/relationships" xmlns:p="http://schemas.openxmlformats.org/presentationml/2006/main">
   <p:cSld>
     <p:spTree>
@@ -34275,465 +34145,9 @@
 </p:sld>
 </file>
 
-<file path=ppt/slides/slide13.xml><?xml version="1.0" encoding="utf-8"?>
+<file path=ppt/slides/slide12.xml><?xml version="1.0" encoding="utf-8"?>
 <p:sld xmlns:a="http://schemas.openxmlformats.org/drawingml/2006/main" xmlns:r="http://schemas.openxmlformats.org/officeDocument/2006/relationships" xmlns:p="http://schemas.openxmlformats.org/presentationml/2006/main">
   <p:cSld>
-    <p:bg>
-      <p:bgPr>
-        <a:solidFill>
-          <a:srgbClr val="111111"/>
-        </a:solidFill>
-        <a:effectLst/>
-      </p:bgPr>
-    </p:bg>
-    <p:spTree>
-      <p:nvGrpSpPr>
-        <p:cNvPr id="1" name=""/>
-        <p:cNvGrpSpPr/>
-        <p:nvPr/>
-      </p:nvGrpSpPr>
-      <p:grpSpPr>
-        <a:xfrm>
-          <a:off x="0" y="0"/>
-          <a:ext cx="0" cy="0"/>
-          <a:chOff x="0" y="0"/>
-          <a:chExt cx="0" cy="0"/>
-        </a:xfrm>
-      </p:grpSpPr>
-      <p:grpSp>
-        <p:nvGrpSpPr>
-          <p:cNvPr id="7" name="Grupa 6"/>
-          <p:cNvGrpSpPr/>
-          <p:nvPr/>
-        </p:nvGrpSpPr>
-        <p:grpSpPr>
-          <a:xfrm>
-            <a:off x="3593250" y="2531751"/>
-            <a:ext cx="1097502" cy="750877"/>
-            <a:chOff x="2244674" y="3255378"/>
-            <a:chExt cx="1097502" cy="750877"/>
-          </a:xfrm>
-        </p:grpSpPr>
-        <p:pic>
-          <p:nvPicPr>
-            <p:cNvPr id="4" name="Picture 28"/>
-            <p:cNvPicPr>
-              <a:picLocks noChangeAspect="1"/>
-            </p:cNvPicPr>
-            <p:nvPr/>
-          </p:nvPicPr>
-          <p:blipFill>
-            <a:blip r:embed="rId2"/>
-            <a:stretch>
-              <a:fillRect/>
-            </a:stretch>
-          </p:blipFill>
-          <p:spPr>
-            <a:xfrm>
-              <a:off x="2244674" y="3255378"/>
-              <a:ext cx="1097502" cy="750877"/>
-            </a:xfrm>
-            <a:prstGeom prst="rect">
-              <a:avLst/>
-            </a:prstGeom>
-          </p:spPr>
-        </p:pic>
-        <p:sp>
-          <p:nvSpPr>
-            <p:cNvPr id="6" name="pole tekstowe 5"/>
-            <p:cNvSpPr txBox="1"/>
-            <p:nvPr/>
-          </p:nvSpPr>
-          <p:spPr>
-            <a:xfrm>
-              <a:off x="2367667" y="3572080"/>
-              <a:ext cx="881844" cy="369332"/>
-            </a:xfrm>
-            <a:prstGeom prst="rect">
-              <a:avLst/>
-            </a:prstGeom>
-            <a:noFill/>
-          </p:spPr>
-          <p:txBody>
-            <a:bodyPr wrap="none" rtlCol="0">
-              <a:spAutoFit/>
-            </a:bodyPr>
-            <a:lstStyle/>
-            <a:p>
-              <a:r>
-                <a:rPr lang="en-US" b="1" dirty="0"/>
-                <a:t>Front-4</a:t>
-              </a:r>
-            </a:p>
-          </p:txBody>
-        </p:sp>
-      </p:grpSp>
-      <p:sp>
-        <p:nvSpPr>
-          <p:cNvPr id="8" name="Prostokąt zaokrąglony 7"/>
-          <p:cNvSpPr/>
-          <p:nvPr/>
-        </p:nvSpPr>
-        <p:spPr>
-          <a:xfrm>
-            <a:off x="657842" y="2721820"/>
-            <a:ext cx="1756437" cy="1414360"/>
-          </a:xfrm>
-          <a:prstGeom prst="roundRect">
-            <a:avLst/>
-          </a:prstGeom>
-        </p:spPr>
-        <p:style>
-          <a:lnRef idx="1">
-            <a:schemeClr val="accent6"/>
-          </a:lnRef>
-          <a:fillRef idx="3">
-            <a:schemeClr val="accent6"/>
-          </a:fillRef>
-          <a:effectRef idx="2">
-            <a:schemeClr val="accent6"/>
-          </a:effectRef>
-          <a:fontRef idx="minor">
-            <a:schemeClr val="lt1"/>
-          </a:fontRef>
-        </p:style>
-        <p:txBody>
-          <a:bodyPr rtlCol="0" anchor="ctr"/>
-          <a:lstStyle/>
-          <a:p>
-            <a:pPr algn="ctr"/>
-            <a:r>
-              <a:rPr lang="pl-PL" sz="2000" dirty="0" err="1">
-                <a:latin typeface="Arial Black" panose="020B0A04020102020204" pitchFamily="34" charset="0"/>
-              </a:rPr>
-              <a:t>Frontend</a:t>
-            </a:r>
-            <a:endParaRPr lang="en-US" sz="2000" dirty="0">
-              <a:latin typeface="Arial Black" panose="020B0A04020102020204" pitchFamily="34" charset="0"/>
-            </a:endParaRPr>
-          </a:p>
-        </p:txBody>
-      </p:sp>
-      <p:sp>
-        <p:nvSpPr>
-          <p:cNvPr id="9" name="Prostokąt zaokrąglony 8"/>
-          <p:cNvSpPr/>
-          <p:nvPr/>
-        </p:nvSpPr>
-        <p:spPr>
-          <a:xfrm>
-            <a:off x="9777722" y="2721820"/>
-            <a:ext cx="1756437" cy="1414360"/>
-          </a:xfrm>
-          <a:prstGeom prst="roundRect">
-            <a:avLst/>
-          </a:prstGeom>
-        </p:spPr>
-        <p:style>
-          <a:lnRef idx="1">
-            <a:schemeClr val="accent2"/>
-          </a:lnRef>
-          <a:fillRef idx="3">
-            <a:schemeClr val="accent2"/>
-          </a:fillRef>
-          <a:effectRef idx="2">
-            <a:schemeClr val="accent2"/>
-          </a:effectRef>
-          <a:fontRef idx="minor">
-            <a:schemeClr val="lt1"/>
-          </a:fontRef>
-        </p:style>
-        <p:txBody>
-          <a:bodyPr rtlCol="0" anchor="ctr"/>
-          <a:lstStyle/>
-          <a:p>
-            <a:pPr algn="ctr"/>
-            <a:r>
-              <a:rPr lang="pl-PL" sz="2400" dirty="0">
-                <a:latin typeface="Arial Black" panose="020B0A04020102020204" pitchFamily="34" charset="0"/>
-              </a:rPr>
-              <a:t>Billing</a:t>
-            </a:r>
-            <a:endParaRPr lang="en-US" sz="2400" dirty="0">
-              <a:latin typeface="Arial Black" panose="020B0A04020102020204" pitchFamily="34" charset="0"/>
-            </a:endParaRPr>
-          </a:p>
-        </p:txBody>
-      </p:sp>
-      <p:sp>
-        <p:nvSpPr>
-          <p:cNvPr id="10" name="Prostokąt zaokrąglony 9"/>
-          <p:cNvSpPr/>
-          <p:nvPr/>
-        </p:nvSpPr>
-        <p:spPr>
-          <a:xfrm>
-            <a:off x="5217782" y="2721820"/>
-            <a:ext cx="1756437" cy="1414360"/>
-          </a:xfrm>
-          <a:prstGeom prst="roundRect">
-            <a:avLst/>
-          </a:prstGeom>
-        </p:spPr>
-        <p:style>
-          <a:lnRef idx="1">
-            <a:schemeClr val="accent5"/>
-          </a:lnRef>
-          <a:fillRef idx="3">
-            <a:schemeClr val="accent5"/>
-          </a:fillRef>
-          <a:effectRef idx="2">
-            <a:schemeClr val="accent5"/>
-          </a:effectRef>
-          <a:fontRef idx="minor">
-            <a:schemeClr val="lt1"/>
-          </a:fontRef>
-        </p:style>
-        <p:txBody>
-          <a:bodyPr rtlCol="0" anchor="ctr"/>
-          <a:lstStyle/>
-          <a:p>
-            <a:pPr algn="ctr"/>
-            <a:r>
-              <a:rPr lang="pl-PL" sz="2400" dirty="0" err="1">
-                <a:latin typeface="Arial Black" panose="020B0A04020102020204" pitchFamily="34" charset="0"/>
-              </a:rPr>
-              <a:t>Orders</a:t>
-            </a:r>
-            <a:endParaRPr lang="en-US" sz="2400" dirty="0">
-              <a:latin typeface="Arial Black" panose="020B0A04020102020204" pitchFamily="34" charset="0"/>
-            </a:endParaRPr>
-          </a:p>
-        </p:txBody>
-      </p:sp>
-      <p:grpSp>
-        <p:nvGrpSpPr>
-          <p:cNvPr id="11" name="Grupa 10"/>
-          <p:cNvGrpSpPr/>
-          <p:nvPr/>
-        </p:nvGrpSpPr>
-        <p:grpSpPr>
-          <a:xfrm>
-            <a:off x="3267168" y="3159048"/>
-            <a:ext cx="1097502" cy="750877"/>
-            <a:chOff x="2244674" y="3255378"/>
-            <a:chExt cx="1097502" cy="750877"/>
-          </a:xfrm>
-        </p:grpSpPr>
-        <p:pic>
-          <p:nvPicPr>
-            <p:cNvPr id="12" name="Picture 28"/>
-            <p:cNvPicPr>
-              <a:picLocks noChangeAspect="1"/>
-            </p:cNvPicPr>
-            <p:nvPr/>
-          </p:nvPicPr>
-          <p:blipFill>
-            <a:blip r:embed="rId2"/>
-            <a:stretch>
-              <a:fillRect/>
-            </a:stretch>
-          </p:blipFill>
-          <p:spPr>
-            <a:xfrm>
-              <a:off x="2244674" y="3255378"/>
-              <a:ext cx="1097502" cy="750877"/>
-            </a:xfrm>
-            <a:prstGeom prst="rect">
-              <a:avLst/>
-            </a:prstGeom>
-          </p:spPr>
-        </p:pic>
-        <p:sp>
-          <p:nvSpPr>
-            <p:cNvPr id="13" name="pole tekstowe 12"/>
-            <p:cNvSpPr txBox="1"/>
-            <p:nvPr/>
-          </p:nvSpPr>
-          <p:spPr>
-            <a:xfrm>
-              <a:off x="2367667" y="3572080"/>
-              <a:ext cx="881844" cy="369332"/>
-            </a:xfrm>
-            <a:prstGeom prst="rect">
-              <a:avLst/>
-            </a:prstGeom>
-            <a:noFill/>
-          </p:spPr>
-          <p:txBody>
-            <a:bodyPr wrap="none" rtlCol="0">
-              <a:spAutoFit/>
-            </a:bodyPr>
-            <a:lstStyle/>
-            <a:p>
-              <a:r>
-                <a:rPr lang="en-US" b="1" dirty="0"/>
-                <a:t>Front-4</a:t>
-              </a:r>
-            </a:p>
-          </p:txBody>
-        </p:sp>
-      </p:grpSp>
-      <p:grpSp>
-        <p:nvGrpSpPr>
-          <p:cNvPr id="14" name="Grupa 13"/>
-          <p:cNvGrpSpPr/>
-          <p:nvPr/>
-        </p:nvGrpSpPr>
-        <p:grpSpPr>
-          <a:xfrm>
-            <a:off x="8140032" y="2586725"/>
-            <a:ext cx="1138784" cy="750877"/>
-            <a:chOff x="2244674" y="3255378"/>
-            <a:chExt cx="1138784" cy="750877"/>
-          </a:xfrm>
-        </p:grpSpPr>
-        <p:pic>
-          <p:nvPicPr>
-            <p:cNvPr id="15" name="Picture 28"/>
-            <p:cNvPicPr>
-              <a:picLocks noChangeAspect="1"/>
-            </p:cNvPicPr>
-            <p:nvPr/>
-          </p:nvPicPr>
-          <p:blipFill>
-            <a:blip r:embed="rId2"/>
-            <a:stretch>
-              <a:fillRect/>
-            </a:stretch>
-          </p:blipFill>
-          <p:spPr>
-            <a:xfrm>
-              <a:off x="2244674" y="3255378"/>
-              <a:ext cx="1097502" cy="750877"/>
-            </a:xfrm>
-            <a:prstGeom prst="rect">
-              <a:avLst/>
-            </a:prstGeom>
-          </p:spPr>
-        </p:pic>
-        <p:sp>
-          <p:nvSpPr>
-            <p:cNvPr id="16" name="pole tekstowe 15"/>
-            <p:cNvSpPr txBox="1"/>
-            <p:nvPr/>
-          </p:nvSpPr>
-          <p:spPr>
-            <a:xfrm>
-              <a:off x="2367667" y="3572080"/>
-              <a:ext cx="1015791" cy="369332"/>
-            </a:xfrm>
-            <a:prstGeom prst="rect">
-              <a:avLst/>
-            </a:prstGeom>
-            <a:noFill/>
-          </p:spPr>
-          <p:txBody>
-            <a:bodyPr wrap="none" rtlCol="0">
-              <a:spAutoFit/>
-            </a:bodyPr>
-            <a:lstStyle/>
-            <a:p>
-              <a:r>
-                <a:rPr lang="en-US" b="1" dirty="0"/>
-                <a:t>Orders-8</a:t>
-              </a:r>
-            </a:p>
-          </p:txBody>
-        </p:sp>
-      </p:grpSp>
-      <p:grpSp>
-        <p:nvGrpSpPr>
-          <p:cNvPr id="17" name="Grupa 16"/>
-          <p:cNvGrpSpPr/>
-          <p:nvPr/>
-        </p:nvGrpSpPr>
-        <p:grpSpPr>
-          <a:xfrm>
-            <a:off x="7827219" y="3214022"/>
-            <a:ext cx="1138784" cy="750877"/>
-            <a:chOff x="2244674" y="3255378"/>
-            <a:chExt cx="1138784" cy="750877"/>
-          </a:xfrm>
-        </p:grpSpPr>
-        <p:pic>
-          <p:nvPicPr>
-            <p:cNvPr id="18" name="Picture 28"/>
-            <p:cNvPicPr>
-              <a:picLocks noChangeAspect="1"/>
-            </p:cNvPicPr>
-            <p:nvPr/>
-          </p:nvPicPr>
-          <p:blipFill>
-            <a:blip r:embed="rId2"/>
-            <a:stretch>
-              <a:fillRect/>
-            </a:stretch>
-          </p:blipFill>
-          <p:spPr>
-            <a:xfrm>
-              <a:off x="2244674" y="3255378"/>
-              <a:ext cx="1097502" cy="750877"/>
-            </a:xfrm>
-            <a:prstGeom prst="rect">
-              <a:avLst/>
-            </a:prstGeom>
-          </p:spPr>
-        </p:pic>
-        <p:sp>
-          <p:nvSpPr>
-            <p:cNvPr id="19" name="pole tekstowe 18"/>
-            <p:cNvSpPr txBox="1"/>
-            <p:nvPr/>
-          </p:nvSpPr>
-          <p:spPr>
-            <a:xfrm>
-              <a:off x="2367667" y="3572080"/>
-              <a:ext cx="1015791" cy="369332"/>
-            </a:xfrm>
-            <a:prstGeom prst="rect">
-              <a:avLst/>
-            </a:prstGeom>
-            <a:noFill/>
-          </p:spPr>
-          <p:txBody>
-            <a:bodyPr wrap="none" rtlCol="0">
-              <a:spAutoFit/>
-            </a:bodyPr>
-            <a:lstStyle/>
-            <a:p>
-              <a:r>
-                <a:rPr lang="en-US" b="1" dirty="0"/>
-                <a:t>Orders-9</a:t>
-              </a:r>
-            </a:p>
-          </p:txBody>
-        </p:sp>
-      </p:grpSp>
-    </p:spTree>
-    <p:extLst>
-      <p:ext uri="{BB962C8B-B14F-4D97-AF65-F5344CB8AC3E}">
-        <p14:creationId xmlns:p14="http://schemas.microsoft.com/office/powerpoint/2010/main" val="1108102668"/>
-      </p:ext>
-    </p:extLst>
-  </p:cSld>
-  <p:clrMapOvr>
-    <a:masterClrMapping/>
-  </p:clrMapOvr>
-</p:sld>
-</file>
-
-<file path=ppt/slides/slide14.xml><?xml version="1.0" encoding="utf-8"?>
-<p:sld xmlns:a="http://schemas.openxmlformats.org/drawingml/2006/main" xmlns:r="http://schemas.openxmlformats.org/officeDocument/2006/relationships" xmlns:p="http://schemas.openxmlformats.org/presentationml/2006/main">
-  <p:cSld>
-    <p:bg>
-      <p:bgPr>
-        <a:solidFill>
-          <a:srgbClr val="111111"/>
-        </a:solidFill>
-        <a:effectLst/>
-      </p:bgPr>
-    </p:bg>
     <p:spTree>
       <p:nvGrpSpPr>
         <p:cNvPr id="1" name=""/>
@@ -35219,86 +34633,9 @@
 </p:sld>
 </file>
 
-<file path=ppt/slides/slide15.xml><?xml version="1.0" encoding="utf-8"?>
+<file path=ppt/slides/slide13.xml><?xml version="1.0" encoding="utf-8"?>
 <p:sld xmlns:a="http://schemas.openxmlformats.org/drawingml/2006/main" xmlns:r="http://schemas.openxmlformats.org/officeDocument/2006/relationships" xmlns:p="http://schemas.openxmlformats.org/presentationml/2006/main">
   <p:cSld>
-    <p:spTree>
-      <p:nvGrpSpPr>
-        <p:cNvPr id="1" name=""/>
-        <p:cNvGrpSpPr/>
-        <p:nvPr/>
-      </p:nvGrpSpPr>
-      <p:grpSpPr>
-        <a:xfrm>
-          <a:off x="0" y="0"/>
-          <a:ext cx="0" cy="0"/>
-          <a:chOff x="0" y="0"/>
-          <a:chExt cx="0" cy="0"/>
-        </a:xfrm>
-      </p:grpSpPr>
-      <p:sp>
-        <p:nvSpPr>
-          <p:cNvPr id="2" name="Tytuł 1"/>
-          <p:cNvSpPr>
-            <a:spLocks noGrp="1"/>
-          </p:cNvSpPr>
-          <p:nvPr>
-            <p:ph type="title"/>
-          </p:nvPr>
-        </p:nvSpPr>
-        <p:spPr/>
-        <p:txBody>
-          <a:bodyPr/>
-          <a:lstStyle/>
-          <a:p>
-            <a:endParaRPr lang="en-US"/>
-          </a:p>
-        </p:txBody>
-      </p:sp>
-      <p:graphicFrame>
-        <p:nvGraphicFramePr>
-          <p:cNvPr id="4" name="Symbol zastępczy zawartości 3"/>
-          <p:cNvGraphicFramePr>
-            <a:graphicFrameLocks noGrp="1"/>
-          </p:cNvGraphicFramePr>
-          <p:nvPr>
-            <p:ph idx="1"/>
-          </p:nvPr>
-        </p:nvGraphicFramePr>
-        <p:xfrm>
-          <a:off x="838200" y="1825625"/>
-          <a:ext cx="10515600" cy="4351338"/>
-        </p:xfrm>
-        <a:graphic>
-          <a:graphicData uri="http://schemas.openxmlformats.org/drawingml/2006/diagram">
-            <dgm:relIds xmlns:dgm="http://schemas.openxmlformats.org/drawingml/2006/diagram" xmlns:r="http://schemas.openxmlformats.org/officeDocument/2006/relationships" r:dm="rId3" r:lo="rId4" r:qs="rId5" r:cs="rId6"/>
-          </a:graphicData>
-        </a:graphic>
-      </p:graphicFrame>
-    </p:spTree>
-    <p:extLst>
-      <p:ext uri="{BB962C8B-B14F-4D97-AF65-F5344CB8AC3E}">
-        <p14:creationId xmlns:p14="http://schemas.microsoft.com/office/powerpoint/2010/main" val="3889166938"/>
-      </p:ext>
-    </p:extLst>
-  </p:cSld>
-  <p:clrMapOvr>
-    <a:masterClrMapping/>
-  </p:clrMapOvr>
-</p:sld>
-</file>
-
-<file path=ppt/slides/slide16.xml><?xml version="1.0" encoding="utf-8"?>
-<p:sld xmlns:a="http://schemas.openxmlformats.org/drawingml/2006/main" xmlns:r="http://schemas.openxmlformats.org/officeDocument/2006/relationships" xmlns:p="http://schemas.openxmlformats.org/presentationml/2006/main">
-  <p:cSld>
-    <p:bg>
-      <p:bgPr>
-        <a:solidFill>
-          <a:srgbClr val="111111"/>
-        </a:solidFill>
-        <a:effectLst/>
-      </p:bgPr>
-    </p:bg>
     <p:spTree>
       <p:nvGrpSpPr>
         <p:cNvPr id="1" name=""/>
@@ -35351,14 +34688,61 @@
 <file path=ppt/slides/slide2.xml><?xml version="1.0" encoding="utf-8"?>
 <p:sld xmlns:a="http://schemas.openxmlformats.org/drawingml/2006/main" xmlns:r="http://schemas.openxmlformats.org/officeDocument/2006/relationships" xmlns:p="http://schemas.openxmlformats.org/presentationml/2006/main">
   <p:cSld>
-    <p:bg>
-      <p:bgPr>
-        <a:solidFill>
-          <a:srgbClr val="111111"/>
-        </a:solidFill>
-        <a:effectLst/>
-      </p:bgPr>
-    </p:bg>
+    <p:spTree>
+      <p:nvGrpSpPr>
+        <p:cNvPr id="1" name=""/>
+        <p:cNvGrpSpPr/>
+        <p:nvPr/>
+      </p:nvGrpSpPr>
+      <p:grpSpPr>
+        <a:xfrm>
+          <a:off x="0" y="0"/>
+          <a:ext cx="0" cy="0"/>
+          <a:chOff x="0" y="0"/>
+          <a:chExt cx="0" cy="0"/>
+        </a:xfrm>
+      </p:grpSpPr>
+      <p:graphicFrame>
+        <p:nvGraphicFramePr>
+          <p:cNvPr id="4" name="Symbol zastępczy zawartości 3"/>
+          <p:cNvGraphicFramePr>
+            <a:graphicFrameLocks noGrp="1"/>
+          </p:cNvGraphicFramePr>
+          <p:nvPr>
+            <p:ph idx="4294967295"/>
+            <p:extLst>
+              <p:ext uri="{D42A27DB-BD31-4B8C-83A1-F6EECF244321}">
+                <p14:modId xmlns:p14="http://schemas.microsoft.com/office/powerpoint/2010/main" val="2449367990"/>
+              </p:ext>
+            </p:extLst>
+          </p:nvPr>
+        </p:nvGraphicFramePr>
+        <p:xfrm>
+          <a:off x="931653" y="1503572"/>
+          <a:ext cx="10515600" cy="4351338"/>
+        </p:xfrm>
+        <a:graphic>
+          <a:graphicData uri="http://schemas.openxmlformats.org/drawingml/2006/diagram">
+            <dgm:relIds xmlns:dgm="http://schemas.openxmlformats.org/drawingml/2006/diagram" xmlns:r="http://schemas.openxmlformats.org/officeDocument/2006/relationships" r:dm="rId3" r:lo="rId4" r:qs="rId5" r:cs="rId6"/>
+          </a:graphicData>
+        </a:graphic>
+      </p:graphicFrame>
+    </p:spTree>
+    <p:extLst>
+      <p:ext uri="{BB962C8B-B14F-4D97-AF65-F5344CB8AC3E}">
+        <p14:creationId xmlns:p14="http://schemas.microsoft.com/office/powerpoint/2010/main" val="2112046333"/>
+      </p:ext>
+    </p:extLst>
+  </p:cSld>
+  <p:clrMapOvr>
+    <a:masterClrMapping/>
+  </p:clrMapOvr>
+</p:sld>
+</file>
+
+<file path=ppt/slides/slide3.xml><?xml version="1.0" encoding="utf-8"?>
+<p:sld xmlns:a="http://schemas.openxmlformats.org/drawingml/2006/main" xmlns:r="http://schemas.openxmlformats.org/officeDocument/2006/relationships" xmlns:p="http://schemas.openxmlformats.org/presentationml/2006/main">
+  <p:cSld>
     <p:spTree>
       <p:nvGrpSpPr>
         <p:cNvPr id="1" name=""/>
@@ -35722,17 +35106,9 @@
 </p:sld>
 </file>
 
-<file path=ppt/slides/slide3.xml><?xml version="1.0" encoding="utf-8"?>
+<file path=ppt/slides/slide4.xml><?xml version="1.0" encoding="utf-8"?>
 <p:sld xmlns:a="http://schemas.openxmlformats.org/drawingml/2006/main" xmlns:r="http://schemas.openxmlformats.org/officeDocument/2006/relationships" xmlns:p="http://schemas.openxmlformats.org/presentationml/2006/main">
   <p:cSld>
-    <p:bg>
-      <p:bgPr>
-        <a:solidFill>
-          <a:srgbClr val="111111"/>
-        </a:solidFill>
-        <a:effectLst/>
-      </p:bgPr>
-    </p:bg>
     <p:spTree>
       <p:nvGrpSpPr>
         <p:cNvPr id="1" name=""/>
@@ -36132,17 +35508,9 @@
 </p:sld>
 </file>
 
-<file path=ppt/slides/slide4.xml><?xml version="1.0" encoding="utf-8"?>
+<file path=ppt/slides/slide5.xml><?xml version="1.0" encoding="utf-8"?>
 <p:sld xmlns:a="http://schemas.openxmlformats.org/drawingml/2006/main" xmlns:r="http://schemas.openxmlformats.org/officeDocument/2006/relationships" xmlns:p="http://schemas.openxmlformats.org/presentationml/2006/main">
   <p:cSld>
-    <p:bg>
-      <p:bgPr>
-        <a:solidFill>
-          <a:schemeClr val="tx1"/>
-        </a:solidFill>
-        <a:effectLst/>
-      </p:bgPr>
-    </p:bg>
     <p:spTree>
       <p:nvGrpSpPr>
         <p:cNvPr id="1" name=""/>
@@ -36729,17 +36097,9 @@
 </p:sld>
 </file>
 
-<file path=ppt/slides/slide5.xml><?xml version="1.0" encoding="utf-8"?>
+<file path=ppt/slides/slide6.xml><?xml version="1.0" encoding="utf-8"?>
 <p:sld xmlns:a="http://schemas.openxmlformats.org/drawingml/2006/main" xmlns:r="http://schemas.openxmlformats.org/officeDocument/2006/relationships" xmlns:p="http://schemas.openxmlformats.org/presentationml/2006/main">
   <p:cSld>
-    <p:bg>
-      <p:bgPr>
-        <a:solidFill>
-          <a:srgbClr val="111111"/>
-        </a:solidFill>
-        <a:effectLst/>
-      </p:bgPr>
-    </p:bg>
     <p:spTree>
       <p:nvGrpSpPr>
         <p:cNvPr id="1" name=""/>
@@ -36905,17 +36265,9 @@
 </p:sld>
 </file>
 
-<file path=ppt/slides/slide6.xml><?xml version="1.0" encoding="utf-8"?>
+<file path=ppt/slides/slide7.xml><?xml version="1.0" encoding="utf-8"?>
 <p:sld xmlns:a="http://schemas.openxmlformats.org/drawingml/2006/main" xmlns:r="http://schemas.openxmlformats.org/officeDocument/2006/relationships" xmlns:p="http://schemas.openxmlformats.org/presentationml/2006/main">
   <p:cSld>
-    <p:bg>
-      <p:bgPr>
-        <a:solidFill>
-          <a:srgbClr val="111111"/>
-        </a:solidFill>
-        <a:effectLst/>
-      </p:bgPr>
-    </p:bg>
     <p:spTree>
       <p:nvGrpSpPr>
         <p:cNvPr id="1" name=""/>
@@ -37400,17 +36752,9 @@
 </p:sld>
 </file>
 
-<file path=ppt/slides/slide7.xml><?xml version="1.0" encoding="utf-8"?>
+<file path=ppt/slides/slide8.xml><?xml version="1.0" encoding="utf-8"?>
 <p:sld xmlns:a="http://schemas.openxmlformats.org/drawingml/2006/main" xmlns:r="http://schemas.openxmlformats.org/officeDocument/2006/relationships" xmlns:p="http://schemas.openxmlformats.org/presentationml/2006/main">
   <p:cSld>
-    <p:bg>
-      <p:bgPr>
-        <a:solidFill>
-          <a:schemeClr val="tx1"/>
-        </a:solidFill>
-        <a:effectLst/>
-      </p:bgPr>
-    </p:bg>
     <p:spTree>
       <p:nvGrpSpPr>
         <p:cNvPr id="1" name=""/>
@@ -38033,17 +37377,9 @@
 </p:sld>
 </file>
 
-<file path=ppt/slides/slide8.xml><?xml version="1.0" encoding="utf-8"?>
+<file path=ppt/slides/slide9.xml><?xml version="1.0" encoding="utf-8"?>
 <p:sld xmlns:a="http://schemas.openxmlformats.org/drawingml/2006/main" xmlns:r="http://schemas.openxmlformats.org/officeDocument/2006/relationships" xmlns:p="http://schemas.openxmlformats.org/presentationml/2006/main">
   <p:cSld>
-    <p:bg>
-      <p:bgPr>
-        <a:solidFill>
-          <a:srgbClr val="111111"/>
-        </a:solidFill>
-        <a:effectLst/>
-      </p:bgPr>
-    </p:bg>
     <p:spTree>
       <p:nvGrpSpPr>
         <p:cNvPr id="1" name=""/>
@@ -38494,296 +37830,6 @@
     <p:extLst>
       <p:ext uri="{BB962C8B-B14F-4D97-AF65-F5344CB8AC3E}">
         <p14:creationId xmlns:p14="http://schemas.microsoft.com/office/powerpoint/2010/main" val="3528621639"/>
-      </p:ext>
-    </p:extLst>
-  </p:cSld>
-  <p:clrMapOvr>
-    <a:masterClrMapping/>
-  </p:clrMapOvr>
-</p:sld>
-</file>
-
-<file path=ppt/slides/slide9.xml><?xml version="1.0" encoding="utf-8"?>
-<p:sld xmlns:a="http://schemas.openxmlformats.org/drawingml/2006/main" xmlns:r="http://schemas.openxmlformats.org/officeDocument/2006/relationships" xmlns:p="http://schemas.openxmlformats.org/presentationml/2006/main">
-  <p:cSld>
-    <p:bg>
-      <p:bgPr>
-        <a:solidFill>
-          <a:srgbClr val="111111"/>
-        </a:solidFill>
-        <a:effectLst/>
-      </p:bgPr>
-    </p:bg>
-    <p:spTree>
-      <p:nvGrpSpPr>
-        <p:cNvPr id="1" name=""/>
-        <p:cNvGrpSpPr/>
-        <p:nvPr/>
-      </p:nvGrpSpPr>
-      <p:grpSpPr>
-        <a:xfrm>
-          <a:off x="0" y="0"/>
-          <a:ext cx="0" cy="0"/>
-          <a:chOff x="0" y="0"/>
-          <a:chExt cx="0" cy="0"/>
-        </a:xfrm>
-      </p:grpSpPr>
-      <p:pic>
-        <p:nvPicPr>
-          <p:cNvPr id="2" name="Obraz 1">
-            <a:extLst>
-              <a:ext uri="{FF2B5EF4-FFF2-40B4-BE49-F238E27FC236}">
-                <a16:creationId xmlns:a16="http://schemas.microsoft.com/office/drawing/2014/main" id="{4857325F-89ED-4665-94F1-FF5E152B8A93}"/>
-              </a:ext>
-            </a:extLst>
-          </p:cNvPr>
-          <p:cNvPicPr>
-            <a:picLocks noChangeAspect="1"/>
-          </p:cNvPicPr>
-          <p:nvPr/>
-        </p:nvPicPr>
-        <p:blipFill>
-          <a:blip r:embed="rId2" cstate="print">
-            <a:extLst>
-              <a:ext uri="{28A0092B-C50C-407E-A947-70E740481C1C}">
-                <a14:useLocalDpi xmlns:a14="http://schemas.microsoft.com/office/drawing/2010/main" val="0"/>
-              </a:ext>
-            </a:extLst>
-          </a:blip>
-          <a:stretch>
-            <a:fillRect/>
-          </a:stretch>
-        </p:blipFill>
-        <p:spPr>
-          <a:xfrm>
-            <a:off x="1736035" y="511969"/>
-            <a:ext cx="1628775" cy="1628775"/>
-          </a:xfrm>
-          <a:prstGeom prst="rect">
-            <a:avLst/>
-          </a:prstGeom>
-        </p:spPr>
-      </p:pic>
-      <p:pic>
-        <p:nvPicPr>
-          <p:cNvPr id="3" name="Obraz 2">
-            <a:extLst>
-              <a:ext uri="{FF2B5EF4-FFF2-40B4-BE49-F238E27FC236}">
-                <a16:creationId xmlns:a16="http://schemas.microsoft.com/office/drawing/2014/main" id="{B3E73D8E-9C19-4A12-B184-4303EB7842CA}"/>
-              </a:ext>
-            </a:extLst>
-          </p:cNvPr>
-          <p:cNvPicPr>
-            <a:picLocks noChangeAspect="1"/>
-          </p:cNvPicPr>
-          <p:nvPr/>
-        </p:nvPicPr>
-        <p:blipFill>
-          <a:blip r:embed="rId2" cstate="print">
-            <a:extLst>
-              <a:ext uri="{28A0092B-C50C-407E-A947-70E740481C1C}">
-                <a14:useLocalDpi xmlns:a14="http://schemas.microsoft.com/office/drawing/2010/main" val="0"/>
-              </a:ext>
-            </a:extLst>
-          </a:blip>
-          <a:stretch>
-            <a:fillRect/>
-          </a:stretch>
-        </p:blipFill>
-        <p:spPr>
-          <a:xfrm>
-            <a:off x="1736035" y="2614612"/>
-            <a:ext cx="1628775" cy="1628775"/>
-          </a:xfrm>
-          <a:prstGeom prst="rect">
-            <a:avLst/>
-          </a:prstGeom>
-        </p:spPr>
-      </p:pic>
-      <p:pic>
-        <p:nvPicPr>
-          <p:cNvPr id="4" name="Obraz 3">
-            <a:extLst>
-              <a:ext uri="{FF2B5EF4-FFF2-40B4-BE49-F238E27FC236}">
-                <a16:creationId xmlns:a16="http://schemas.microsoft.com/office/drawing/2014/main" id="{7F33D0B3-5503-473C-AA0D-1AC6D2F2F341}"/>
-              </a:ext>
-            </a:extLst>
-          </p:cNvPr>
-          <p:cNvPicPr>
-            <a:picLocks noChangeAspect="1"/>
-          </p:cNvPicPr>
-          <p:nvPr/>
-        </p:nvPicPr>
-        <p:blipFill>
-          <a:blip r:embed="rId2" cstate="print">
-            <a:extLst>
-              <a:ext uri="{28A0092B-C50C-407E-A947-70E740481C1C}">
-                <a14:useLocalDpi xmlns:a14="http://schemas.microsoft.com/office/drawing/2010/main" val="0"/>
-              </a:ext>
-            </a:extLst>
-          </a:blip>
-          <a:stretch>
-            <a:fillRect/>
-          </a:stretch>
-        </p:blipFill>
-        <p:spPr>
-          <a:xfrm>
-            <a:off x="1736035" y="4717256"/>
-            <a:ext cx="1628775" cy="1628775"/>
-          </a:xfrm>
-          <a:prstGeom prst="rect">
-            <a:avLst/>
-          </a:prstGeom>
-        </p:spPr>
-      </p:pic>
-      <p:pic>
-        <p:nvPicPr>
-          <p:cNvPr id="6" name="Obraz 5">
-            <a:extLst>
-              <a:ext uri="{FF2B5EF4-FFF2-40B4-BE49-F238E27FC236}">
-                <a16:creationId xmlns:a16="http://schemas.microsoft.com/office/drawing/2014/main" id="{6D1727C4-4632-4C11-AF92-4EBF2E6B8C8B}"/>
-              </a:ext>
-            </a:extLst>
-          </p:cNvPr>
-          <p:cNvPicPr>
-            <a:picLocks noChangeAspect="1"/>
-          </p:cNvPicPr>
-          <p:nvPr/>
-        </p:nvPicPr>
-        <p:blipFill>
-          <a:blip r:embed="rId3" cstate="print">
-            <a:extLst>
-              <a:ext uri="{28A0092B-C50C-407E-A947-70E740481C1C}">
-                <a14:useLocalDpi xmlns:a14="http://schemas.microsoft.com/office/drawing/2010/main" val="0"/>
-              </a:ext>
-            </a:extLst>
-          </a:blip>
-          <a:stretch>
-            <a:fillRect/>
-          </a:stretch>
-        </p:blipFill>
-        <p:spPr>
-          <a:xfrm>
-            <a:off x="4807744" y="2269332"/>
-            <a:ext cx="2576512" cy="2576512"/>
-          </a:xfrm>
-          <a:prstGeom prst="rect">
-            <a:avLst/>
-          </a:prstGeom>
-        </p:spPr>
-      </p:pic>
-      <p:pic>
-        <p:nvPicPr>
-          <p:cNvPr id="7" name="Obraz 6">
-            <a:extLst>
-              <a:ext uri="{FF2B5EF4-FFF2-40B4-BE49-F238E27FC236}">
-                <a16:creationId xmlns:a16="http://schemas.microsoft.com/office/drawing/2014/main" id="{8D1C1B00-1595-4E4D-BA2C-10B77A114814}"/>
-              </a:ext>
-            </a:extLst>
-          </p:cNvPr>
-          <p:cNvPicPr>
-            <a:picLocks noChangeAspect="1"/>
-          </p:cNvPicPr>
-          <p:nvPr/>
-        </p:nvPicPr>
-        <p:blipFill>
-          <a:blip r:embed="rId2" cstate="print">
-            <a:extLst>
-              <a:ext uri="{28A0092B-C50C-407E-A947-70E740481C1C}">
-                <a14:useLocalDpi xmlns:a14="http://schemas.microsoft.com/office/drawing/2010/main" val="0"/>
-              </a:ext>
-            </a:extLst>
-          </a:blip>
-          <a:stretch>
-            <a:fillRect/>
-          </a:stretch>
-        </p:blipFill>
-        <p:spPr>
-          <a:xfrm>
-            <a:off x="8827190" y="511969"/>
-            <a:ext cx="1628775" cy="1628775"/>
-          </a:xfrm>
-          <a:prstGeom prst="rect">
-            <a:avLst/>
-          </a:prstGeom>
-        </p:spPr>
-      </p:pic>
-      <p:pic>
-        <p:nvPicPr>
-          <p:cNvPr id="8" name="Obraz 7">
-            <a:extLst>
-              <a:ext uri="{FF2B5EF4-FFF2-40B4-BE49-F238E27FC236}">
-                <a16:creationId xmlns:a16="http://schemas.microsoft.com/office/drawing/2014/main" id="{57AE2AE0-0858-4390-8E8C-7B18F52C3983}"/>
-              </a:ext>
-            </a:extLst>
-          </p:cNvPr>
-          <p:cNvPicPr>
-            <a:picLocks noChangeAspect="1"/>
-          </p:cNvPicPr>
-          <p:nvPr/>
-        </p:nvPicPr>
-        <p:blipFill>
-          <a:blip r:embed="rId2" cstate="print">
-            <a:extLst>
-              <a:ext uri="{28A0092B-C50C-407E-A947-70E740481C1C}">
-                <a14:useLocalDpi xmlns:a14="http://schemas.microsoft.com/office/drawing/2010/main" val="0"/>
-              </a:ext>
-            </a:extLst>
-          </a:blip>
-          <a:stretch>
-            <a:fillRect/>
-          </a:stretch>
-        </p:blipFill>
-        <p:spPr>
-          <a:xfrm>
-            <a:off x="8827190" y="2614612"/>
-            <a:ext cx="1628775" cy="1628775"/>
-          </a:xfrm>
-          <a:prstGeom prst="rect">
-            <a:avLst/>
-          </a:prstGeom>
-        </p:spPr>
-      </p:pic>
-      <p:pic>
-        <p:nvPicPr>
-          <p:cNvPr id="9" name="Obraz 8">
-            <a:extLst>
-              <a:ext uri="{FF2B5EF4-FFF2-40B4-BE49-F238E27FC236}">
-                <a16:creationId xmlns:a16="http://schemas.microsoft.com/office/drawing/2014/main" id="{82508435-F4CB-449E-8702-F6E87842B255}"/>
-              </a:ext>
-            </a:extLst>
-          </p:cNvPr>
-          <p:cNvPicPr>
-            <a:picLocks noChangeAspect="1"/>
-          </p:cNvPicPr>
-          <p:nvPr/>
-        </p:nvPicPr>
-        <p:blipFill>
-          <a:blip r:embed="rId2" cstate="print">
-            <a:extLst>
-              <a:ext uri="{28A0092B-C50C-407E-A947-70E740481C1C}">
-                <a14:useLocalDpi xmlns:a14="http://schemas.microsoft.com/office/drawing/2010/main" val="0"/>
-              </a:ext>
-            </a:extLst>
-          </a:blip>
-          <a:stretch>
-            <a:fillRect/>
-          </a:stretch>
-        </p:blipFill>
-        <p:spPr>
-          <a:xfrm>
-            <a:off x="8827190" y="4717256"/>
-            <a:ext cx="1628775" cy="1628775"/>
-          </a:xfrm>
-          <a:prstGeom prst="rect">
-            <a:avLst/>
-          </a:prstGeom>
-        </p:spPr>
-      </p:pic>
-    </p:spTree>
-    <p:extLst>
-      <p:ext uri="{BB962C8B-B14F-4D97-AF65-F5344CB8AC3E}">
-        <p14:creationId xmlns:p14="http://schemas.microsoft.com/office/powerpoint/2010/main" val="345719343"/>
       </p:ext>
     </p:extLst>
   </p:cSld>
